--- a/2019-XX-XX Implementing DDD/Presentation.pptx
+++ b/2019-XX-XX Implementing DDD/Presentation.pptx
@@ -43,7 +43,13 @@
     <p:sldId id="297" r:id="rId37"/>
     <p:sldId id="298" r:id="rId38"/>
     <p:sldId id="299" r:id="rId39"/>
-    <p:sldId id="296" r:id="rId40"/>
+    <p:sldId id="300" r:id="rId40"/>
+    <p:sldId id="301" r:id="rId41"/>
+    <p:sldId id="304" r:id="rId42"/>
+    <p:sldId id="302" r:id="rId43"/>
+    <p:sldId id="303" r:id="rId44"/>
+    <p:sldId id="305" r:id="rId45"/>
+    <p:sldId id="296" r:id="rId46"/>
   </p:sldIdLst>
   <p:sldSz cx="12192000" cy="6858000"/>
   <p:notesSz cx="6858000" cy="9144000"/>
@@ -7651,13 +7657,13 @@
         </p:spPr>
         <p:txBody>
           <a:bodyPr>
-            <a:normAutofit fontScale="85000" lnSpcReduction="10000"/>
+            <a:normAutofit fontScale="92500"/>
           </a:bodyPr>
           <a:lstStyle/>
           <a:p>
             <a:r>
               <a:rPr lang="en-US" dirty="0"/>
-              <a:t>Use domain objects (entities, domain services &amp; repositories)</a:t>
+              <a:t>Inject domain services &amp; repositories</a:t>
             </a:r>
           </a:p>
           <a:p>
@@ -7669,7 +7675,7 @@
           <a:p>
             <a:r>
               <a:rPr lang="en-US" dirty="0"/>
-              <a:t>Get entities from repository to work on</a:t>
+              <a:t>Get aggregate roots from repositories</a:t>
             </a:r>
           </a:p>
           <a:p>
@@ -8277,7 +8283,7 @@
             </a:r>
             <a:r>
               <a:rPr lang="en-US" sz="2000" dirty="0"/>
-              <a:t> should not sent by the clients!</a:t>
+              <a:t> should not sent by the client!</a:t>
             </a:r>
           </a:p>
         </p:txBody>
@@ -8658,7 +8664,7 @@
           <p:cNvPr id="2" name="Title 1">
             <a:extLst>
               <a:ext uri="{FF2B5EF4-FFF2-40B4-BE49-F238E27FC236}">
-                <a16:creationId xmlns:a16="http://schemas.microsoft.com/office/drawing/2014/main" id="{51B01318-D890-40C9-B6DF-6B8706F18FB4}"/>
+                <a16:creationId xmlns:a16="http://schemas.microsoft.com/office/drawing/2014/main" id="{9FB313FD-548B-4540-B224-09368876E8C7}"/>
               </a:ext>
             </a:extLst>
           </p:cNvPr>
@@ -8674,7 +8680,18 @@
           <a:bodyPr/>
           <a:lstStyle/>
           <a:p>
-            <a:endParaRPr lang="en-US"/>
+            <a:r>
+              <a:rPr lang="en-US" dirty="0"/>
+              <a:t>Application Services</a:t>
+            </a:r>
+            <a:br>
+              <a:rPr lang="en-US" dirty="0"/>
+            </a:br>
+            <a:r>
+              <a:rPr lang="en-US" sz="3600" dirty="0"/>
+              <a:t>Output DTO suggestions</a:t>
+            </a:r>
+            <a:endParaRPr lang="en-US" dirty="0"/>
           </a:p>
         </p:txBody>
       </p:sp>
@@ -8683,7 +8700,7 @@
           <p:cNvPr id="3" name="Content Placeholder 2">
             <a:extLst>
               <a:ext uri="{FF2B5EF4-FFF2-40B4-BE49-F238E27FC236}">
-                <a16:creationId xmlns:a16="http://schemas.microsoft.com/office/drawing/2014/main" id="{7021756C-A6F9-4576-85F5-2560FCD59BE6}"/>
+                <a16:creationId xmlns:a16="http://schemas.microsoft.com/office/drawing/2014/main" id="{E4F3065D-52E2-4E8D-B74F-4FD51CEF1E49}"/>
               </a:ext>
             </a:extLst>
           </p:cNvPr>
@@ -8694,19 +8711,265 @@
             <p:ph idx="1"/>
           </p:nvPr>
         </p:nvSpPr>
-        <p:spPr/>
-        <p:txBody>
-          <a:bodyPr/>
-          <a:lstStyle/>
-          <a:p>
-            <a:endParaRPr lang="en-US"/>
-          </a:p>
-        </p:txBody>
-      </p:sp>
+        <p:spPr>
+          <a:xfrm>
+            <a:off x="838200" y="1825625"/>
+            <a:ext cx="10515600" cy="1474168"/>
+          </a:xfrm>
+        </p:spPr>
+        <p:txBody>
+          <a:bodyPr>
+            <a:normAutofit/>
+          </a:bodyPr>
+          <a:lstStyle/>
+          <a:p>
+            <a:r>
+              <a:rPr lang="en-US" sz="1600" dirty="0"/>
+              <a:t>Keep output </a:t>
+            </a:r>
+            <a:r>
+              <a:rPr lang="en-US" sz="1600" b="1" dirty="0"/>
+              <a:t>DTO count minimum</a:t>
+            </a:r>
+            <a:r>
+              <a:rPr lang="en-US" sz="1600" dirty="0"/>
+              <a:t>. </a:t>
+            </a:r>
+            <a:r>
+              <a:rPr lang="en-US" sz="1600" dirty="0">
+                <a:solidFill>
+                  <a:srgbClr val="FF0000"/>
+                </a:solidFill>
+              </a:rPr>
+              <a:t>Reuse</a:t>
+            </a:r>
+            <a:r>
+              <a:rPr lang="en-US" sz="1600" dirty="0"/>
+              <a:t> where possible (except input DTOs as output DTO).</a:t>
+            </a:r>
+          </a:p>
+          <a:p>
+            <a:r>
+              <a:rPr lang="en-US" sz="1600" dirty="0"/>
+              <a:t>Return the entity DTO from </a:t>
+            </a:r>
+            <a:r>
+              <a:rPr lang="en-US" sz="1600" b="1" dirty="0"/>
+              <a:t>Create &amp; update </a:t>
+            </a:r>
+            <a:r>
+              <a:rPr lang="en-US" sz="1600" dirty="0"/>
+              <a:t>methods.</a:t>
+            </a:r>
+          </a:p>
+          <a:p>
+            <a:r>
+              <a:rPr lang="en-US" sz="1600" dirty="0"/>
+              <a:t>Can contain </a:t>
+            </a:r>
+            <a:r>
+              <a:rPr lang="en-US" sz="1600" b="1" dirty="0"/>
+              <a:t>more data </a:t>
+            </a:r>
+            <a:r>
+              <a:rPr lang="en-US" sz="1600" dirty="0"/>
+              <a:t>than client needs</a:t>
+            </a:r>
+          </a:p>
+          <a:p>
+            <a:r>
+              <a:rPr lang="en-US" sz="1600" dirty="0"/>
+              <a:t>Exception: Where </a:t>
+            </a:r>
+            <a:r>
+              <a:rPr lang="en-US" sz="1600" b="1" dirty="0"/>
+              <a:t>performance</a:t>
+            </a:r>
+            <a:r>
+              <a:rPr lang="en-US" sz="1600" dirty="0"/>
+              <a:t> is critical, especially for large result sets.</a:t>
+            </a:r>
+          </a:p>
+        </p:txBody>
+      </p:sp>
+      <p:pic>
+        <p:nvPicPr>
+          <p:cNvPr id="8" name="Picture 7">
+            <a:extLst>
+              <a:ext uri="{FF2B5EF4-FFF2-40B4-BE49-F238E27FC236}">
+                <a16:creationId xmlns:a16="http://schemas.microsoft.com/office/drawing/2014/main" id="{6136350B-7541-43DE-AB8C-B78660140A1C}"/>
+              </a:ext>
+            </a:extLst>
+          </p:cNvPr>
+          <p:cNvPicPr>
+            <a:picLocks noChangeAspect="1"/>
+          </p:cNvPicPr>
+          <p:nvPr/>
+        </p:nvPicPr>
+        <p:blipFill>
+          <a:blip r:embed="rId2"/>
+          <a:stretch>
+            <a:fillRect/>
+          </a:stretch>
+        </p:blipFill>
+        <p:spPr>
+          <a:xfrm>
+            <a:off x="838200" y="3495301"/>
+            <a:ext cx="6222670" cy="2976457"/>
+          </a:xfrm>
+          <a:prstGeom prst="rect">
+            <a:avLst/>
+          </a:prstGeom>
+        </p:spPr>
+      </p:pic>
+      <p:pic>
+        <p:nvPicPr>
+          <p:cNvPr id="9" name="Picture 8">
+            <a:extLst>
+              <a:ext uri="{FF2B5EF4-FFF2-40B4-BE49-F238E27FC236}">
+                <a16:creationId xmlns:a16="http://schemas.microsoft.com/office/drawing/2014/main" id="{3BF3626C-6168-4BB7-A176-BBA41ABE61BA}"/>
+              </a:ext>
+            </a:extLst>
+          </p:cNvPr>
+          <p:cNvPicPr>
+            <a:picLocks noChangeAspect="1"/>
+          </p:cNvPicPr>
+          <p:nvPr/>
+        </p:nvPicPr>
+        <p:blipFill>
+          <a:blip r:embed="rId3">
+            <a:extLst>
+              <a:ext uri="{28A0092B-C50C-407E-A947-70E740481C1C}">
+                <a14:useLocalDpi xmlns:a14="http://schemas.microsoft.com/office/drawing/2010/main" val="0"/>
+              </a:ext>
+            </a:extLst>
+          </a:blip>
+          <a:stretch>
+            <a:fillRect/>
+          </a:stretch>
+        </p:blipFill>
+        <p:spPr>
+          <a:xfrm>
+            <a:off x="6788727" y="4298864"/>
+            <a:ext cx="339692" cy="293218"/>
+          </a:xfrm>
+          <a:prstGeom prst="rect">
+            <a:avLst/>
+          </a:prstGeom>
+        </p:spPr>
+      </p:pic>
+      <p:pic>
+        <p:nvPicPr>
+          <p:cNvPr id="10" name="Picture 9">
+            <a:extLst>
+              <a:ext uri="{FF2B5EF4-FFF2-40B4-BE49-F238E27FC236}">
+                <a16:creationId xmlns:a16="http://schemas.microsoft.com/office/drawing/2014/main" id="{AB0295C5-CE29-4E56-B56B-0D0840BAD365}"/>
+              </a:ext>
+            </a:extLst>
+          </p:cNvPr>
+          <p:cNvPicPr>
+            <a:picLocks noChangeAspect="1"/>
+          </p:cNvPicPr>
+          <p:nvPr/>
+        </p:nvPicPr>
+        <p:blipFill>
+          <a:blip r:embed="rId3">
+            <a:extLst>
+              <a:ext uri="{28A0092B-C50C-407E-A947-70E740481C1C}">
+                <a14:useLocalDpi xmlns:a14="http://schemas.microsoft.com/office/drawing/2010/main" val="0"/>
+              </a:ext>
+            </a:extLst>
+          </a:blip>
+          <a:stretch>
+            <a:fillRect/>
+          </a:stretch>
+        </p:blipFill>
+        <p:spPr>
+          <a:xfrm>
+            <a:off x="4795652" y="4592082"/>
+            <a:ext cx="339692" cy="293218"/>
+          </a:xfrm>
+          <a:prstGeom prst="rect">
+            <a:avLst/>
+          </a:prstGeom>
+        </p:spPr>
+      </p:pic>
+      <p:pic>
+        <p:nvPicPr>
+          <p:cNvPr id="11" name="Picture 10">
+            <a:extLst>
+              <a:ext uri="{FF2B5EF4-FFF2-40B4-BE49-F238E27FC236}">
+                <a16:creationId xmlns:a16="http://schemas.microsoft.com/office/drawing/2014/main" id="{4071B153-A6C0-42C9-AD01-A3D64A0F700A}"/>
+              </a:ext>
+            </a:extLst>
+          </p:cNvPr>
+          <p:cNvPicPr>
+            <a:picLocks noChangeAspect="1"/>
+          </p:cNvPicPr>
+          <p:nvPr/>
+        </p:nvPicPr>
+        <p:blipFill>
+          <a:blip r:embed="rId3">
+            <a:extLst>
+              <a:ext uri="{28A0092B-C50C-407E-A947-70E740481C1C}">
+                <a14:useLocalDpi xmlns:a14="http://schemas.microsoft.com/office/drawing/2010/main" val="0"/>
+              </a:ext>
+            </a:extLst>
+          </a:blip>
+          <a:stretch>
+            <a:fillRect/>
+          </a:stretch>
+        </p:blipFill>
+        <p:spPr>
+          <a:xfrm>
+            <a:off x="1035133" y="5104406"/>
+            <a:ext cx="339692" cy="293218"/>
+          </a:xfrm>
+          <a:prstGeom prst="rect">
+            <a:avLst/>
+          </a:prstGeom>
+        </p:spPr>
+      </p:pic>
+      <p:pic>
+        <p:nvPicPr>
+          <p:cNvPr id="12" name="Picture 11">
+            <a:extLst>
+              <a:ext uri="{FF2B5EF4-FFF2-40B4-BE49-F238E27FC236}">
+                <a16:creationId xmlns:a16="http://schemas.microsoft.com/office/drawing/2014/main" id="{ACA0E7D8-DC1C-4C94-9130-CB1C1CFFA284}"/>
+              </a:ext>
+            </a:extLst>
+          </p:cNvPr>
+          <p:cNvPicPr>
+            <a:picLocks noChangeAspect="1"/>
+          </p:cNvPicPr>
+          <p:nvPr/>
+        </p:nvPicPr>
+        <p:blipFill>
+          <a:blip r:embed="rId3">
+            <a:extLst>
+              <a:ext uri="{28A0092B-C50C-407E-A947-70E740481C1C}">
+                <a14:useLocalDpi xmlns:a14="http://schemas.microsoft.com/office/drawing/2010/main" val="0"/>
+              </a:ext>
+            </a:extLst>
+          </a:blip>
+          <a:stretch>
+            <a:fillRect/>
+          </a:stretch>
+        </p:blipFill>
+        <p:spPr>
+          <a:xfrm>
+            <a:off x="1018056" y="5733799"/>
+            <a:ext cx="339692" cy="293218"/>
+          </a:xfrm>
+          <a:prstGeom prst="rect">
+            <a:avLst/>
+          </a:prstGeom>
+        </p:spPr>
+      </p:pic>
     </p:spTree>
     <p:extLst>
       <p:ext uri="{BB962C8B-B14F-4D97-AF65-F5344CB8AC3E}">
-        <p14:creationId xmlns:p14="http://schemas.microsoft.com/office/powerpoint/2010/main" val="2490287402"/>
+        <p14:creationId xmlns:p14="http://schemas.microsoft.com/office/powerpoint/2010/main" val="683563018"/>
       </p:ext>
     </p:extLst>
   </p:cSld>
@@ -8790,6 +9053,836 @@
     <p:extLst>
       <p:ext uri="{BB962C8B-B14F-4D97-AF65-F5344CB8AC3E}">
         <p14:creationId xmlns:p14="http://schemas.microsoft.com/office/powerpoint/2010/main" val="832024078"/>
+      </p:ext>
+    </p:extLst>
+  </p:cSld>
+  <p:clrMapOvr>
+    <a:masterClrMapping/>
+  </p:clrMapOvr>
+</p:sld>
+</file>
+
+<file path=ppt/slides/slide40.xml><?xml version="1.0" encoding="utf-8"?>
+<p:sld xmlns:a="http://schemas.openxmlformats.org/drawingml/2006/main" xmlns:r="http://schemas.openxmlformats.org/officeDocument/2006/relationships" xmlns:p="http://schemas.openxmlformats.org/presentationml/2006/main">
+  <p:cSld>
+    <p:spTree>
+      <p:nvGrpSpPr>
+        <p:cNvPr id="1" name=""/>
+        <p:cNvGrpSpPr/>
+        <p:nvPr/>
+      </p:nvGrpSpPr>
+      <p:grpSpPr>
+        <a:xfrm>
+          <a:off x="0" y="0"/>
+          <a:ext cx="0" cy="0"/>
+          <a:chOff x="0" y="0"/>
+          <a:chExt cx="0" cy="0"/>
+        </a:xfrm>
+      </p:grpSpPr>
+      <p:sp>
+        <p:nvSpPr>
+          <p:cNvPr id="2" name="Title 1">
+            <a:extLst>
+              <a:ext uri="{FF2B5EF4-FFF2-40B4-BE49-F238E27FC236}">
+                <a16:creationId xmlns:a16="http://schemas.microsoft.com/office/drawing/2014/main" id="{9FB313FD-548B-4540-B224-09368876E8C7}"/>
+              </a:ext>
+            </a:extLst>
+          </p:cNvPr>
+          <p:cNvSpPr>
+            <a:spLocks noGrp="1"/>
+          </p:cNvSpPr>
+          <p:nvPr>
+            <p:ph type="title"/>
+          </p:nvPr>
+        </p:nvSpPr>
+        <p:spPr/>
+        <p:txBody>
+          <a:bodyPr/>
+          <a:lstStyle/>
+          <a:p>
+            <a:r>
+              <a:rPr lang="en-US" dirty="0"/>
+              <a:t>Application Services</a:t>
+            </a:r>
+            <a:br>
+              <a:rPr lang="en-US" dirty="0"/>
+            </a:br>
+            <a:r>
+              <a:rPr lang="en-US" sz="3600" dirty="0"/>
+              <a:t>Output DTO suggestions</a:t>
+            </a:r>
+            <a:endParaRPr lang="en-US" dirty="0"/>
+          </a:p>
+        </p:txBody>
+      </p:sp>
+      <p:sp>
+        <p:nvSpPr>
+          <p:cNvPr id="3" name="Content Placeholder 2">
+            <a:extLst>
+              <a:ext uri="{FF2B5EF4-FFF2-40B4-BE49-F238E27FC236}">
+                <a16:creationId xmlns:a16="http://schemas.microsoft.com/office/drawing/2014/main" id="{E4F3065D-52E2-4E8D-B74F-4FD51CEF1E49}"/>
+              </a:ext>
+            </a:extLst>
+          </p:cNvPr>
+          <p:cNvSpPr>
+            <a:spLocks noGrp="1"/>
+          </p:cNvSpPr>
+          <p:nvPr>
+            <p:ph idx="1"/>
+          </p:nvPr>
+        </p:nvSpPr>
+        <p:spPr>
+          <a:xfrm>
+            <a:off x="838200" y="1825625"/>
+            <a:ext cx="10515600" cy="1436131"/>
+          </a:xfrm>
+        </p:spPr>
+        <p:txBody>
+          <a:bodyPr>
+            <a:noAutofit/>
+          </a:bodyPr>
+          <a:lstStyle/>
+          <a:p>
+            <a:r>
+              <a:rPr lang="en-US" sz="1600" dirty="0"/>
+              <a:t>Keep output </a:t>
+            </a:r>
+            <a:r>
+              <a:rPr lang="en-US" sz="1600" b="1" dirty="0"/>
+              <a:t>DTO count minimum</a:t>
+            </a:r>
+            <a:r>
+              <a:rPr lang="en-US" sz="1600" dirty="0"/>
+              <a:t>. </a:t>
+            </a:r>
+            <a:r>
+              <a:rPr lang="en-US" sz="1600" dirty="0">
+                <a:solidFill>
+                  <a:srgbClr val="FF0000"/>
+                </a:solidFill>
+              </a:rPr>
+              <a:t>Reuse</a:t>
+            </a:r>
+            <a:r>
+              <a:rPr lang="en-US" sz="1600" dirty="0"/>
+              <a:t> where possible (except input DTOs as output DTO).</a:t>
+            </a:r>
+          </a:p>
+          <a:p>
+            <a:r>
+              <a:rPr lang="en-US" sz="1600" dirty="0"/>
+              <a:t>Return the entity DTO from </a:t>
+            </a:r>
+            <a:r>
+              <a:rPr lang="en-US" sz="1600" b="1" dirty="0"/>
+              <a:t>Create &amp; update </a:t>
+            </a:r>
+            <a:r>
+              <a:rPr lang="en-US" sz="1600" dirty="0"/>
+              <a:t>methods.</a:t>
+            </a:r>
+          </a:p>
+          <a:p>
+            <a:r>
+              <a:rPr lang="en-US" sz="1600" dirty="0"/>
+              <a:t>Can contain </a:t>
+            </a:r>
+            <a:r>
+              <a:rPr lang="en-US" sz="1600" b="1" dirty="0"/>
+              <a:t>more data </a:t>
+            </a:r>
+            <a:r>
+              <a:rPr lang="en-US" sz="1600" dirty="0"/>
+              <a:t>than client needs</a:t>
+            </a:r>
+          </a:p>
+          <a:p>
+            <a:r>
+              <a:rPr lang="en-US" sz="1600" dirty="0"/>
+              <a:t>Exception: Where </a:t>
+            </a:r>
+            <a:r>
+              <a:rPr lang="en-US" sz="1600" b="1" dirty="0"/>
+              <a:t>performance</a:t>
+            </a:r>
+            <a:r>
+              <a:rPr lang="en-US" sz="1600" dirty="0"/>
+              <a:t> is critical, especially for large result sets.</a:t>
+            </a:r>
+          </a:p>
+        </p:txBody>
+      </p:sp>
+      <p:pic>
+        <p:nvPicPr>
+          <p:cNvPr id="4" name="Picture 3">
+            <a:extLst>
+              <a:ext uri="{FF2B5EF4-FFF2-40B4-BE49-F238E27FC236}">
+                <a16:creationId xmlns:a16="http://schemas.microsoft.com/office/drawing/2014/main" id="{AEB39D52-2EA2-49E1-97DF-9996081FB22D}"/>
+              </a:ext>
+            </a:extLst>
+          </p:cNvPr>
+          <p:cNvPicPr>
+            <a:picLocks noChangeAspect="1"/>
+          </p:cNvPicPr>
+          <p:nvPr/>
+        </p:nvPicPr>
+        <p:blipFill>
+          <a:blip r:embed="rId2"/>
+          <a:stretch>
+            <a:fillRect/>
+          </a:stretch>
+        </p:blipFill>
+        <p:spPr>
+          <a:xfrm>
+            <a:off x="393609" y="3479598"/>
+            <a:ext cx="5844459" cy="2736187"/>
+          </a:xfrm>
+          <a:prstGeom prst="rect">
+            <a:avLst/>
+          </a:prstGeom>
+        </p:spPr>
+      </p:pic>
+      <p:pic>
+        <p:nvPicPr>
+          <p:cNvPr id="5" name="Picture 4">
+            <a:extLst>
+              <a:ext uri="{FF2B5EF4-FFF2-40B4-BE49-F238E27FC236}">
+                <a16:creationId xmlns:a16="http://schemas.microsoft.com/office/drawing/2014/main" id="{C5A860DB-566D-47FD-82E1-C3C15816168E}"/>
+              </a:ext>
+            </a:extLst>
+          </p:cNvPr>
+          <p:cNvPicPr>
+            <a:picLocks noChangeAspect="1"/>
+          </p:cNvPicPr>
+          <p:nvPr/>
+        </p:nvPicPr>
+        <p:blipFill>
+          <a:blip r:embed="rId3"/>
+          <a:stretch>
+            <a:fillRect/>
+          </a:stretch>
+        </p:blipFill>
+        <p:spPr>
+          <a:xfrm>
+            <a:off x="6782417" y="3479598"/>
+            <a:ext cx="5015974" cy="2350965"/>
+          </a:xfrm>
+          <a:prstGeom prst="rect">
+            <a:avLst/>
+          </a:prstGeom>
+        </p:spPr>
+      </p:pic>
+    </p:spTree>
+    <p:extLst>
+      <p:ext uri="{BB962C8B-B14F-4D97-AF65-F5344CB8AC3E}">
+        <p14:creationId xmlns:p14="http://schemas.microsoft.com/office/powerpoint/2010/main" val="2453795207"/>
+      </p:ext>
+    </p:extLst>
+  </p:cSld>
+  <p:clrMapOvr>
+    <a:masterClrMapping/>
+  </p:clrMapOvr>
+</p:sld>
+</file>
+
+<file path=ppt/slides/slide41.xml><?xml version="1.0" encoding="utf-8"?>
+<p:sld xmlns:a="http://schemas.openxmlformats.org/drawingml/2006/main" xmlns:r="http://schemas.openxmlformats.org/officeDocument/2006/relationships" xmlns:p="http://schemas.openxmlformats.org/presentationml/2006/main">
+  <p:cSld>
+    <p:spTree>
+      <p:nvGrpSpPr>
+        <p:cNvPr id="1" name=""/>
+        <p:cNvGrpSpPr/>
+        <p:nvPr/>
+      </p:nvGrpSpPr>
+      <p:grpSpPr>
+        <a:xfrm>
+          <a:off x="0" y="0"/>
+          <a:ext cx="0" cy="0"/>
+          <a:chOff x="0" y="0"/>
+          <a:chExt cx="0" cy="0"/>
+        </a:xfrm>
+      </p:grpSpPr>
+      <p:sp>
+        <p:nvSpPr>
+          <p:cNvPr id="2" name="Title 1">
+            <a:extLst>
+              <a:ext uri="{FF2B5EF4-FFF2-40B4-BE49-F238E27FC236}">
+                <a16:creationId xmlns:a16="http://schemas.microsoft.com/office/drawing/2014/main" id="{9FB313FD-548B-4540-B224-09368876E8C7}"/>
+              </a:ext>
+            </a:extLst>
+          </p:cNvPr>
+          <p:cNvSpPr>
+            <a:spLocks noGrp="1"/>
+          </p:cNvSpPr>
+          <p:nvPr>
+            <p:ph type="title"/>
+          </p:nvPr>
+        </p:nvSpPr>
+        <p:spPr/>
+        <p:txBody>
+          <a:bodyPr/>
+          <a:lstStyle/>
+          <a:p>
+            <a:r>
+              <a:rPr lang="en-US" dirty="0"/>
+              <a:t>Application Services</a:t>
+            </a:r>
+            <a:br>
+              <a:rPr lang="en-US" dirty="0"/>
+            </a:br>
+            <a:r>
+              <a:rPr lang="en-US" sz="3600" dirty="0"/>
+              <a:t>Object to Object Mapping</a:t>
+            </a:r>
+            <a:endParaRPr lang="en-US" dirty="0"/>
+          </a:p>
+        </p:txBody>
+      </p:sp>
+      <p:sp>
+        <p:nvSpPr>
+          <p:cNvPr id="3" name="Content Placeholder 2">
+            <a:extLst>
+              <a:ext uri="{FF2B5EF4-FFF2-40B4-BE49-F238E27FC236}">
+                <a16:creationId xmlns:a16="http://schemas.microsoft.com/office/drawing/2014/main" id="{E4F3065D-52E2-4E8D-B74F-4FD51CEF1E49}"/>
+              </a:ext>
+            </a:extLst>
+          </p:cNvPr>
+          <p:cNvSpPr>
+            <a:spLocks noGrp="1"/>
+          </p:cNvSpPr>
+          <p:nvPr>
+            <p:ph idx="1"/>
+          </p:nvPr>
+        </p:nvSpPr>
+        <p:spPr>
+          <a:xfrm>
+            <a:off x="838200" y="1825626"/>
+            <a:ext cx="10515600" cy="1064036"/>
+          </a:xfrm>
+        </p:spPr>
+        <p:txBody>
+          <a:bodyPr>
+            <a:noAutofit/>
+          </a:bodyPr>
+          <a:lstStyle/>
+          <a:p>
+            <a:r>
+              <a:rPr lang="en-US" sz="2400" dirty="0"/>
+              <a:t>Use </a:t>
+            </a:r>
+            <a:r>
+              <a:rPr lang="en-US" sz="2400" b="1" dirty="0"/>
+              <a:t>auto object mapping </a:t>
+            </a:r>
+            <a:r>
+              <a:rPr lang="en-US" sz="2400" dirty="0"/>
+              <a:t>libraries (but, carefully – enable configuration validation)</a:t>
+            </a:r>
+          </a:p>
+          <a:p>
+            <a:r>
+              <a:rPr lang="en-US" sz="2400" b="1" dirty="0"/>
+              <a:t>Do not map </a:t>
+            </a:r>
+            <a:r>
+              <a:rPr lang="en-US" sz="2400" dirty="0"/>
+              <a:t>input DTOs to entities. </a:t>
+            </a:r>
+            <a:r>
+              <a:rPr lang="en-US" sz="2400" b="1" dirty="0"/>
+              <a:t>Map</a:t>
+            </a:r>
+            <a:r>
+              <a:rPr lang="en-US" sz="2400" dirty="0"/>
+              <a:t> entities to output DTOs</a:t>
+            </a:r>
+          </a:p>
+        </p:txBody>
+      </p:sp>
+    </p:spTree>
+    <p:extLst>
+      <p:ext uri="{BB962C8B-B14F-4D97-AF65-F5344CB8AC3E}">
+        <p14:creationId xmlns:p14="http://schemas.microsoft.com/office/powerpoint/2010/main" val="1364963194"/>
+      </p:ext>
+    </p:extLst>
+  </p:cSld>
+  <p:clrMapOvr>
+    <a:masterClrMapping/>
+  </p:clrMapOvr>
+</p:sld>
+</file>
+
+<file path=ppt/slides/slide42.xml><?xml version="1.0" encoding="utf-8"?>
+<p:sld xmlns:a="http://schemas.openxmlformats.org/drawingml/2006/main" xmlns:r="http://schemas.openxmlformats.org/officeDocument/2006/relationships" xmlns:p="http://schemas.openxmlformats.org/presentationml/2006/main">
+  <p:cSld>
+    <p:spTree>
+      <p:nvGrpSpPr>
+        <p:cNvPr id="1" name=""/>
+        <p:cNvGrpSpPr/>
+        <p:nvPr/>
+      </p:nvGrpSpPr>
+      <p:grpSpPr>
+        <a:xfrm>
+          <a:off x="0" y="0"/>
+          <a:ext cx="0" cy="0"/>
+          <a:chOff x="0" y="0"/>
+          <a:chExt cx="0" cy="0"/>
+        </a:xfrm>
+      </p:grpSpPr>
+      <p:sp>
+        <p:nvSpPr>
+          <p:cNvPr id="2" name="Title 1">
+            <a:extLst>
+              <a:ext uri="{FF2B5EF4-FFF2-40B4-BE49-F238E27FC236}">
+                <a16:creationId xmlns:a16="http://schemas.microsoft.com/office/drawing/2014/main" id="{9FB313FD-548B-4540-B224-09368876E8C7}"/>
+              </a:ext>
+            </a:extLst>
+          </p:cNvPr>
+          <p:cNvSpPr>
+            <a:spLocks noGrp="1"/>
+          </p:cNvSpPr>
+          <p:nvPr>
+            <p:ph type="title"/>
+          </p:nvPr>
+        </p:nvSpPr>
+        <p:spPr/>
+        <p:txBody>
+          <a:bodyPr/>
+          <a:lstStyle/>
+          <a:p>
+            <a:r>
+              <a:rPr lang="en-US" dirty="0"/>
+              <a:t>Application Services</a:t>
+            </a:r>
+            <a:br>
+              <a:rPr lang="en-US" dirty="0"/>
+            </a:br>
+            <a:r>
+              <a:rPr lang="en-US" sz="3600" dirty="0"/>
+              <a:t>Example: Entity Creation</a:t>
+            </a:r>
+            <a:endParaRPr lang="en-US" dirty="0"/>
+          </a:p>
+        </p:txBody>
+      </p:sp>
+      <p:pic>
+        <p:nvPicPr>
+          <p:cNvPr id="6" name="Picture 5">
+            <a:extLst>
+              <a:ext uri="{FF2B5EF4-FFF2-40B4-BE49-F238E27FC236}">
+                <a16:creationId xmlns:a16="http://schemas.microsoft.com/office/drawing/2014/main" id="{74522D94-FDA6-417B-ADF8-38E3D027ACCE}"/>
+              </a:ext>
+            </a:extLst>
+          </p:cNvPr>
+          <p:cNvPicPr>
+            <a:picLocks noChangeAspect="1"/>
+          </p:cNvPicPr>
+          <p:nvPr/>
+        </p:nvPicPr>
+        <p:blipFill>
+          <a:blip r:embed="rId2"/>
+          <a:stretch>
+            <a:fillRect/>
+          </a:stretch>
+        </p:blipFill>
+        <p:spPr>
+          <a:xfrm>
+            <a:off x="272142" y="2059562"/>
+            <a:ext cx="7268688" cy="3973650"/>
+          </a:xfrm>
+          <a:prstGeom prst="rect">
+            <a:avLst/>
+          </a:prstGeom>
+        </p:spPr>
+      </p:pic>
+      <p:sp>
+        <p:nvSpPr>
+          <p:cNvPr id="8" name="Content Placeholder 7">
+            <a:extLst>
+              <a:ext uri="{FF2B5EF4-FFF2-40B4-BE49-F238E27FC236}">
+                <a16:creationId xmlns:a16="http://schemas.microsoft.com/office/drawing/2014/main" id="{80359589-E408-41CD-B5EA-BB8554A5976C}"/>
+              </a:ext>
+            </a:extLst>
+          </p:cNvPr>
+          <p:cNvSpPr>
+            <a:spLocks noGrp="1"/>
+          </p:cNvSpPr>
+          <p:nvPr>
+            <p:ph idx="1"/>
+          </p:nvPr>
+        </p:nvSpPr>
+        <p:spPr>
+          <a:xfrm>
+            <a:off x="7635834" y="1825625"/>
+            <a:ext cx="3717966" cy="4351338"/>
+          </a:xfrm>
+        </p:spPr>
+        <p:txBody>
+          <a:bodyPr/>
+          <a:lstStyle/>
+          <a:p>
+            <a:r>
+              <a:rPr lang="en-US" dirty="0"/>
+              <a:t>Don’t use DTO to entity auto-mapping, use entity </a:t>
+            </a:r>
+            <a:r>
+              <a:rPr lang="en-US" b="1" dirty="0"/>
+              <a:t>constructor</a:t>
+            </a:r>
+            <a:r>
+              <a:rPr lang="en-US" dirty="0"/>
+              <a:t>.</a:t>
+            </a:r>
+          </a:p>
+          <a:p>
+            <a:r>
+              <a:rPr lang="en-US" dirty="0"/>
+              <a:t>Perform additional </a:t>
+            </a:r>
+            <a:r>
+              <a:rPr lang="en-US" b="1" dirty="0"/>
+              <a:t>domain actions</a:t>
+            </a:r>
+            <a:r>
+              <a:rPr lang="en-US" dirty="0"/>
+              <a:t>.</a:t>
+            </a:r>
+          </a:p>
+          <a:p>
+            <a:r>
+              <a:rPr lang="en-US" dirty="0"/>
+              <a:t>Use </a:t>
+            </a:r>
+            <a:r>
+              <a:rPr lang="en-US" b="1" dirty="0"/>
+              <a:t>repository</a:t>
+            </a:r>
+            <a:r>
+              <a:rPr lang="en-US" dirty="0"/>
+              <a:t>.</a:t>
+            </a:r>
+          </a:p>
+          <a:p>
+            <a:r>
+              <a:rPr lang="en-US" dirty="0"/>
+              <a:t>Return DTO using </a:t>
+            </a:r>
+            <a:r>
+              <a:rPr lang="en-US" b="1" dirty="0"/>
+              <a:t>auto-mapping</a:t>
+            </a:r>
+            <a:r>
+              <a:rPr lang="en-US" dirty="0"/>
+              <a:t>.</a:t>
+            </a:r>
+          </a:p>
+        </p:txBody>
+      </p:sp>
+    </p:spTree>
+    <p:extLst>
+      <p:ext uri="{BB962C8B-B14F-4D97-AF65-F5344CB8AC3E}">
+        <p14:creationId xmlns:p14="http://schemas.microsoft.com/office/powerpoint/2010/main" val="2480817299"/>
+      </p:ext>
+    </p:extLst>
+  </p:cSld>
+  <p:clrMapOvr>
+    <a:masterClrMapping/>
+  </p:clrMapOvr>
+</p:sld>
+</file>
+
+<file path=ppt/slides/slide43.xml><?xml version="1.0" encoding="utf-8"?>
+<p:sld xmlns:a="http://schemas.openxmlformats.org/drawingml/2006/main" xmlns:r="http://schemas.openxmlformats.org/officeDocument/2006/relationships" xmlns:p="http://schemas.openxmlformats.org/presentationml/2006/main">
+  <p:cSld>
+    <p:spTree>
+      <p:nvGrpSpPr>
+        <p:cNvPr id="1" name=""/>
+        <p:cNvGrpSpPr/>
+        <p:nvPr/>
+      </p:nvGrpSpPr>
+      <p:grpSpPr>
+        <a:xfrm>
+          <a:off x="0" y="0"/>
+          <a:ext cx="0" cy="0"/>
+          <a:chOff x="0" y="0"/>
+          <a:chExt cx="0" cy="0"/>
+        </a:xfrm>
+      </p:grpSpPr>
+      <p:sp>
+        <p:nvSpPr>
+          <p:cNvPr id="2" name="Title 1">
+            <a:extLst>
+              <a:ext uri="{FF2B5EF4-FFF2-40B4-BE49-F238E27FC236}">
+                <a16:creationId xmlns:a16="http://schemas.microsoft.com/office/drawing/2014/main" id="{67E9649C-91D0-437D-A752-E68D2D6A46C4}"/>
+              </a:ext>
+            </a:extLst>
+          </p:cNvPr>
+          <p:cNvSpPr>
+            <a:spLocks noGrp="1"/>
+          </p:cNvSpPr>
+          <p:nvPr>
+            <p:ph type="title"/>
+          </p:nvPr>
+        </p:nvSpPr>
+        <p:spPr/>
+        <p:txBody>
+          <a:bodyPr/>
+          <a:lstStyle/>
+          <a:p>
+            <a:r>
+              <a:rPr lang="en-US" dirty="0"/>
+              <a:t>Domain/Business Exceptions</a:t>
+            </a:r>
+          </a:p>
+        </p:txBody>
+      </p:sp>
+      <p:sp>
+        <p:nvSpPr>
+          <p:cNvPr id="3" name="Content Placeholder 2">
+            <a:extLst>
+              <a:ext uri="{FF2B5EF4-FFF2-40B4-BE49-F238E27FC236}">
+                <a16:creationId xmlns:a16="http://schemas.microsoft.com/office/drawing/2014/main" id="{FEAA3D58-1152-4768-BFD1-0FC3552ABBA1}"/>
+              </a:ext>
+            </a:extLst>
+          </p:cNvPr>
+          <p:cNvSpPr>
+            <a:spLocks noGrp="1"/>
+          </p:cNvSpPr>
+          <p:nvPr>
+            <p:ph idx="1"/>
+          </p:nvPr>
+        </p:nvSpPr>
+        <p:spPr/>
+        <p:txBody>
+          <a:bodyPr/>
+          <a:lstStyle/>
+          <a:p>
+            <a:r>
+              <a:rPr lang="en-US" dirty="0"/>
+              <a:t>Do not return null or operation result code for exceptional cases, </a:t>
+            </a:r>
+            <a:r>
+              <a:rPr lang="en-US" b="1" dirty="0"/>
+              <a:t>throw exceptions</a:t>
+            </a:r>
+            <a:r>
+              <a:rPr lang="en-US" dirty="0"/>
+              <a:t>!</a:t>
+            </a:r>
+          </a:p>
+          <a:p>
+            <a:r>
+              <a:rPr lang="en-US" b="1" dirty="0"/>
+              <a:t>Define </a:t>
+            </a:r>
+            <a:r>
+              <a:rPr lang="en-US" dirty="0"/>
+              <a:t>exception classes for important business rules</a:t>
+            </a:r>
+          </a:p>
+          <a:p>
+            <a:r>
+              <a:rPr lang="en-US" dirty="0"/>
+              <a:t>Include an </a:t>
+            </a:r>
+            <a:r>
+              <a:rPr lang="en-US" b="1" dirty="0"/>
+              <a:t>error code </a:t>
+            </a:r>
+            <a:r>
+              <a:rPr lang="en-US" dirty="0"/>
+              <a:t>in the exception</a:t>
+            </a:r>
+          </a:p>
+          <a:p>
+            <a:r>
+              <a:rPr lang="en-US" b="1" dirty="0"/>
+              <a:t>Separate localization</a:t>
+            </a:r>
+            <a:r>
+              <a:rPr lang="en-US" dirty="0"/>
+              <a:t> from exception throwing</a:t>
+            </a:r>
+          </a:p>
+          <a:p>
+            <a:r>
+              <a:rPr lang="en-US" dirty="0"/>
+              <a:t>Map exceptions to </a:t>
+            </a:r>
+            <a:r>
+              <a:rPr lang="en-US" b="1" dirty="0"/>
+              <a:t>HTTP status codes</a:t>
+            </a:r>
+          </a:p>
+        </p:txBody>
+      </p:sp>
+    </p:spTree>
+    <p:extLst>
+      <p:ext uri="{BB962C8B-B14F-4D97-AF65-F5344CB8AC3E}">
+        <p14:creationId xmlns:p14="http://schemas.microsoft.com/office/powerpoint/2010/main" val="4290921292"/>
+      </p:ext>
+    </p:extLst>
+  </p:cSld>
+  <p:clrMapOvr>
+    <a:masterClrMapping/>
+  </p:clrMapOvr>
+</p:sld>
+</file>
+
+<file path=ppt/slides/slide44.xml><?xml version="1.0" encoding="utf-8"?>
+<p:sld xmlns:a="http://schemas.openxmlformats.org/drawingml/2006/main" xmlns:r="http://schemas.openxmlformats.org/officeDocument/2006/relationships" xmlns:p="http://schemas.openxmlformats.org/presentationml/2006/main">
+  <p:cSld>
+    <p:spTree>
+      <p:nvGrpSpPr>
+        <p:cNvPr id="1" name=""/>
+        <p:cNvGrpSpPr/>
+        <p:nvPr/>
+      </p:nvGrpSpPr>
+      <p:grpSpPr>
+        <a:xfrm>
+          <a:off x="0" y="0"/>
+          <a:ext cx="0" cy="0"/>
+          <a:chOff x="0" y="0"/>
+          <a:chExt cx="0" cy="0"/>
+        </a:xfrm>
+      </p:grpSpPr>
+      <p:sp>
+        <p:nvSpPr>
+          <p:cNvPr id="2" name="Title 1">
+            <a:extLst>
+              <a:ext uri="{FF2B5EF4-FFF2-40B4-BE49-F238E27FC236}">
+                <a16:creationId xmlns:a16="http://schemas.microsoft.com/office/drawing/2014/main" id="{A23F9A3F-F790-4EB1-B32A-CFA7AFB6C421}"/>
+              </a:ext>
+            </a:extLst>
+          </p:cNvPr>
+          <p:cNvSpPr>
+            <a:spLocks noGrp="1"/>
+          </p:cNvSpPr>
+          <p:nvPr>
+            <p:ph type="title"/>
+          </p:nvPr>
+        </p:nvSpPr>
+        <p:spPr/>
+        <p:txBody>
+          <a:bodyPr/>
+          <a:lstStyle/>
+          <a:p>
+            <a:r>
+              <a:rPr lang="en-US" dirty="0"/>
+              <a:t>Domain/Business Exceptions</a:t>
+            </a:r>
+          </a:p>
+        </p:txBody>
+      </p:sp>
+      <p:sp>
+        <p:nvSpPr>
+          <p:cNvPr id="3" name="Content Placeholder 2">
+            <a:extLst>
+              <a:ext uri="{FF2B5EF4-FFF2-40B4-BE49-F238E27FC236}">
+                <a16:creationId xmlns:a16="http://schemas.microsoft.com/office/drawing/2014/main" id="{DA2134F7-7E72-43B4-97E9-0E7E4046A1B6}"/>
+              </a:ext>
+            </a:extLst>
+          </p:cNvPr>
+          <p:cNvSpPr>
+            <a:spLocks noGrp="1"/>
+          </p:cNvSpPr>
+          <p:nvPr>
+            <p:ph idx="1"/>
+          </p:nvPr>
+        </p:nvSpPr>
+        <p:spPr/>
+        <p:txBody>
+          <a:bodyPr/>
+          <a:lstStyle/>
+          <a:p>
+            <a:endParaRPr lang="en-US" dirty="0"/>
+          </a:p>
+        </p:txBody>
+      </p:sp>
+    </p:spTree>
+    <p:extLst>
+      <p:ext uri="{BB962C8B-B14F-4D97-AF65-F5344CB8AC3E}">
+        <p14:creationId xmlns:p14="http://schemas.microsoft.com/office/powerpoint/2010/main" val="893193333"/>
+      </p:ext>
+    </p:extLst>
+  </p:cSld>
+  <p:clrMapOvr>
+    <a:masterClrMapping/>
+  </p:clrMapOvr>
+</p:sld>
+</file>
+
+<file path=ppt/slides/slide45.xml><?xml version="1.0" encoding="utf-8"?>
+<p:sld xmlns:a="http://schemas.openxmlformats.org/drawingml/2006/main" xmlns:r="http://schemas.openxmlformats.org/officeDocument/2006/relationships" xmlns:p="http://schemas.openxmlformats.org/presentationml/2006/main">
+  <p:cSld>
+    <p:spTree>
+      <p:nvGrpSpPr>
+        <p:cNvPr id="1" name=""/>
+        <p:cNvGrpSpPr/>
+        <p:nvPr/>
+      </p:nvGrpSpPr>
+      <p:grpSpPr>
+        <a:xfrm>
+          <a:off x="0" y="0"/>
+          <a:ext cx="0" cy="0"/>
+          <a:chOff x="0" y="0"/>
+          <a:chExt cx="0" cy="0"/>
+        </a:xfrm>
+      </p:grpSpPr>
+      <p:sp>
+        <p:nvSpPr>
+          <p:cNvPr id="2" name="Title 1">
+            <a:extLst>
+              <a:ext uri="{FF2B5EF4-FFF2-40B4-BE49-F238E27FC236}">
+                <a16:creationId xmlns:a16="http://schemas.microsoft.com/office/drawing/2014/main" id="{51B01318-D890-40C9-B6DF-6B8706F18FB4}"/>
+              </a:ext>
+            </a:extLst>
+          </p:cNvPr>
+          <p:cNvSpPr>
+            <a:spLocks noGrp="1"/>
+          </p:cNvSpPr>
+          <p:nvPr>
+            <p:ph type="title"/>
+          </p:nvPr>
+        </p:nvSpPr>
+        <p:spPr/>
+        <p:txBody>
+          <a:bodyPr/>
+          <a:lstStyle/>
+          <a:p>
+            <a:endParaRPr lang="en-US"/>
+          </a:p>
+        </p:txBody>
+      </p:sp>
+      <p:sp>
+        <p:nvSpPr>
+          <p:cNvPr id="3" name="Content Placeholder 2">
+            <a:extLst>
+              <a:ext uri="{FF2B5EF4-FFF2-40B4-BE49-F238E27FC236}">
+                <a16:creationId xmlns:a16="http://schemas.microsoft.com/office/drawing/2014/main" id="{7021756C-A6F9-4576-85F5-2560FCD59BE6}"/>
+              </a:ext>
+            </a:extLst>
+          </p:cNvPr>
+          <p:cNvSpPr>
+            <a:spLocks noGrp="1"/>
+          </p:cNvSpPr>
+          <p:nvPr>
+            <p:ph idx="1"/>
+          </p:nvPr>
+        </p:nvSpPr>
+        <p:spPr/>
+        <p:txBody>
+          <a:bodyPr/>
+          <a:lstStyle/>
+          <a:p>
+            <a:endParaRPr lang="en-US"/>
+          </a:p>
+        </p:txBody>
+      </p:sp>
+    </p:spTree>
+    <p:extLst>
+      <p:ext uri="{BB962C8B-B14F-4D97-AF65-F5344CB8AC3E}">
+        <p14:creationId xmlns:p14="http://schemas.microsoft.com/office/powerpoint/2010/main" val="2490287402"/>
       </p:ext>
     </p:extLst>
   </p:cSld>

--- a/2019-XX-XX Implementing DDD/Presentation.pptx
+++ b/2019-XX-XX Implementing DDD/Presentation.pptx
@@ -303,7 +303,7 @@
           <a:p>
             <a:fld id="{9ACEA46B-14EE-48F7-9DD7-8BF15640A665}" type="datetimeFigureOut">
               <a:rPr lang="en-US" smtClean="0"/>
-              <a:t>07-Jul-19</a:t>
+              <a:t>08-Jul-19</a:t>
             </a:fld>
             <a:endParaRPr lang="en-US"/>
           </a:p>
@@ -501,7 +501,7 @@
           <a:p>
             <a:fld id="{9ACEA46B-14EE-48F7-9DD7-8BF15640A665}" type="datetimeFigureOut">
               <a:rPr lang="en-US" smtClean="0"/>
-              <a:t>07-Jul-19</a:t>
+              <a:t>08-Jul-19</a:t>
             </a:fld>
             <a:endParaRPr lang="en-US"/>
           </a:p>
@@ -709,7 +709,7 @@
           <a:p>
             <a:fld id="{9ACEA46B-14EE-48F7-9DD7-8BF15640A665}" type="datetimeFigureOut">
               <a:rPr lang="en-US" smtClean="0"/>
-              <a:t>07-Jul-19</a:t>
+              <a:t>08-Jul-19</a:t>
             </a:fld>
             <a:endParaRPr lang="en-US"/>
           </a:p>
@@ -907,7 +907,7 @@
           <a:p>
             <a:fld id="{9ACEA46B-14EE-48F7-9DD7-8BF15640A665}" type="datetimeFigureOut">
               <a:rPr lang="en-US" smtClean="0"/>
-              <a:t>07-Jul-19</a:t>
+              <a:t>08-Jul-19</a:t>
             </a:fld>
             <a:endParaRPr lang="en-US"/>
           </a:p>
@@ -1182,7 +1182,7 @@
           <a:p>
             <a:fld id="{9ACEA46B-14EE-48F7-9DD7-8BF15640A665}" type="datetimeFigureOut">
               <a:rPr lang="en-US" smtClean="0"/>
-              <a:t>07-Jul-19</a:t>
+              <a:t>08-Jul-19</a:t>
             </a:fld>
             <a:endParaRPr lang="en-US"/>
           </a:p>
@@ -1447,7 +1447,7 @@
           <a:p>
             <a:fld id="{9ACEA46B-14EE-48F7-9DD7-8BF15640A665}" type="datetimeFigureOut">
               <a:rPr lang="en-US" smtClean="0"/>
-              <a:t>07-Jul-19</a:t>
+              <a:t>08-Jul-19</a:t>
             </a:fld>
             <a:endParaRPr lang="en-US"/>
           </a:p>
@@ -1859,7 +1859,7 @@
           <a:p>
             <a:fld id="{9ACEA46B-14EE-48F7-9DD7-8BF15640A665}" type="datetimeFigureOut">
               <a:rPr lang="en-US" smtClean="0"/>
-              <a:t>07-Jul-19</a:t>
+              <a:t>08-Jul-19</a:t>
             </a:fld>
             <a:endParaRPr lang="en-US"/>
           </a:p>
@@ -2000,7 +2000,7 @@
           <a:p>
             <a:fld id="{9ACEA46B-14EE-48F7-9DD7-8BF15640A665}" type="datetimeFigureOut">
               <a:rPr lang="en-US" smtClean="0"/>
-              <a:t>07-Jul-19</a:t>
+              <a:t>08-Jul-19</a:t>
             </a:fld>
             <a:endParaRPr lang="en-US"/>
           </a:p>
@@ -2113,7 +2113,7 @@
           <a:p>
             <a:fld id="{9ACEA46B-14EE-48F7-9DD7-8BF15640A665}" type="datetimeFigureOut">
               <a:rPr lang="en-US" smtClean="0"/>
-              <a:t>07-Jul-19</a:t>
+              <a:t>08-Jul-19</a:t>
             </a:fld>
             <a:endParaRPr lang="en-US"/>
           </a:p>
@@ -2424,7 +2424,7 @@
           <a:p>
             <a:fld id="{9ACEA46B-14EE-48F7-9DD7-8BF15640A665}" type="datetimeFigureOut">
               <a:rPr lang="en-US" smtClean="0"/>
-              <a:t>07-Jul-19</a:t>
+              <a:t>08-Jul-19</a:t>
             </a:fld>
             <a:endParaRPr lang="en-US"/>
           </a:p>
@@ -2712,7 +2712,7 @@
           <a:p>
             <a:fld id="{9ACEA46B-14EE-48F7-9DD7-8BF15640A665}" type="datetimeFigureOut">
               <a:rPr lang="en-US" smtClean="0"/>
-              <a:t>07-Jul-19</a:t>
+              <a:t>08-Jul-19</a:t>
             </a:fld>
             <a:endParaRPr lang="en-US"/>
           </a:p>
@@ -2953,7 +2953,7 @@
           <a:p>
             <a:fld id="{9ACEA46B-14EE-48F7-9DD7-8BF15640A665}" type="datetimeFigureOut">
               <a:rPr lang="en-US" smtClean="0"/>
-              <a:t>07-Jul-19</a:t>
+              <a:t>08-Jul-19</a:t>
             </a:fld>
             <a:endParaRPr lang="en-US"/>
           </a:p>
@@ -3427,8 +3427,8 @@
           <a:lstStyle/>
           <a:p>
             <a:r>
-              <a:rPr lang="en-US" dirty="0"/>
-              <a:t>A practical guide to implement DDD building blocks</a:t>
+              <a:rPr lang="en-US" i="1" dirty="0"/>
+              <a:t>a practical guide</a:t>
             </a:r>
           </a:p>
         </p:txBody>
@@ -4355,6 +4355,20 @@
             </a:r>
             <a:endParaRPr lang="en-US" sz="1600" b="1" dirty="0"/>
           </a:p>
+          <a:p>
+            <a:r>
+              <a:rPr lang="en-US" sz="2000" dirty="0"/>
+              <a:t>Create a </a:t>
+            </a:r>
+            <a:r>
+              <a:rPr lang="en-US" sz="2000" b="1" dirty="0"/>
+              <a:t>private default constructor</a:t>
+            </a:r>
+            <a:r>
+              <a:rPr lang="en-US" sz="2000" dirty="0"/>
+              <a:t> for ORMs &amp; deserialization</a:t>
+            </a:r>
+          </a:p>
         </p:txBody>
       </p:sp>
       <p:pic>
@@ -4711,12 +4725,20 @@
         </p:blipFill>
         <p:spPr>
           <a:xfrm>
-            <a:off x="351311" y="3245922"/>
-            <a:ext cx="5523596" cy="3246953"/>
+            <a:off x="387394" y="3190745"/>
+            <a:ext cx="5708606" cy="3355708"/>
           </a:xfrm>
           <a:prstGeom prst="rect">
             <a:avLst/>
           </a:prstGeom>
+          <a:ln w="12700">
+            <a:solidFill>
+              <a:schemeClr val="tx1">
+                <a:lumMod val="75000"/>
+                <a:lumOff val="25000"/>
+              </a:schemeClr>
+            </a:solidFill>
+          </a:ln>
         </p:spPr>
       </p:pic>
       <p:pic>
@@ -4741,12 +4763,20 @@
         </p:blipFill>
         <p:spPr>
           <a:xfrm>
-            <a:off x="6151418" y="3190745"/>
+            <a:off x="6318472" y="3190745"/>
             <a:ext cx="5202381" cy="3355708"/>
           </a:xfrm>
           <a:prstGeom prst="rect">
             <a:avLst/>
           </a:prstGeom>
+          <a:ln w="12700">
+            <a:solidFill>
+              <a:schemeClr val="tx1">
+                <a:lumMod val="75000"/>
+                <a:lumOff val="25000"/>
+              </a:schemeClr>
+            </a:solidFill>
+          </a:ln>
         </p:spPr>
       </p:pic>
     </p:spTree>
@@ -6208,12 +6238,20 @@
         </p:blipFill>
         <p:spPr>
           <a:xfrm>
-            <a:off x="838200" y="1825625"/>
+            <a:off x="877765" y="1758156"/>
             <a:ext cx="5257800" cy="969271"/>
           </a:xfrm>
           <a:prstGeom prst="rect">
             <a:avLst/>
           </a:prstGeom>
+          <a:ln w="12700">
+            <a:solidFill>
+              <a:schemeClr val="tx1">
+                <a:lumMod val="75000"/>
+                <a:lumOff val="25000"/>
+              </a:schemeClr>
+            </a:solidFill>
+          </a:ln>
         </p:spPr>
       </p:pic>
       <p:pic>
@@ -6238,12 +6276,20 @@
         </p:blipFill>
         <p:spPr>
           <a:xfrm>
-            <a:off x="838200" y="2794896"/>
+            <a:off x="877765" y="2844387"/>
             <a:ext cx="7727868" cy="2572374"/>
           </a:xfrm>
           <a:prstGeom prst="rect">
             <a:avLst/>
           </a:prstGeom>
+          <a:ln w="12700">
+            <a:solidFill>
+              <a:schemeClr val="tx1">
+                <a:lumMod val="75000"/>
+                <a:lumOff val="25000"/>
+              </a:schemeClr>
+            </a:solidFill>
+          </a:ln>
         </p:spPr>
       </p:pic>
       <p:pic>
@@ -6268,12 +6314,20 @@
         </p:blipFill>
         <p:spPr>
           <a:xfrm>
-            <a:off x="838200" y="5421727"/>
+            <a:off x="877765" y="5533721"/>
             <a:ext cx="5642882" cy="1001919"/>
           </a:xfrm>
           <a:prstGeom prst="rect">
             <a:avLst/>
           </a:prstGeom>
+          <a:ln w="12700">
+            <a:solidFill>
+              <a:schemeClr val="tx1">
+                <a:lumMod val="75000"/>
+                <a:lumOff val="25000"/>
+              </a:schemeClr>
+            </a:solidFill>
+          </a:ln>
         </p:spPr>
       </p:pic>
     </p:spTree>
@@ -6541,6 +6595,14 @@
           <a:prstGeom prst="rect">
             <a:avLst/>
           </a:prstGeom>
+          <a:ln w="12700">
+            <a:solidFill>
+              <a:schemeClr val="tx1">
+                <a:lumMod val="75000"/>
+                <a:lumOff val="25000"/>
+              </a:schemeClr>
+            </a:solidFill>
+          </a:ln>
         </p:spPr>
       </p:pic>
       <p:pic>
@@ -6571,6 +6633,14 @@
           <a:prstGeom prst="rect">
             <a:avLst/>
           </a:prstGeom>
+          <a:ln w="12700">
+            <a:solidFill>
+              <a:schemeClr val="tx1">
+                <a:lumMod val="75000"/>
+                <a:lumOff val="25000"/>
+              </a:schemeClr>
+            </a:solidFill>
+          </a:ln>
         </p:spPr>
       </p:pic>
     </p:spTree>

--- a/2019-XX-XX Implementing DDD/Presentation.pptx
+++ b/2019-XX-XX Implementing DDD/Presentation.pptx
@@ -10,46 +10,47 @@
     <p:sldId id="259" r:id="rId4"/>
     <p:sldId id="272" r:id="rId5"/>
     <p:sldId id="269" r:id="rId6"/>
-    <p:sldId id="271" r:id="rId7"/>
-    <p:sldId id="270" r:id="rId8"/>
-    <p:sldId id="258" r:id="rId9"/>
-    <p:sldId id="260" r:id="rId10"/>
-    <p:sldId id="264" r:id="rId11"/>
-    <p:sldId id="261" r:id="rId12"/>
-    <p:sldId id="266" r:id="rId13"/>
-    <p:sldId id="267" r:id="rId14"/>
-    <p:sldId id="268" r:id="rId15"/>
-    <p:sldId id="273" r:id="rId16"/>
-    <p:sldId id="274" r:id="rId17"/>
-    <p:sldId id="275" r:id="rId18"/>
-    <p:sldId id="276" r:id="rId19"/>
-    <p:sldId id="277" r:id="rId20"/>
-    <p:sldId id="279" r:id="rId21"/>
-    <p:sldId id="284" r:id="rId22"/>
-    <p:sldId id="285" r:id="rId23"/>
-    <p:sldId id="286" r:id="rId24"/>
-    <p:sldId id="287" r:id="rId25"/>
-    <p:sldId id="288" r:id="rId26"/>
-    <p:sldId id="289" r:id="rId27"/>
-    <p:sldId id="280" r:id="rId28"/>
-    <p:sldId id="282" r:id="rId29"/>
-    <p:sldId id="291" r:id="rId30"/>
-    <p:sldId id="278" r:id="rId31"/>
-    <p:sldId id="290" r:id="rId32"/>
-    <p:sldId id="292" r:id="rId33"/>
-    <p:sldId id="293" r:id="rId34"/>
-    <p:sldId id="294" r:id="rId35"/>
-    <p:sldId id="295" r:id="rId36"/>
-    <p:sldId id="297" r:id="rId37"/>
-    <p:sldId id="298" r:id="rId38"/>
-    <p:sldId id="299" r:id="rId39"/>
-    <p:sldId id="300" r:id="rId40"/>
-    <p:sldId id="301" r:id="rId41"/>
-    <p:sldId id="304" r:id="rId42"/>
-    <p:sldId id="302" r:id="rId43"/>
-    <p:sldId id="303" r:id="rId44"/>
-    <p:sldId id="305" r:id="rId45"/>
-    <p:sldId id="296" r:id="rId46"/>
+    <p:sldId id="306" r:id="rId7"/>
+    <p:sldId id="271" r:id="rId8"/>
+    <p:sldId id="270" r:id="rId9"/>
+    <p:sldId id="258" r:id="rId10"/>
+    <p:sldId id="260" r:id="rId11"/>
+    <p:sldId id="264" r:id="rId12"/>
+    <p:sldId id="261" r:id="rId13"/>
+    <p:sldId id="266" r:id="rId14"/>
+    <p:sldId id="267" r:id="rId15"/>
+    <p:sldId id="268" r:id="rId16"/>
+    <p:sldId id="273" r:id="rId17"/>
+    <p:sldId id="274" r:id="rId18"/>
+    <p:sldId id="275" r:id="rId19"/>
+    <p:sldId id="276" r:id="rId20"/>
+    <p:sldId id="277" r:id="rId21"/>
+    <p:sldId id="279" r:id="rId22"/>
+    <p:sldId id="284" r:id="rId23"/>
+    <p:sldId id="285" r:id="rId24"/>
+    <p:sldId id="286" r:id="rId25"/>
+    <p:sldId id="287" r:id="rId26"/>
+    <p:sldId id="288" r:id="rId27"/>
+    <p:sldId id="289" r:id="rId28"/>
+    <p:sldId id="280" r:id="rId29"/>
+    <p:sldId id="282" r:id="rId30"/>
+    <p:sldId id="291" r:id="rId31"/>
+    <p:sldId id="278" r:id="rId32"/>
+    <p:sldId id="290" r:id="rId33"/>
+    <p:sldId id="292" r:id="rId34"/>
+    <p:sldId id="293" r:id="rId35"/>
+    <p:sldId id="294" r:id="rId36"/>
+    <p:sldId id="295" r:id="rId37"/>
+    <p:sldId id="297" r:id="rId38"/>
+    <p:sldId id="298" r:id="rId39"/>
+    <p:sldId id="299" r:id="rId40"/>
+    <p:sldId id="300" r:id="rId41"/>
+    <p:sldId id="301" r:id="rId42"/>
+    <p:sldId id="304" r:id="rId43"/>
+    <p:sldId id="302" r:id="rId44"/>
+    <p:sldId id="303" r:id="rId45"/>
+    <p:sldId id="305" r:id="rId46"/>
+    <p:sldId id="296" r:id="rId47"/>
   </p:sldIdLst>
   <p:sldSz cx="12192000" cy="6858000"/>
   <p:notesSz cx="6858000" cy="9144000"/>
@@ -303,7 +304,7 @@
           <a:p>
             <a:fld id="{9ACEA46B-14EE-48F7-9DD7-8BF15640A665}" type="datetimeFigureOut">
               <a:rPr lang="en-US" smtClean="0"/>
-              <a:t>08-Jul-19</a:t>
+              <a:t>14-Jul-19</a:t>
             </a:fld>
             <a:endParaRPr lang="en-US"/>
           </a:p>
@@ -501,7 +502,7 @@
           <a:p>
             <a:fld id="{9ACEA46B-14EE-48F7-9DD7-8BF15640A665}" type="datetimeFigureOut">
               <a:rPr lang="en-US" smtClean="0"/>
-              <a:t>08-Jul-19</a:t>
+              <a:t>14-Jul-19</a:t>
             </a:fld>
             <a:endParaRPr lang="en-US"/>
           </a:p>
@@ -709,7 +710,7 @@
           <a:p>
             <a:fld id="{9ACEA46B-14EE-48F7-9DD7-8BF15640A665}" type="datetimeFigureOut">
               <a:rPr lang="en-US" smtClean="0"/>
-              <a:t>08-Jul-19</a:t>
+              <a:t>14-Jul-19</a:t>
             </a:fld>
             <a:endParaRPr lang="en-US"/>
           </a:p>
@@ -907,7 +908,7 @@
           <a:p>
             <a:fld id="{9ACEA46B-14EE-48F7-9DD7-8BF15640A665}" type="datetimeFigureOut">
               <a:rPr lang="en-US" smtClean="0"/>
-              <a:t>08-Jul-19</a:t>
+              <a:t>14-Jul-19</a:t>
             </a:fld>
             <a:endParaRPr lang="en-US"/>
           </a:p>
@@ -1182,7 +1183,7 @@
           <a:p>
             <a:fld id="{9ACEA46B-14EE-48F7-9DD7-8BF15640A665}" type="datetimeFigureOut">
               <a:rPr lang="en-US" smtClean="0"/>
-              <a:t>08-Jul-19</a:t>
+              <a:t>14-Jul-19</a:t>
             </a:fld>
             <a:endParaRPr lang="en-US"/>
           </a:p>
@@ -1447,7 +1448,7 @@
           <a:p>
             <a:fld id="{9ACEA46B-14EE-48F7-9DD7-8BF15640A665}" type="datetimeFigureOut">
               <a:rPr lang="en-US" smtClean="0"/>
-              <a:t>08-Jul-19</a:t>
+              <a:t>14-Jul-19</a:t>
             </a:fld>
             <a:endParaRPr lang="en-US"/>
           </a:p>
@@ -1859,7 +1860,7 @@
           <a:p>
             <a:fld id="{9ACEA46B-14EE-48F7-9DD7-8BF15640A665}" type="datetimeFigureOut">
               <a:rPr lang="en-US" smtClean="0"/>
-              <a:t>08-Jul-19</a:t>
+              <a:t>14-Jul-19</a:t>
             </a:fld>
             <a:endParaRPr lang="en-US"/>
           </a:p>
@@ -2000,7 +2001,7 @@
           <a:p>
             <a:fld id="{9ACEA46B-14EE-48F7-9DD7-8BF15640A665}" type="datetimeFigureOut">
               <a:rPr lang="en-US" smtClean="0"/>
-              <a:t>08-Jul-19</a:t>
+              <a:t>14-Jul-19</a:t>
             </a:fld>
             <a:endParaRPr lang="en-US"/>
           </a:p>
@@ -2113,7 +2114,7 @@
           <a:p>
             <a:fld id="{9ACEA46B-14EE-48F7-9DD7-8BF15640A665}" type="datetimeFigureOut">
               <a:rPr lang="en-US" smtClean="0"/>
-              <a:t>08-Jul-19</a:t>
+              <a:t>14-Jul-19</a:t>
             </a:fld>
             <a:endParaRPr lang="en-US"/>
           </a:p>
@@ -2424,7 +2425,7 @@
           <a:p>
             <a:fld id="{9ACEA46B-14EE-48F7-9DD7-8BF15640A665}" type="datetimeFigureOut">
               <a:rPr lang="en-US" smtClean="0"/>
-              <a:t>08-Jul-19</a:t>
+              <a:t>14-Jul-19</a:t>
             </a:fld>
             <a:endParaRPr lang="en-US"/>
           </a:p>
@@ -2712,7 +2713,7 @@
           <a:p>
             <a:fld id="{9ACEA46B-14EE-48F7-9DD7-8BF15640A665}" type="datetimeFigureOut">
               <a:rPr lang="en-US" smtClean="0"/>
-              <a:t>08-Jul-19</a:t>
+              <a:t>14-Jul-19</a:t>
             </a:fld>
             <a:endParaRPr lang="en-US"/>
           </a:p>
@@ -2953,7 +2954,7 @@
           <a:p>
             <a:fld id="{9ACEA46B-14EE-48F7-9DD7-8BF15640A665}" type="datetimeFigureOut">
               <a:rPr lang="en-US" smtClean="0"/>
-              <a:t>08-Jul-19</a:t>
+              <a:t>14-Jul-19</a:t>
             </a:fld>
             <a:endParaRPr lang="en-US"/>
           </a:p>
@@ -3493,6 +3494,212 @@
             </a:br>
             <a:r>
               <a:rPr lang="en-US" sz="3600" dirty="0"/>
+              <a:t>Rule: Reference other aggregates by Id</a:t>
+            </a:r>
+            <a:endParaRPr lang="en-US" dirty="0"/>
+          </a:p>
+        </p:txBody>
+      </p:sp>
+      <p:pic>
+        <p:nvPicPr>
+          <p:cNvPr id="10" name="Content Placeholder 9">
+            <a:extLst>
+              <a:ext uri="{FF2B5EF4-FFF2-40B4-BE49-F238E27FC236}">
+                <a16:creationId xmlns:a16="http://schemas.microsoft.com/office/drawing/2014/main" id="{67818B3E-181D-4203-B032-C3465E6E0A6D}"/>
+              </a:ext>
+            </a:extLst>
+          </p:cNvPr>
+          <p:cNvPicPr>
+            <a:picLocks noGrp="1" noChangeAspect="1"/>
+          </p:cNvPicPr>
+          <p:nvPr>
+            <p:ph idx="1"/>
+          </p:nvPr>
+        </p:nvPicPr>
+        <p:blipFill>
+          <a:blip r:embed="rId2"/>
+          <a:stretch>
+            <a:fillRect/>
+          </a:stretch>
+        </p:blipFill>
+        <p:spPr>
+          <a:xfrm>
+            <a:off x="838200" y="1809792"/>
+            <a:ext cx="5312630" cy="4351338"/>
+          </a:xfrm>
+          <a:prstGeom prst="rect">
+            <a:avLst/>
+          </a:prstGeom>
+        </p:spPr>
+      </p:pic>
+      <p:pic>
+        <p:nvPicPr>
+          <p:cNvPr id="14" name="Picture 13">
+            <a:extLst>
+              <a:ext uri="{FF2B5EF4-FFF2-40B4-BE49-F238E27FC236}">
+                <a16:creationId xmlns:a16="http://schemas.microsoft.com/office/drawing/2014/main" id="{775D6DCD-CF5F-4CFB-A024-8AEC370A3F7D}"/>
+              </a:ext>
+            </a:extLst>
+          </p:cNvPr>
+          <p:cNvPicPr>
+            <a:picLocks noChangeAspect="1"/>
+          </p:cNvPicPr>
+          <p:nvPr/>
+        </p:nvPicPr>
+        <p:blipFill>
+          <a:blip r:embed="rId3">
+            <a:extLst>
+              <a:ext uri="{28A0092B-C50C-407E-A947-70E740481C1C}">
+                <a14:useLocalDpi xmlns:a14="http://schemas.microsoft.com/office/drawing/2010/main" val="0"/>
+              </a:ext>
+            </a:extLst>
+          </a:blip>
+          <a:stretch>
+            <a:fillRect/>
+          </a:stretch>
+        </p:blipFill>
+        <p:spPr>
+          <a:xfrm>
+            <a:off x="5431266" y="5423065"/>
+            <a:ext cx="372404" cy="422481"/>
+          </a:xfrm>
+          <a:prstGeom prst="rect">
+            <a:avLst/>
+          </a:prstGeom>
+        </p:spPr>
+      </p:pic>
+      <p:pic>
+        <p:nvPicPr>
+          <p:cNvPr id="16" name="Picture 15">
+            <a:extLst>
+              <a:ext uri="{FF2B5EF4-FFF2-40B4-BE49-F238E27FC236}">
+                <a16:creationId xmlns:a16="http://schemas.microsoft.com/office/drawing/2014/main" id="{75C99782-FBD4-4B6D-A1BC-56319A4FF5FB}"/>
+              </a:ext>
+            </a:extLst>
+          </p:cNvPr>
+          <p:cNvPicPr>
+            <a:picLocks noChangeAspect="1"/>
+          </p:cNvPicPr>
+          <p:nvPr/>
+        </p:nvPicPr>
+        <p:blipFill>
+          <a:blip r:embed="rId4">
+            <a:extLst>
+              <a:ext uri="{28A0092B-C50C-407E-A947-70E740481C1C}">
+                <a14:useLocalDpi xmlns:a14="http://schemas.microsoft.com/office/drawing/2010/main" val="0"/>
+              </a:ext>
+            </a:extLst>
+          </a:blip>
+          <a:stretch>
+            <a:fillRect/>
+          </a:stretch>
+        </p:blipFill>
+        <p:spPr>
+          <a:xfrm>
+            <a:off x="6096000" y="3222025"/>
+            <a:ext cx="479560" cy="413950"/>
+          </a:xfrm>
+          <a:prstGeom prst="rect">
+            <a:avLst/>
+          </a:prstGeom>
+        </p:spPr>
+      </p:pic>
+      <p:pic>
+        <p:nvPicPr>
+          <p:cNvPr id="19" name="Picture 18">
+            <a:extLst>
+              <a:ext uri="{FF2B5EF4-FFF2-40B4-BE49-F238E27FC236}">
+                <a16:creationId xmlns:a16="http://schemas.microsoft.com/office/drawing/2014/main" id="{AF96E891-52D1-403B-8AD4-1141F7A23E21}"/>
+              </a:ext>
+            </a:extLst>
+          </p:cNvPr>
+          <p:cNvPicPr>
+            <a:picLocks noChangeAspect="1"/>
+          </p:cNvPicPr>
+          <p:nvPr/>
+        </p:nvPicPr>
+        <p:blipFill>
+          <a:blip r:embed="rId4">
+            <a:extLst>
+              <a:ext uri="{28A0092B-C50C-407E-A947-70E740481C1C}">
+                <a14:useLocalDpi xmlns:a14="http://schemas.microsoft.com/office/drawing/2010/main" val="0"/>
+              </a:ext>
+            </a:extLst>
+          </a:blip>
+          <a:stretch>
+            <a:fillRect/>
+          </a:stretch>
+        </p:blipFill>
+        <p:spPr>
+          <a:xfrm>
+            <a:off x="6093135" y="4960337"/>
+            <a:ext cx="479560" cy="413950"/>
+          </a:xfrm>
+          <a:prstGeom prst="rect">
+            <a:avLst/>
+          </a:prstGeom>
+        </p:spPr>
+      </p:pic>
+    </p:spTree>
+    <p:extLst>
+      <p:ext uri="{BB962C8B-B14F-4D97-AF65-F5344CB8AC3E}">
+        <p14:creationId xmlns:p14="http://schemas.microsoft.com/office/powerpoint/2010/main" val="1983736725"/>
+      </p:ext>
+    </p:extLst>
+  </p:cSld>
+  <p:clrMapOvr>
+    <a:masterClrMapping/>
+  </p:clrMapOvr>
+</p:sld>
+</file>
+
+<file path=ppt/slides/slide11.xml><?xml version="1.0" encoding="utf-8"?>
+<p:sld xmlns:a="http://schemas.openxmlformats.org/drawingml/2006/main" xmlns:r="http://schemas.openxmlformats.org/officeDocument/2006/relationships" xmlns:p="http://schemas.openxmlformats.org/presentationml/2006/main">
+  <p:cSld>
+    <p:spTree>
+      <p:nvGrpSpPr>
+        <p:cNvPr id="1" name=""/>
+        <p:cNvGrpSpPr/>
+        <p:nvPr/>
+      </p:nvGrpSpPr>
+      <p:grpSpPr>
+        <a:xfrm>
+          <a:off x="0" y="0"/>
+          <a:ext cx="0" cy="0"/>
+          <a:chOff x="0" y="0"/>
+          <a:chExt cx="0" cy="0"/>
+        </a:xfrm>
+      </p:grpSpPr>
+      <p:sp>
+        <p:nvSpPr>
+          <p:cNvPr id="2" name="Title 1">
+            <a:extLst>
+              <a:ext uri="{FF2B5EF4-FFF2-40B4-BE49-F238E27FC236}">
+                <a16:creationId xmlns:a16="http://schemas.microsoft.com/office/drawing/2014/main" id="{5D043CA4-5202-43A4-8E1E-B96502DBA9C9}"/>
+              </a:ext>
+            </a:extLst>
+          </p:cNvPr>
+          <p:cNvSpPr>
+            <a:spLocks noGrp="1"/>
+          </p:cNvSpPr>
+          <p:nvPr>
+            <p:ph type="title"/>
+          </p:nvPr>
+        </p:nvSpPr>
+        <p:spPr/>
+        <p:txBody>
+          <a:bodyPr/>
+          <a:lstStyle/>
+          <a:p>
+            <a:r>
+              <a:rPr lang="en-US" dirty="0"/>
+              <a:t>Aggregate Roots</a:t>
+            </a:r>
+            <a:br>
+              <a:rPr lang="en-US" dirty="0"/>
+            </a:br>
+            <a:r>
+              <a:rPr lang="en-US" sz="3600" dirty="0"/>
               <a:t>Tip: Keep it small</a:t>
             </a:r>
             <a:endParaRPr lang="en-US" dirty="0"/>
@@ -3709,7 +3916,7 @@
 </p:sld>
 </file>
 
-<file path=ppt/slides/slide11.xml><?xml version="1.0" encoding="utf-8"?>
+<file path=ppt/slides/slide12.xml><?xml version="1.0" encoding="utf-8"?>
 <p:sld xmlns:a="http://schemas.openxmlformats.org/drawingml/2006/main" xmlns:r="http://schemas.openxmlformats.org/officeDocument/2006/relationships" xmlns:p="http://schemas.openxmlformats.org/presentationml/2006/main">
   <p:cSld>
     <p:spTree>
@@ -4203,217 +4410,6 @@
 </p:sld>
 </file>
 
-<file path=ppt/slides/slide12.xml><?xml version="1.0" encoding="utf-8"?>
-<p:sld xmlns:a="http://schemas.openxmlformats.org/drawingml/2006/main" xmlns:r="http://schemas.openxmlformats.org/officeDocument/2006/relationships" xmlns:p="http://schemas.openxmlformats.org/presentationml/2006/main">
-  <p:cSld>
-    <p:spTree>
-      <p:nvGrpSpPr>
-        <p:cNvPr id="1" name=""/>
-        <p:cNvGrpSpPr/>
-        <p:nvPr/>
-      </p:nvGrpSpPr>
-      <p:grpSpPr>
-        <a:xfrm>
-          <a:off x="0" y="0"/>
-          <a:ext cx="0" cy="0"/>
-          <a:chOff x="0" y="0"/>
-          <a:chExt cx="0" cy="0"/>
-        </a:xfrm>
-      </p:grpSpPr>
-      <p:sp>
-        <p:nvSpPr>
-          <p:cNvPr id="2" name="Title 1">
-            <a:extLst>
-              <a:ext uri="{FF2B5EF4-FFF2-40B4-BE49-F238E27FC236}">
-                <a16:creationId xmlns:a16="http://schemas.microsoft.com/office/drawing/2014/main" id="{03C80C10-AC64-410F-A1DF-5A3C34774B29}"/>
-              </a:ext>
-            </a:extLst>
-          </p:cNvPr>
-          <p:cNvSpPr>
-            <a:spLocks noGrp="1"/>
-          </p:cNvSpPr>
-          <p:nvPr>
-            <p:ph type="title"/>
-          </p:nvPr>
-        </p:nvSpPr>
-        <p:spPr/>
-        <p:txBody>
-          <a:bodyPr/>
-          <a:lstStyle/>
-          <a:p>
-            <a:r>
-              <a:rPr lang="en-US" dirty="0"/>
-              <a:t>Aggregate Roots / Entities</a:t>
-            </a:r>
-            <a:br>
-              <a:rPr lang="en-US" dirty="0"/>
-            </a:br>
-            <a:r>
-              <a:rPr lang="en-US" sz="3600" dirty="0"/>
-              <a:t>Constructor</a:t>
-            </a:r>
-            <a:endParaRPr lang="en-US" dirty="0"/>
-          </a:p>
-        </p:txBody>
-      </p:sp>
-      <p:sp>
-        <p:nvSpPr>
-          <p:cNvPr id="3" name="Content Placeholder 2">
-            <a:extLst>
-              <a:ext uri="{FF2B5EF4-FFF2-40B4-BE49-F238E27FC236}">
-                <a16:creationId xmlns:a16="http://schemas.microsoft.com/office/drawing/2014/main" id="{339F6957-1E87-41A7-B6F1-6CD0CA00E173}"/>
-              </a:ext>
-            </a:extLst>
-          </p:cNvPr>
-          <p:cNvSpPr>
-            <a:spLocks noGrp="1"/>
-          </p:cNvSpPr>
-          <p:nvPr>
-            <p:ph idx="1"/>
-          </p:nvPr>
-        </p:nvSpPr>
-        <p:spPr>
-          <a:xfrm>
-            <a:off x="6246421" y="1825625"/>
-            <a:ext cx="5107379" cy="4351338"/>
-          </a:xfrm>
-        </p:spPr>
-        <p:txBody>
-          <a:bodyPr>
-            <a:normAutofit/>
-          </a:bodyPr>
-          <a:lstStyle/>
-          <a:p>
-            <a:r>
-              <a:rPr lang="en-US" sz="2000" dirty="0"/>
-              <a:t>Force to create a </a:t>
-            </a:r>
-            <a:r>
-              <a:rPr lang="en-US" sz="2000" b="1" dirty="0"/>
-              <a:t>VALID</a:t>
-            </a:r>
-            <a:r>
-              <a:rPr lang="en-US" sz="2000" dirty="0"/>
-              <a:t> entity</a:t>
-            </a:r>
-          </a:p>
-          <a:p>
-            <a:r>
-              <a:rPr lang="en-US" sz="2000" dirty="0"/>
-              <a:t>Get </a:t>
-            </a:r>
-            <a:r>
-              <a:rPr lang="en-US" sz="2000" b="1" dirty="0"/>
-              <a:t>minimum </a:t>
-            </a:r>
-            <a:r>
-              <a:rPr lang="en-US" sz="2000" dirty="0"/>
-              <a:t>required arguments</a:t>
-            </a:r>
-          </a:p>
-          <a:p>
-            <a:r>
-              <a:rPr lang="en-US" sz="2000" dirty="0"/>
-              <a:t>Initialize </a:t>
-            </a:r>
-            <a:r>
-              <a:rPr lang="en-US" sz="2000" b="1" dirty="0"/>
-              <a:t>sub collections</a:t>
-            </a:r>
-          </a:p>
-          <a:p>
-            <a:r>
-              <a:rPr lang="en-US" sz="2000" dirty="0"/>
-              <a:t>Get id as an </a:t>
-            </a:r>
-            <a:r>
-              <a:rPr lang="en-US" sz="2000" b="1" dirty="0"/>
-              <a:t>argument</a:t>
-            </a:r>
-            <a:r>
-              <a:rPr lang="en-US" sz="2000" dirty="0"/>
-              <a:t> (don’t use </a:t>
-            </a:r>
-            <a:r>
-              <a:rPr lang="en-US" sz="2000" dirty="0" err="1"/>
-              <a:t>Guid.NewGuid</a:t>
-            </a:r>
-            <a:r>
-              <a:rPr lang="en-US" sz="2000" dirty="0"/>
-              <a:t>())</a:t>
-            </a:r>
-          </a:p>
-          <a:p>
-            <a:pPr lvl="1"/>
-            <a:r>
-              <a:rPr lang="en-US" sz="1600" dirty="0"/>
-              <a:t>Use a service to create GUIDs, like </a:t>
-            </a:r>
-            <a:r>
-              <a:rPr lang="en-US" sz="1600" b="1" dirty="0" err="1"/>
-              <a:t>IGuidGenerator</a:t>
-            </a:r>
-            <a:endParaRPr lang="en-US" sz="1600" b="1" dirty="0"/>
-          </a:p>
-          <a:p>
-            <a:r>
-              <a:rPr lang="en-US" sz="2000" dirty="0"/>
-              <a:t>Create a </a:t>
-            </a:r>
-            <a:r>
-              <a:rPr lang="en-US" sz="2000" b="1" dirty="0"/>
-              <a:t>private default constructor</a:t>
-            </a:r>
-            <a:r>
-              <a:rPr lang="en-US" sz="2000" dirty="0"/>
-              <a:t> for ORMs &amp; deserialization</a:t>
-            </a:r>
-          </a:p>
-        </p:txBody>
-      </p:sp>
-      <p:pic>
-        <p:nvPicPr>
-          <p:cNvPr id="10" name="Picture 9">
-            <a:extLst>
-              <a:ext uri="{FF2B5EF4-FFF2-40B4-BE49-F238E27FC236}">
-                <a16:creationId xmlns:a16="http://schemas.microsoft.com/office/drawing/2014/main" id="{BDF2FB63-5EE2-4406-B0B5-3EF4FF59C85A}"/>
-              </a:ext>
-            </a:extLst>
-          </p:cNvPr>
-          <p:cNvPicPr>
-            <a:picLocks noChangeAspect="1"/>
-          </p:cNvPicPr>
-          <p:nvPr/>
-        </p:nvPicPr>
-        <p:blipFill>
-          <a:blip r:embed="rId2"/>
-          <a:stretch>
-            <a:fillRect/>
-          </a:stretch>
-        </p:blipFill>
-        <p:spPr>
-          <a:xfrm>
-            <a:off x="870959" y="1544733"/>
-            <a:ext cx="5225041" cy="5214660"/>
-          </a:xfrm>
-          <a:prstGeom prst="rect">
-            <a:avLst/>
-          </a:prstGeom>
-        </p:spPr>
-      </p:pic>
-    </p:spTree>
-    <p:extLst>
-      <p:ext uri="{BB962C8B-B14F-4D97-AF65-F5344CB8AC3E}">
-        <p14:creationId xmlns:p14="http://schemas.microsoft.com/office/powerpoint/2010/main" val="385655344"/>
-      </p:ext>
-    </p:extLst>
-  </p:cSld>
-  <p:clrMapOvr>
-    <a:masterClrMapping/>
-  </p:clrMapOvr>
-</p:sld>
-</file>
-
 <file path=ppt/slides/slide13.xml><?xml version="1.0" encoding="utf-8"?>
 <p:sld xmlns:a="http://schemas.openxmlformats.org/drawingml/2006/main" xmlns:r="http://schemas.openxmlformats.org/officeDocument/2006/relationships" xmlns:p="http://schemas.openxmlformats.org/presentationml/2006/main">
   <p:cSld>
@@ -4461,7 +4457,7 @@
             </a:br>
             <a:r>
               <a:rPr lang="en-US" sz="3600" dirty="0"/>
-              <a:t>Property Accessors / Methods</a:t>
+              <a:t>Constructor</a:t>
             </a:r>
             <a:endParaRPr lang="en-US" dirty="0"/>
           </a:p>
@@ -4485,8 +4481,8 @@
         </p:nvSpPr>
         <p:spPr>
           <a:xfrm>
-            <a:off x="6871855" y="1825625"/>
-            <a:ext cx="4481945" cy="4351338"/>
+            <a:off x="6246421" y="1825625"/>
+            <a:ext cx="5107379" cy="4351338"/>
           </a:xfrm>
         </p:spPr>
         <p:txBody>
@@ -4497,33 +4493,97 @@
           <a:p>
             <a:r>
               <a:rPr lang="en-US" sz="2000" dirty="0"/>
-              <a:t>Maintain object </a:t>
+              <a:t>Force to create a </a:t>
             </a:r>
             <a:r>
               <a:rPr lang="en-US" sz="2000" b="1" dirty="0"/>
-              <a:t>VALIDITY</a:t>
-            </a:r>
-          </a:p>
-          <a:p>
+              <a:t>VALID</a:t>
+            </a:r>
             <a:r>
               <a:rPr lang="en-US" sz="2000" dirty="0"/>
-              <a:t>Use private setters</a:t>
+              <a:t> entity</a:t>
             </a:r>
           </a:p>
           <a:p>
             <a:r>
               <a:rPr lang="en-US" sz="2000" dirty="0"/>
-              <a:t>Change properties via methods</a:t>
+              <a:t>Get </a:t>
+            </a:r>
+            <a:r>
+              <a:rPr lang="en-US" sz="2000" b="1" dirty="0"/>
+              <a:t>minimum </a:t>
+            </a:r>
+            <a:r>
+              <a:rPr lang="en-US" sz="2000" dirty="0"/>
+              <a:t>required arguments</a:t>
+            </a:r>
+          </a:p>
+          <a:p>
+            <a:r>
+              <a:rPr lang="en-US" sz="2000" dirty="0"/>
+              <a:t>Initialize </a:t>
+            </a:r>
+            <a:r>
+              <a:rPr lang="en-US" sz="2000" b="1" dirty="0"/>
+              <a:t>sub collections</a:t>
+            </a:r>
+          </a:p>
+          <a:p>
+            <a:r>
+              <a:rPr lang="en-US" sz="2000" dirty="0"/>
+              <a:t>Get id as an </a:t>
+            </a:r>
+            <a:r>
+              <a:rPr lang="en-US" sz="2000" b="1" dirty="0"/>
+              <a:t>argument</a:t>
+            </a:r>
+            <a:r>
+              <a:rPr lang="en-US" sz="2000" dirty="0"/>
+              <a:t> (don’t use </a:t>
+            </a:r>
+            <a:r>
+              <a:rPr lang="en-US" sz="2000" dirty="0" err="1"/>
+              <a:t>Guid.NewGuid</a:t>
+            </a:r>
+            <a:r>
+              <a:rPr lang="en-US" sz="2000" dirty="0"/>
+              <a:t>())</a:t>
+            </a:r>
+          </a:p>
+          <a:p>
+            <a:pPr lvl="1"/>
+            <a:r>
+              <a:rPr lang="en-US" sz="1600" dirty="0"/>
+              <a:t>Use a service to create GUIDs, like </a:t>
+            </a:r>
+            <a:r>
+              <a:rPr lang="en-US" sz="1600" b="1" dirty="0" err="1"/>
+              <a:t>IGuidGenerator</a:t>
+            </a:r>
+            <a:endParaRPr lang="en-US" sz="1600" b="1" dirty="0"/>
+          </a:p>
+          <a:p>
+            <a:r>
+              <a:rPr lang="en-US" sz="2000" dirty="0"/>
+              <a:t>Create a </a:t>
+            </a:r>
+            <a:r>
+              <a:rPr lang="en-US" sz="2000" b="1" dirty="0"/>
+              <a:t>private default constructor</a:t>
+            </a:r>
+            <a:r>
+              <a:rPr lang="en-US" sz="2000" dirty="0"/>
+              <a:t> for ORMs &amp; deserialization</a:t>
             </a:r>
           </a:p>
         </p:txBody>
       </p:sp>
       <p:pic>
         <p:nvPicPr>
-          <p:cNvPr id="4" name="Picture 3">
-            <a:extLst>
-              <a:ext uri="{FF2B5EF4-FFF2-40B4-BE49-F238E27FC236}">
-                <a16:creationId xmlns:a16="http://schemas.microsoft.com/office/drawing/2014/main" id="{CC7F8559-3CB7-4BD7-8CED-74B614685A77}"/>
+          <p:cNvPr id="10" name="Picture 9">
+            <a:extLst>
+              <a:ext uri="{FF2B5EF4-FFF2-40B4-BE49-F238E27FC236}">
+                <a16:creationId xmlns:a16="http://schemas.microsoft.com/office/drawing/2014/main" id="{BDF2FB63-5EE2-4406-B0B5-3EF4FF59C85A}"/>
               </a:ext>
             </a:extLst>
           </p:cNvPr>
@@ -4540,8 +4600,8 @@
         </p:blipFill>
         <p:spPr>
           <a:xfrm>
-            <a:off x="878354" y="1647145"/>
-            <a:ext cx="5720423" cy="5101998"/>
+            <a:off x="870959" y="1544733"/>
+            <a:ext cx="5225041" cy="5214660"/>
           </a:xfrm>
           <a:prstGeom prst="rect">
             <a:avLst/>
@@ -4551,7 +4611,7 @@
     </p:spTree>
     <p:extLst>
       <p:ext uri="{BB962C8B-B14F-4D97-AF65-F5344CB8AC3E}">
-        <p14:creationId xmlns:p14="http://schemas.microsoft.com/office/powerpoint/2010/main" val="408162362"/>
+        <p14:creationId xmlns:p14="http://schemas.microsoft.com/office/powerpoint/2010/main" val="385655344"/>
       </p:ext>
     </p:extLst>
   </p:cSld>
@@ -4608,7 +4668,7 @@
             </a:br>
             <a:r>
               <a:rPr lang="en-US" sz="3600" dirty="0"/>
-              <a:t>Business Logic &amp; Exceptions</a:t>
+              <a:t>Property Accessors / Methods</a:t>
             </a:r>
             <a:endParaRPr lang="en-US" dirty="0"/>
           </a:p>
@@ -4632,53 +4692,45 @@
         </p:nvSpPr>
         <p:spPr>
           <a:xfrm>
-            <a:off x="6776853" y="1426151"/>
-            <a:ext cx="4481945" cy="1135289"/>
+            <a:off x="6871855" y="1825625"/>
+            <a:ext cx="4481945" cy="4351338"/>
           </a:xfrm>
         </p:spPr>
         <p:txBody>
           <a:bodyPr>
-            <a:normAutofit fontScale="85000" lnSpcReduction="20000"/>
+            <a:normAutofit/>
           </a:bodyPr>
           <a:lstStyle/>
           <a:p>
             <a:r>
               <a:rPr lang="en-US" sz="2000" dirty="0"/>
-              <a:t>Implement </a:t>
+              <a:t>Maintain object </a:t>
             </a:r>
             <a:r>
               <a:rPr lang="en-US" sz="2000" b="1" dirty="0"/>
-              <a:t>Business Rules</a:t>
+              <a:t>VALIDITY</a:t>
             </a:r>
           </a:p>
           <a:p>
             <a:r>
               <a:rPr lang="en-US" sz="2000" dirty="0"/>
-              <a:t>Define a good method name matches to the </a:t>
-            </a:r>
-            <a:r>
-              <a:rPr lang="en-US" sz="2000" b="1" dirty="0"/>
-              <a:t>domain action</a:t>
+              <a:t>Use private setters</a:t>
             </a:r>
           </a:p>
           <a:p>
             <a:r>
               <a:rPr lang="en-US" sz="2000" dirty="0"/>
-              <a:t>Define and throw specialized </a:t>
-            </a:r>
-            <a:r>
-              <a:rPr lang="en-US" sz="2000" b="1" dirty="0"/>
-              <a:t>exceptions</a:t>
+              <a:t>Change properties via methods</a:t>
             </a:r>
           </a:p>
         </p:txBody>
       </p:sp>
       <p:pic>
         <p:nvPicPr>
-          <p:cNvPr id="5" name="Picture 4">
-            <a:extLst>
-              <a:ext uri="{FF2B5EF4-FFF2-40B4-BE49-F238E27FC236}">
-                <a16:creationId xmlns:a16="http://schemas.microsoft.com/office/drawing/2014/main" id="{C5A13D0F-87F2-42B8-B41F-465F65882058}"/>
+          <p:cNvPr id="4" name="Picture 3">
+            <a:extLst>
+              <a:ext uri="{FF2B5EF4-FFF2-40B4-BE49-F238E27FC236}">
+                <a16:creationId xmlns:a16="http://schemas.microsoft.com/office/drawing/2014/main" id="{CC7F8559-3CB7-4BD7-8CED-74B614685A77}"/>
               </a:ext>
             </a:extLst>
           </p:cNvPr>
@@ -4695,94 +4747,18 @@
         </p:blipFill>
         <p:spPr>
           <a:xfrm>
-            <a:off x="838200" y="1690688"/>
-            <a:ext cx="5396345" cy="1376735"/>
+            <a:off x="878354" y="1647145"/>
+            <a:ext cx="5720423" cy="5101998"/>
           </a:xfrm>
           <a:prstGeom prst="rect">
             <a:avLst/>
           </a:prstGeom>
-        </p:spPr>
-      </p:pic>
-      <p:pic>
-        <p:nvPicPr>
-          <p:cNvPr id="6" name="Picture 5">
-            <a:extLst>
-              <a:ext uri="{FF2B5EF4-FFF2-40B4-BE49-F238E27FC236}">
-                <a16:creationId xmlns:a16="http://schemas.microsoft.com/office/drawing/2014/main" id="{96A2F173-0BFD-49BB-88D6-90DFD3F7C2BA}"/>
-              </a:ext>
-            </a:extLst>
-          </p:cNvPr>
-          <p:cNvPicPr>
-            <a:picLocks noChangeAspect="1"/>
-          </p:cNvPicPr>
-          <p:nvPr/>
-        </p:nvPicPr>
-        <p:blipFill>
-          <a:blip r:embed="rId3"/>
-          <a:stretch>
-            <a:fillRect/>
-          </a:stretch>
-        </p:blipFill>
-        <p:spPr>
-          <a:xfrm>
-            <a:off x="387394" y="3190745"/>
-            <a:ext cx="5708606" cy="3355708"/>
-          </a:xfrm>
-          <a:prstGeom prst="rect">
-            <a:avLst/>
-          </a:prstGeom>
-          <a:ln w="12700">
-            <a:solidFill>
-              <a:schemeClr val="tx1">
-                <a:lumMod val="75000"/>
-                <a:lumOff val="25000"/>
-              </a:schemeClr>
-            </a:solidFill>
-          </a:ln>
-        </p:spPr>
-      </p:pic>
-      <p:pic>
-        <p:nvPicPr>
-          <p:cNvPr id="7" name="Picture 6">
-            <a:extLst>
-              <a:ext uri="{FF2B5EF4-FFF2-40B4-BE49-F238E27FC236}">
-                <a16:creationId xmlns:a16="http://schemas.microsoft.com/office/drawing/2014/main" id="{5C877230-E716-488A-9433-EC63C689E692}"/>
-              </a:ext>
-            </a:extLst>
-          </p:cNvPr>
-          <p:cNvPicPr>
-            <a:picLocks noChangeAspect="1"/>
-          </p:cNvPicPr>
-          <p:nvPr/>
-        </p:nvPicPr>
-        <p:blipFill>
-          <a:blip r:embed="rId4"/>
-          <a:stretch>
-            <a:fillRect/>
-          </a:stretch>
-        </p:blipFill>
-        <p:spPr>
-          <a:xfrm>
-            <a:off x="6318472" y="3190745"/>
-            <a:ext cx="5202381" cy="3355708"/>
-          </a:xfrm>
-          <a:prstGeom prst="rect">
-            <a:avLst/>
-          </a:prstGeom>
-          <a:ln w="12700">
-            <a:solidFill>
-              <a:schemeClr val="tx1">
-                <a:lumMod val="75000"/>
-                <a:lumOff val="25000"/>
-              </a:schemeClr>
-            </a:solidFill>
-          </a:ln>
         </p:spPr>
       </p:pic>
     </p:spTree>
     <p:extLst>
       <p:ext uri="{BB962C8B-B14F-4D97-AF65-F5344CB8AC3E}">
-        <p14:creationId xmlns:p14="http://schemas.microsoft.com/office/powerpoint/2010/main" val="3822252625"/>
+        <p14:creationId xmlns:p14="http://schemas.microsoft.com/office/powerpoint/2010/main" val="408162362"/>
       </p:ext>
     </p:extLst>
   </p:cSld>
@@ -4814,7 +4790,7 @@
           <p:cNvPr id="2" name="Title 1">
             <a:extLst>
               <a:ext uri="{FF2B5EF4-FFF2-40B4-BE49-F238E27FC236}">
-                <a16:creationId xmlns:a16="http://schemas.microsoft.com/office/drawing/2014/main" id="{CAC3118C-A7CE-422C-BAEF-3632E4A90809}"/>
+                <a16:creationId xmlns:a16="http://schemas.microsoft.com/office/drawing/2014/main" id="{03C80C10-AC64-410F-A1DF-5A3C34774B29}"/>
               </a:ext>
             </a:extLst>
           </p:cNvPr>
@@ -4839,7 +4815,7 @@
             </a:br>
             <a:r>
               <a:rPr lang="en-US" sz="3600" dirty="0"/>
-              <a:t>Business Logic</a:t>
+              <a:t>Business Logic &amp; Exceptions</a:t>
             </a:r>
             <a:endParaRPr lang="en-US" dirty="0"/>
           </a:p>
@@ -4850,7 +4826,7 @@
           <p:cNvPr id="3" name="Content Placeholder 2">
             <a:extLst>
               <a:ext uri="{FF2B5EF4-FFF2-40B4-BE49-F238E27FC236}">
-                <a16:creationId xmlns:a16="http://schemas.microsoft.com/office/drawing/2014/main" id="{141EE3D6-643A-4473-A479-F8B2C14C9D76}"/>
+                <a16:creationId xmlns:a16="http://schemas.microsoft.com/office/drawing/2014/main" id="{339F6957-1E87-41A7-B6F1-6CD0CA00E173}"/>
               </a:ext>
             </a:extLst>
           </p:cNvPr>
@@ -4861,21 +4837,45 @@
             <p:ph idx="1"/>
           </p:nvPr>
         </p:nvSpPr>
-        <p:spPr/>
-        <p:txBody>
-          <a:bodyPr/>
-          <a:lstStyle/>
-          <a:p>
-            <a:r>
-              <a:rPr lang="en-US" dirty="0"/>
-              <a:t>How to implement when you need external services?</a:t>
-            </a:r>
-          </a:p>
-          <a:p>
-            <a:pPr lvl="1"/>
-            <a:r>
-              <a:rPr lang="en-US" dirty="0"/>
-              <a:t>Business Rule: Can not assign more than 3 issues to a user!</a:t>
+        <p:spPr>
+          <a:xfrm>
+            <a:off x="6776853" y="1426151"/>
+            <a:ext cx="4481945" cy="1135289"/>
+          </a:xfrm>
+        </p:spPr>
+        <p:txBody>
+          <a:bodyPr>
+            <a:normAutofit fontScale="85000" lnSpcReduction="20000"/>
+          </a:bodyPr>
+          <a:lstStyle/>
+          <a:p>
+            <a:r>
+              <a:rPr lang="en-US" sz="2000" dirty="0"/>
+              <a:t>Implement </a:t>
+            </a:r>
+            <a:r>
+              <a:rPr lang="en-US" sz="2000" b="1" dirty="0"/>
+              <a:t>Business Rules</a:t>
+            </a:r>
+          </a:p>
+          <a:p>
+            <a:r>
+              <a:rPr lang="en-US" sz="2000" dirty="0"/>
+              <a:t>Define a good method name matches to the </a:t>
+            </a:r>
+            <a:r>
+              <a:rPr lang="en-US" sz="2000" b="1" dirty="0"/>
+              <a:t>domain action</a:t>
+            </a:r>
+          </a:p>
+          <a:p>
+            <a:r>
+              <a:rPr lang="en-US" sz="2000" dirty="0"/>
+              <a:t>Define and throw specialized </a:t>
+            </a:r>
+            <a:r>
+              <a:rPr lang="en-US" sz="2000" b="1" dirty="0"/>
+              <a:t>exceptions</a:t>
             </a:r>
           </a:p>
         </p:txBody>
@@ -4885,7 +4885,7 @@
           <p:cNvPr id="5" name="Picture 4">
             <a:extLst>
               <a:ext uri="{FF2B5EF4-FFF2-40B4-BE49-F238E27FC236}">
-                <a16:creationId xmlns:a16="http://schemas.microsoft.com/office/drawing/2014/main" id="{62E158DF-9FAB-400A-9EE0-123D4865975C}"/>
+                <a16:creationId xmlns:a16="http://schemas.microsoft.com/office/drawing/2014/main" id="{C5A13D0F-87F2-42B8-B41F-465F65882058}"/>
               </a:ext>
             </a:extLst>
           </p:cNvPr>
@@ -4902,18 +4902,94 @@
         </p:blipFill>
         <p:spPr>
           <a:xfrm>
-            <a:off x="838200" y="2843408"/>
-            <a:ext cx="6957651" cy="3786982"/>
+            <a:off x="838200" y="1690688"/>
+            <a:ext cx="5396345" cy="1376735"/>
           </a:xfrm>
           <a:prstGeom prst="rect">
             <a:avLst/>
           </a:prstGeom>
+        </p:spPr>
+      </p:pic>
+      <p:pic>
+        <p:nvPicPr>
+          <p:cNvPr id="6" name="Picture 5">
+            <a:extLst>
+              <a:ext uri="{FF2B5EF4-FFF2-40B4-BE49-F238E27FC236}">
+                <a16:creationId xmlns:a16="http://schemas.microsoft.com/office/drawing/2014/main" id="{96A2F173-0BFD-49BB-88D6-90DFD3F7C2BA}"/>
+              </a:ext>
+            </a:extLst>
+          </p:cNvPr>
+          <p:cNvPicPr>
+            <a:picLocks noChangeAspect="1"/>
+          </p:cNvPicPr>
+          <p:nvPr/>
+        </p:nvPicPr>
+        <p:blipFill>
+          <a:blip r:embed="rId3"/>
+          <a:stretch>
+            <a:fillRect/>
+          </a:stretch>
+        </p:blipFill>
+        <p:spPr>
+          <a:xfrm>
+            <a:off x="387394" y="3190745"/>
+            <a:ext cx="5708606" cy="3355708"/>
+          </a:xfrm>
+          <a:prstGeom prst="rect">
+            <a:avLst/>
+          </a:prstGeom>
+          <a:ln w="12700">
+            <a:solidFill>
+              <a:schemeClr val="tx1">
+                <a:lumMod val="75000"/>
+                <a:lumOff val="25000"/>
+              </a:schemeClr>
+            </a:solidFill>
+          </a:ln>
+        </p:spPr>
+      </p:pic>
+      <p:pic>
+        <p:nvPicPr>
+          <p:cNvPr id="7" name="Picture 6">
+            <a:extLst>
+              <a:ext uri="{FF2B5EF4-FFF2-40B4-BE49-F238E27FC236}">
+                <a16:creationId xmlns:a16="http://schemas.microsoft.com/office/drawing/2014/main" id="{5C877230-E716-488A-9433-EC63C689E692}"/>
+              </a:ext>
+            </a:extLst>
+          </p:cNvPr>
+          <p:cNvPicPr>
+            <a:picLocks noChangeAspect="1"/>
+          </p:cNvPicPr>
+          <p:nvPr/>
+        </p:nvPicPr>
+        <p:blipFill>
+          <a:blip r:embed="rId4"/>
+          <a:stretch>
+            <a:fillRect/>
+          </a:stretch>
+        </p:blipFill>
+        <p:spPr>
+          <a:xfrm>
+            <a:off x="6318472" y="3190745"/>
+            <a:ext cx="5202381" cy="3355708"/>
+          </a:xfrm>
+          <a:prstGeom prst="rect">
+            <a:avLst/>
+          </a:prstGeom>
+          <a:ln w="12700">
+            <a:solidFill>
+              <a:schemeClr val="tx1">
+                <a:lumMod val="75000"/>
+                <a:lumOff val="25000"/>
+              </a:schemeClr>
+            </a:solidFill>
+          </a:ln>
         </p:spPr>
       </p:pic>
     </p:spTree>
     <p:extLst>
       <p:ext uri="{BB962C8B-B14F-4D97-AF65-F5344CB8AC3E}">
-        <p14:creationId xmlns:p14="http://schemas.microsoft.com/office/powerpoint/2010/main" val="756053795"/>
+        <p14:creationId xmlns:p14="http://schemas.microsoft.com/office/powerpoint/2010/main" val="3822252625"/>
       </p:ext>
     </p:extLst>
   </p:cSld>
@@ -5009,42 +5085,42 @@
               <a:t>Business Rule: Can not assign more than 3 issues to a user!</a:t>
             </a:r>
           </a:p>
-          <a:p>
-            <a:pPr lvl="1"/>
-            <a:endParaRPr lang="en-US" sz="4400" dirty="0"/>
-          </a:p>
-          <a:p>
-            <a:pPr marL="457200" lvl="1" indent="0" algn="ctr">
-              <a:buNone/>
-            </a:pPr>
-            <a:r>
-              <a:rPr lang="en-US" sz="4400" dirty="0"/>
-              <a:t>ALTERNATIVE..?</a:t>
-            </a:r>
-          </a:p>
-          <a:p>
-            <a:pPr marL="457200" lvl="1" indent="0" algn="ctr">
-              <a:buNone/>
-            </a:pPr>
-            <a:r>
-              <a:rPr lang="en-US" sz="4000" dirty="0"/>
-              <a:t>Create a </a:t>
-            </a:r>
-            <a:r>
-              <a:rPr lang="en-US" sz="4000" b="1" dirty="0"/>
-              <a:t>Domain Service</a:t>
-            </a:r>
-            <a:r>
-              <a:rPr lang="en-US" sz="4000" dirty="0"/>
-              <a:t>!</a:t>
-            </a:r>
-          </a:p>
-        </p:txBody>
-      </p:sp>
+        </p:txBody>
+      </p:sp>
+      <p:pic>
+        <p:nvPicPr>
+          <p:cNvPr id="5" name="Picture 4">
+            <a:extLst>
+              <a:ext uri="{FF2B5EF4-FFF2-40B4-BE49-F238E27FC236}">
+                <a16:creationId xmlns:a16="http://schemas.microsoft.com/office/drawing/2014/main" id="{62E158DF-9FAB-400A-9EE0-123D4865975C}"/>
+              </a:ext>
+            </a:extLst>
+          </p:cNvPr>
+          <p:cNvPicPr>
+            <a:picLocks noChangeAspect="1"/>
+          </p:cNvPicPr>
+          <p:nvPr/>
+        </p:nvPicPr>
+        <p:blipFill>
+          <a:blip r:embed="rId2"/>
+          <a:stretch>
+            <a:fillRect/>
+          </a:stretch>
+        </p:blipFill>
+        <p:spPr>
+          <a:xfrm>
+            <a:off x="838200" y="2843408"/>
+            <a:ext cx="6957651" cy="3786982"/>
+          </a:xfrm>
+          <a:prstGeom prst="rect">
+            <a:avLst/>
+          </a:prstGeom>
+        </p:spPr>
+      </p:pic>
     </p:spTree>
     <p:extLst>
       <p:ext uri="{BB962C8B-B14F-4D97-AF65-F5344CB8AC3E}">
-        <p14:creationId xmlns:p14="http://schemas.microsoft.com/office/powerpoint/2010/main" val="2185339698"/>
+        <p14:creationId xmlns:p14="http://schemas.microsoft.com/office/powerpoint/2010/main" val="756053795"/>
       </p:ext>
     </p:extLst>
   </p:cSld>
@@ -5076,7 +5152,7 @@
           <p:cNvPr id="2" name="Title 1">
             <a:extLst>
               <a:ext uri="{FF2B5EF4-FFF2-40B4-BE49-F238E27FC236}">
-                <a16:creationId xmlns:a16="http://schemas.microsoft.com/office/drawing/2014/main" id="{BDD446CD-C68E-4B34-9354-E8F68D0EB962}"/>
+                <a16:creationId xmlns:a16="http://schemas.microsoft.com/office/drawing/2014/main" id="{CAC3118C-A7CE-422C-BAEF-3632E4A90809}"/>
               </a:ext>
             </a:extLst>
           </p:cNvPr>
@@ -5094,14 +5170,14 @@
           <a:p>
             <a:r>
               <a:rPr lang="en-US" dirty="0"/>
-              <a:t>Repositories</a:t>
+              <a:t>Aggregate Roots / Entities</a:t>
             </a:r>
             <a:br>
               <a:rPr lang="en-US" dirty="0"/>
             </a:br>
             <a:r>
               <a:rPr lang="en-US" sz="3600" dirty="0"/>
-              <a:t>Principles</a:t>
+              <a:t>Business Logic</a:t>
             </a:r>
             <a:endParaRPr lang="en-US" dirty="0"/>
           </a:p>
@@ -5112,7 +5188,7 @@
           <p:cNvPr id="3" name="Content Placeholder 2">
             <a:extLst>
               <a:ext uri="{FF2B5EF4-FFF2-40B4-BE49-F238E27FC236}">
-                <a16:creationId xmlns:a16="http://schemas.microsoft.com/office/drawing/2014/main" id="{D4177B28-2B93-49AF-A420-DECFC76E329B}"/>
+                <a16:creationId xmlns:a16="http://schemas.microsoft.com/office/drawing/2014/main" id="{141EE3D6-643A-4473-A479-F8B2C14C9D76}"/>
               </a:ext>
             </a:extLst>
           </p:cNvPr>
@@ -5130,33 +5206,44 @@
           <a:p>
             <a:r>
               <a:rPr lang="en-US" dirty="0"/>
-              <a:t>Define interface in the domain layer, implement in the infrastructure</a:t>
-            </a:r>
-          </a:p>
-          <a:p>
-            <a:r>
-              <a:rPr lang="en-US" dirty="0"/>
-              <a:t>Do not include domain logic</a:t>
-            </a:r>
-          </a:p>
-          <a:p>
-            <a:r>
-              <a:rPr lang="en-US" dirty="0"/>
-              <a:t>Repository interface should be database provider / ORM independent</a:t>
-            </a:r>
-          </a:p>
-          <a:p>
-            <a:r>
-              <a:rPr lang="en-US" dirty="0"/>
-              <a:t>Create repositories for </a:t>
-            </a:r>
-            <a:r>
-              <a:rPr lang="en-US" b="1" dirty="0"/>
-              <a:t>aggregate roots</a:t>
-            </a:r>
-            <a:r>
-              <a:rPr lang="en-US" dirty="0"/>
-              <a:t>, not entities</a:t>
+              <a:t>How to implement when you need external services?</a:t>
+            </a:r>
+          </a:p>
+          <a:p>
+            <a:pPr lvl="1"/>
+            <a:r>
+              <a:rPr lang="en-US" dirty="0"/>
+              <a:t>Business Rule: Can not assign more than 3 issues to a user!</a:t>
+            </a:r>
+          </a:p>
+          <a:p>
+            <a:pPr lvl="1"/>
+            <a:endParaRPr lang="en-US" sz="4400" dirty="0"/>
+          </a:p>
+          <a:p>
+            <a:pPr marL="457200" lvl="1" indent="0" algn="ctr">
+              <a:buNone/>
+            </a:pPr>
+            <a:r>
+              <a:rPr lang="en-US" sz="4400" dirty="0"/>
+              <a:t>ALTERNATIVE..?</a:t>
+            </a:r>
+          </a:p>
+          <a:p>
+            <a:pPr marL="457200" lvl="1" indent="0" algn="ctr">
+              <a:buNone/>
+            </a:pPr>
+            <a:r>
+              <a:rPr lang="en-US" sz="4000" dirty="0"/>
+              <a:t>Create a </a:t>
+            </a:r>
+            <a:r>
+              <a:rPr lang="en-US" sz="4000" b="1" dirty="0"/>
+              <a:t>Domain Service</a:t>
+            </a:r>
+            <a:r>
+              <a:rPr lang="en-US" sz="4000" dirty="0"/>
+              <a:t>!</a:t>
             </a:r>
           </a:p>
         </p:txBody>
@@ -5164,7 +5251,7 @@
     </p:spTree>
     <p:extLst>
       <p:ext uri="{BB962C8B-B14F-4D97-AF65-F5344CB8AC3E}">
-        <p14:creationId xmlns:p14="http://schemas.microsoft.com/office/powerpoint/2010/main" val="2102858930"/>
+        <p14:creationId xmlns:p14="http://schemas.microsoft.com/office/powerpoint/2010/main" val="2185339698"/>
       </p:ext>
     </p:extLst>
   </p:cSld>
@@ -5221,81 +5308,70 @@
             </a:br>
             <a:r>
               <a:rPr lang="en-US" sz="3600" dirty="0"/>
+              <a:t>Principles</a:t>
+            </a:r>
+            <a:endParaRPr lang="en-US" dirty="0"/>
+          </a:p>
+        </p:txBody>
+      </p:sp>
+      <p:sp>
+        <p:nvSpPr>
+          <p:cNvPr id="3" name="Content Placeholder 2">
+            <a:extLst>
+              <a:ext uri="{FF2B5EF4-FFF2-40B4-BE49-F238E27FC236}">
+                <a16:creationId xmlns:a16="http://schemas.microsoft.com/office/drawing/2014/main" id="{D4177B28-2B93-49AF-A420-DECFC76E329B}"/>
+              </a:ext>
+            </a:extLst>
+          </p:cNvPr>
+          <p:cNvSpPr>
+            <a:spLocks noGrp="1"/>
+          </p:cNvSpPr>
+          <p:nvPr>
+            <p:ph idx="1"/>
+          </p:nvPr>
+        </p:nvSpPr>
+        <p:spPr/>
+        <p:txBody>
+          <a:bodyPr/>
+          <a:lstStyle/>
+          <a:p>
+            <a:r>
+              <a:rPr lang="en-US" dirty="0"/>
+              <a:t>Define interface in the domain layer, implement in the infrastructure</a:t>
+            </a:r>
+          </a:p>
+          <a:p>
+            <a:r>
+              <a:rPr lang="en-US" dirty="0"/>
               <a:t>Do not include domain logic</a:t>
             </a:r>
-            <a:endParaRPr lang="en-US" dirty="0"/>
-          </a:p>
-        </p:txBody>
-      </p:sp>
-      <p:sp>
-        <p:nvSpPr>
-          <p:cNvPr id="7" name="TextBox 6">
-            <a:extLst>
-              <a:ext uri="{FF2B5EF4-FFF2-40B4-BE49-F238E27FC236}">
-                <a16:creationId xmlns:a16="http://schemas.microsoft.com/office/drawing/2014/main" id="{E383A81E-E4B8-4201-98E7-BD4F90DC9FB2}"/>
-              </a:ext>
-            </a:extLst>
-          </p:cNvPr>
-          <p:cNvSpPr txBox="1"/>
-          <p:nvPr/>
-        </p:nvSpPr>
-        <p:spPr>
-          <a:xfrm>
-            <a:off x="7460360" y="5031180"/>
-            <a:ext cx="3893440" cy="461665"/>
-          </a:xfrm>
-          <a:prstGeom prst="rect">
-            <a:avLst/>
-          </a:prstGeom>
-          <a:noFill/>
-        </p:spPr>
-        <p:txBody>
-          <a:bodyPr wrap="square" rtlCol="0">
-            <a:spAutoFit/>
-          </a:bodyPr>
-          <a:lstStyle/>
-          <a:p>
-            <a:r>
-              <a:rPr lang="en-US" sz="2400" dirty="0"/>
-              <a:t>What is an In-Active issue?</a:t>
-            </a:r>
-          </a:p>
-        </p:txBody>
-      </p:sp>
-      <p:pic>
-        <p:nvPicPr>
-          <p:cNvPr id="8" name="Picture 7">
-            <a:extLst>
-              <a:ext uri="{FF2B5EF4-FFF2-40B4-BE49-F238E27FC236}">
-                <a16:creationId xmlns:a16="http://schemas.microsoft.com/office/drawing/2014/main" id="{A4C21B06-1F38-4FC5-97D1-BDC008905D74}"/>
-              </a:ext>
-            </a:extLst>
-          </p:cNvPr>
-          <p:cNvPicPr>
-            <a:picLocks noChangeAspect="1"/>
-          </p:cNvPicPr>
-          <p:nvPr/>
-        </p:nvPicPr>
-        <p:blipFill>
-          <a:blip r:embed="rId2"/>
-          <a:stretch>
-            <a:fillRect/>
-          </a:stretch>
-        </p:blipFill>
-        <p:spPr>
-          <a:xfrm>
-            <a:off x="838201" y="1690688"/>
-            <a:ext cx="6583878" cy="4075483"/>
-          </a:xfrm>
-          <a:prstGeom prst="rect">
-            <a:avLst/>
-          </a:prstGeom>
-        </p:spPr>
-      </p:pic>
+          </a:p>
+          <a:p>
+            <a:r>
+              <a:rPr lang="en-US" dirty="0"/>
+              <a:t>Repository interface should be database provider / ORM independent</a:t>
+            </a:r>
+          </a:p>
+          <a:p>
+            <a:r>
+              <a:rPr lang="en-US" dirty="0"/>
+              <a:t>Create repositories for </a:t>
+            </a:r>
+            <a:r>
+              <a:rPr lang="en-US" b="1" dirty="0"/>
+              <a:t>aggregate roots</a:t>
+            </a:r>
+            <a:r>
+              <a:rPr lang="en-US" dirty="0"/>
+              <a:t>, not entities</a:t>
+            </a:r>
+          </a:p>
+        </p:txBody>
+      </p:sp>
     </p:spTree>
     <p:extLst>
       <p:ext uri="{BB962C8B-B14F-4D97-AF65-F5344CB8AC3E}">
-        <p14:creationId xmlns:p14="http://schemas.microsoft.com/office/powerpoint/2010/main" val="694472099"/>
+        <p14:creationId xmlns:p14="http://schemas.microsoft.com/office/powerpoint/2010/main" val="2102858930"/>
       </p:ext>
     </p:extLst>
   </p:cSld>
@@ -5358,12 +5434,47 @@
           </a:p>
         </p:txBody>
       </p:sp>
+      <p:sp>
+        <p:nvSpPr>
+          <p:cNvPr id="7" name="TextBox 6">
+            <a:extLst>
+              <a:ext uri="{FF2B5EF4-FFF2-40B4-BE49-F238E27FC236}">
+                <a16:creationId xmlns:a16="http://schemas.microsoft.com/office/drawing/2014/main" id="{E383A81E-E4B8-4201-98E7-BD4F90DC9FB2}"/>
+              </a:ext>
+            </a:extLst>
+          </p:cNvPr>
+          <p:cNvSpPr txBox="1"/>
+          <p:nvPr/>
+        </p:nvSpPr>
+        <p:spPr>
+          <a:xfrm>
+            <a:off x="7460360" y="5031180"/>
+            <a:ext cx="3893440" cy="461665"/>
+          </a:xfrm>
+          <a:prstGeom prst="rect">
+            <a:avLst/>
+          </a:prstGeom>
+          <a:noFill/>
+        </p:spPr>
+        <p:txBody>
+          <a:bodyPr wrap="square" rtlCol="0">
+            <a:spAutoFit/>
+          </a:bodyPr>
+          <a:lstStyle/>
+          <a:p>
+            <a:r>
+              <a:rPr lang="en-US" sz="2400" dirty="0"/>
+              <a:t>What is an In-Active issue?</a:t>
+            </a:r>
+          </a:p>
+        </p:txBody>
+      </p:sp>
       <p:pic>
         <p:nvPicPr>
-          <p:cNvPr id="3" name="Picture 2">
-            <a:extLst>
-              <a:ext uri="{FF2B5EF4-FFF2-40B4-BE49-F238E27FC236}">
-                <a16:creationId xmlns:a16="http://schemas.microsoft.com/office/drawing/2014/main" id="{0FA1AF23-83C7-4B33-A3A0-ADFC4E0962B1}"/>
+          <p:cNvPr id="8" name="Picture 7">
+            <a:extLst>
+              <a:ext uri="{FF2B5EF4-FFF2-40B4-BE49-F238E27FC236}">
+                <a16:creationId xmlns:a16="http://schemas.microsoft.com/office/drawing/2014/main" id="{A4C21B06-1F38-4FC5-97D1-BDC008905D74}"/>
               </a:ext>
             </a:extLst>
           </p:cNvPr>
@@ -5380,67 +5491,18 @@
         </p:blipFill>
         <p:spPr>
           <a:xfrm>
-            <a:off x="525485" y="1656906"/>
-            <a:ext cx="7193476" cy="5048693"/>
+            <a:off x="838201" y="1690688"/>
+            <a:ext cx="6583878" cy="4075483"/>
           </a:xfrm>
           <a:prstGeom prst="rect">
             <a:avLst/>
           </a:prstGeom>
         </p:spPr>
       </p:pic>
-      <p:sp>
-        <p:nvSpPr>
-          <p:cNvPr id="8" name="TextBox 7">
-            <a:extLst>
-              <a:ext uri="{FF2B5EF4-FFF2-40B4-BE49-F238E27FC236}">
-                <a16:creationId xmlns:a16="http://schemas.microsoft.com/office/drawing/2014/main" id="{13635787-1E5D-4323-839C-BC7F7CCD3CF1}"/>
-              </a:ext>
-            </a:extLst>
-          </p:cNvPr>
-          <p:cNvSpPr txBox="1"/>
-          <p:nvPr/>
-        </p:nvSpPr>
-        <p:spPr>
-          <a:xfrm>
-            <a:off x="8031676" y="1571503"/>
-            <a:ext cx="3893440" cy="1569660"/>
-          </a:xfrm>
-          <a:prstGeom prst="rect">
-            <a:avLst/>
-          </a:prstGeom>
-          <a:noFill/>
-        </p:spPr>
-        <p:txBody>
-          <a:bodyPr wrap="square" rtlCol="0">
-            <a:spAutoFit/>
-          </a:bodyPr>
-          <a:lstStyle/>
-          <a:p>
-            <a:pPr marL="342900" indent="-342900">
-              <a:buFont typeface="Arial" panose="020B0604020202020204" pitchFamily="34" charset="0"/>
-              <a:buChar char="•"/>
-            </a:pPr>
-            <a:r>
-              <a:rPr lang="en-US" sz="2400" dirty="0"/>
-              <a:t>Implicit definition of a domain rule!</a:t>
-            </a:r>
-          </a:p>
-          <a:p>
-            <a:pPr marL="342900" indent="-342900">
-              <a:buFont typeface="Arial" panose="020B0604020202020204" pitchFamily="34" charset="0"/>
-              <a:buChar char="•"/>
-            </a:pPr>
-            <a:r>
-              <a:rPr lang="en-US" sz="2400" dirty="0"/>
-              <a:t>How to re-use this expression? Copy/paste?</a:t>
-            </a:r>
-          </a:p>
-        </p:txBody>
-      </p:sp>
     </p:spTree>
     <p:extLst>
       <p:ext uri="{BB962C8B-B14F-4D97-AF65-F5344CB8AC3E}">
-        <p14:creationId xmlns:p14="http://schemas.microsoft.com/office/powerpoint/2010/main" val="907533263"/>
+        <p14:creationId xmlns:p14="http://schemas.microsoft.com/office/powerpoint/2010/main" val="694472099"/>
       </p:ext>
     </p:extLst>
   </p:cSld>
@@ -5643,71 +5705,12 @@
           </a:p>
         </p:txBody>
       </p:sp>
-      <p:sp>
-        <p:nvSpPr>
-          <p:cNvPr id="8" name="TextBox 7">
-            <a:extLst>
-              <a:ext uri="{FF2B5EF4-FFF2-40B4-BE49-F238E27FC236}">
-                <a16:creationId xmlns:a16="http://schemas.microsoft.com/office/drawing/2014/main" id="{13635787-1E5D-4323-839C-BC7F7CCD3CF1}"/>
-              </a:ext>
-            </a:extLst>
-          </p:cNvPr>
-          <p:cNvSpPr txBox="1"/>
-          <p:nvPr/>
-        </p:nvSpPr>
-        <p:spPr>
-          <a:xfrm>
-            <a:off x="8031676" y="1571503"/>
-            <a:ext cx="3893440" cy="2308324"/>
-          </a:xfrm>
-          <a:prstGeom prst="rect">
-            <a:avLst/>
-          </a:prstGeom>
-          <a:noFill/>
-        </p:spPr>
-        <p:txBody>
-          <a:bodyPr wrap="square" rtlCol="0">
-            <a:spAutoFit/>
-          </a:bodyPr>
-          <a:lstStyle/>
-          <a:p>
-            <a:pPr marL="342900" indent="-342900">
-              <a:buFont typeface="Arial" panose="020B0604020202020204" pitchFamily="34" charset="0"/>
-              <a:buChar char="•"/>
-            </a:pPr>
-            <a:r>
-              <a:rPr lang="en-US" sz="2400" dirty="0"/>
-              <a:t>Implicit definition of a domain rule!</a:t>
-            </a:r>
-          </a:p>
-          <a:p>
-            <a:pPr marL="342900" indent="-342900">
-              <a:buFont typeface="Arial" panose="020B0604020202020204" pitchFamily="34" charset="0"/>
-              <a:buChar char="•"/>
-            </a:pPr>
-            <a:r>
-              <a:rPr lang="en-US" sz="2400" dirty="0"/>
-              <a:t>How to re-use this expression? Copy/paste?</a:t>
-            </a:r>
-          </a:p>
-          <a:p>
-            <a:pPr marL="342900" indent="-342900">
-              <a:buFont typeface="Arial" panose="020B0604020202020204" pitchFamily="34" charset="0"/>
-              <a:buChar char="•"/>
-            </a:pPr>
-            <a:r>
-              <a:rPr lang="en-US" sz="2400" b="1" dirty="0"/>
-              <a:t>Solution: The Specification Pattern!</a:t>
-            </a:r>
-          </a:p>
-        </p:txBody>
-      </p:sp>
       <p:pic>
         <p:nvPicPr>
-          <p:cNvPr id="5" name="Picture 4">
-            <a:extLst>
-              <a:ext uri="{FF2B5EF4-FFF2-40B4-BE49-F238E27FC236}">
-                <a16:creationId xmlns:a16="http://schemas.microsoft.com/office/drawing/2014/main" id="{42664024-8FF5-4BD0-8B85-25CFB0BFFA21}"/>
+          <p:cNvPr id="3" name="Picture 2">
+            <a:extLst>
+              <a:ext uri="{FF2B5EF4-FFF2-40B4-BE49-F238E27FC236}">
+                <a16:creationId xmlns:a16="http://schemas.microsoft.com/office/drawing/2014/main" id="{0FA1AF23-83C7-4B33-A3A0-ADFC4E0962B1}"/>
               </a:ext>
             </a:extLst>
           </p:cNvPr>
@@ -5724,18 +5727,67 @@
         </p:blipFill>
         <p:spPr>
           <a:xfrm>
-            <a:off x="948020" y="1634836"/>
-            <a:ext cx="5944337" cy="5080660"/>
+            <a:off x="525485" y="1656906"/>
+            <a:ext cx="7193476" cy="5048693"/>
           </a:xfrm>
           <a:prstGeom prst="rect">
             <a:avLst/>
           </a:prstGeom>
         </p:spPr>
       </p:pic>
+      <p:sp>
+        <p:nvSpPr>
+          <p:cNvPr id="8" name="TextBox 7">
+            <a:extLst>
+              <a:ext uri="{FF2B5EF4-FFF2-40B4-BE49-F238E27FC236}">
+                <a16:creationId xmlns:a16="http://schemas.microsoft.com/office/drawing/2014/main" id="{13635787-1E5D-4323-839C-BC7F7CCD3CF1}"/>
+              </a:ext>
+            </a:extLst>
+          </p:cNvPr>
+          <p:cNvSpPr txBox="1"/>
+          <p:nvPr/>
+        </p:nvSpPr>
+        <p:spPr>
+          <a:xfrm>
+            <a:off x="8031676" y="1571503"/>
+            <a:ext cx="3893440" cy="1569660"/>
+          </a:xfrm>
+          <a:prstGeom prst="rect">
+            <a:avLst/>
+          </a:prstGeom>
+          <a:noFill/>
+        </p:spPr>
+        <p:txBody>
+          <a:bodyPr wrap="square" rtlCol="0">
+            <a:spAutoFit/>
+          </a:bodyPr>
+          <a:lstStyle/>
+          <a:p>
+            <a:pPr marL="342900" indent="-342900">
+              <a:buFont typeface="Arial" panose="020B0604020202020204" pitchFamily="34" charset="0"/>
+              <a:buChar char="•"/>
+            </a:pPr>
+            <a:r>
+              <a:rPr lang="en-US" sz="2400" dirty="0"/>
+              <a:t>Implicit definition of a domain rule!</a:t>
+            </a:r>
+          </a:p>
+          <a:p>
+            <a:pPr marL="342900" indent="-342900">
+              <a:buFont typeface="Arial" panose="020B0604020202020204" pitchFamily="34" charset="0"/>
+              <a:buChar char="•"/>
+            </a:pPr>
+            <a:r>
+              <a:rPr lang="en-US" sz="2400" dirty="0"/>
+              <a:t>How to re-use this expression? Copy/paste?</a:t>
+            </a:r>
+          </a:p>
+        </p:txBody>
+      </p:sp>
     </p:spTree>
     <p:extLst>
       <p:ext uri="{BB962C8B-B14F-4D97-AF65-F5344CB8AC3E}">
-        <p14:creationId xmlns:p14="http://schemas.microsoft.com/office/powerpoint/2010/main" val="1942012890"/>
+        <p14:creationId xmlns:p14="http://schemas.microsoft.com/office/powerpoint/2010/main" val="907533263"/>
       </p:ext>
     </p:extLst>
   </p:cSld>
@@ -5767,7 +5819,7 @@
           <p:cNvPr id="2" name="Title 1">
             <a:extLst>
               <a:ext uri="{FF2B5EF4-FFF2-40B4-BE49-F238E27FC236}">
-                <a16:creationId xmlns:a16="http://schemas.microsoft.com/office/drawing/2014/main" id="{482B7F89-5A86-44F9-AC3C-A60EB709F976}"/>
+                <a16:creationId xmlns:a16="http://schemas.microsoft.com/office/drawing/2014/main" id="{BDD446CD-C68E-4B34-9354-E8F68D0EB962}"/>
               </a:ext>
             </a:extLst>
           </p:cNvPr>
@@ -5785,79 +5837,74 @@
           <a:p>
             <a:r>
               <a:rPr lang="en-US" dirty="0"/>
-              <a:t>Specifications</a:t>
-            </a:r>
-          </a:p>
-        </p:txBody>
-      </p:sp>
-      <p:sp>
-        <p:nvSpPr>
-          <p:cNvPr id="3" name="Content Placeholder 2">
-            <a:extLst>
-              <a:ext uri="{FF2B5EF4-FFF2-40B4-BE49-F238E27FC236}">
-                <a16:creationId xmlns:a16="http://schemas.microsoft.com/office/drawing/2014/main" id="{D0003822-2CD9-480D-9F87-FECECEDB978C}"/>
-              </a:ext>
-            </a:extLst>
-          </p:cNvPr>
-          <p:cNvSpPr>
-            <a:spLocks noGrp="1"/>
-          </p:cNvSpPr>
-          <p:nvPr>
-            <p:ph idx="1"/>
-          </p:nvPr>
-        </p:nvSpPr>
-        <p:spPr/>
-        <p:txBody>
-          <a:bodyPr/>
-          <a:lstStyle/>
-          <a:p>
-            <a:r>
-              <a:rPr lang="en-US" dirty="0"/>
-              <a:t>A </a:t>
-            </a:r>
-            <a:r>
-              <a:rPr lang="en-US" b="1" dirty="0">
-                <a:solidFill>
-                  <a:srgbClr val="FF0000"/>
-                </a:solidFill>
-              </a:rPr>
-              <a:t>named</a:t>
-            </a:r>
-            <a:r>
-              <a:rPr lang="en-US" dirty="0"/>
-              <a:t>, </a:t>
-            </a:r>
-            <a:r>
-              <a:rPr lang="en-US" b="1" dirty="0">
-                <a:solidFill>
-                  <a:srgbClr val="FF0000"/>
-                </a:solidFill>
-              </a:rPr>
-              <a:t>reusable </a:t>
-            </a:r>
-            <a:r>
-              <a:rPr lang="en-US" dirty="0"/>
-              <a:t>&amp; </a:t>
-            </a:r>
-            <a:r>
-              <a:rPr lang="en-US" b="1" dirty="0">
-                <a:solidFill>
-                  <a:srgbClr val="FF0000"/>
-                </a:solidFill>
-              </a:rPr>
-              <a:t>combinable</a:t>
-            </a:r>
-            <a:r>
-              <a:rPr lang="en-US" dirty="0"/>
-              <a:t> </a:t>
-            </a:r>
-            <a:r>
-              <a:rPr lang="en-US" b="1" dirty="0"/>
-              <a:t>class</a:t>
-            </a:r>
-            <a:r>
-              <a:rPr lang="en-US" dirty="0"/>
-              <a:t> to filter objects.</a:t>
+              <a:t>Repositories</a:t>
+            </a:r>
+            <a:br>
+              <a:rPr lang="en-US" dirty="0"/>
+            </a:br>
+            <a:r>
+              <a:rPr lang="en-US" sz="3600" dirty="0"/>
+              <a:t>Do not include domain logic</a:t>
+            </a:r>
+            <a:endParaRPr lang="en-US" dirty="0"/>
+          </a:p>
+        </p:txBody>
+      </p:sp>
+      <p:sp>
+        <p:nvSpPr>
+          <p:cNvPr id="8" name="TextBox 7">
+            <a:extLst>
+              <a:ext uri="{FF2B5EF4-FFF2-40B4-BE49-F238E27FC236}">
+                <a16:creationId xmlns:a16="http://schemas.microsoft.com/office/drawing/2014/main" id="{13635787-1E5D-4323-839C-BC7F7CCD3CF1}"/>
+              </a:ext>
+            </a:extLst>
+          </p:cNvPr>
+          <p:cNvSpPr txBox="1"/>
+          <p:nvPr/>
+        </p:nvSpPr>
+        <p:spPr>
+          <a:xfrm>
+            <a:off x="8031676" y="1571503"/>
+            <a:ext cx="3893440" cy="2308324"/>
+          </a:xfrm>
+          <a:prstGeom prst="rect">
+            <a:avLst/>
+          </a:prstGeom>
+          <a:noFill/>
+        </p:spPr>
+        <p:txBody>
+          <a:bodyPr wrap="square" rtlCol="0">
+            <a:spAutoFit/>
+          </a:bodyPr>
+          <a:lstStyle/>
+          <a:p>
+            <a:pPr marL="342900" indent="-342900">
+              <a:buFont typeface="Arial" panose="020B0604020202020204" pitchFamily="34" charset="0"/>
+              <a:buChar char="•"/>
+            </a:pPr>
+            <a:r>
+              <a:rPr lang="en-US" sz="2400" dirty="0"/>
+              <a:t>Implicit definition of a domain rule!</a:t>
+            </a:r>
+          </a:p>
+          <a:p>
+            <a:pPr marL="342900" indent="-342900">
+              <a:buFont typeface="Arial" panose="020B0604020202020204" pitchFamily="34" charset="0"/>
+              <a:buChar char="•"/>
+            </a:pPr>
+            <a:r>
+              <a:rPr lang="en-US" sz="2400" dirty="0"/>
+              <a:t>How to re-use this expression? Copy/paste?</a:t>
+            </a:r>
+          </a:p>
+          <a:p>
+            <a:pPr marL="342900" indent="-342900">
+              <a:buFont typeface="Arial" panose="020B0604020202020204" pitchFamily="34" charset="0"/>
+              <a:buChar char="•"/>
+            </a:pPr>
+            <a:r>
+              <a:rPr lang="en-US" sz="2400" b="1" dirty="0"/>
+              <a:t>Solution: The Specification Pattern!</a:t>
             </a:r>
           </a:p>
         </p:txBody>
@@ -5867,7 +5914,7 @@
           <p:cNvPr id="5" name="Picture 4">
             <a:extLst>
               <a:ext uri="{FF2B5EF4-FFF2-40B4-BE49-F238E27FC236}">
-                <a16:creationId xmlns:a16="http://schemas.microsoft.com/office/drawing/2014/main" id="{0FEC85E9-7997-4976-BA41-35FE6116DEB6}"/>
+                <a16:creationId xmlns:a16="http://schemas.microsoft.com/office/drawing/2014/main" id="{42664024-8FF5-4BD0-8B85-25CFB0BFFA21}"/>
               </a:ext>
             </a:extLst>
           </p:cNvPr>
@@ -5884,8 +5931,8 @@
         </p:blipFill>
         <p:spPr>
           <a:xfrm>
-            <a:off x="974024" y="2442792"/>
-            <a:ext cx="6642018" cy="2141640"/>
+            <a:off x="948020" y="1634836"/>
+            <a:ext cx="5944337" cy="5080660"/>
           </a:xfrm>
           <a:prstGeom prst="rect">
             <a:avLst/>
@@ -5895,7 +5942,7 @@
     </p:spTree>
     <p:extLst>
       <p:ext uri="{BB962C8B-B14F-4D97-AF65-F5344CB8AC3E}">
-        <p14:creationId xmlns:p14="http://schemas.microsoft.com/office/powerpoint/2010/main" val="121476374"/>
+        <p14:creationId xmlns:p14="http://schemas.microsoft.com/office/powerpoint/2010/main" val="1942012890"/>
       </p:ext>
     </p:extLst>
   </p:cSld>
@@ -6024,10 +6071,10 @@
       </p:sp>
       <p:pic>
         <p:nvPicPr>
-          <p:cNvPr id="4" name="Picture 3">
-            <a:extLst>
-              <a:ext uri="{FF2B5EF4-FFF2-40B4-BE49-F238E27FC236}">
-                <a16:creationId xmlns:a16="http://schemas.microsoft.com/office/drawing/2014/main" id="{257E6FB4-FEA1-4DEF-9298-D30447388E27}"/>
+          <p:cNvPr id="5" name="Picture 4">
+            <a:extLst>
+              <a:ext uri="{FF2B5EF4-FFF2-40B4-BE49-F238E27FC236}">
+                <a16:creationId xmlns:a16="http://schemas.microsoft.com/office/drawing/2014/main" id="{0FEC85E9-7997-4976-BA41-35FE6116DEB6}"/>
               </a:ext>
             </a:extLst>
           </p:cNvPr>
@@ -6044,8 +6091,8 @@
         </p:blipFill>
         <p:spPr>
           <a:xfrm>
-            <a:off x="1060862" y="2327358"/>
-            <a:ext cx="10656125" cy="3883965"/>
+            <a:off x="974024" y="2442792"/>
+            <a:ext cx="6642018" cy="2141640"/>
           </a:xfrm>
           <a:prstGeom prst="rect">
             <a:avLst/>
@@ -6055,7 +6102,7 @@
     </p:spTree>
     <p:extLst>
       <p:ext uri="{BB962C8B-B14F-4D97-AF65-F5344CB8AC3E}">
-        <p14:creationId xmlns:p14="http://schemas.microsoft.com/office/powerpoint/2010/main" val="3507093508"/>
+        <p14:creationId xmlns:p14="http://schemas.microsoft.com/office/powerpoint/2010/main" val="121476374"/>
       </p:ext>
     </p:extLst>
   </p:cSld>
@@ -6087,7 +6134,7 @@
           <p:cNvPr id="2" name="Title 1">
             <a:extLst>
               <a:ext uri="{FF2B5EF4-FFF2-40B4-BE49-F238E27FC236}">
-                <a16:creationId xmlns:a16="http://schemas.microsoft.com/office/drawing/2014/main" id="{3B24E74A-4EDA-4F58-9D20-DA47DE6A64C0}"/>
+                <a16:creationId xmlns:a16="http://schemas.microsoft.com/office/drawing/2014/main" id="{482B7F89-5A86-44F9-AC3C-A60EB709F976}"/>
               </a:ext>
             </a:extLst>
           </p:cNvPr>
@@ -6107,32 +6154,94 @@
               <a:rPr lang="en-US" dirty="0"/>
               <a:t>Specifications</a:t>
             </a:r>
-            <a:br>
-              <a:rPr lang="en-US" dirty="0"/>
-            </a:br>
-            <a:r>
-              <a:rPr lang="en-US" sz="3600" dirty="0"/>
-              <a:t>Define a specification</a:t>
-            </a:r>
-            <a:endParaRPr lang="en-US" dirty="0"/>
+          </a:p>
+        </p:txBody>
+      </p:sp>
+      <p:sp>
+        <p:nvSpPr>
+          <p:cNvPr id="3" name="Content Placeholder 2">
+            <a:extLst>
+              <a:ext uri="{FF2B5EF4-FFF2-40B4-BE49-F238E27FC236}">
+                <a16:creationId xmlns:a16="http://schemas.microsoft.com/office/drawing/2014/main" id="{D0003822-2CD9-480D-9F87-FECECEDB978C}"/>
+              </a:ext>
+            </a:extLst>
+          </p:cNvPr>
+          <p:cNvSpPr>
+            <a:spLocks noGrp="1"/>
+          </p:cNvSpPr>
+          <p:nvPr>
+            <p:ph idx="1"/>
+          </p:nvPr>
+        </p:nvSpPr>
+        <p:spPr/>
+        <p:txBody>
+          <a:bodyPr/>
+          <a:lstStyle/>
+          <a:p>
+            <a:r>
+              <a:rPr lang="en-US" dirty="0"/>
+              <a:t>A </a:t>
+            </a:r>
+            <a:r>
+              <a:rPr lang="en-US" b="1" dirty="0">
+                <a:solidFill>
+                  <a:srgbClr val="FF0000"/>
+                </a:solidFill>
+              </a:rPr>
+              <a:t>named</a:t>
+            </a:r>
+            <a:r>
+              <a:rPr lang="en-US" dirty="0"/>
+              <a:t>, </a:t>
+            </a:r>
+            <a:r>
+              <a:rPr lang="en-US" b="1" dirty="0">
+                <a:solidFill>
+                  <a:srgbClr val="FF0000"/>
+                </a:solidFill>
+              </a:rPr>
+              <a:t>reusable </a:t>
+            </a:r>
+            <a:r>
+              <a:rPr lang="en-US" dirty="0"/>
+              <a:t>&amp; </a:t>
+            </a:r>
+            <a:r>
+              <a:rPr lang="en-US" b="1" dirty="0">
+                <a:solidFill>
+                  <a:srgbClr val="FF0000"/>
+                </a:solidFill>
+              </a:rPr>
+              <a:t>combinable</a:t>
+            </a:r>
+            <a:r>
+              <a:rPr lang="en-US" dirty="0"/>
+              <a:t> </a:t>
+            </a:r>
+            <a:r>
+              <a:rPr lang="en-US" b="1" dirty="0"/>
+              <a:t>class</a:t>
+            </a:r>
+            <a:r>
+              <a:rPr lang="en-US" dirty="0"/>
+              <a:t> to filter objects.</a:t>
+            </a:r>
           </a:p>
         </p:txBody>
       </p:sp>
       <p:pic>
         <p:nvPicPr>
-          <p:cNvPr id="4" name="Content Placeholder 3">
-            <a:extLst>
-              <a:ext uri="{FF2B5EF4-FFF2-40B4-BE49-F238E27FC236}">
-                <a16:creationId xmlns:a16="http://schemas.microsoft.com/office/drawing/2014/main" id="{04C81BE2-318B-4B17-8F44-D0B05CADE0A5}"/>
+          <p:cNvPr id="4" name="Picture 3">
+            <a:extLst>
+              <a:ext uri="{FF2B5EF4-FFF2-40B4-BE49-F238E27FC236}">
+                <a16:creationId xmlns:a16="http://schemas.microsoft.com/office/drawing/2014/main" id="{257E6FB4-FEA1-4DEF-9298-D30447388E27}"/>
               </a:ext>
             </a:extLst>
           </p:cNvPr>
           <p:cNvPicPr>
-            <a:picLocks noGrp="1" noChangeAspect="1"/>
+            <a:picLocks noChangeAspect="1"/>
           </p:cNvPicPr>
-          <p:nvPr>
-            <p:ph idx="1"/>
-          </p:nvPr>
+          <p:nvPr/>
         </p:nvPicPr>
         <p:blipFill>
           <a:blip r:embed="rId2"/>
@@ -6142,8 +6251,8 @@
         </p:blipFill>
         <p:spPr>
           <a:xfrm>
-            <a:off x="838200" y="1770207"/>
-            <a:ext cx="7837129" cy="4351338"/>
+            <a:off x="1060862" y="2327358"/>
+            <a:ext cx="10656125" cy="3883965"/>
           </a:xfrm>
           <a:prstGeom prst="rect">
             <a:avLst/>
@@ -6153,7 +6262,7 @@
     </p:spTree>
     <p:extLst>
       <p:ext uri="{BB962C8B-B14F-4D97-AF65-F5344CB8AC3E}">
-        <p14:creationId xmlns:p14="http://schemas.microsoft.com/office/powerpoint/2010/main" val="1947867654"/>
+        <p14:creationId xmlns:p14="http://schemas.microsoft.com/office/powerpoint/2010/main" val="3507093508"/>
       </p:ext>
     </p:extLst>
   </p:cSld>
@@ -6210,7 +6319,7 @@
             </a:br>
             <a:r>
               <a:rPr lang="en-US" sz="3600" dirty="0"/>
-              <a:t>Use the specification</a:t>
+              <a:t>Define a specification</a:t>
             </a:r>
             <a:endParaRPr lang="en-US" dirty="0"/>
           </a:p>
@@ -6218,17 +6327,19 @@
       </p:sp>
       <p:pic>
         <p:nvPicPr>
-          <p:cNvPr id="6" name="Picture 5">
-            <a:extLst>
-              <a:ext uri="{FF2B5EF4-FFF2-40B4-BE49-F238E27FC236}">
-                <a16:creationId xmlns:a16="http://schemas.microsoft.com/office/drawing/2014/main" id="{0FE0AC01-C084-42C9-9001-DD9BB9A5EE47}"/>
+          <p:cNvPr id="4" name="Content Placeholder 3">
+            <a:extLst>
+              <a:ext uri="{FF2B5EF4-FFF2-40B4-BE49-F238E27FC236}">
+                <a16:creationId xmlns:a16="http://schemas.microsoft.com/office/drawing/2014/main" id="{04C81BE2-318B-4B17-8F44-D0B05CADE0A5}"/>
               </a:ext>
             </a:extLst>
           </p:cNvPr>
           <p:cNvPicPr>
-            <a:picLocks noChangeAspect="1"/>
+            <a:picLocks noGrp="1" noChangeAspect="1"/>
           </p:cNvPicPr>
-          <p:nvPr/>
+          <p:nvPr>
+            <p:ph idx="1"/>
+          </p:nvPr>
         </p:nvPicPr>
         <p:blipFill>
           <a:blip r:embed="rId2"/>
@@ -6238,102 +6349,18 @@
         </p:blipFill>
         <p:spPr>
           <a:xfrm>
-            <a:off x="877765" y="1758156"/>
-            <a:ext cx="5257800" cy="969271"/>
+            <a:off x="838200" y="1770207"/>
+            <a:ext cx="7837129" cy="4351338"/>
           </a:xfrm>
           <a:prstGeom prst="rect">
             <a:avLst/>
           </a:prstGeom>
-          <a:ln w="12700">
-            <a:solidFill>
-              <a:schemeClr val="tx1">
-                <a:lumMod val="75000"/>
-                <a:lumOff val="25000"/>
-              </a:schemeClr>
-            </a:solidFill>
-          </a:ln>
-        </p:spPr>
-      </p:pic>
-      <p:pic>
-        <p:nvPicPr>
-          <p:cNvPr id="7" name="Picture 6">
-            <a:extLst>
-              <a:ext uri="{FF2B5EF4-FFF2-40B4-BE49-F238E27FC236}">
-                <a16:creationId xmlns:a16="http://schemas.microsoft.com/office/drawing/2014/main" id="{D886A22A-483B-4831-A628-B510B746FACC}"/>
-              </a:ext>
-            </a:extLst>
-          </p:cNvPr>
-          <p:cNvPicPr>
-            <a:picLocks noChangeAspect="1"/>
-          </p:cNvPicPr>
-          <p:nvPr/>
-        </p:nvPicPr>
-        <p:blipFill>
-          <a:blip r:embed="rId3"/>
-          <a:stretch>
-            <a:fillRect/>
-          </a:stretch>
-        </p:blipFill>
-        <p:spPr>
-          <a:xfrm>
-            <a:off x="877765" y="2844387"/>
-            <a:ext cx="7727868" cy="2572374"/>
-          </a:xfrm>
-          <a:prstGeom prst="rect">
-            <a:avLst/>
-          </a:prstGeom>
-          <a:ln w="12700">
-            <a:solidFill>
-              <a:schemeClr val="tx1">
-                <a:lumMod val="75000"/>
-                <a:lumOff val="25000"/>
-              </a:schemeClr>
-            </a:solidFill>
-          </a:ln>
-        </p:spPr>
-      </p:pic>
-      <p:pic>
-        <p:nvPicPr>
-          <p:cNvPr id="8" name="Picture 7">
-            <a:extLst>
-              <a:ext uri="{FF2B5EF4-FFF2-40B4-BE49-F238E27FC236}">
-                <a16:creationId xmlns:a16="http://schemas.microsoft.com/office/drawing/2014/main" id="{C9FD1C11-869D-4780-9CFC-D3AE1539E6BB}"/>
-              </a:ext>
-            </a:extLst>
-          </p:cNvPr>
-          <p:cNvPicPr>
-            <a:picLocks noChangeAspect="1"/>
-          </p:cNvPicPr>
-          <p:nvPr/>
-        </p:nvPicPr>
-        <p:blipFill>
-          <a:blip r:embed="rId4"/>
-          <a:stretch>
-            <a:fillRect/>
-          </a:stretch>
-        </p:blipFill>
-        <p:spPr>
-          <a:xfrm>
-            <a:off x="877765" y="5533721"/>
-            <a:ext cx="5642882" cy="1001919"/>
-          </a:xfrm>
-          <a:prstGeom prst="rect">
-            <a:avLst/>
-          </a:prstGeom>
-          <a:ln w="12700">
-            <a:solidFill>
-              <a:schemeClr val="tx1">
-                <a:lumMod val="75000"/>
-                <a:lumOff val="25000"/>
-              </a:schemeClr>
-            </a:solidFill>
-          </a:ln>
         </p:spPr>
       </p:pic>
     </p:spTree>
     <p:extLst>
       <p:ext uri="{BB962C8B-B14F-4D97-AF65-F5344CB8AC3E}">
-        <p14:creationId xmlns:p14="http://schemas.microsoft.com/office/powerpoint/2010/main" val="2980318803"/>
+        <p14:creationId xmlns:p14="http://schemas.microsoft.com/office/powerpoint/2010/main" val="1947867654"/>
       </p:ext>
     </p:extLst>
   </p:cSld>
@@ -6398,10 +6425,10 @@
       </p:sp>
       <p:pic>
         <p:nvPicPr>
-          <p:cNvPr id="5" name="Picture 4">
-            <a:extLst>
-              <a:ext uri="{FF2B5EF4-FFF2-40B4-BE49-F238E27FC236}">
-                <a16:creationId xmlns:a16="http://schemas.microsoft.com/office/drawing/2014/main" id="{BE13C0D9-5BC9-4043-A357-B1CA1A9F2D01}"/>
+          <p:cNvPr id="6" name="Picture 5">
+            <a:extLst>
+              <a:ext uri="{FF2B5EF4-FFF2-40B4-BE49-F238E27FC236}">
+                <a16:creationId xmlns:a16="http://schemas.microsoft.com/office/drawing/2014/main" id="{0FE0AC01-C084-42C9-9001-DD9BB9A5EE47}"/>
               </a:ext>
             </a:extLst>
           </p:cNvPr>
@@ -6418,20 +6445,28 @@
         </p:blipFill>
         <p:spPr>
           <a:xfrm>
-            <a:off x="247376" y="1832758"/>
-            <a:ext cx="4659138" cy="3982193"/>
+            <a:off x="877765" y="1758156"/>
+            <a:ext cx="5257800" cy="969271"/>
           </a:xfrm>
           <a:prstGeom prst="rect">
             <a:avLst/>
           </a:prstGeom>
+          <a:ln w="12700">
+            <a:solidFill>
+              <a:schemeClr val="tx1">
+                <a:lumMod val="75000"/>
+                <a:lumOff val="25000"/>
+              </a:schemeClr>
+            </a:solidFill>
+          </a:ln>
         </p:spPr>
       </p:pic>
       <p:pic>
         <p:nvPicPr>
-          <p:cNvPr id="3" name="Picture 2">
-            <a:extLst>
-              <a:ext uri="{FF2B5EF4-FFF2-40B4-BE49-F238E27FC236}">
-                <a16:creationId xmlns:a16="http://schemas.microsoft.com/office/drawing/2014/main" id="{CC988AFE-84D3-4FE8-A964-05B07B9F3D7F}"/>
+          <p:cNvPr id="7" name="Picture 6">
+            <a:extLst>
+              <a:ext uri="{FF2B5EF4-FFF2-40B4-BE49-F238E27FC236}">
+                <a16:creationId xmlns:a16="http://schemas.microsoft.com/office/drawing/2014/main" id="{D886A22A-483B-4831-A628-B510B746FACC}"/>
               </a:ext>
             </a:extLst>
           </p:cNvPr>
@@ -6448,64 +6483,64 @@
         </p:blipFill>
         <p:spPr>
           <a:xfrm>
-            <a:off x="5680165" y="1648831"/>
-            <a:ext cx="6264459" cy="4204842"/>
+            <a:off x="877765" y="2844387"/>
+            <a:ext cx="7727868" cy="2572374"/>
           </a:xfrm>
           <a:prstGeom prst="rect">
             <a:avLst/>
           </a:prstGeom>
+          <a:ln w="12700">
+            <a:solidFill>
+              <a:schemeClr val="tx1">
+                <a:lumMod val="75000"/>
+                <a:lumOff val="25000"/>
+              </a:schemeClr>
+            </a:solidFill>
+          </a:ln>
         </p:spPr>
       </p:pic>
-      <p:sp>
-        <p:nvSpPr>
-          <p:cNvPr id="4" name="Arrow: Right 3">
-            <a:extLst>
-              <a:ext uri="{FF2B5EF4-FFF2-40B4-BE49-F238E27FC236}">
-                <a16:creationId xmlns:a16="http://schemas.microsoft.com/office/drawing/2014/main" id="{65E0A82D-CFB7-4801-BC0A-7BBD01CDE9F3}"/>
-              </a:ext>
-            </a:extLst>
-          </p:cNvPr>
-          <p:cNvSpPr/>
+      <p:pic>
+        <p:nvPicPr>
+          <p:cNvPr id="8" name="Picture 7">
+            <a:extLst>
+              <a:ext uri="{FF2B5EF4-FFF2-40B4-BE49-F238E27FC236}">
+                <a16:creationId xmlns:a16="http://schemas.microsoft.com/office/drawing/2014/main" id="{C9FD1C11-869D-4780-9CFC-D3AE1539E6BB}"/>
+              </a:ext>
+            </a:extLst>
+          </p:cNvPr>
+          <p:cNvPicPr>
+            <a:picLocks noChangeAspect="1"/>
+          </p:cNvPicPr>
           <p:nvPr/>
-        </p:nvSpPr>
+        </p:nvPicPr>
+        <p:blipFill>
+          <a:blip r:embed="rId4"/>
+          <a:stretch>
+            <a:fillRect/>
+          </a:stretch>
+        </p:blipFill>
         <p:spPr>
           <a:xfrm>
-            <a:off x="4526504" y="4627419"/>
-            <a:ext cx="999481" cy="344384"/>
-          </a:xfrm>
-          <a:prstGeom prst="rightArrow">
+            <a:off x="877765" y="5533721"/>
+            <a:ext cx="5642882" cy="1001919"/>
+          </a:xfrm>
+          <a:prstGeom prst="rect">
             <a:avLst/>
           </a:prstGeom>
-        </p:spPr>
-        <p:style>
-          <a:lnRef idx="2">
-            <a:schemeClr val="accent2">
-              <a:shade val="50000"/>
-            </a:schemeClr>
-          </a:lnRef>
-          <a:fillRef idx="1">
-            <a:schemeClr val="accent2"/>
-          </a:fillRef>
-          <a:effectRef idx="0">
-            <a:schemeClr val="accent2"/>
-          </a:effectRef>
-          <a:fontRef idx="minor">
-            <a:schemeClr val="lt1"/>
-          </a:fontRef>
-        </p:style>
-        <p:txBody>
-          <a:bodyPr rtlCol="0" anchor="ctr"/>
-          <a:lstStyle/>
-          <a:p>
-            <a:pPr algn="ctr"/>
-            <a:endParaRPr lang="en-US"/>
-          </a:p>
-        </p:txBody>
-      </p:sp>
+          <a:ln w="12700">
+            <a:solidFill>
+              <a:schemeClr val="tx1">
+                <a:lumMod val="75000"/>
+                <a:lumOff val="25000"/>
+              </a:schemeClr>
+            </a:solidFill>
+          </a:ln>
+        </p:spPr>
+      </p:pic>
     </p:spTree>
     <p:extLst>
       <p:ext uri="{BB962C8B-B14F-4D97-AF65-F5344CB8AC3E}">
-        <p14:creationId xmlns:p14="http://schemas.microsoft.com/office/powerpoint/2010/main" val="2282954860"/>
+        <p14:creationId xmlns:p14="http://schemas.microsoft.com/office/powerpoint/2010/main" val="2980318803"/>
       </p:ext>
     </p:extLst>
   </p:cSld>
@@ -6537,7 +6572,7 @@
           <p:cNvPr id="2" name="Title 1">
             <a:extLst>
               <a:ext uri="{FF2B5EF4-FFF2-40B4-BE49-F238E27FC236}">
-                <a16:creationId xmlns:a16="http://schemas.microsoft.com/office/drawing/2014/main" id="{8F8B9203-A237-4817-9C8C-856833CB6AC7}"/>
+                <a16:creationId xmlns:a16="http://schemas.microsoft.com/office/drawing/2014/main" id="{3B24E74A-4EDA-4F58-9D20-DA47DE6A64C0}"/>
               </a:ext>
             </a:extLst>
           </p:cNvPr>
@@ -6562,17 +6597,18 @@
             </a:br>
             <a:r>
               <a:rPr lang="en-US" sz="3600" dirty="0"/>
-              <a:t>Combining Specifications</a:t>
-            </a:r>
+              <a:t>Use the specification</a:t>
+            </a:r>
+            <a:endParaRPr lang="en-US" dirty="0"/>
           </a:p>
         </p:txBody>
       </p:sp>
       <p:pic>
         <p:nvPicPr>
-          <p:cNvPr id="4" name="Picture 3">
-            <a:extLst>
-              <a:ext uri="{FF2B5EF4-FFF2-40B4-BE49-F238E27FC236}">
-                <a16:creationId xmlns:a16="http://schemas.microsoft.com/office/drawing/2014/main" id="{F41A24F7-F0FF-4E0E-97AC-BB8766EBBD2C}"/>
+          <p:cNvPr id="5" name="Picture 4">
+            <a:extLst>
+              <a:ext uri="{FF2B5EF4-FFF2-40B4-BE49-F238E27FC236}">
+                <a16:creationId xmlns:a16="http://schemas.microsoft.com/office/drawing/2014/main" id="{BE13C0D9-5BC9-4043-A357-B1CA1A9F2D01}"/>
               </a:ext>
             </a:extLst>
           </p:cNvPr>
@@ -6589,28 +6625,20 @@
         </p:blipFill>
         <p:spPr>
           <a:xfrm>
-            <a:off x="838200" y="1690688"/>
-            <a:ext cx="5340927" cy="2808533"/>
+            <a:off x="247376" y="1832758"/>
+            <a:ext cx="4659138" cy="3982193"/>
           </a:xfrm>
           <a:prstGeom prst="rect">
             <a:avLst/>
           </a:prstGeom>
-          <a:ln w="12700">
-            <a:solidFill>
-              <a:schemeClr val="tx1">
-                <a:lumMod val="75000"/>
-                <a:lumOff val="25000"/>
-              </a:schemeClr>
-            </a:solidFill>
-          </a:ln>
         </p:spPr>
       </p:pic>
       <p:pic>
         <p:nvPicPr>
-          <p:cNvPr id="5" name="Picture 4">
-            <a:extLst>
-              <a:ext uri="{FF2B5EF4-FFF2-40B4-BE49-F238E27FC236}">
-                <a16:creationId xmlns:a16="http://schemas.microsoft.com/office/drawing/2014/main" id="{CD4C95D5-C36D-4E74-92F3-B6E562CE7D2D}"/>
+          <p:cNvPr id="3" name="Picture 2">
+            <a:extLst>
+              <a:ext uri="{FF2B5EF4-FFF2-40B4-BE49-F238E27FC236}">
+                <a16:creationId xmlns:a16="http://schemas.microsoft.com/office/drawing/2014/main" id="{CC988AFE-84D3-4FE8-A964-05B07B9F3D7F}"/>
               </a:ext>
             </a:extLst>
           </p:cNvPr>
@@ -6627,26 +6655,64 @@
         </p:blipFill>
         <p:spPr>
           <a:xfrm>
-            <a:off x="838200" y="4617349"/>
-            <a:ext cx="6227467" cy="1811159"/>
+            <a:off x="5680165" y="1648831"/>
+            <a:ext cx="6264459" cy="4204842"/>
           </a:xfrm>
           <a:prstGeom prst="rect">
             <a:avLst/>
           </a:prstGeom>
-          <a:ln w="12700">
-            <a:solidFill>
-              <a:schemeClr val="tx1">
-                <a:lumMod val="75000"/>
-                <a:lumOff val="25000"/>
-              </a:schemeClr>
-            </a:solidFill>
-          </a:ln>
         </p:spPr>
       </p:pic>
+      <p:sp>
+        <p:nvSpPr>
+          <p:cNvPr id="4" name="Arrow: Right 3">
+            <a:extLst>
+              <a:ext uri="{FF2B5EF4-FFF2-40B4-BE49-F238E27FC236}">
+                <a16:creationId xmlns:a16="http://schemas.microsoft.com/office/drawing/2014/main" id="{65E0A82D-CFB7-4801-BC0A-7BBD01CDE9F3}"/>
+              </a:ext>
+            </a:extLst>
+          </p:cNvPr>
+          <p:cNvSpPr/>
+          <p:nvPr/>
+        </p:nvSpPr>
+        <p:spPr>
+          <a:xfrm>
+            <a:off x="4526504" y="4627419"/>
+            <a:ext cx="999481" cy="344384"/>
+          </a:xfrm>
+          <a:prstGeom prst="rightArrow">
+            <a:avLst/>
+          </a:prstGeom>
+        </p:spPr>
+        <p:style>
+          <a:lnRef idx="2">
+            <a:schemeClr val="accent2">
+              <a:shade val="50000"/>
+            </a:schemeClr>
+          </a:lnRef>
+          <a:fillRef idx="1">
+            <a:schemeClr val="accent2"/>
+          </a:fillRef>
+          <a:effectRef idx="0">
+            <a:schemeClr val="accent2"/>
+          </a:effectRef>
+          <a:fontRef idx="minor">
+            <a:schemeClr val="lt1"/>
+          </a:fontRef>
+        </p:style>
+        <p:txBody>
+          <a:bodyPr rtlCol="0" anchor="ctr"/>
+          <a:lstStyle/>
+          <a:p>
+            <a:pPr algn="ctr"/>
+            <a:endParaRPr lang="en-US"/>
+          </a:p>
+        </p:txBody>
+      </p:sp>
     </p:spTree>
     <p:extLst>
       <p:ext uri="{BB962C8B-B14F-4D97-AF65-F5344CB8AC3E}">
-        <p14:creationId xmlns:p14="http://schemas.microsoft.com/office/powerpoint/2010/main" val="3524833557"/>
+        <p14:creationId xmlns:p14="http://schemas.microsoft.com/office/powerpoint/2010/main" val="2282954860"/>
       </p:ext>
     </p:extLst>
   </p:cSld>
@@ -6678,7 +6744,7 @@
           <p:cNvPr id="2" name="Title 1">
             <a:extLst>
               <a:ext uri="{FF2B5EF4-FFF2-40B4-BE49-F238E27FC236}">
-                <a16:creationId xmlns:a16="http://schemas.microsoft.com/office/drawing/2014/main" id="{BDD446CD-C68E-4B34-9354-E8F68D0EB962}"/>
+                <a16:creationId xmlns:a16="http://schemas.microsoft.com/office/drawing/2014/main" id="{8F8B9203-A237-4817-9C8C-856833CB6AC7}"/>
               </a:ext>
             </a:extLst>
           </p:cNvPr>
@@ -6696,25 +6762,24 @@
           <a:p>
             <a:r>
               <a:rPr lang="en-US" dirty="0"/>
-              <a:t>Repositories</a:t>
+              <a:t>Specifications</a:t>
             </a:r>
             <a:br>
               <a:rPr lang="en-US" dirty="0"/>
             </a:br>
             <a:r>
               <a:rPr lang="en-US" sz="3600" dirty="0"/>
-              <a:t>Querying</a:t>
-            </a:r>
-            <a:endParaRPr lang="en-US" dirty="0"/>
+              <a:t>Combining Specifications</a:t>
+            </a:r>
           </a:p>
         </p:txBody>
       </p:sp>
       <p:pic>
         <p:nvPicPr>
-          <p:cNvPr id="3" name="Picture 2">
-            <a:extLst>
-              <a:ext uri="{FF2B5EF4-FFF2-40B4-BE49-F238E27FC236}">
-                <a16:creationId xmlns:a16="http://schemas.microsoft.com/office/drawing/2014/main" id="{6EC51A68-EA70-4F50-9A9F-4D510AE7E3C2}"/>
+          <p:cNvPr id="4" name="Picture 3">
+            <a:extLst>
+              <a:ext uri="{FF2B5EF4-FFF2-40B4-BE49-F238E27FC236}">
+                <a16:creationId xmlns:a16="http://schemas.microsoft.com/office/drawing/2014/main" id="{F41A24F7-F0FF-4E0E-97AC-BB8766EBBD2C}"/>
               </a:ext>
             </a:extLst>
           </p:cNvPr>
@@ -6731,20 +6796,28 @@
         </p:blipFill>
         <p:spPr>
           <a:xfrm>
-            <a:off x="838200" y="1659905"/>
-            <a:ext cx="4233925" cy="3022931"/>
+            <a:off x="838200" y="1690688"/>
+            <a:ext cx="5340927" cy="2808533"/>
           </a:xfrm>
           <a:prstGeom prst="rect">
             <a:avLst/>
           </a:prstGeom>
+          <a:ln w="12700">
+            <a:solidFill>
+              <a:schemeClr val="tx1">
+                <a:lumMod val="75000"/>
+                <a:lumOff val="25000"/>
+              </a:schemeClr>
+            </a:solidFill>
+          </a:ln>
         </p:spPr>
       </p:pic>
       <p:pic>
         <p:nvPicPr>
-          <p:cNvPr id="4" name="Picture 3">
-            <a:extLst>
-              <a:ext uri="{FF2B5EF4-FFF2-40B4-BE49-F238E27FC236}">
-                <a16:creationId xmlns:a16="http://schemas.microsoft.com/office/drawing/2014/main" id="{BC4F21F5-B569-4D96-BBEE-735F40DDD2CA}"/>
+          <p:cNvPr id="5" name="Picture 4">
+            <a:extLst>
+              <a:ext uri="{FF2B5EF4-FFF2-40B4-BE49-F238E27FC236}">
+                <a16:creationId xmlns:a16="http://schemas.microsoft.com/office/drawing/2014/main" id="{CD4C95D5-C36D-4E74-92F3-B6E562CE7D2D}"/>
               </a:ext>
             </a:extLst>
           </p:cNvPr>
@@ -6761,64 +6834,26 @@
         </p:blipFill>
         <p:spPr>
           <a:xfrm>
-            <a:off x="6834311" y="2167244"/>
-            <a:ext cx="4931167" cy="1728450"/>
+            <a:off x="838200" y="4617349"/>
+            <a:ext cx="6227467" cy="1811159"/>
           </a:xfrm>
           <a:prstGeom prst="rect">
             <a:avLst/>
           </a:prstGeom>
+          <a:ln w="12700">
+            <a:solidFill>
+              <a:schemeClr val="tx1">
+                <a:lumMod val="75000"/>
+                <a:lumOff val="25000"/>
+              </a:schemeClr>
+            </a:solidFill>
+          </a:ln>
         </p:spPr>
       </p:pic>
-      <p:sp>
-        <p:nvSpPr>
-          <p:cNvPr id="6" name="Arrow: Right 5">
-            <a:extLst>
-              <a:ext uri="{FF2B5EF4-FFF2-40B4-BE49-F238E27FC236}">
-                <a16:creationId xmlns:a16="http://schemas.microsoft.com/office/drawing/2014/main" id="{E10BC940-1850-4062-951A-6FA5B17106C4}"/>
-              </a:ext>
-            </a:extLst>
-          </p:cNvPr>
-          <p:cNvSpPr/>
-          <p:nvPr/>
-        </p:nvSpPr>
-        <p:spPr>
-          <a:xfrm>
-            <a:off x="5288478" y="2825683"/>
-            <a:ext cx="1041070" cy="411572"/>
-          </a:xfrm>
-          <a:prstGeom prst="rightArrow">
-            <a:avLst/>
-          </a:prstGeom>
-        </p:spPr>
-        <p:style>
-          <a:lnRef idx="2">
-            <a:schemeClr val="accent2">
-              <a:shade val="50000"/>
-            </a:schemeClr>
-          </a:lnRef>
-          <a:fillRef idx="1">
-            <a:schemeClr val="accent2"/>
-          </a:fillRef>
-          <a:effectRef idx="0">
-            <a:schemeClr val="accent2"/>
-          </a:effectRef>
-          <a:fontRef idx="minor">
-            <a:schemeClr val="lt1"/>
-          </a:fontRef>
-        </p:style>
-        <p:txBody>
-          <a:bodyPr rtlCol="0" anchor="ctr"/>
-          <a:lstStyle/>
-          <a:p>
-            <a:pPr algn="ctr"/>
-            <a:endParaRPr lang="en-US"/>
-          </a:p>
-        </p:txBody>
-      </p:sp>
     </p:spTree>
     <p:extLst>
       <p:ext uri="{BB962C8B-B14F-4D97-AF65-F5344CB8AC3E}">
-        <p14:creationId xmlns:p14="http://schemas.microsoft.com/office/powerpoint/2010/main" val="539640982"/>
+        <p14:creationId xmlns:p14="http://schemas.microsoft.com/office/powerpoint/2010/main" val="3524833557"/>
       </p:ext>
     </p:extLst>
   </p:cSld>
@@ -6850,7 +6885,7 @@
           <p:cNvPr id="2" name="Title 1">
             <a:extLst>
               <a:ext uri="{FF2B5EF4-FFF2-40B4-BE49-F238E27FC236}">
-                <a16:creationId xmlns:a16="http://schemas.microsoft.com/office/drawing/2014/main" id="{BB5A459E-6CBC-44E2-99B0-6203402BE72F}"/>
+                <a16:creationId xmlns:a16="http://schemas.microsoft.com/office/drawing/2014/main" id="{BDD446CD-C68E-4B34-9354-E8F68D0EB962}"/>
               </a:ext>
             </a:extLst>
           </p:cNvPr>
@@ -6875,100 +6910,122 @@
             </a:br>
             <a:r>
               <a:rPr lang="en-US" sz="3600" dirty="0"/>
-              <a:t>Querying / Read Models</a:t>
+              <a:t>Querying</a:t>
             </a:r>
             <a:endParaRPr lang="en-US" dirty="0"/>
           </a:p>
         </p:txBody>
       </p:sp>
-      <p:sp>
-        <p:nvSpPr>
-          <p:cNvPr id="3" name="Content Placeholder 2">
-            <a:extLst>
-              <a:ext uri="{FF2B5EF4-FFF2-40B4-BE49-F238E27FC236}">
-                <a16:creationId xmlns:a16="http://schemas.microsoft.com/office/drawing/2014/main" id="{DA537E21-1A01-4199-BD9E-3FF6FD74277B}"/>
-              </a:ext>
-            </a:extLst>
-          </p:cNvPr>
-          <p:cNvSpPr>
-            <a:spLocks noGrp="1"/>
-          </p:cNvSpPr>
-          <p:nvPr>
-            <p:ph idx="1"/>
-          </p:nvPr>
-        </p:nvSpPr>
-        <p:spPr/>
-        <p:txBody>
-          <a:bodyPr/>
-          <a:lstStyle/>
-          <a:p>
-            <a:r>
-              <a:rPr lang="en-US" dirty="0"/>
-              <a:t>Read model: A special entity-like class to read data from the database.</a:t>
-            </a:r>
-          </a:p>
-          <a:p>
-            <a:r>
-              <a:rPr lang="en-US" dirty="0"/>
-              <a:t>Minimize read models, do not use for single-entity operations</a:t>
-            </a:r>
-          </a:p>
-          <a:p>
-            <a:r>
-              <a:rPr lang="en-US" dirty="0"/>
-              <a:t>Define &amp; use read models only in performance critical parts</a:t>
-            </a:r>
-          </a:p>
-          <a:p>
-            <a:pPr lvl="1"/>
-            <a:r>
-              <a:rPr lang="en-US" dirty="0"/>
-              <a:t>TODO: Example</a:t>
-            </a:r>
-          </a:p>
-          <a:p>
-            <a:r>
-              <a:rPr lang="en-US" dirty="0"/>
-              <a:t>Do not reuse aggregate roots or entities inside read models</a:t>
-            </a:r>
-          </a:p>
-          <a:p>
-            <a:pPr lvl="1"/>
-            <a:r>
-              <a:rPr lang="en-US" dirty="0"/>
-              <a:t>TODO: Example (</a:t>
-            </a:r>
-            <a:r>
-              <a:rPr lang="en-US" dirty="0" err="1"/>
-              <a:t>UserWithRole</a:t>
-            </a:r>
-            <a:r>
-              <a:rPr lang="en-US" dirty="0"/>
-              <a:t>, </a:t>
-            </a:r>
-            <a:r>
-              <a:rPr lang="en-US" dirty="0" err="1"/>
-              <a:t>SimpleUser</a:t>
-            </a:r>
-            <a:r>
-              <a:rPr lang="en-US" dirty="0"/>
-              <a:t>, </a:t>
-            </a:r>
-            <a:r>
-              <a:rPr lang="en-US" dirty="0" err="1"/>
-              <a:t>DetailedUser</a:t>
-            </a:r>
-            <a:r>
-              <a:rPr lang="en-US" dirty="0"/>
-              <a:t>… etc.)</a:t>
-            </a:r>
+      <p:pic>
+        <p:nvPicPr>
+          <p:cNvPr id="3" name="Picture 2">
+            <a:extLst>
+              <a:ext uri="{FF2B5EF4-FFF2-40B4-BE49-F238E27FC236}">
+                <a16:creationId xmlns:a16="http://schemas.microsoft.com/office/drawing/2014/main" id="{6EC51A68-EA70-4F50-9A9F-4D510AE7E3C2}"/>
+              </a:ext>
+            </a:extLst>
+          </p:cNvPr>
+          <p:cNvPicPr>
+            <a:picLocks noChangeAspect="1"/>
+          </p:cNvPicPr>
+          <p:nvPr/>
+        </p:nvPicPr>
+        <p:blipFill>
+          <a:blip r:embed="rId2"/>
+          <a:stretch>
+            <a:fillRect/>
+          </a:stretch>
+        </p:blipFill>
+        <p:spPr>
+          <a:xfrm>
+            <a:off x="838200" y="1659905"/>
+            <a:ext cx="4233925" cy="3022931"/>
+          </a:xfrm>
+          <a:prstGeom prst="rect">
+            <a:avLst/>
+          </a:prstGeom>
+        </p:spPr>
+      </p:pic>
+      <p:pic>
+        <p:nvPicPr>
+          <p:cNvPr id="4" name="Picture 3">
+            <a:extLst>
+              <a:ext uri="{FF2B5EF4-FFF2-40B4-BE49-F238E27FC236}">
+                <a16:creationId xmlns:a16="http://schemas.microsoft.com/office/drawing/2014/main" id="{BC4F21F5-B569-4D96-BBEE-735F40DDD2CA}"/>
+              </a:ext>
+            </a:extLst>
+          </p:cNvPr>
+          <p:cNvPicPr>
+            <a:picLocks noChangeAspect="1"/>
+          </p:cNvPicPr>
+          <p:nvPr/>
+        </p:nvPicPr>
+        <p:blipFill>
+          <a:blip r:embed="rId3"/>
+          <a:stretch>
+            <a:fillRect/>
+          </a:stretch>
+        </p:blipFill>
+        <p:spPr>
+          <a:xfrm>
+            <a:off x="6834311" y="2167244"/>
+            <a:ext cx="4931167" cy="1728450"/>
+          </a:xfrm>
+          <a:prstGeom prst="rect">
+            <a:avLst/>
+          </a:prstGeom>
+        </p:spPr>
+      </p:pic>
+      <p:sp>
+        <p:nvSpPr>
+          <p:cNvPr id="6" name="Arrow: Right 5">
+            <a:extLst>
+              <a:ext uri="{FF2B5EF4-FFF2-40B4-BE49-F238E27FC236}">
+                <a16:creationId xmlns:a16="http://schemas.microsoft.com/office/drawing/2014/main" id="{E10BC940-1850-4062-951A-6FA5B17106C4}"/>
+              </a:ext>
+            </a:extLst>
+          </p:cNvPr>
+          <p:cNvSpPr/>
+          <p:nvPr/>
+        </p:nvSpPr>
+        <p:spPr>
+          <a:xfrm>
+            <a:off x="5288478" y="2825683"/>
+            <a:ext cx="1041070" cy="411572"/>
+          </a:xfrm>
+          <a:prstGeom prst="rightArrow">
+            <a:avLst/>
+          </a:prstGeom>
+        </p:spPr>
+        <p:style>
+          <a:lnRef idx="2">
+            <a:schemeClr val="accent2">
+              <a:shade val="50000"/>
+            </a:schemeClr>
+          </a:lnRef>
+          <a:fillRef idx="1">
+            <a:schemeClr val="accent2"/>
+          </a:fillRef>
+          <a:effectRef idx="0">
+            <a:schemeClr val="accent2"/>
+          </a:effectRef>
+          <a:fontRef idx="minor">
+            <a:schemeClr val="lt1"/>
+          </a:fontRef>
+        </p:style>
+        <p:txBody>
+          <a:bodyPr rtlCol="0" anchor="ctr"/>
+          <a:lstStyle/>
+          <a:p>
+            <a:pPr algn="ctr"/>
+            <a:endParaRPr lang="en-US"/>
           </a:p>
         </p:txBody>
       </p:sp>
     </p:spTree>
     <p:extLst>
       <p:ext uri="{BB962C8B-B14F-4D97-AF65-F5344CB8AC3E}">
-        <p14:creationId xmlns:p14="http://schemas.microsoft.com/office/powerpoint/2010/main" val="171990646"/>
+        <p14:creationId xmlns:p14="http://schemas.microsoft.com/office/powerpoint/2010/main" val="539640982"/>
       </p:ext>
     </p:extLst>
   </p:cSld>
@@ -7000,7 +7057,7 @@
           <p:cNvPr id="2" name="Title 1">
             <a:extLst>
               <a:ext uri="{FF2B5EF4-FFF2-40B4-BE49-F238E27FC236}">
-                <a16:creationId xmlns:a16="http://schemas.microsoft.com/office/drawing/2014/main" id="{341AFAB9-487D-494A-B454-B40FBBEF2BBA}"/>
+                <a16:creationId xmlns:a16="http://schemas.microsoft.com/office/drawing/2014/main" id="{BB5A459E-6CBC-44E2-99B0-6203402BE72F}"/>
               </a:ext>
             </a:extLst>
           </p:cNvPr>
@@ -7036,7 +7093,7 @@
           <p:cNvPr id="3" name="Content Placeholder 2">
             <a:extLst>
               <a:ext uri="{FF2B5EF4-FFF2-40B4-BE49-F238E27FC236}">
-                <a16:creationId xmlns:a16="http://schemas.microsoft.com/office/drawing/2014/main" id="{B3AAAD6C-7AEA-4B69-925F-9A8C3132967A}"/>
+                <a16:creationId xmlns:a16="http://schemas.microsoft.com/office/drawing/2014/main" id="{DA537E21-1A01-4199-BD9E-3FF6FD74277B}"/>
               </a:ext>
             </a:extLst>
           </p:cNvPr>
@@ -7054,7 +7111,63 @@
           <a:p>
             <a:r>
               <a:rPr lang="en-US" dirty="0"/>
-              <a:t>TODO…</a:t>
+              <a:t>Read model: A special entity-like class to read data from the database.</a:t>
+            </a:r>
+          </a:p>
+          <a:p>
+            <a:r>
+              <a:rPr lang="en-US" dirty="0"/>
+              <a:t>Minimize read models, do not use for single-entity operations</a:t>
+            </a:r>
+          </a:p>
+          <a:p>
+            <a:r>
+              <a:rPr lang="en-US" dirty="0"/>
+              <a:t>Define &amp; use read models only in performance critical parts</a:t>
+            </a:r>
+          </a:p>
+          <a:p>
+            <a:pPr lvl="1"/>
+            <a:r>
+              <a:rPr lang="en-US" dirty="0"/>
+              <a:t>TODO: Example</a:t>
+            </a:r>
+          </a:p>
+          <a:p>
+            <a:r>
+              <a:rPr lang="en-US" dirty="0"/>
+              <a:t>Do not reuse aggregate roots or entities inside read models</a:t>
+            </a:r>
+          </a:p>
+          <a:p>
+            <a:pPr lvl="1"/>
+            <a:r>
+              <a:rPr lang="en-US" dirty="0"/>
+              <a:t>TODO: Example (</a:t>
+            </a:r>
+            <a:r>
+              <a:rPr lang="en-US" dirty="0" err="1"/>
+              <a:t>UserWithRole</a:t>
+            </a:r>
+            <a:r>
+              <a:rPr lang="en-US" dirty="0"/>
+              <a:t>, </a:t>
+            </a:r>
+            <a:r>
+              <a:rPr lang="en-US" dirty="0" err="1"/>
+              <a:t>SimpleUser</a:t>
+            </a:r>
+            <a:r>
+              <a:rPr lang="en-US" dirty="0"/>
+              <a:t>, </a:t>
+            </a:r>
+            <a:r>
+              <a:rPr lang="en-US" dirty="0" err="1"/>
+              <a:t>DetailedUser</a:t>
+            </a:r>
+            <a:r>
+              <a:rPr lang="en-US" dirty="0"/>
+              <a:t>… etc.)</a:t>
             </a:r>
           </a:p>
         </p:txBody>
@@ -7062,7 +7175,7 @@
     </p:spTree>
     <p:extLst>
       <p:ext uri="{BB962C8B-B14F-4D97-AF65-F5344CB8AC3E}">
-        <p14:creationId xmlns:p14="http://schemas.microsoft.com/office/powerpoint/2010/main" val="2211448094"/>
+        <p14:creationId xmlns:p14="http://schemas.microsoft.com/office/powerpoint/2010/main" val="171990646"/>
       </p:ext>
     </p:extLst>
   </p:cSld>
@@ -7182,7 +7295,7 @@
           <p:cNvPr id="2" name="Title 1">
             <a:extLst>
               <a:ext uri="{FF2B5EF4-FFF2-40B4-BE49-F238E27FC236}">
-                <a16:creationId xmlns:a16="http://schemas.microsoft.com/office/drawing/2014/main" id="{DCD406CE-839F-4199-B466-22AF20DC69E4}"/>
+                <a16:creationId xmlns:a16="http://schemas.microsoft.com/office/drawing/2014/main" id="{341AFAB9-487D-494A-B454-B40FBBEF2BBA}"/>
               </a:ext>
             </a:extLst>
           </p:cNvPr>
@@ -7200,14 +7313,14 @@
           <a:p>
             <a:r>
               <a:rPr lang="en-US" dirty="0"/>
-              <a:t>Domain Services</a:t>
+              <a:t>Repositories</a:t>
             </a:r>
             <a:br>
               <a:rPr lang="en-US" dirty="0"/>
             </a:br>
             <a:r>
               <a:rPr lang="en-US" sz="3600" dirty="0"/>
-              <a:t>Principles</a:t>
+              <a:t>Querying / Read Models</a:t>
             </a:r>
             <a:endParaRPr lang="en-US" dirty="0"/>
           </a:p>
@@ -7218,7 +7331,7 @@
           <p:cNvPr id="3" name="Content Placeholder 2">
             <a:extLst>
               <a:ext uri="{FF2B5EF4-FFF2-40B4-BE49-F238E27FC236}">
-                <a16:creationId xmlns:a16="http://schemas.microsoft.com/office/drawing/2014/main" id="{4594C836-7ABE-4497-B60B-67B7615CB160}"/>
+                <a16:creationId xmlns:a16="http://schemas.microsoft.com/office/drawing/2014/main" id="{B3AAAD6C-7AEA-4B69-925F-9A8C3132967A}"/>
               </a:ext>
             </a:extLst>
           </p:cNvPr>
@@ -7236,61 +7349,7 @@
           <a:p>
             <a:r>
               <a:rPr lang="en-US" dirty="0"/>
-              <a:t>Implements domain logic;</a:t>
-            </a:r>
-          </a:p>
-          <a:p>
-            <a:pPr lvl="1"/>
-            <a:r>
-              <a:rPr lang="en-US" dirty="0"/>
-              <a:t>Depends on </a:t>
-            </a:r>
-            <a:r>
-              <a:rPr lang="en-US" b="1" dirty="0"/>
-              <a:t>services/repositories</a:t>
-            </a:r>
-          </a:p>
-          <a:p>
-            <a:pPr lvl="1"/>
-            <a:r>
-              <a:rPr lang="en-US" dirty="0"/>
-              <a:t>Needs to work with </a:t>
-            </a:r>
-            <a:r>
-              <a:rPr lang="en-US" b="1" dirty="0"/>
-              <a:t>multiple entities</a:t>
-            </a:r>
-            <a:r>
-              <a:rPr lang="en-US" dirty="0"/>
-              <a:t> / entity types</a:t>
-            </a:r>
-          </a:p>
-          <a:p>
-            <a:r>
-              <a:rPr lang="en-US" dirty="0"/>
-              <a:t>Create for </a:t>
-            </a:r>
-            <a:r>
-              <a:rPr lang="en-US" b="1" dirty="0"/>
-              <a:t>aggregate roots</a:t>
-            </a:r>
-            <a:r>
-              <a:rPr lang="en-US" dirty="0"/>
-              <a:t>, not for entities</a:t>
-            </a:r>
-          </a:p>
-          <a:p>
-            <a:r>
-              <a:rPr lang="en-US" dirty="0"/>
-              <a:t>Work with </a:t>
-            </a:r>
-            <a:r>
-              <a:rPr lang="en-US" b="1" dirty="0"/>
-              <a:t>domain objects</a:t>
-            </a:r>
-            <a:r>
-              <a:rPr lang="en-US" dirty="0"/>
-              <a:t>, not DTOs</a:t>
+              <a:t>TODO…</a:t>
             </a:r>
           </a:p>
         </p:txBody>
@@ -7298,7 +7357,7 @@
     </p:spTree>
     <p:extLst>
       <p:ext uri="{BB962C8B-B14F-4D97-AF65-F5344CB8AC3E}">
-        <p14:creationId xmlns:p14="http://schemas.microsoft.com/office/powerpoint/2010/main" val="2340709840"/>
+        <p14:creationId xmlns:p14="http://schemas.microsoft.com/office/powerpoint/2010/main" val="2211448094"/>
       </p:ext>
     </p:extLst>
   </p:cSld>
@@ -7330,7 +7389,7 @@
           <p:cNvPr id="2" name="Title 1">
             <a:extLst>
               <a:ext uri="{FF2B5EF4-FFF2-40B4-BE49-F238E27FC236}">
-                <a16:creationId xmlns:a16="http://schemas.microsoft.com/office/drawing/2014/main" id="{BF966061-C025-4862-BB7A-13EE62604BE4}"/>
+                <a16:creationId xmlns:a16="http://schemas.microsoft.com/office/drawing/2014/main" id="{DCD406CE-839F-4199-B466-22AF20DC69E4}"/>
               </a:ext>
             </a:extLst>
           </p:cNvPr>
@@ -7355,76 +7414,98 @@
             </a:br>
             <a:r>
               <a:rPr lang="en-US" sz="3600" dirty="0"/>
-              <a:t>Example</a:t>
+              <a:t>Principles</a:t>
             </a:r>
             <a:endParaRPr lang="en-US" dirty="0"/>
           </a:p>
         </p:txBody>
       </p:sp>
-      <p:pic>
-        <p:nvPicPr>
-          <p:cNvPr id="4" name="Picture 3">
-            <a:extLst>
-              <a:ext uri="{FF2B5EF4-FFF2-40B4-BE49-F238E27FC236}">
-                <a16:creationId xmlns:a16="http://schemas.microsoft.com/office/drawing/2014/main" id="{29BE0215-8F7B-4D4B-87D0-903BC11A55F4}"/>
-              </a:ext>
-            </a:extLst>
-          </p:cNvPr>
-          <p:cNvPicPr>
-            <a:picLocks noChangeAspect="1"/>
-          </p:cNvPicPr>
-          <p:nvPr/>
-        </p:nvPicPr>
-        <p:blipFill>
-          <a:blip r:embed="rId2"/>
-          <a:stretch>
-            <a:fillRect/>
-          </a:stretch>
-        </p:blipFill>
-        <p:spPr>
-          <a:xfrm>
-            <a:off x="316112" y="1637448"/>
-            <a:ext cx="6068748" cy="5127529"/>
-          </a:xfrm>
-          <a:prstGeom prst="rect">
-            <a:avLst/>
-          </a:prstGeom>
-        </p:spPr>
-      </p:pic>
-      <p:pic>
-        <p:nvPicPr>
-          <p:cNvPr id="5" name="Picture 4">
-            <a:extLst>
-              <a:ext uri="{FF2B5EF4-FFF2-40B4-BE49-F238E27FC236}">
-                <a16:creationId xmlns:a16="http://schemas.microsoft.com/office/drawing/2014/main" id="{A292BBA2-7CC5-49FC-AFB8-6E663B11AD25}"/>
-              </a:ext>
-            </a:extLst>
-          </p:cNvPr>
-          <p:cNvPicPr>
-            <a:picLocks noChangeAspect="1"/>
-          </p:cNvPicPr>
-          <p:nvPr/>
-        </p:nvPicPr>
-        <p:blipFill>
-          <a:blip r:embed="rId3"/>
-          <a:stretch>
-            <a:fillRect/>
-          </a:stretch>
-        </p:blipFill>
-        <p:spPr>
-          <a:xfrm>
-            <a:off x="6717477" y="2529171"/>
-            <a:ext cx="5158411" cy="2379297"/>
-          </a:xfrm>
-          <a:prstGeom prst="rect">
-            <a:avLst/>
-          </a:prstGeom>
-        </p:spPr>
-      </p:pic>
+      <p:sp>
+        <p:nvSpPr>
+          <p:cNvPr id="3" name="Content Placeholder 2">
+            <a:extLst>
+              <a:ext uri="{FF2B5EF4-FFF2-40B4-BE49-F238E27FC236}">
+                <a16:creationId xmlns:a16="http://schemas.microsoft.com/office/drawing/2014/main" id="{4594C836-7ABE-4497-B60B-67B7615CB160}"/>
+              </a:ext>
+            </a:extLst>
+          </p:cNvPr>
+          <p:cNvSpPr>
+            <a:spLocks noGrp="1"/>
+          </p:cNvSpPr>
+          <p:nvPr>
+            <p:ph idx="1"/>
+          </p:nvPr>
+        </p:nvSpPr>
+        <p:spPr/>
+        <p:txBody>
+          <a:bodyPr/>
+          <a:lstStyle/>
+          <a:p>
+            <a:r>
+              <a:rPr lang="en-US" dirty="0"/>
+              <a:t>Implements domain logic;</a:t>
+            </a:r>
+          </a:p>
+          <a:p>
+            <a:pPr lvl="1"/>
+            <a:r>
+              <a:rPr lang="en-US" dirty="0"/>
+              <a:t>Depends on </a:t>
+            </a:r>
+            <a:r>
+              <a:rPr lang="en-US" b="1" dirty="0"/>
+              <a:t>services/repositories</a:t>
+            </a:r>
+          </a:p>
+          <a:p>
+            <a:pPr lvl="1"/>
+            <a:r>
+              <a:rPr lang="en-US" dirty="0"/>
+              <a:t>Needs to work with </a:t>
+            </a:r>
+            <a:r>
+              <a:rPr lang="en-US" b="1" dirty="0"/>
+              <a:t>multiple entities</a:t>
+            </a:r>
+            <a:r>
+              <a:rPr lang="en-US" dirty="0"/>
+              <a:t> / entity types</a:t>
+            </a:r>
+          </a:p>
+          <a:p>
+            <a:r>
+              <a:rPr lang="en-US" dirty="0"/>
+              <a:t>Create for </a:t>
+            </a:r>
+            <a:r>
+              <a:rPr lang="en-US" b="1" dirty="0"/>
+              <a:t>aggregate roots</a:t>
+            </a:r>
+            <a:r>
+              <a:rPr lang="en-US" dirty="0"/>
+              <a:t>, not for entities</a:t>
+            </a:r>
+          </a:p>
+          <a:p>
+            <a:r>
+              <a:rPr lang="en-US" dirty="0"/>
+              <a:t>Work with </a:t>
+            </a:r>
+            <a:r>
+              <a:rPr lang="en-US" b="1" dirty="0"/>
+              <a:t>domain objects</a:t>
+            </a:r>
+            <a:r>
+              <a:rPr lang="en-US" dirty="0"/>
+              <a:t>, not DTOs</a:t>
+            </a:r>
+          </a:p>
+        </p:txBody>
+      </p:sp>
     </p:spTree>
     <p:extLst>
       <p:ext uri="{BB962C8B-B14F-4D97-AF65-F5344CB8AC3E}">
-        <p14:creationId xmlns:p14="http://schemas.microsoft.com/office/powerpoint/2010/main" val="2205829508"/>
+        <p14:creationId xmlns:p14="http://schemas.microsoft.com/office/powerpoint/2010/main" val="2340709840"/>
       </p:ext>
     </p:extLst>
   </p:cSld>
@@ -7456,7 +7537,7 @@
           <p:cNvPr id="2" name="Title 1">
             <a:extLst>
               <a:ext uri="{FF2B5EF4-FFF2-40B4-BE49-F238E27FC236}">
-                <a16:creationId xmlns:a16="http://schemas.microsoft.com/office/drawing/2014/main" id="{A18F611F-109C-47D3-B70A-8E71B10710CF}"/>
+                <a16:creationId xmlns:a16="http://schemas.microsoft.com/office/drawing/2014/main" id="{BF966061-C025-4862-BB7A-13EE62604BE4}"/>
               </a:ext>
             </a:extLst>
           </p:cNvPr>
@@ -7481,44 +7562,76 @@
             </a:br>
             <a:r>
               <a:rPr lang="en-US" sz="3600" dirty="0"/>
-              <a:t>More…</a:t>
+              <a:t>Example</a:t>
             </a:r>
             <a:endParaRPr lang="en-US" dirty="0"/>
           </a:p>
         </p:txBody>
       </p:sp>
-      <p:sp>
-        <p:nvSpPr>
-          <p:cNvPr id="3" name="Content Placeholder 2">
-            <a:extLst>
-              <a:ext uri="{FF2B5EF4-FFF2-40B4-BE49-F238E27FC236}">
-                <a16:creationId xmlns:a16="http://schemas.microsoft.com/office/drawing/2014/main" id="{5B572A71-B250-4E7B-97F2-FCB252B677D7}"/>
-              </a:ext>
-            </a:extLst>
-          </p:cNvPr>
-          <p:cNvSpPr>
-            <a:spLocks noGrp="1"/>
-          </p:cNvSpPr>
-          <p:nvPr>
-            <p:ph idx="1"/>
-          </p:nvPr>
-        </p:nvSpPr>
-        <p:spPr/>
-        <p:txBody>
-          <a:bodyPr/>
-          <a:lstStyle/>
-          <a:p>
-            <a:r>
-              <a:rPr lang="en-US" dirty="0"/>
-              <a:t>TODO</a:t>
-            </a:r>
-          </a:p>
-        </p:txBody>
-      </p:sp>
+      <p:pic>
+        <p:nvPicPr>
+          <p:cNvPr id="4" name="Picture 3">
+            <a:extLst>
+              <a:ext uri="{FF2B5EF4-FFF2-40B4-BE49-F238E27FC236}">
+                <a16:creationId xmlns:a16="http://schemas.microsoft.com/office/drawing/2014/main" id="{29BE0215-8F7B-4D4B-87D0-903BC11A55F4}"/>
+              </a:ext>
+            </a:extLst>
+          </p:cNvPr>
+          <p:cNvPicPr>
+            <a:picLocks noChangeAspect="1"/>
+          </p:cNvPicPr>
+          <p:nvPr/>
+        </p:nvPicPr>
+        <p:blipFill>
+          <a:blip r:embed="rId2"/>
+          <a:stretch>
+            <a:fillRect/>
+          </a:stretch>
+        </p:blipFill>
+        <p:spPr>
+          <a:xfrm>
+            <a:off x="316112" y="1637448"/>
+            <a:ext cx="6068748" cy="5127529"/>
+          </a:xfrm>
+          <a:prstGeom prst="rect">
+            <a:avLst/>
+          </a:prstGeom>
+        </p:spPr>
+      </p:pic>
+      <p:pic>
+        <p:nvPicPr>
+          <p:cNvPr id="5" name="Picture 4">
+            <a:extLst>
+              <a:ext uri="{FF2B5EF4-FFF2-40B4-BE49-F238E27FC236}">
+                <a16:creationId xmlns:a16="http://schemas.microsoft.com/office/drawing/2014/main" id="{A292BBA2-7CC5-49FC-AFB8-6E663B11AD25}"/>
+              </a:ext>
+            </a:extLst>
+          </p:cNvPr>
+          <p:cNvPicPr>
+            <a:picLocks noChangeAspect="1"/>
+          </p:cNvPicPr>
+          <p:nvPr/>
+        </p:nvPicPr>
+        <p:blipFill>
+          <a:blip r:embed="rId3"/>
+          <a:stretch>
+            <a:fillRect/>
+          </a:stretch>
+        </p:blipFill>
+        <p:spPr>
+          <a:xfrm>
+            <a:off x="6717477" y="2529171"/>
+            <a:ext cx="5158411" cy="2379297"/>
+          </a:xfrm>
+          <a:prstGeom prst="rect">
+            <a:avLst/>
+          </a:prstGeom>
+        </p:spPr>
+      </p:pic>
     </p:spTree>
     <p:extLst>
       <p:ext uri="{BB962C8B-B14F-4D97-AF65-F5344CB8AC3E}">
-        <p14:creationId xmlns:p14="http://schemas.microsoft.com/office/powerpoint/2010/main" val="1148542737"/>
+        <p14:creationId xmlns:p14="http://schemas.microsoft.com/office/powerpoint/2010/main" val="2205829508"/>
       </p:ext>
     </p:extLst>
   </p:cSld>
@@ -7550,7 +7663,7 @@
           <p:cNvPr id="2" name="Title 1">
             <a:extLst>
               <a:ext uri="{FF2B5EF4-FFF2-40B4-BE49-F238E27FC236}">
-                <a16:creationId xmlns:a16="http://schemas.microsoft.com/office/drawing/2014/main" id="{9E00AFCC-9F14-4DE2-B25D-DBEC34754496}"/>
+                <a16:creationId xmlns:a16="http://schemas.microsoft.com/office/drawing/2014/main" id="{A18F611F-109C-47D3-B70A-8E71B10710CF}"/>
               </a:ext>
             </a:extLst>
           </p:cNvPr>
@@ -7568,14 +7681,14 @@
           <a:p>
             <a:r>
               <a:rPr lang="en-US" dirty="0"/>
-              <a:t>Application Services</a:t>
+              <a:t>Domain Services</a:t>
             </a:r>
             <a:br>
               <a:rPr lang="en-US" dirty="0"/>
             </a:br>
             <a:r>
               <a:rPr lang="en-US" sz="3600" dirty="0"/>
-              <a:t>Principles</a:t>
+              <a:t>More…</a:t>
             </a:r>
             <a:endParaRPr lang="en-US" dirty="0"/>
           </a:p>
@@ -7586,7 +7699,7 @@
           <p:cNvPr id="3" name="Content Placeholder 2">
             <a:extLst>
               <a:ext uri="{FF2B5EF4-FFF2-40B4-BE49-F238E27FC236}">
-                <a16:creationId xmlns:a16="http://schemas.microsoft.com/office/drawing/2014/main" id="{0EF0AC2E-582F-490A-8D51-741AA1B21A00}"/>
+                <a16:creationId xmlns:a16="http://schemas.microsoft.com/office/drawing/2014/main" id="{5B572A71-B250-4E7B-97F2-FCB252B677D7}"/>
               </a:ext>
             </a:extLst>
           </p:cNvPr>
@@ -7604,35 +7717,7 @@
           <a:p>
             <a:r>
               <a:rPr lang="en-US" dirty="0"/>
-              <a:t>Implement </a:t>
-            </a:r>
-            <a:r>
-              <a:rPr lang="en-US" b="1" dirty="0"/>
-              <a:t>use cases</a:t>
-            </a:r>
-            <a:r>
-              <a:rPr lang="en-US" dirty="0"/>
-              <a:t> of the application (application logic), not domain logic!</a:t>
-            </a:r>
-          </a:p>
-          <a:p>
-            <a:r>
-              <a:rPr lang="en-US" dirty="0"/>
-              <a:t>Get &amp; return </a:t>
-            </a:r>
-            <a:r>
-              <a:rPr lang="en-US" b="1" dirty="0"/>
-              <a:t>Data Transfer Objects</a:t>
-            </a:r>
-            <a:r>
-              <a:rPr lang="en-US" dirty="0"/>
-              <a:t>, not entities!</a:t>
-            </a:r>
-          </a:p>
-          <a:p>
-            <a:r>
-              <a:rPr lang="en-US" dirty="0"/>
-              <a:t>Use entities, repositories and other domain objects inside</a:t>
+              <a:t>TODO</a:t>
             </a:r>
           </a:p>
         </p:txBody>
@@ -7640,7 +7725,7 @@
     </p:spTree>
     <p:extLst>
       <p:ext uri="{BB962C8B-B14F-4D97-AF65-F5344CB8AC3E}">
-        <p14:creationId xmlns:p14="http://schemas.microsoft.com/office/powerpoint/2010/main" val="2222563176"/>
+        <p14:creationId xmlns:p14="http://schemas.microsoft.com/office/powerpoint/2010/main" val="1148542737"/>
       </p:ext>
     </p:extLst>
   </p:cSld>
@@ -7672,7 +7757,7 @@
           <p:cNvPr id="2" name="Title 1">
             <a:extLst>
               <a:ext uri="{FF2B5EF4-FFF2-40B4-BE49-F238E27FC236}">
-                <a16:creationId xmlns:a16="http://schemas.microsoft.com/office/drawing/2014/main" id="{29F85CF8-884F-45A6-90A4-69F90F82C910}"/>
+                <a16:creationId xmlns:a16="http://schemas.microsoft.com/office/drawing/2014/main" id="{9E00AFCC-9F14-4DE2-B25D-DBEC34754496}"/>
               </a:ext>
             </a:extLst>
           </p:cNvPr>
@@ -7697,7 +7782,7 @@
             </a:br>
             <a:r>
               <a:rPr lang="en-US" sz="3600" dirty="0"/>
-              <a:t>Example</a:t>
+              <a:t>Principles</a:t>
             </a:r>
             <a:endParaRPr lang="en-US" dirty="0"/>
           </a:p>
@@ -7705,10 +7790,10 @@
       </p:sp>
       <p:sp>
         <p:nvSpPr>
-          <p:cNvPr id="6" name="Content Placeholder 5">
-            <a:extLst>
-              <a:ext uri="{FF2B5EF4-FFF2-40B4-BE49-F238E27FC236}">
-                <a16:creationId xmlns:a16="http://schemas.microsoft.com/office/drawing/2014/main" id="{84560618-1B9B-4090-BCC5-B982A3C0BA40}"/>
+          <p:cNvPr id="3" name="Content Placeholder 2">
+            <a:extLst>
+              <a:ext uri="{FF2B5EF4-FFF2-40B4-BE49-F238E27FC236}">
+                <a16:creationId xmlns:a16="http://schemas.microsoft.com/office/drawing/2014/main" id="{0EF0AC2E-582F-490A-8D51-741AA1B21A00}"/>
               </a:ext>
             </a:extLst>
           </p:cNvPr>
@@ -7719,113 +7804,50 @@
             <p:ph idx="1"/>
           </p:nvPr>
         </p:nvSpPr>
-        <p:spPr>
-          <a:xfrm>
-            <a:off x="6096000" y="3079668"/>
-            <a:ext cx="5506191" cy="3097295"/>
-          </a:xfrm>
-        </p:spPr>
-        <p:txBody>
-          <a:bodyPr>
-            <a:normAutofit fontScale="92500"/>
-          </a:bodyPr>
-          <a:lstStyle/>
-          <a:p>
-            <a:r>
-              <a:rPr lang="en-US" dirty="0"/>
-              <a:t>Inject domain services &amp; repositories</a:t>
-            </a:r>
-          </a:p>
-          <a:p>
-            <a:r>
-              <a:rPr lang="en-US" dirty="0"/>
-              <a:t>Get DTO as argument</a:t>
-            </a:r>
-          </a:p>
-          <a:p>
-            <a:r>
-              <a:rPr lang="en-US" dirty="0"/>
-              <a:t>Get aggregate roots from repositories</a:t>
-            </a:r>
-          </a:p>
-          <a:p>
-            <a:r>
-              <a:rPr lang="en-US" dirty="0"/>
-              <a:t>Use domain service to perform the domain logic</a:t>
-            </a:r>
-          </a:p>
-          <a:p>
-            <a:r>
-              <a:rPr lang="en-US" dirty="0"/>
-              <a:t>Always update the entity explicitly (don’t assume the change tracking)</a:t>
-            </a:r>
-          </a:p>
-        </p:txBody>
-      </p:sp>
-      <p:pic>
-        <p:nvPicPr>
-          <p:cNvPr id="8" name="Picture 7">
-            <a:extLst>
-              <a:ext uri="{FF2B5EF4-FFF2-40B4-BE49-F238E27FC236}">
-                <a16:creationId xmlns:a16="http://schemas.microsoft.com/office/drawing/2014/main" id="{FC52CA0A-AB3A-48BF-A6C0-C7D6EB02CC3A}"/>
-              </a:ext>
-            </a:extLst>
-          </p:cNvPr>
-          <p:cNvPicPr>
-            <a:picLocks noChangeAspect="1"/>
-          </p:cNvPicPr>
-          <p:nvPr/>
-        </p:nvPicPr>
-        <p:blipFill>
-          <a:blip r:embed="rId2"/>
-          <a:stretch>
-            <a:fillRect/>
-          </a:stretch>
-        </p:blipFill>
-        <p:spPr>
-          <a:xfrm>
-            <a:off x="328503" y="1598006"/>
-            <a:ext cx="5680412" cy="5212492"/>
-          </a:xfrm>
-          <a:prstGeom prst="rect">
-            <a:avLst/>
-          </a:prstGeom>
-        </p:spPr>
-      </p:pic>
-      <p:pic>
-        <p:nvPicPr>
-          <p:cNvPr id="10" name="Picture 9">
-            <a:extLst>
-              <a:ext uri="{FF2B5EF4-FFF2-40B4-BE49-F238E27FC236}">
-                <a16:creationId xmlns:a16="http://schemas.microsoft.com/office/drawing/2014/main" id="{4CD54B2A-5509-432C-9977-26A4EEB7C0B1}"/>
-              </a:ext>
-            </a:extLst>
-          </p:cNvPr>
-          <p:cNvPicPr>
-            <a:picLocks noChangeAspect="1"/>
-          </p:cNvPicPr>
-          <p:nvPr/>
-        </p:nvPicPr>
-        <p:blipFill>
-          <a:blip r:embed="rId3"/>
-          <a:stretch>
-            <a:fillRect/>
-          </a:stretch>
-        </p:blipFill>
-        <p:spPr>
-          <a:xfrm>
-            <a:off x="6139543" y="1491838"/>
-            <a:ext cx="3750561" cy="1527856"/>
-          </a:xfrm>
-          <a:prstGeom prst="rect">
-            <a:avLst/>
-          </a:prstGeom>
-        </p:spPr>
-      </p:pic>
+        <p:spPr/>
+        <p:txBody>
+          <a:bodyPr/>
+          <a:lstStyle/>
+          <a:p>
+            <a:r>
+              <a:rPr lang="en-US" dirty="0"/>
+              <a:t>Implement </a:t>
+            </a:r>
+            <a:r>
+              <a:rPr lang="en-US" b="1" dirty="0"/>
+              <a:t>use cases</a:t>
+            </a:r>
+            <a:r>
+              <a:rPr lang="en-US" dirty="0"/>
+              <a:t> of the application (application logic), not domain logic!</a:t>
+            </a:r>
+          </a:p>
+          <a:p>
+            <a:r>
+              <a:rPr lang="en-US" dirty="0"/>
+              <a:t>Get &amp; return </a:t>
+            </a:r>
+            <a:r>
+              <a:rPr lang="en-US" b="1" dirty="0"/>
+              <a:t>Data Transfer Objects</a:t>
+            </a:r>
+            <a:r>
+              <a:rPr lang="en-US" dirty="0"/>
+              <a:t>, not entities!</a:t>
+            </a:r>
+          </a:p>
+          <a:p>
+            <a:r>
+              <a:rPr lang="en-US" dirty="0"/>
+              <a:t>Use entities, repositories and other domain objects inside</a:t>
+            </a:r>
+          </a:p>
+        </p:txBody>
+      </p:sp>
     </p:spTree>
     <p:extLst>
       <p:ext uri="{BB962C8B-B14F-4D97-AF65-F5344CB8AC3E}">
-        <p14:creationId xmlns:p14="http://schemas.microsoft.com/office/powerpoint/2010/main" val="1823342036"/>
+        <p14:creationId xmlns:p14="http://schemas.microsoft.com/office/powerpoint/2010/main" val="2222563176"/>
       </p:ext>
     </p:extLst>
   </p:cSld>
@@ -7857,6 +7879,191 @@
           <p:cNvPr id="2" name="Title 1">
             <a:extLst>
               <a:ext uri="{FF2B5EF4-FFF2-40B4-BE49-F238E27FC236}">
+                <a16:creationId xmlns:a16="http://schemas.microsoft.com/office/drawing/2014/main" id="{29F85CF8-884F-45A6-90A4-69F90F82C910}"/>
+              </a:ext>
+            </a:extLst>
+          </p:cNvPr>
+          <p:cNvSpPr>
+            <a:spLocks noGrp="1"/>
+          </p:cNvSpPr>
+          <p:nvPr>
+            <p:ph type="title"/>
+          </p:nvPr>
+        </p:nvSpPr>
+        <p:spPr/>
+        <p:txBody>
+          <a:bodyPr/>
+          <a:lstStyle/>
+          <a:p>
+            <a:r>
+              <a:rPr lang="en-US" dirty="0"/>
+              <a:t>Application Services</a:t>
+            </a:r>
+            <a:br>
+              <a:rPr lang="en-US" dirty="0"/>
+            </a:br>
+            <a:r>
+              <a:rPr lang="en-US" sz="3600" dirty="0"/>
+              <a:t>Example</a:t>
+            </a:r>
+            <a:endParaRPr lang="en-US" dirty="0"/>
+          </a:p>
+        </p:txBody>
+      </p:sp>
+      <p:sp>
+        <p:nvSpPr>
+          <p:cNvPr id="6" name="Content Placeholder 5">
+            <a:extLst>
+              <a:ext uri="{FF2B5EF4-FFF2-40B4-BE49-F238E27FC236}">
+                <a16:creationId xmlns:a16="http://schemas.microsoft.com/office/drawing/2014/main" id="{84560618-1B9B-4090-BCC5-B982A3C0BA40}"/>
+              </a:ext>
+            </a:extLst>
+          </p:cNvPr>
+          <p:cNvSpPr>
+            <a:spLocks noGrp="1"/>
+          </p:cNvSpPr>
+          <p:nvPr>
+            <p:ph idx="1"/>
+          </p:nvPr>
+        </p:nvSpPr>
+        <p:spPr>
+          <a:xfrm>
+            <a:off x="6096000" y="3079668"/>
+            <a:ext cx="5506191" cy="3097295"/>
+          </a:xfrm>
+        </p:spPr>
+        <p:txBody>
+          <a:bodyPr>
+            <a:normAutofit fontScale="92500"/>
+          </a:bodyPr>
+          <a:lstStyle/>
+          <a:p>
+            <a:r>
+              <a:rPr lang="en-US" dirty="0"/>
+              <a:t>Inject domain services &amp; repositories</a:t>
+            </a:r>
+          </a:p>
+          <a:p>
+            <a:r>
+              <a:rPr lang="en-US" dirty="0"/>
+              <a:t>Get DTO as argument</a:t>
+            </a:r>
+          </a:p>
+          <a:p>
+            <a:r>
+              <a:rPr lang="en-US" dirty="0"/>
+              <a:t>Get aggregate roots from repositories</a:t>
+            </a:r>
+          </a:p>
+          <a:p>
+            <a:r>
+              <a:rPr lang="en-US" dirty="0"/>
+              <a:t>Use domain service to perform the domain logic</a:t>
+            </a:r>
+          </a:p>
+          <a:p>
+            <a:r>
+              <a:rPr lang="en-US" dirty="0"/>
+              <a:t>Always update the entity explicitly (don’t assume the change tracking)</a:t>
+            </a:r>
+          </a:p>
+        </p:txBody>
+      </p:sp>
+      <p:pic>
+        <p:nvPicPr>
+          <p:cNvPr id="8" name="Picture 7">
+            <a:extLst>
+              <a:ext uri="{FF2B5EF4-FFF2-40B4-BE49-F238E27FC236}">
+                <a16:creationId xmlns:a16="http://schemas.microsoft.com/office/drawing/2014/main" id="{FC52CA0A-AB3A-48BF-A6C0-C7D6EB02CC3A}"/>
+              </a:ext>
+            </a:extLst>
+          </p:cNvPr>
+          <p:cNvPicPr>
+            <a:picLocks noChangeAspect="1"/>
+          </p:cNvPicPr>
+          <p:nvPr/>
+        </p:nvPicPr>
+        <p:blipFill>
+          <a:blip r:embed="rId2"/>
+          <a:stretch>
+            <a:fillRect/>
+          </a:stretch>
+        </p:blipFill>
+        <p:spPr>
+          <a:xfrm>
+            <a:off x="328503" y="1598006"/>
+            <a:ext cx="5680412" cy="5212492"/>
+          </a:xfrm>
+          <a:prstGeom prst="rect">
+            <a:avLst/>
+          </a:prstGeom>
+        </p:spPr>
+      </p:pic>
+      <p:pic>
+        <p:nvPicPr>
+          <p:cNvPr id="10" name="Picture 9">
+            <a:extLst>
+              <a:ext uri="{FF2B5EF4-FFF2-40B4-BE49-F238E27FC236}">
+                <a16:creationId xmlns:a16="http://schemas.microsoft.com/office/drawing/2014/main" id="{4CD54B2A-5509-432C-9977-26A4EEB7C0B1}"/>
+              </a:ext>
+            </a:extLst>
+          </p:cNvPr>
+          <p:cNvPicPr>
+            <a:picLocks noChangeAspect="1"/>
+          </p:cNvPicPr>
+          <p:nvPr/>
+        </p:nvPicPr>
+        <p:blipFill>
+          <a:blip r:embed="rId3"/>
+          <a:stretch>
+            <a:fillRect/>
+          </a:stretch>
+        </p:blipFill>
+        <p:spPr>
+          <a:xfrm>
+            <a:off x="6139543" y="1491838"/>
+            <a:ext cx="3750561" cy="1527856"/>
+          </a:xfrm>
+          <a:prstGeom prst="rect">
+            <a:avLst/>
+          </a:prstGeom>
+        </p:spPr>
+      </p:pic>
+    </p:spTree>
+    <p:extLst>
+      <p:ext uri="{BB962C8B-B14F-4D97-AF65-F5344CB8AC3E}">
+        <p14:creationId xmlns:p14="http://schemas.microsoft.com/office/powerpoint/2010/main" val="1823342036"/>
+      </p:ext>
+    </p:extLst>
+  </p:cSld>
+  <p:clrMapOvr>
+    <a:masterClrMapping/>
+  </p:clrMapOvr>
+</p:sld>
+</file>
+
+<file path=ppt/slides/slide36.xml><?xml version="1.0" encoding="utf-8"?>
+<p:sld xmlns:a="http://schemas.openxmlformats.org/drawingml/2006/main" xmlns:r="http://schemas.openxmlformats.org/officeDocument/2006/relationships" xmlns:p="http://schemas.openxmlformats.org/presentationml/2006/main">
+  <p:cSld>
+    <p:spTree>
+      <p:nvGrpSpPr>
+        <p:cNvPr id="1" name=""/>
+        <p:cNvGrpSpPr/>
+        <p:nvPr/>
+      </p:nvGrpSpPr>
+      <p:grpSpPr>
+        <a:xfrm>
+          <a:off x="0" y="0"/>
+          <a:ext cx="0" cy="0"/>
+          <a:chOff x="0" y="0"/>
+          <a:chExt cx="0" cy="0"/>
+        </a:xfrm>
+      </p:grpSpPr>
+      <p:sp>
+        <p:nvSpPr>
+          <p:cNvPr id="2" name="Title 1">
+            <a:extLst>
+              <a:ext uri="{FF2B5EF4-FFF2-40B4-BE49-F238E27FC236}">
                 <a16:creationId xmlns:a16="http://schemas.microsoft.com/office/drawing/2014/main" id="{33859EB7-3603-49F7-BB61-6EDF40AB255C}"/>
               </a:ext>
             </a:extLst>
@@ -8002,7 +8209,7 @@
 </p:sld>
 </file>
 
-<file path=ppt/slides/slide36.xml><?xml version="1.0" encoding="utf-8"?>
+<file path=ppt/slides/slide37.xml><?xml version="1.0" encoding="utf-8"?>
 <p:sld xmlns:a="http://schemas.openxmlformats.org/drawingml/2006/main" xmlns:r="http://schemas.openxmlformats.org/officeDocument/2006/relationships" xmlns:p="http://schemas.openxmlformats.org/presentationml/2006/main">
   <p:cSld>
     <p:spTree>
@@ -8401,185 +8608,6 @@
 </p:sld>
 </file>
 
-<file path=ppt/slides/slide37.xml><?xml version="1.0" encoding="utf-8"?>
-<p:sld xmlns:a="http://schemas.openxmlformats.org/drawingml/2006/main" xmlns:r="http://schemas.openxmlformats.org/officeDocument/2006/relationships" xmlns:p="http://schemas.openxmlformats.org/presentationml/2006/main">
-  <p:cSld>
-    <p:spTree>
-      <p:nvGrpSpPr>
-        <p:cNvPr id="1" name=""/>
-        <p:cNvGrpSpPr/>
-        <p:nvPr/>
-      </p:nvGrpSpPr>
-      <p:grpSpPr>
-        <a:xfrm>
-          <a:off x="0" y="0"/>
-          <a:ext cx="0" cy="0"/>
-          <a:chOff x="0" y="0"/>
-          <a:chExt cx="0" cy="0"/>
-        </a:xfrm>
-      </p:grpSpPr>
-      <p:sp>
-        <p:nvSpPr>
-          <p:cNvPr id="2" name="Title 1">
-            <a:extLst>
-              <a:ext uri="{FF2B5EF4-FFF2-40B4-BE49-F238E27FC236}">
-                <a16:creationId xmlns:a16="http://schemas.microsoft.com/office/drawing/2014/main" id="{23A9ADBC-FAC8-48BB-8DD8-EDDD7D822B75}"/>
-              </a:ext>
-            </a:extLst>
-          </p:cNvPr>
-          <p:cNvSpPr>
-            <a:spLocks noGrp="1"/>
-          </p:cNvSpPr>
-          <p:nvPr>
-            <p:ph type="title"/>
-          </p:nvPr>
-        </p:nvSpPr>
-        <p:spPr/>
-        <p:txBody>
-          <a:bodyPr/>
-          <a:lstStyle/>
-          <a:p>
-            <a:r>
-              <a:rPr lang="en-US" dirty="0"/>
-              <a:t>Application Services</a:t>
-            </a:r>
-            <a:br>
-              <a:rPr lang="en-US" dirty="0"/>
-            </a:br>
-            <a:r>
-              <a:rPr lang="en-US" sz="3600" dirty="0"/>
-              <a:t>Input DTO best practices</a:t>
-            </a:r>
-            <a:endParaRPr lang="en-US" dirty="0"/>
-          </a:p>
-        </p:txBody>
-      </p:sp>
-      <p:pic>
-        <p:nvPicPr>
-          <p:cNvPr id="5" name="Picture 4">
-            <a:extLst>
-              <a:ext uri="{FF2B5EF4-FFF2-40B4-BE49-F238E27FC236}">
-                <a16:creationId xmlns:a16="http://schemas.microsoft.com/office/drawing/2014/main" id="{1FA790FD-6C8E-445E-BB91-A39CA922262F}"/>
-              </a:ext>
-            </a:extLst>
-          </p:cNvPr>
-          <p:cNvPicPr>
-            <a:picLocks noChangeAspect="1"/>
-          </p:cNvPicPr>
-          <p:nvPr/>
-        </p:nvPicPr>
-        <p:blipFill>
-          <a:blip r:embed="rId2"/>
-          <a:stretch>
-            <a:fillRect/>
-          </a:stretch>
-        </p:blipFill>
-        <p:spPr>
-          <a:xfrm>
-            <a:off x="452897" y="3338512"/>
-            <a:ext cx="6268408" cy="1375992"/>
-          </a:xfrm>
-          <a:prstGeom prst="rect">
-            <a:avLst/>
-          </a:prstGeom>
-        </p:spPr>
-      </p:pic>
-      <p:pic>
-        <p:nvPicPr>
-          <p:cNvPr id="6" name="Picture 5">
-            <a:extLst>
-              <a:ext uri="{FF2B5EF4-FFF2-40B4-BE49-F238E27FC236}">
-                <a16:creationId xmlns:a16="http://schemas.microsoft.com/office/drawing/2014/main" id="{E43D387B-3378-4287-9DA2-8595944156A1}"/>
-              </a:ext>
-            </a:extLst>
-          </p:cNvPr>
-          <p:cNvPicPr>
-            <a:picLocks noChangeAspect="1"/>
-          </p:cNvPicPr>
-          <p:nvPr/>
-        </p:nvPicPr>
-        <p:blipFill>
-          <a:blip r:embed="rId3"/>
-          <a:stretch>
-            <a:fillRect/>
-          </a:stretch>
-        </p:blipFill>
-        <p:spPr>
-          <a:xfrm>
-            <a:off x="6960274" y="1908765"/>
-            <a:ext cx="4661712" cy="4533933"/>
-          </a:xfrm>
-          <a:prstGeom prst="rect">
-            <a:avLst/>
-          </a:prstGeom>
-        </p:spPr>
-      </p:pic>
-      <p:sp>
-        <p:nvSpPr>
-          <p:cNvPr id="7" name="Content Placeholder 2">
-            <a:extLst>
-              <a:ext uri="{FF2B5EF4-FFF2-40B4-BE49-F238E27FC236}">
-                <a16:creationId xmlns:a16="http://schemas.microsoft.com/office/drawing/2014/main" id="{A108B78A-3B72-48EA-A6AE-275378C222C2}"/>
-              </a:ext>
-            </a:extLst>
-          </p:cNvPr>
-          <p:cNvSpPr>
-            <a:spLocks noGrp="1"/>
-          </p:cNvSpPr>
-          <p:nvPr>
-            <p:ph idx="1"/>
-          </p:nvPr>
-        </p:nvSpPr>
-        <p:spPr>
-          <a:xfrm>
-            <a:off x="838200" y="1825625"/>
-            <a:ext cx="5736771" cy="4351338"/>
-          </a:xfrm>
-        </p:spPr>
-        <p:txBody>
-          <a:bodyPr>
-            <a:normAutofit/>
-          </a:bodyPr>
-          <a:lstStyle/>
-          <a:p>
-            <a:r>
-              <a:rPr lang="en-US" sz="2000" dirty="0"/>
-              <a:t>Define only the </a:t>
-            </a:r>
-            <a:r>
-              <a:rPr lang="en-US" sz="2000" b="1" dirty="0"/>
-              <a:t>properties needed </a:t>
-            </a:r>
-            <a:r>
-              <a:rPr lang="en-US" sz="2000" dirty="0"/>
-              <a:t>for the use case</a:t>
-            </a:r>
-          </a:p>
-          <a:p>
-            <a:r>
-              <a:rPr lang="en-US" sz="2000" b="1" dirty="0"/>
-              <a:t>Do not reuse </a:t>
-            </a:r>
-            <a:r>
-              <a:rPr lang="en-US" sz="2000" dirty="0"/>
-              <a:t>same input DTO for multiple use cases (service methods)</a:t>
-            </a:r>
-          </a:p>
-        </p:txBody>
-      </p:sp>
-    </p:spTree>
-    <p:extLst>
-      <p:ext uri="{BB962C8B-B14F-4D97-AF65-F5344CB8AC3E}">
-        <p14:creationId xmlns:p14="http://schemas.microsoft.com/office/powerpoint/2010/main" val="3050098402"/>
-      </p:ext>
-    </p:extLst>
-  </p:cSld>
-  <p:clrMapOvr>
-    <a:masterClrMapping/>
-  </p:clrMapOvr>
-</p:sld>
-</file>
-
 <file path=ppt/slides/slide38.xml><?xml version="1.0" encoding="utf-8"?>
 <p:sld xmlns:a="http://schemas.openxmlformats.org/drawingml/2006/main" xmlns:r="http://schemas.openxmlformats.org/officeDocument/2006/relationships" xmlns:p="http://schemas.openxmlformats.org/presentationml/2006/main">
   <p:cSld>
@@ -8602,7 +8630,7 @@
           <p:cNvPr id="2" name="Title 1">
             <a:extLst>
               <a:ext uri="{FF2B5EF4-FFF2-40B4-BE49-F238E27FC236}">
-                <a16:creationId xmlns:a16="http://schemas.microsoft.com/office/drawing/2014/main" id="{9FB313FD-548B-4540-B224-09368876E8C7}"/>
+                <a16:creationId xmlns:a16="http://schemas.microsoft.com/office/drawing/2014/main" id="{23A9ADBC-FAC8-48BB-8DD8-EDDD7D822B75}"/>
               </a:ext>
             </a:extLst>
           </p:cNvPr>
@@ -8633,48 +8661,12 @@
           </a:p>
         </p:txBody>
       </p:sp>
-      <p:sp>
-        <p:nvSpPr>
-          <p:cNvPr id="3" name="Content Placeholder 2">
-            <a:extLst>
-              <a:ext uri="{FF2B5EF4-FFF2-40B4-BE49-F238E27FC236}">
-                <a16:creationId xmlns:a16="http://schemas.microsoft.com/office/drawing/2014/main" id="{E4F3065D-52E2-4E8D-B74F-4FD51CEF1E49}"/>
-              </a:ext>
-            </a:extLst>
-          </p:cNvPr>
-          <p:cNvSpPr>
-            <a:spLocks noGrp="1"/>
-          </p:cNvSpPr>
-          <p:nvPr>
-            <p:ph idx="1"/>
-          </p:nvPr>
-        </p:nvSpPr>
-        <p:spPr/>
-        <p:txBody>
-          <a:bodyPr>
-            <a:normAutofit/>
-          </a:bodyPr>
-          <a:lstStyle/>
-          <a:p>
-            <a:r>
-              <a:rPr lang="en-US" sz="2400" dirty="0"/>
-              <a:t>Implement only the formal validation (can use data annotation attributes)</a:t>
-            </a:r>
-          </a:p>
-          <a:p>
-            <a:r>
-              <a:rPr lang="en-US" sz="2400" dirty="0"/>
-              <a:t>Don’t include domain validation logic (ex: unique user name constraint)</a:t>
-            </a:r>
-          </a:p>
-        </p:txBody>
-      </p:sp>
       <p:pic>
         <p:nvPicPr>
-          <p:cNvPr id="4" name="Picture 3">
-            <a:extLst>
-              <a:ext uri="{FF2B5EF4-FFF2-40B4-BE49-F238E27FC236}">
-                <a16:creationId xmlns:a16="http://schemas.microsoft.com/office/drawing/2014/main" id="{E3E2C096-C2C7-491F-882E-19EAAF360179}"/>
+          <p:cNvPr id="5" name="Picture 4">
+            <a:extLst>
+              <a:ext uri="{FF2B5EF4-FFF2-40B4-BE49-F238E27FC236}">
+                <a16:creationId xmlns:a16="http://schemas.microsoft.com/office/drawing/2014/main" id="{1FA790FD-6C8E-445E-BB91-A39CA922262F}"/>
               </a:ext>
             </a:extLst>
           </p:cNvPr>
@@ -8691,18 +8683,101 @@
         </p:blipFill>
         <p:spPr>
           <a:xfrm>
-            <a:off x="946763" y="2727365"/>
-            <a:ext cx="5074027" cy="3835994"/>
+            <a:off x="452897" y="3338512"/>
+            <a:ext cx="6268408" cy="1375992"/>
           </a:xfrm>
           <a:prstGeom prst="rect">
             <a:avLst/>
           </a:prstGeom>
         </p:spPr>
       </p:pic>
+      <p:pic>
+        <p:nvPicPr>
+          <p:cNvPr id="6" name="Picture 5">
+            <a:extLst>
+              <a:ext uri="{FF2B5EF4-FFF2-40B4-BE49-F238E27FC236}">
+                <a16:creationId xmlns:a16="http://schemas.microsoft.com/office/drawing/2014/main" id="{E43D387B-3378-4287-9DA2-8595944156A1}"/>
+              </a:ext>
+            </a:extLst>
+          </p:cNvPr>
+          <p:cNvPicPr>
+            <a:picLocks noChangeAspect="1"/>
+          </p:cNvPicPr>
+          <p:nvPr/>
+        </p:nvPicPr>
+        <p:blipFill>
+          <a:blip r:embed="rId3"/>
+          <a:stretch>
+            <a:fillRect/>
+          </a:stretch>
+        </p:blipFill>
+        <p:spPr>
+          <a:xfrm>
+            <a:off x="6960274" y="1908765"/>
+            <a:ext cx="4661712" cy="4533933"/>
+          </a:xfrm>
+          <a:prstGeom prst="rect">
+            <a:avLst/>
+          </a:prstGeom>
+        </p:spPr>
+      </p:pic>
+      <p:sp>
+        <p:nvSpPr>
+          <p:cNvPr id="7" name="Content Placeholder 2">
+            <a:extLst>
+              <a:ext uri="{FF2B5EF4-FFF2-40B4-BE49-F238E27FC236}">
+                <a16:creationId xmlns:a16="http://schemas.microsoft.com/office/drawing/2014/main" id="{A108B78A-3B72-48EA-A6AE-275378C222C2}"/>
+              </a:ext>
+            </a:extLst>
+          </p:cNvPr>
+          <p:cNvSpPr>
+            <a:spLocks noGrp="1"/>
+          </p:cNvSpPr>
+          <p:nvPr>
+            <p:ph idx="1"/>
+          </p:nvPr>
+        </p:nvSpPr>
+        <p:spPr>
+          <a:xfrm>
+            <a:off x="838200" y="1825625"/>
+            <a:ext cx="5736771" cy="4351338"/>
+          </a:xfrm>
+        </p:spPr>
+        <p:txBody>
+          <a:bodyPr>
+            <a:normAutofit/>
+          </a:bodyPr>
+          <a:lstStyle/>
+          <a:p>
+            <a:r>
+              <a:rPr lang="en-US" sz="2000" dirty="0"/>
+              <a:t>Define only the </a:t>
+            </a:r>
+            <a:r>
+              <a:rPr lang="en-US" sz="2000" b="1" dirty="0"/>
+              <a:t>properties needed </a:t>
+            </a:r>
+            <a:r>
+              <a:rPr lang="en-US" sz="2000" dirty="0"/>
+              <a:t>for the use case</a:t>
+            </a:r>
+          </a:p>
+          <a:p>
+            <a:r>
+              <a:rPr lang="en-US" sz="2000" b="1" dirty="0"/>
+              <a:t>Do not reuse </a:t>
+            </a:r>
+            <a:r>
+              <a:rPr lang="en-US" sz="2000" dirty="0"/>
+              <a:t>same input DTO for multiple use cases (service methods)</a:t>
+            </a:r>
+          </a:p>
+        </p:txBody>
+      </p:sp>
     </p:spTree>
     <p:extLst>
       <p:ext uri="{BB962C8B-B14F-4D97-AF65-F5344CB8AC3E}">
-        <p14:creationId xmlns:p14="http://schemas.microsoft.com/office/powerpoint/2010/main" val="2419737228"/>
+        <p14:creationId xmlns:p14="http://schemas.microsoft.com/office/powerpoint/2010/main" val="3050098402"/>
       </p:ext>
     </p:extLst>
   </p:cSld>
@@ -8759,7 +8834,7 @@
             </a:br>
             <a:r>
               <a:rPr lang="en-US" sz="3600" dirty="0"/>
-              <a:t>Output DTO suggestions</a:t>
+              <a:t>Input DTO best practices</a:t>
             </a:r>
             <a:endParaRPr lang="en-US" dirty="0"/>
           </a:p>
@@ -8781,12 +8856,7 @@
             <p:ph idx="1"/>
           </p:nvPr>
         </p:nvSpPr>
-        <p:spPr>
-          <a:xfrm>
-            <a:off x="838200" y="1825625"/>
-            <a:ext cx="10515600" cy="1474168"/>
-          </a:xfrm>
-        </p:spPr>
+        <p:spPr/>
         <p:txBody>
           <a:bodyPr>
             <a:normAutofit/>
@@ -8794,80 +8864,24 @@
           <a:lstStyle/>
           <a:p>
             <a:r>
-              <a:rPr lang="en-US" sz="1600" dirty="0"/>
-              <a:t>Keep output </a:t>
-            </a:r>
-            <a:r>
-              <a:rPr lang="en-US" sz="1600" b="1" dirty="0"/>
-              <a:t>DTO count minimum</a:t>
-            </a:r>
-            <a:r>
-              <a:rPr lang="en-US" sz="1600" dirty="0"/>
-              <a:t>. </a:t>
-            </a:r>
-            <a:r>
-              <a:rPr lang="en-US" sz="1600" dirty="0">
-                <a:solidFill>
-                  <a:srgbClr val="FF0000"/>
-                </a:solidFill>
-              </a:rPr>
-              <a:t>Reuse</a:t>
-            </a:r>
-            <a:r>
-              <a:rPr lang="en-US" sz="1600" dirty="0"/>
-              <a:t> where possible (except input DTOs as output DTO).</a:t>
-            </a:r>
-          </a:p>
-          <a:p>
-            <a:r>
-              <a:rPr lang="en-US" sz="1600" dirty="0"/>
-              <a:t>Return the entity DTO from </a:t>
-            </a:r>
-            <a:r>
-              <a:rPr lang="en-US" sz="1600" b="1" dirty="0"/>
-              <a:t>Create &amp; update </a:t>
-            </a:r>
-            <a:r>
-              <a:rPr lang="en-US" sz="1600" dirty="0"/>
-              <a:t>methods.</a:t>
-            </a:r>
-          </a:p>
-          <a:p>
-            <a:r>
-              <a:rPr lang="en-US" sz="1600" dirty="0"/>
-              <a:t>Can contain </a:t>
-            </a:r>
-            <a:r>
-              <a:rPr lang="en-US" sz="1600" b="1" dirty="0"/>
-              <a:t>more data </a:t>
-            </a:r>
-            <a:r>
-              <a:rPr lang="en-US" sz="1600" dirty="0"/>
-              <a:t>than client needs</a:t>
-            </a:r>
-          </a:p>
-          <a:p>
-            <a:r>
-              <a:rPr lang="en-US" sz="1600" dirty="0"/>
-              <a:t>Exception: Where </a:t>
-            </a:r>
-            <a:r>
-              <a:rPr lang="en-US" sz="1600" b="1" dirty="0"/>
-              <a:t>performance</a:t>
-            </a:r>
-            <a:r>
-              <a:rPr lang="en-US" sz="1600" dirty="0"/>
-              <a:t> is critical, especially for large result sets.</a:t>
+              <a:rPr lang="en-US" sz="2400" dirty="0"/>
+              <a:t>Implement only the formal validation (can use data annotation attributes)</a:t>
+            </a:r>
+          </a:p>
+          <a:p>
+            <a:r>
+              <a:rPr lang="en-US" sz="2400" dirty="0"/>
+              <a:t>Don’t include domain validation logic (ex: unique user name constraint)</a:t>
             </a:r>
           </a:p>
         </p:txBody>
       </p:sp>
       <p:pic>
         <p:nvPicPr>
-          <p:cNvPr id="8" name="Picture 7">
-            <a:extLst>
-              <a:ext uri="{FF2B5EF4-FFF2-40B4-BE49-F238E27FC236}">
-                <a16:creationId xmlns:a16="http://schemas.microsoft.com/office/drawing/2014/main" id="{6136350B-7541-43DE-AB8C-B78660140A1C}"/>
+          <p:cNvPr id="4" name="Picture 3">
+            <a:extLst>
+              <a:ext uri="{FF2B5EF4-FFF2-40B4-BE49-F238E27FC236}">
+                <a16:creationId xmlns:a16="http://schemas.microsoft.com/office/drawing/2014/main" id="{E3E2C096-C2C7-491F-882E-19EAAF360179}"/>
               </a:ext>
             </a:extLst>
           </p:cNvPr>
@@ -8884,152 +8898,8 @@
         </p:blipFill>
         <p:spPr>
           <a:xfrm>
-            <a:off x="838200" y="3495301"/>
-            <a:ext cx="6222670" cy="2976457"/>
-          </a:xfrm>
-          <a:prstGeom prst="rect">
-            <a:avLst/>
-          </a:prstGeom>
-        </p:spPr>
-      </p:pic>
-      <p:pic>
-        <p:nvPicPr>
-          <p:cNvPr id="9" name="Picture 8">
-            <a:extLst>
-              <a:ext uri="{FF2B5EF4-FFF2-40B4-BE49-F238E27FC236}">
-                <a16:creationId xmlns:a16="http://schemas.microsoft.com/office/drawing/2014/main" id="{3BF3626C-6168-4BB7-A176-BBA41ABE61BA}"/>
-              </a:ext>
-            </a:extLst>
-          </p:cNvPr>
-          <p:cNvPicPr>
-            <a:picLocks noChangeAspect="1"/>
-          </p:cNvPicPr>
-          <p:nvPr/>
-        </p:nvPicPr>
-        <p:blipFill>
-          <a:blip r:embed="rId3">
-            <a:extLst>
-              <a:ext uri="{28A0092B-C50C-407E-A947-70E740481C1C}">
-                <a14:useLocalDpi xmlns:a14="http://schemas.microsoft.com/office/drawing/2010/main" val="0"/>
-              </a:ext>
-            </a:extLst>
-          </a:blip>
-          <a:stretch>
-            <a:fillRect/>
-          </a:stretch>
-        </p:blipFill>
-        <p:spPr>
-          <a:xfrm>
-            <a:off x="6788727" y="4298864"/>
-            <a:ext cx="339692" cy="293218"/>
-          </a:xfrm>
-          <a:prstGeom prst="rect">
-            <a:avLst/>
-          </a:prstGeom>
-        </p:spPr>
-      </p:pic>
-      <p:pic>
-        <p:nvPicPr>
-          <p:cNvPr id="10" name="Picture 9">
-            <a:extLst>
-              <a:ext uri="{FF2B5EF4-FFF2-40B4-BE49-F238E27FC236}">
-                <a16:creationId xmlns:a16="http://schemas.microsoft.com/office/drawing/2014/main" id="{AB0295C5-CE29-4E56-B56B-0D0840BAD365}"/>
-              </a:ext>
-            </a:extLst>
-          </p:cNvPr>
-          <p:cNvPicPr>
-            <a:picLocks noChangeAspect="1"/>
-          </p:cNvPicPr>
-          <p:nvPr/>
-        </p:nvPicPr>
-        <p:blipFill>
-          <a:blip r:embed="rId3">
-            <a:extLst>
-              <a:ext uri="{28A0092B-C50C-407E-A947-70E740481C1C}">
-                <a14:useLocalDpi xmlns:a14="http://schemas.microsoft.com/office/drawing/2010/main" val="0"/>
-              </a:ext>
-            </a:extLst>
-          </a:blip>
-          <a:stretch>
-            <a:fillRect/>
-          </a:stretch>
-        </p:blipFill>
-        <p:spPr>
-          <a:xfrm>
-            <a:off x="4795652" y="4592082"/>
-            <a:ext cx="339692" cy="293218"/>
-          </a:xfrm>
-          <a:prstGeom prst="rect">
-            <a:avLst/>
-          </a:prstGeom>
-        </p:spPr>
-      </p:pic>
-      <p:pic>
-        <p:nvPicPr>
-          <p:cNvPr id="11" name="Picture 10">
-            <a:extLst>
-              <a:ext uri="{FF2B5EF4-FFF2-40B4-BE49-F238E27FC236}">
-                <a16:creationId xmlns:a16="http://schemas.microsoft.com/office/drawing/2014/main" id="{4071B153-A6C0-42C9-AD01-A3D64A0F700A}"/>
-              </a:ext>
-            </a:extLst>
-          </p:cNvPr>
-          <p:cNvPicPr>
-            <a:picLocks noChangeAspect="1"/>
-          </p:cNvPicPr>
-          <p:nvPr/>
-        </p:nvPicPr>
-        <p:blipFill>
-          <a:blip r:embed="rId3">
-            <a:extLst>
-              <a:ext uri="{28A0092B-C50C-407E-A947-70E740481C1C}">
-                <a14:useLocalDpi xmlns:a14="http://schemas.microsoft.com/office/drawing/2010/main" val="0"/>
-              </a:ext>
-            </a:extLst>
-          </a:blip>
-          <a:stretch>
-            <a:fillRect/>
-          </a:stretch>
-        </p:blipFill>
-        <p:spPr>
-          <a:xfrm>
-            <a:off x="1035133" y="5104406"/>
-            <a:ext cx="339692" cy="293218"/>
-          </a:xfrm>
-          <a:prstGeom prst="rect">
-            <a:avLst/>
-          </a:prstGeom>
-        </p:spPr>
-      </p:pic>
-      <p:pic>
-        <p:nvPicPr>
-          <p:cNvPr id="12" name="Picture 11">
-            <a:extLst>
-              <a:ext uri="{FF2B5EF4-FFF2-40B4-BE49-F238E27FC236}">
-                <a16:creationId xmlns:a16="http://schemas.microsoft.com/office/drawing/2014/main" id="{ACA0E7D8-DC1C-4C94-9130-CB1C1CFFA284}"/>
-              </a:ext>
-            </a:extLst>
-          </p:cNvPr>
-          <p:cNvPicPr>
-            <a:picLocks noChangeAspect="1"/>
-          </p:cNvPicPr>
-          <p:nvPr/>
-        </p:nvPicPr>
-        <p:blipFill>
-          <a:blip r:embed="rId3">
-            <a:extLst>
-              <a:ext uri="{28A0092B-C50C-407E-A947-70E740481C1C}">
-                <a14:useLocalDpi xmlns:a14="http://schemas.microsoft.com/office/drawing/2010/main" val="0"/>
-              </a:ext>
-            </a:extLst>
-          </a:blip>
-          <a:stretch>
-            <a:fillRect/>
-          </a:stretch>
-        </p:blipFill>
-        <p:spPr>
-          <a:xfrm>
-            <a:off x="1018056" y="5733799"/>
-            <a:ext cx="339692" cy="293218"/>
+            <a:off x="946763" y="2727365"/>
+            <a:ext cx="5074027" cy="3835994"/>
           </a:xfrm>
           <a:prstGeom prst="rect">
             <a:avLst/>
@@ -9039,7 +8909,7 @@
     </p:spTree>
     <p:extLst>
       <p:ext uri="{BB962C8B-B14F-4D97-AF65-F5344CB8AC3E}">
-        <p14:creationId xmlns:p14="http://schemas.microsoft.com/office/powerpoint/2010/main" val="683563018"/>
+        <p14:creationId xmlns:p14="http://schemas.microsoft.com/office/powerpoint/2010/main" val="2419737228"/>
       </p:ext>
     </p:extLst>
   </p:cSld>
@@ -9204,12 +9074,12 @@
         <p:spPr>
           <a:xfrm>
             <a:off x="838200" y="1825625"/>
-            <a:ext cx="10515600" cy="1436131"/>
+            <a:ext cx="10515600" cy="1474168"/>
           </a:xfrm>
         </p:spPr>
         <p:txBody>
           <a:bodyPr>
-            <a:noAutofit/>
+            <a:normAutofit/>
           </a:bodyPr>
           <a:lstStyle/>
           <a:p>
@@ -9284,10 +9154,10 @@
       </p:sp>
       <p:pic>
         <p:nvPicPr>
-          <p:cNvPr id="4" name="Picture 3">
-            <a:extLst>
-              <a:ext uri="{FF2B5EF4-FFF2-40B4-BE49-F238E27FC236}">
-                <a16:creationId xmlns:a16="http://schemas.microsoft.com/office/drawing/2014/main" id="{AEB39D52-2EA2-49E1-97DF-9996081FB22D}"/>
+          <p:cNvPr id="8" name="Picture 7">
+            <a:extLst>
+              <a:ext uri="{FF2B5EF4-FFF2-40B4-BE49-F238E27FC236}">
+                <a16:creationId xmlns:a16="http://schemas.microsoft.com/office/drawing/2014/main" id="{6136350B-7541-43DE-AB8C-B78660140A1C}"/>
               </a:ext>
             </a:extLst>
           </p:cNvPr>
@@ -9304,8 +9174,8 @@
         </p:blipFill>
         <p:spPr>
           <a:xfrm>
-            <a:off x="393609" y="3479598"/>
-            <a:ext cx="5844459" cy="2736187"/>
+            <a:off x="838200" y="3495301"/>
+            <a:ext cx="6222670" cy="2976457"/>
           </a:xfrm>
           <a:prstGeom prst="rect">
             <a:avLst/>
@@ -9314,10 +9184,10 @@
       </p:pic>
       <p:pic>
         <p:nvPicPr>
-          <p:cNvPr id="5" name="Picture 4">
-            <a:extLst>
-              <a:ext uri="{FF2B5EF4-FFF2-40B4-BE49-F238E27FC236}">
-                <a16:creationId xmlns:a16="http://schemas.microsoft.com/office/drawing/2014/main" id="{C5A860DB-566D-47FD-82E1-C3C15816168E}"/>
+          <p:cNvPr id="9" name="Picture 8">
+            <a:extLst>
+              <a:ext uri="{FF2B5EF4-FFF2-40B4-BE49-F238E27FC236}">
+                <a16:creationId xmlns:a16="http://schemas.microsoft.com/office/drawing/2014/main" id="{3BF3626C-6168-4BB7-A176-BBA41ABE61BA}"/>
               </a:ext>
             </a:extLst>
           </p:cNvPr>
@@ -9327,15 +9197,129 @@
           <p:nvPr/>
         </p:nvPicPr>
         <p:blipFill>
-          <a:blip r:embed="rId3"/>
+          <a:blip r:embed="rId3">
+            <a:extLst>
+              <a:ext uri="{28A0092B-C50C-407E-A947-70E740481C1C}">
+                <a14:useLocalDpi xmlns:a14="http://schemas.microsoft.com/office/drawing/2010/main" val="0"/>
+              </a:ext>
+            </a:extLst>
+          </a:blip>
           <a:stretch>
             <a:fillRect/>
           </a:stretch>
         </p:blipFill>
         <p:spPr>
           <a:xfrm>
-            <a:off x="6782417" y="3479598"/>
-            <a:ext cx="5015974" cy="2350965"/>
+            <a:off x="6788727" y="4298864"/>
+            <a:ext cx="339692" cy="293218"/>
+          </a:xfrm>
+          <a:prstGeom prst="rect">
+            <a:avLst/>
+          </a:prstGeom>
+        </p:spPr>
+      </p:pic>
+      <p:pic>
+        <p:nvPicPr>
+          <p:cNvPr id="10" name="Picture 9">
+            <a:extLst>
+              <a:ext uri="{FF2B5EF4-FFF2-40B4-BE49-F238E27FC236}">
+                <a16:creationId xmlns:a16="http://schemas.microsoft.com/office/drawing/2014/main" id="{AB0295C5-CE29-4E56-B56B-0D0840BAD365}"/>
+              </a:ext>
+            </a:extLst>
+          </p:cNvPr>
+          <p:cNvPicPr>
+            <a:picLocks noChangeAspect="1"/>
+          </p:cNvPicPr>
+          <p:nvPr/>
+        </p:nvPicPr>
+        <p:blipFill>
+          <a:blip r:embed="rId3">
+            <a:extLst>
+              <a:ext uri="{28A0092B-C50C-407E-A947-70E740481C1C}">
+                <a14:useLocalDpi xmlns:a14="http://schemas.microsoft.com/office/drawing/2010/main" val="0"/>
+              </a:ext>
+            </a:extLst>
+          </a:blip>
+          <a:stretch>
+            <a:fillRect/>
+          </a:stretch>
+        </p:blipFill>
+        <p:spPr>
+          <a:xfrm>
+            <a:off x="4795652" y="4592082"/>
+            <a:ext cx="339692" cy="293218"/>
+          </a:xfrm>
+          <a:prstGeom prst="rect">
+            <a:avLst/>
+          </a:prstGeom>
+        </p:spPr>
+      </p:pic>
+      <p:pic>
+        <p:nvPicPr>
+          <p:cNvPr id="11" name="Picture 10">
+            <a:extLst>
+              <a:ext uri="{FF2B5EF4-FFF2-40B4-BE49-F238E27FC236}">
+                <a16:creationId xmlns:a16="http://schemas.microsoft.com/office/drawing/2014/main" id="{4071B153-A6C0-42C9-AD01-A3D64A0F700A}"/>
+              </a:ext>
+            </a:extLst>
+          </p:cNvPr>
+          <p:cNvPicPr>
+            <a:picLocks noChangeAspect="1"/>
+          </p:cNvPicPr>
+          <p:nvPr/>
+        </p:nvPicPr>
+        <p:blipFill>
+          <a:blip r:embed="rId3">
+            <a:extLst>
+              <a:ext uri="{28A0092B-C50C-407E-A947-70E740481C1C}">
+                <a14:useLocalDpi xmlns:a14="http://schemas.microsoft.com/office/drawing/2010/main" val="0"/>
+              </a:ext>
+            </a:extLst>
+          </a:blip>
+          <a:stretch>
+            <a:fillRect/>
+          </a:stretch>
+        </p:blipFill>
+        <p:spPr>
+          <a:xfrm>
+            <a:off x="1035133" y="5104406"/>
+            <a:ext cx="339692" cy="293218"/>
+          </a:xfrm>
+          <a:prstGeom prst="rect">
+            <a:avLst/>
+          </a:prstGeom>
+        </p:spPr>
+      </p:pic>
+      <p:pic>
+        <p:nvPicPr>
+          <p:cNvPr id="12" name="Picture 11">
+            <a:extLst>
+              <a:ext uri="{FF2B5EF4-FFF2-40B4-BE49-F238E27FC236}">
+                <a16:creationId xmlns:a16="http://schemas.microsoft.com/office/drawing/2014/main" id="{ACA0E7D8-DC1C-4C94-9130-CB1C1CFFA284}"/>
+              </a:ext>
+            </a:extLst>
+          </p:cNvPr>
+          <p:cNvPicPr>
+            <a:picLocks noChangeAspect="1"/>
+          </p:cNvPicPr>
+          <p:nvPr/>
+        </p:nvPicPr>
+        <p:blipFill>
+          <a:blip r:embed="rId3">
+            <a:extLst>
+              <a:ext uri="{28A0092B-C50C-407E-A947-70E740481C1C}">
+                <a14:useLocalDpi xmlns:a14="http://schemas.microsoft.com/office/drawing/2010/main" val="0"/>
+              </a:ext>
+            </a:extLst>
+          </a:blip>
+          <a:stretch>
+            <a:fillRect/>
+          </a:stretch>
+        </p:blipFill>
+        <p:spPr>
+          <a:xfrm>
+            <a:off x="1018056" y="5733799"/>
+            <a:ext cx="339692" cy="293218"/>
           </a:xfrm>
           <a:prstGeom prst="rect">
             <a:avLst/>
@@ -9345,7 +9329,7 @@
     </p:spTree>
     <p:extLst>
       <p:ext uri="{BB962C8B-B14F-4D97-AF65-F5344CB8AC3E}">
-        <p14:creationId xmlns:p14="http://schemas.microsoft.com/office/powerpoint/2010/main" val="2453795207"/>
+        <p14:creationId xmlns:p14="http://schemas.microsoft.com/office/powerpoint/2010/main" val="683563018"/>
       </p:ext>
     </p:extLst>
   </p:cSld>
@@ -9402,7 +9386,7 @@
             </a:br>
             <a:r>
               <a:rPr lang="en-US" sz="3600" dirty="0"/>
-              <a:t>Object to Object Mapping</a:t>
+              <a:t>Output DTO suggestions</a:t>
             </a:r>
             <a:endParaRPr lang="en-US" dirty="0"/>
           </a:p>
@@ -9426,8 +9410,8 @@
         </p:nvSpPr>
         <p:spPr>
           <a:xfrm>
-            <a:off x="838200" y="1825626"/>
-            <a:ext cx="10515600" cy="1064036"/>
+            <a:off x="838200" y="1825625"/>
+            <a:ext cx="10515600" cy="1436131"/>
           </a:xfrm>
         </p:spPr>
         <p:txBody>
@@ -9437,42 +9421,138 @@
           <a:lstStyle/>
           <a:p>
             <a:r>
-              <a:rPr lang="en-US" sz="2400" dirty="0"/>
-              <a:t>Use </a:t>
-            </a:r>
-            <a:r>
-              <a:rPr lang="en-US" sz="2400" b="1" dirty="0"/>
-              <a:t>auto object mapping </a:t>
-            </a:r>
-            <a:r>
-              <a:rPr lang="en-US" sz="2400" dirty="0"/>
-              <a:t>libraries (but, carefully – enable configuration validation)</a:t>
-            </a:r>
-          </a:p>
-          <a:p>
-            <a:r>
-              <a:rPr lang="en-US" sz="2400" b="1" dirty="0"/>
-              <a:t>Do not map </a:t>
-            </a:r>
-            <a:r>
-              <a:rPr lang="en-US" sz="2400" dirty="0"/>
-              <a:t>input DTOs to entities. </a:t>
-            </a:r>
-            <a:r>
-              <a:rPr lang="en-US" sz="2400" b="1" dirty="0"/>
-              <a:t>Map</a:t>
-            </a:r>
-            <a:r>
-              <a:rPr lang="en-US" sz="2400" dirty="0"/>
-              <a:t> entities to output DTOs</a:t>
-            </a:r>
-          </a:p>
-        </p:txBody>
-      </p:sp>
+              <a:rPr lang="en-US" sz="1600" dirty="0"/>
+              <a:t>Keep output </a:t>
+            </a:r>
+            <a:r>
+              <a:rPr lang="en-US" sz="1600" b="1" dirty="0"/>
+              <a:t>DTO count minimum</a:t>
+            </a:r>
+            <a:r>
+              <a:rPr lang="en-US" sz="1600" dirty="0"/>
+              <a:t>. </a:t>
+            </a:r>
+            <a:r>
+              <a:rPr lang="en-US" sz="1600" dirty="0">
+                <a:solidFill>
+                  <a:srgbClr val="FF0000"/>
+                </a:solidFill>
+              </a:rPr>
+              <a:t>Reuse</a:t>
+            </a:r>
+            <a:r>
+              <a:rPr lang="en-US" sz="1600" dirty="0"/>
+              <a:t> where possible (except input DTOs as output DTO).</a:t>
+            </a:r>
+          </a:p>
+          <a:p>
+            <a:r>
+              <a:rPr lang="en-US" sz="1600" dirty="0"/>
+              <a:t>Return the entity DTO from </a:t>
+            </a:r>
+            <a:r>
+              <a:rPr lang="en-US" sz="1600" b="1" dirty="0"/>
+              <a:t>Create &amp; update </a:t>
+            </a:r>
+            <a:r>
+              <a:rPr lang="en-US" sz="1600" dirty="0"/>
+              <a:t>methods.</a:t>
+            </a:r>
+          </a:p>
+          <a:p>
+            <a:r>
+              <a:rPr lang="en-US" sz="1600" dirty="0"/>
+              <a:t>Can contain </a:t>
+            </a:r>
+            <a:r>
+              <a:rPr lang="en-US" sz="1600" b="1" dirty="0"/>
+              <a:t>more data </a:t>
+            </a:r>
+            <a:r>
+              <a:rPr lang="en-US" sz="1600" dirty="0"/>
+              <a:t>than client needs</a:t>
+            </a:r>
+          </a:p>
+          <a:p>
+            <a:r>
+              <a:rPr lang="en-US" sz="1600" dirty="0"/>
+              <a:t>Exception: Where </a:t>
+            </a:r>
+            <a:r>
+              <a:rPr lang="en-US" sz="1600" b="1" dirty="0"/>
+              <a:t>performance</a:t>
+            </a:r>
+            <a:r>
+              <a:rPr lang="en-US" sz="1600" dirty="0"/>
+              <a:t> is critical, especially for large result sets.</a:t>
+            </a:r>
+          </a:p>
+        </p:txBody>
+      </p:sp>
+      <p:pic>
+        <p:nvPicPr>
+          <p:cNvPr id="4" name="Picture 3">
+            <a:extLst>
+              <a:ext uri="{FF2B5EF4-FFF2-40B4-BE49-F238E27FC236}">
+                <a16:creationId xmlns:a16="http://schemas.microsoft.com/office/drawing/2014/main" id="{AEB39D52-2EA2-49E1-97DF-9996081FB22D}"/>
+              </a:ext>
+            </a:extLst>
+          </p:cNvPr>
+          <p:cNvPicPr>
+            <a:picLocks noChangeAspect="1"/>
+          </p:cNvPicPr>
+          <p:nvPr/>
+        </p:nvPicPr>
+        <p:blipFill>
+          <a:blip r:embed="rId2"/>
+          <a:stretch>
+            <a:fillRect/>
+          </a:stretch>
+        </p:blipFill>
+        <p:spPr>
+          <a:xfrm>
+            <a:off x="393609" y="3479598"/>
+            <a:ext cx="5844459" cy="2736187"/>
+          </a:xfrm>
+          <a:prstGeom prst="rect">
+            <a:avLst/>
+          </a:prstGeom>
+        </p:spPr>
+      </p:pic>
+      <p:pic>
+        <p:nvPicPr>
+          <p:cNvPr id="5" name="Picture 4">
+            <a:extLst>
+              <a:ext uri="{FF2B5EF4-FFF2-40B4-BE49-F238E27FC236}">
+                <a16:creationId xmlns:a16="http://schemas.microsoft.com/office/drawing/2014/main" id="{C5A860DB-566D-47FD-82E1-C3C15816168E}"/>
+              </a:ext>
+            </a:extLst>
+          </p:cNvPr>
+          <p:cNvPicPr>
+            <a:picLocks noChangeAspect="1"/>
+          </p:cNvPicPr>
+          <p:nvPr/>
+        </p:nvPicPr>
+        <p:blipFill>
+          <a:blip r:embed="rId3"/>
+          <a:stretch>
+            <a:fillRect/>
+          </a:stretch>
+        </p:blipFill>
+        <p:spPr>
+          <a:xfrm>
+            <a:off x="6782417" y="3479598"/>
+            <a:ext cx="5015974" cy="2350965"/>
+          </a:xfrm>
+          <a:prstGeom prst="rect">
+            <a:avLst/>
+          </a:prstGeom>
+        </p:spPr>
+      </p:pic>
     </p:spTree>
     <p:extLst>
       <p:ext uri="{BB962C8B-B14F-4D97-AF65-F5344CB8AC3E}">
-        <p14:creationId xmlns:p14="http://schemas.microsoft.com/office/powerpoint/2010/main" val="1364963194"/>
+        <p14:creationId xmlns:p14="http://schemas.microsoft.com/office/powerpoint/2010/main" val="2453795207"/>
       </p:ext>
     </p:extLst>
   </p:cSld>
@@ -9529,121 +9609,69 @@
             </a:br>
             <a:r>
               <a:rPr lang="en-US" sz="3600" dirty="0"/>
-              <a:t>Example: Entity Creation</a:t>
+              <a:t>Object to Object Mapping</a:t>
             </a:r>
             <a:endParaRPr lang="en-US" dirty="0"/>
           </a:p>
         </p:txBody>
       </p:sp>
-      <p:pic>
-        <p:nvPicPr>
-          <p:cNvPr id="6" name="Picture 5">
-            <a:extLst>
-              <a:ext uri="{FF2B5EF4-FFF2-40B4-BE49-F238E27FC236}">
-                <a16:creationId xmlns:a16="http://schemas.microsoft.com/office/drawing/2014/main" id="{74522D94-FDA6-417B-ADF8-38E3D027ACCE}"/>
-              </a:ext>
-            </a:extLst>
-          </p:cNvPr>
-          <p:cNvPicPr>
-            <a:picLocks noChangeAspect="1"/>
-          </p:cNvPicPr>
-          <p:nvPr/>
-        </p:nvPicPr>
-        <p:blipFill>
-          <a:blip r:embed="rId2"/>
-          <a:stretch>
-            <a:fillRect/>
-          </a:stretch>
-        </p:blipFill>
+      <p:sp>
+        <p:nvSpPr>
+          <p:cNvPr id="3" name="Content Placeholder 2">
+            <a:extLst>
+              <a:ext uri="{FF2B5EF4-FFF2-40B4-BE49-F238E27FC236}">
+                <a16:creationId xmlns:a16="http://schemas.microsoft.com/office/drawing/2014/main" id="{E4F3065D-52E2-4E8D-B74F-4FD51CEF1E49}"/>
+              </a:ext>
+            </a:extLst>
+          </p:cNvPr>
+          <p:cNvSpPr>
+            <a:spLocks noGrp="1"/>
+          </p:cNvSpPr>
+          <p:nvPr>
+            <p:ph idx="1"/>
+          </p:nvPr>
+        </p:nvSpPr>
         <p:spPr>
           <a:xfrm>
-            <a:off x="272142" y="2059562"/>
-            <a:ext cx="7268688" cy="3973650"/>
-          </a:xfrm>
-          <a:prstGeom prst="rect">
-            <a:avLst/>
-          </a:prstGeom>
-        </p:spPr>
-      </p:pic>
-      <p:sp>
-        <p:nvSpPr>
-          <p:cNvPr id="8" name="Content Placeholder 7">
-            <a:extLst>
-              <a:ext uri="{FF2B5EF4-FFF2-40B4-BE49-F238E27FC236}">
-                <a16:creationId xmlns:a16="http://schemas.microsoft.com/office/drawing/2014/main" id="{80359589-E408-41CD-B5EA-BB8554A5976C}"/>
-              </a:ext>
-            </a:extLst>
-          </p:cNvPr>
-          <p:cNvSpPr>
-            <a:spLocks noGrp="1"/>
-          </p:cNvSpPr>
-          <p:nvPr>
-            <p:ph idx="1"/>
-          </p:nvPr>
-        </p:nvSpPr>
-        <p:spPr>
-          <a:xfrm>
-            <a:off x="7635834" y="1825625"/>
-            <a:ext cx="3717966" cy="4351338"/>
-          </a:xfrm>
-        </p:spPr>
-        <p:txBody>
-          <a:bodyPr/>
-          <a:lstStyle/>
-          <a:p>
-            <a:r>
-              <a:rPr lang="en-US" dirty="0"/>
-              <a:t>Don’t use DTO to entity auto-mapping, use entity </a:t>
-            </a:r>
-            <a:r>
-              <a:rPr lang="en-US" b="1" dirty="0"/>
-              <a:t>constructor</a:t>
-            </a:r>
-            <a:r>
-              <a:rPr lang="en-US" dirty="0"/>
-              <a:t>.</a:t>
-            </a:r>
-          </a:p>
-          <a:p>
-            <a:r>
-              <a:rPr lang="en-US" dirty="0"/>
-              <a:t>Perform additional </a:t>
-            </a:r>
-            <a:r>
-              <a:rPr lang="en-US" b="1" dirty="0"/>
-              <a:t>domain actions</a:t>
-            </a:r>
-            <a:r>
-              <a:rPr lang="en-US" dirty="0"/>
-              <a:t>.</a:t>
-            </a:r>
-          </a:p>
-          <a:p>
-            <a:r>
-              <a:rPr lang="en-US" dirty="0"/>
+            <a:off x="838200" y="1825626"/>
+            <a:ext cx="10515600" cy="1064036"/>
+          </a:xfrm>
+        </p:spPr>
+        <p:txBody>
+          <a:bodyPr>
+            <a:noAutofit/>
+          </a:bodyPr>
+          <a:lstStyle/>
+          <a:p>
+            <a:r>
+              <a:rPr lang="en-US" sz="2400" dirty="0"/>
               <a:t>Use </a:t>
             </a:r>
             <a:r>
-              <a:rPr lang="en-US" b="1" dirty="0"/>
-              <a:t>repository</a:t>
-            </a:r>
-            <a:r>
-              <a:rPr lang="en-US" dirty="0"/>
-              <a:t>.</a:t>
-            </a:r>
-          </a:p>
-          <a:p>
-            <a:r>
-              <a:rPr lang="en-US" dirty="0"/>
-              <a:t>Return DTO using </a:t>
-            </a:r>
-            <a:r>
-              <a:rPr lang="en-US" b="1" dirty="0"/>
-              <a:t>auto-mapping</a:t>
-            </a:r>
-            <a:r>
-              <a:rPr lang="en-US" dirty="0"/>
-              <a:t>.</a:t>
+              <a:rPr lang="en-US" sz="2400" b="1" dirty="0"/>
+              <a:t>auto object mapping </a:t>
+            </a:r>
+            <a:r>
+              <a:rPr lang="en-US" sz="2400" dirty="0"/>
+              <a:t>libraries (but, carefully – enable configuration validation)</a:t>
+            </a:r>
+          </a:p>
+          <a:p>
+            <a:r>
+              <a:rPr lang="en-US" sz="2400" b="1" dirty="0"/>
+              <a:t>Do not map </a:t>
+            </a:r>
+            <a:r>
+              <a:rPr lang="en-US" sz="2400" dirty="0"/>
+              <a:t>input DTOs to entities. </a:t>
+            </a:r>
+            <a:r>
+              <a:rPr lang="en-US" sz="2400" b="1" dirty="0"/>
+              <a:t>Map</a:t>
+            </a:r>
+            <a:r>
+              <a:rPr lang="en-US" sz="2400" dirty="0"/>
+              <a:t> entities to output DTOs</a:t>
             </a:r>
           </a:p>
         </p:txBody>
@@ -9651,7 +9679,7 @@
     </p:spTree>
     <p:extLst>
       <p:ext uri="{BB962C8B-B14F-4D97-AF65-F5344CB8AC3E}">
-        <p14:creationId xmlns:p14="http://schemas.microsoft.com/office/powerpoint/2010/main" val="2480817299"/>
+        <p14:creationId xmlns:p14="http://schemas.microsoft.com/office/powerpoint/2010/main" val="1364963194"/>
       </p:ext>
     </p:extLst>
   </p:cSld>
@@ -9683,7 +9711,7 @@
           <p:cNvPr id="2" name="Title 1">
             <a:extLst>
               <a:ext uri="{FF2B5EF4-FFF2-40B4-BE49-F238E27FC236}">
-                <a16:creationId xmlns:a16="http://schemas.microsoft.com/office/drawing/2014/main" id="{67E9649C-91D0-437D-A752-E68D2D6A46C4}"/>
+                <a16:creationId xmlns:a16="http://schemas.microsoft.com/office/drawing/2014/main" id="{9FB313FD-548B-4540-B224-09368876E8C7}"/>
               </a:ext>
             </a:extLst>
           </p:cNvPr>
@@ -9701,17 +9729,55 @@
           <a:p>
             <a:r>
               <a:rPr lang="en-US" dirty="0"/>
-              <a:t>Domain/Business Exceptions</a:t>
-            </a:r>
-          </a:p>
-        </p:txBody>
-      </p:sp>
-      <p:sp>
-        <p:nvSpPr>
-          <p:cNvPr id="3" name="Content Placeholder 2">
-            <a:extLst>
-              <a:ext uri="{FF2B5EF4-FFF2-40B4-BE49-F238E27FC236}">
-                <a16:creationId xmlns:a16="http://schemas.microsoft.com/office/drawing/2014/main" id="{FEAA3D58-1152-4768-BFD1-0FC3552ABBA1}"/>
+              <a:t>Application Services</a:t>
+            </a:r>
+            <a:br>
+              <a:rPr lang="en-US" dirty="0"/>
+            </a:br>
+            <a:r>
+              <a:rPr lang="en-US" sz="3600" dirty="0"/>
+              <a:t>Example: Entity Creation</a:t>
+            </a:r>
+            <a:endParaRPr lang="en-US" dirty="0"/>
+          </a:p>
+        </p:txBody>
+      </p:sp>
+      <p:pic>
+        <p:nvPicPr>
+          <p:cNvPr id="6" name="Picture 5">
+            <a:extLst>
+              <a:ext uri="{FF2B5EF4-FFF2-40B4-BE49-F238E27FC236}">
+                <a16:creationId xmlns:a16="http://schemas.microsoft.com/office/drawing/2014/main" id="{74522D94-FDA6-417B-ADF8-38E3D027ACCE}"/>
+              </a:ext>
+            </a:extLst>
+          </p:cNvPr>
+          <p:cNvPicPr>
+            <a:picLocks noChangeAspect="1"/>
+          </p:cNvPicPr>
+          <p:nvPr/>
+        </p:nvPicPr>
+        <p:blipFill>
+          <a:blip r:embed="rId2"/>
+          <a:stretch>
+            <a:fillRect/>
+          </a:stretch>
+        </p:blipFill>
+        <p:spPr>
+          <a:xfrm>
+            <a:off x="272142" y="2059562"/>
+            <a:ext cx="7268688" cy="3973650"/>
+          </a:xfrm>
+          <a:prstGeom prst="rect">
+            <a:avLst/>
+          </a:prstGeom>
+        </p:spPr>
+      </p:pic>
+      <p:sp>
+        <p:nvSpPr>
+          <p:cNvPr id="8" name="Content Placeholder 7">
+            <a:extLst>
+              <a:ext uri="{FF2B5EF4-FFF2-40B4-BE49-F238E27FC236}">
+                <a16:creationId xmlns:a16="http://schemas.microsoft.com/office/drawing/2014/main" id="{80359589-E408-41CD-B5EA-BB8554A5976C}"/>
               </a:ext>
             </a:extLst>
           </p:cNvPr>
@@ -9722,66 +9788,69 @@
             <p:ph idx="1"/>
           </p:nvPr>
         </p:nvSpPr>
-        <p:spPr/>
+        <p:spPr>
+          <a:xfrm>
+            <a:off x="7635834" y="1825625"/>
+            <a:ext cx="3717966" cy="4351338"/>
+          </a:xfrm>
+        </p:spPr>
         <p:txBody>
           <a:bodyPr/>
           <a:lstStyle/>
           <a:p>
             <a:r>
               <a:rPr lang="en-US" dirty="0"/>
-              <a:t>Do not return null or operation result code for exceptional cases, </a:t>
+              <a:t>Don’t use DTO to entity auto-mapping, use entity </a:t>
             </a:r>
             <a:r>
               <a:rPr lang="en-US" b="1" dirty="0"/>
-              <a:t>throw exceptions</a:t>
-            </a:r>
-            <a:r>
-              <a:rPr lang="en-US" dirty="0"/>
-              <a:t>!</a:t>
-            </a:r>
-          </a:p>
-          <a:p>
+              <a:t>constructor</a:t>
+            </a:r>
+            <a:r>
+              <a:rPr lang="en-US" dirty="0"/>
+              <a:t>.</a:t>
+            </a:r>
+          </a:p>
+          <a:p>
+            <a:r>
+              <a:rPr lang="en-US" dirty="0"/>
+              <a:t>Perform additional </a:t>
+            </a:r>
             <a:r>
               <a:rPr lang="en-US" b="1" dirty="0"/>
-              <a:t>Define </a:t>
-            </a:r>
-            <a:r>
-              <a:rPr lang="en-US" dirty="0"/>
-              <a:t>exception classes for important business rules</a:t>
-            </a:r>
-          </a:p>
-          <a:p>
-            <a:r>
-              <a:rPr lang="en-US" dirty="0"/>
-              <a:t>Include an </a:t>
+              <a:t>domain actions</a:t>
+            </a:r>
+            <a:r>
+              <a:rPr lang="en-US" dirty="0"/>
+              <a:t>.</a:t>
+            </a:r>
+          </a:p>
+          <a:p>
+            <a:r>
+              <a:rPr lang="en-US" dirty="0"/>
+              <a:t>Use </a:t>
             </a:r>
             <a:r>
               <a:rPr lang="en-US" b="1" dirty="0"/>
-              <a:t>error code </a:t>
-            </a:r>
-            <a:r>
-              <a:rPr lang="en-US" dirty="0"/>
-              <a:t>in the exception</a:t>
-            </a:r>
-          </a:p>
-          <a:p>
+              <a:t>repository</a:t>
+            </a:r>
+            <a:r>
+              <a:rPr lang="en-US" dirty="0"/>
+              <a:t>.</a:t>
+            </a:r>
+          </a:p>
+          <a:p>
+            <a:r>
+              <a:rPr lang="en-US" dirty="0"/>
+              <a:t>Return DTO using </a:t>
+            </a:r>
             <a:r>
               <a:rPr lang="en-US" b="1" dirty="0"/>
-              <a:t>Separate localization</a:t>
-            </a:r>
-            <a:r>
-              <a:rPr lang="en-US" dirty="0"/>
-              <a:t> from exception throwing</a:t>
-            </a:r>
-          </a:p>
-          <a:p>
-            <a:r>
-              <a:rPr lang="en-US" dirty="0"/>
-              <a:t>Map exceptions to </a:t>
-            </a:r>
-            <a:r>
-              <a:rPr lang="en-US" b="1" dirty="0"/>
-              <a:t>HTTP status codes</a:t>
+              <a:t>auto-mapping</a:t>
+            </a:r>
+            <a:r>
+              <a:rPr lang="en-US" dirty="0"/>
+              <a:t>.</a:t>
             </a:r>
           </a:p>
         </p:txBody>
@@ -9789,7 +9858,7 @@
     </p:spTree>
     <p:extLst>
       <p:ext uri="{BB962C8B-B14F-4D97-AF65-F5344CB8AC3E}">
-        <p14:creationId xmlns:p14="http://schemas.microsoft.com/office/powerpoint/2010/main" val="4290921292"/>
+        <p14:creationId xmlns:p14="http://schemas.microsoft.com/office/powerpoint/2010/main" val="2480817299"/>
       </p:ext>
     </p:extLst>
   </p:cSld>
@@ -9821,6 +9890,144 @@
           <p:cNvPr id="2" name="Title 1">
             <a:extLst>
               <a:ext uri="{FF2B5EF4-FFF2-40B4-BE49-F238E27FC236}">
+                <a16:creationId xmlns:a16="http://schemas.microsoft.com/office/drawing/2014/main" id="{67E9649C-91D0-437D-A752-E68D2D6A46C4}"/>
+              </a:ext>
+            </a:extLst>
+          </p:cNvPr>
+          <p:cNvSpPr>
+            <a:spLocks noGrp="1"/>
+          </p:cNvSpPr>
+          <p:nvPr>
+            <p:ph type="title"/>
+          </p:nvPr>
+        </p:nvSpPr>
+        <p:spPr/>
+        <p:txBody>
+          <a:bodyPr/>
+          <a:lstStyle/>
+          <a:p>
+            <a:r>
+              <a:rPr lang="en-US" dirty="0"/>
+              <a:t>Domain/Business Exceptions</a:t>
+            </a:r>
+          </a:p>
+        </p:txBody>
+      </p:sp>
+      <p:sp>
+        <p:nvSpPr>
+          <p:cNvPr id="3" name="Content Placeholder 2">
+            <a:extLst>
+              <a:ext uri="{FF2B5EF4-FFF2-40B4-BE49-F238E27FC236}">
+                <a16:creationId xmlns:a16="http://schemas.microsoft.com/office/drawing/2014/main" id="{FEAA3D58-1152-4768-BFD1-0FC3552ABBA1}"/>
+              </a:ext>
+            </a:extLst>
+          </p:cNvPr>
+          <p:cNvSpPr>
+            <a:spLocks noGrp="1"/>
+          </p:cNvSpPr>
+          <p:nvPr>
+            <p:ph idx="1"/>
+          </p:nvPr>
+        </p:nvSpPr>
+        <p:spPr/>
+        <p:txBody>
+          <a:bodyPr/>
+          <a:lstStyle/>
+          <a:p>
+            <a:r>
+              <a:rPr lang="en-US" dirty="0"/>
+              <a:t>Do not return null or operation result code for exceptional cases, </a:t>
+            </a:r>
+            <a:r>
+              <a:rPr lang="en-US" b="1" dirty="0"/>
+              <a:t>throw exceptions</a:t>
+            </a:r>
+            <a:r>
+              <a:rPr lang="en-US" dirty="0"/>
+              <a:t>!</a:t>
+            </a:r>
+          </a:p>
+          <a:p>
+            <a:r>
+              <a:rPr lang="en-US" b="1" dirty="0"/>
+              <a:t>Define </a:t>
+            </a:r>
+            <a:r>
+              <a:rPr lang="en-US" dirty="0"/>
+              <a:t>exception classes for important business rules</a:t>
+            </a:r>
+          </a:p>
+          <a:p>
+            <a:r>
+              <a:rPr lang="en-US" dirty="0"/>
+              <a:t>Include an </a:t>
+            </a:r>
+            <a:r>
+              <a:rPr lang="en-US" b="1" dirty="0"/>
+              <a:t>error code </a:t>
+            </a:r>
+            <a:r>
+              <a:rPr lang="en-US" dirty="0"/>
+              <a:t>in the exception</a:t>
+            </a:r>
+          </a:p>
+          <a:p>
+            <a:r>
+              <a:rPr lang="en-US" b="1" dirty="0"/>
+              <a:t>Separate localization</a:t>
+            </a:r>
+            <a:r>
+              <a:rPr lang="en-US" dirty="0"/>
+              <a:t> from exception throwing</a:t>
+            </a:r>
+          </a:p>
+          <a:p>
+            <a:r>
+              <a:rPr lang="en-US" dirty="0"/>
+              <a:t>Map exceptions to </a:t>
+            </a:r>
+            <a:r>
+              <a:rPr lang="en-US" b="1" dirty="0"/>
+              <a:t>HTTP status codes</a:t>
+            </a:r>
+          </a:p>
+        </p:txBody>
+      </p:sp>
+    </p:spTree>
+    <p:extLst>
+      <p:ext uri="{BB962C8B-B14F-4D97-AF65-F5344CB8AC3E}">
+        <p14:creationId xmlns:p14="http://schemas.microsoft.com/office/powerpoint/2010/main" val="4290921292"/>
+      </p:ext>
+    </p:extLst>
+  </p:cSld>
+  <p:clrMapOvr>
+    <a:masterClrMapping/>
+  </p:clrMapOvr>
+</p:sld>
+</file>
+
+<file path=ppt/slides/slide45.xml><?xml version="1.0" encoding="utf-8"?>
+<p:sld xmlns:a="http://schemas.openxmlformats.org/drawingml/2006/main" xmlns:r="http://schemas.openxmlformats.org/officeDocument/2006/relationships" xmlns:p="http://schemas.openxmlformats.org/presentationml/2006/main">
+  <p:cSld>
+    <p:spTree>
+      <p:nvGrpSpPr>
+        <p:cNvPr id="1" name=""/>
+        <p:cNvGrpSpPr/>
+        <p:nvPr/>
+      </p:nvGrpSpPr>
+      <p:grpSpPr>
+        <a:xfrm>
+          <a:off x="0" y="0"/>
+          <a:ext cx="0" cy="0"/>
+          <a:chOff x="0" y="0"/>
+          <a:chExt cx="0" cy="0"/>
+        </a:xfrm>
+      </p:grpSpPr>
+      <p:sp>
+        <p:nvSpPr>
+          <p:cNvPr id="2" name="Title 1">
+            <a:extLst>
+              <a:ext uri="{FF2B5EF4-FFF2-40B4-BE49-F238E27FC236}">
                 <a16:creationId xmlns:a16="http://schemas.microsoft.com/office/drawing/2014/main" id="{A23F9A3F-F790-4EB1-B32A-CFA7AFB6C421}"/>
               </a:ext>
             </a:extLst>
@@ -9882,7 +10089,7 @@
 </p:sld>
 </file>
 
-<file path=ppt/slides/slide45.xml><?xml version="1.0" encoding="utf-8"?>
+<file path=ppt/slides/slide46.xml><?xml version="1.0" encoding="utf-8"?>
 <p:sld xmlns:a="http://schemas.openxmlformats.org/drawingml/2006/main" xmlns:r="http://schemas.openxmlformats.org/officeDocument/2006/relationships" xmlns:p="http://schemas.openxmlformats.org/presentationml/2006/main">
   <p:cSld>
     <p:spTree>
@@ -10072,7 +10279,7 @@
           <p:cNvPr id="2" name="Title 1">
             <a:extLst>
               <a:ext uri="{FF2B5EF4-FFF2-40B4-BE49-F238E27FC236}">
-                <a16:creationId xmlns:a16="http://schemas.microsoft.com/office/drawing/2014/main" id="{D0E2D68B-F781-4DFF-B881-6A2CC55B7E8C}"/>
+                <a16:creationId xmlns:a16="http://schemas.microsoft.com/office/drawing/2014/main" id="{C1CBAA91-564C-4B55-B29A-2FD6E61F6F6D}"/>
               </a:ext>
             </a:extLst>
           </p:cNvPr>
@@ -10090,8 +10297,16 @@
           <a:p>
             <a:r>
               <a:rPr lang="en-US" dirty="0"/>
-              <a:t>TODO..!</a:t>
-            </a:r>
+              <a:t>Domain Driven Design</a:t>
+            </a:r>
+            <a:br>
+              <a:rPr lang="en-US" dirty="0"/>
+            </a:br>
+            <a:r>
+              <a:rPr lang="en-US" sz="3600" dirty="0"/>
+              <a:t>Layers</a:t>
+            </a:r>
+            <a:endParaRPr lang="en-US" dirty="0"/>
           </a:p>
         </p:txBody>
       </p:sp>
@@ -10100,7 +10315,7 @@
           <p:cNvPr id="3" name="Content Placeholder 2">
             <a:extLst>
               <a:ext uri="{FF2B5EF4-FFF2-40B4-BE49-F238E27FC236}">
-                <a16:creationId xmlns:a16="http://schemas.microsoft.com/office/drawing/2014/main" id="{F3AF2B61-35C8-435F-AC82-96ED01996C54}"/>
+                <a16:creationId xmlns:a16="http://schemas.microsoft.com/office/drawing/2014/main" id="{1704AC90-6DF0-479F-A3B7-B313449DB26B}"/>
               </a:ext>
             </a:extLst>
           </p:cNvPr>
@@ -10116,14 +10331,17 @@
           <a:bodyPr/>
           <a:lstStyle/>
           <a:p>
-            <a:endParaRPr lang="en-US"/>
+            <a:r>
+              <a:rPr lang="en-US" dirty="0"/>
+              <a:t>TODO</a:t>
+            </a:r>
           </a:p>
         </p:txBody>
       </p:sp>
     </p:spTree>
     <p:extLst>
       <p:ext uri="{BB962C8B-B14F-4D97-AF65-F5344CB8AC3E}">
-        <p14:creationId xmlns:p14="http://schemas.microsoft.com/office/powerpoint/2010/main" val="602094571"/>
+        <p14:creationId xmlns:p14="http://schemas.microsoft.com/office/powerpoint/2010/main" val="3227711965"/>
       </p:ext>
     </p:extLst>
   </p:cSld>
@@ -10152,18 +10370,68 @@
       </p:grpSpPr>
       <p:sp>
         <p:nvSpPr>
+          <p:cNvPr id="38" name="Rectangle 37">
+            <a:extLst>
+              <a:ext uri="{FF2B5EF4-FFF2-40B4-BE49-F238E27FC236}">
+                <a16:creationId xmlns:a16="http://schemas.microsoft.com/office/drawing/2014/main" id="{A112D4F9-DDEF-4DCA-A01E-C13D5C72DC72}"/>
+              </a:ext>
+            </a:extLst>
+          </p:cNvPr>
+          <p:cNvSpPr/>
+          <p:nvPr/>
+        </p:nvSpPr>
+        <p:spPr>
+          <a:xfrm>
+            <a:off x="8660547" y="2067262"/>
+            <a:ext cx="2191443" cy="1836867"/>
+          </a:xfrm>
+          <a:prstGeom prst="rect">
+            <a:avLst/>
+          </a:prstGeom>
+          <a:noFill/>
+          <a:ln>
+            <a:prstDash val="lgDash"/>
+          </a:ln>
+        </p:spPr>
+        <p:style>
+          <a:lnRef idx="2">
+            <a:schemeClr val="accent1">
+              <a:shade val="50000"/>
+            </a:schemeClr>
+          </a:lnRef>
+          <a:fillRef idx="1">
+            <a:schemeClr val="accent1"/>
+          </a:fillRef>
+          <a:effectRef idx="0">
+            <a:schemeClr val="accent1"/>
+          </a:effectRef>
+          <a:fontRef idx="minor">
+            <a:schemeClr val="lt1"/>
+          </a:fontRef>
+        </p:style>
+        <p:txBody>
+          <a:bodyPr rtlCol="0" anchor="ctr"/>
+          <a:lstStyle/>
+          <a:p>
+            <a:pPr algn="ctr"/>
+            <a:endParaRPr lang="en-US"/>
+          </a:p>
+        </p:txBody>
+      </p:sp>
+      <p:sp>
+        <p:nvSpPr>
           <p:cNvPr id="2" name="Title 1">
             <a:extLst>
               <a:ext uri="{FF2B5EF4-FFF2-40B4-BE49-F238E27FC236}">
-                <a16:creationId xmlns:a16="http://schemas.microsoft.com/office/drawing/2014/main" id="{E70A9256-B94E-4906-AE3B-2C8B8A84F779}"/>
-              </a:ext>
-            </a:extLst>
-          </p:cNvPr>
-          <p:cNvSpPr>
-            <a:spLocks noGrp="1"/>
-          </p:cNvSpPr>
-          <p:nvPr>
-            <p:ph type="ctrTitle"/>
+                <a16:creationId xmlns:a16="http://schemas.microsoft.com/office/drawing/2014/main" id="{D0E2D68B-F781-4DFF-B881-6A2CC55B7E8C}"/>
+              </a:ext>
+            </a:extLst>
+          </p:cNvPr>
+          <p:cNvSpPr>
+            <a:spLocks noGrp="1"/>
+          </p:cNvSpPr>
+          <p:nvPr>
+            <p:ph type="title"/>
           </p:nvPr>
         </p:nvSpPr>
         <p:spPr/>
@@ -10173,37 +10441,1604 @@
           <a:p>
             <a:r>
               <a:rPr lang="en-US" dirty="0"/>
-              <a:t>Part-III: Implementation</a:t>
-            </a:r>
-          </a:p>
-        </p:txBody>
-      </p:sp>
-      <p:sp>
-        <p:nvSpPr>
-          <p:cNvPr id="3" name="Subtitle 2">
-            <a:extLst>
-              <a:ext uri="{FF2B5EF4-FFF2-40B4-BE49-F238E27FC236}">
-                <a16:creationId xmlns:a16="http://schemas.microsoft.com/office/drawing/2014/main" id="{2061AEC8-B482-412B-B2D2-93BAC5BC5F88}"/>
-              </a:ext>
-            </a:extLst>
-          </p:cNvPr>
-          <p:cNvSpPr>
-            <a:spLocks noGrp="1"/>
-          </p:cNvSpPr>
-          <p:nvPr>
-            <p:ph type="subTitle" idx="1"/>
-          </p:nvPr>
-        </p:nvSpPr>
-        <p:spPr/>
-        <p:txBody>
-          <a:bodyPr>
-            <a:normAutofit/>
+              <a:t>Domain Driven Design</a:t>
+            </a:r>
+            <a:br>
+              <a:rPr lang="en-US" dirty="0"/>
+            </a:br>
+            <a:r>
+              <a:rPr lang="en-US" sz="3600" dirty="0"/>
+              <a:t>Execution Flow</a:t>
+            </a:r>
+          </a:p>
+        </p:txBody>
+      </p:sp>
+      <p:sp>
+        <p:nvSpPr>
+          <p:cNvPr id="5" name="Rectangle 4">
+            <a:extLst>
+              <a:ext uri="{FF2B5EF4-FFF2-40B4-BE49-F238E27FC236}">
+                <a16:creationId xmlns:a16="http://schemas.microsoft.com/office/drawing/2014/main" id="{E52A1F74-23E2-4A5B-8223-FE0C0D33B6CF}"/>
+              </a:ext>
+            </a:extLst>
+          </p:cNvPr>
+          <p:cNvSpPr/>
+          <p:nvPr/>
+        </p:nvSpPr>
+        <p:spPr>
+          <a:xfrm>
+            <a:off x="6704596" y="2485927"/>
+            <a:ext cx="1440238" cy="868878"/>
+          </a:xfrm>
+          <a:prstGeom prst="rect">
+            <a:avLst/>
+          </a:prstGeom>
+        </p:spPr>
+        <p:style>
+          <a:lnRef idx="2">
+            <a:schemeClr val="accent1">
+              <a:shade val="50000"/>
+            </a:schemeClr>
+          </a:lnRef>
+          <a:fillRef idx="1">
+            <a:schemeClr val="accent1"/>
+          </a:fillRef>
+          <a:effectRef idx="0">
+            <a:schemeClr val="accent1"/>
+          </a:effectRef>
+          <a:fontRef idx="minor">
+            <a:schemeClr val="lt1"/>
+          </a:fontRef>
+        </p:style>
+        <p:txBody>
+          <a:bodyPr rtlCol="0" anchor="ctr"/>
+          <a:lstStyle/>
+          <a:p>
+            <a:pPr algn="ctr"/>
+            <a:r>
+              <a:rPr lang="en-US" sz="1600" b="1" dirty="0"/>
+              <a:t>Application</a:t>
+            </a:r>
+          </a:p>
+          <a:p>
+            <a:pPr algn="ctr"/>
+            <a:r>
+              <a:rPr lang="en-US" sz="1600" b="1" dirty="0"/>
+              <a:t>Services</a:t>
+            </a:r>
+          </a:p>
+        </p:txBody>
+      </p:sp>
+      <p:sp>
+        <p:nvSpPr>
+          <p:cNvPr id="6" name="Rectangle 5">
+            <a:extLst>
+              <a:ext uri="{FF2B5EF4-FFF2-40B4-BE49-F238E27FC236}">
+                <a16:creationId xmlns:a16="http://schemas.microsoft.com/office/drawing/2014/main" id="{8C81BDF8-A97B-47A2-BBAB-584C3CA225AE}"/>
+              </a:ext>
+            </a:extLst>
+          </p:cNvPr>
+          <p:cNvSpPr/>
+          <p:nvPr/>
+        </p:nvSpPr>
+        <p:spPr>
+          <a:xfrm>
+            <a:off x="9027724" y="2703491"/>
+            <a:ext cx="1561606" cy="364177"/>
+          </a:xfrm>
+          <a:prstGeom prst="rect">
+            <a:avLst/>
+          </a:prstGeom>
+        </p:spPr>
+        <p:style>
+          <a:lnRef idx="2">
+            <a:schemeClr val="accent6">
+              <a:shade val="50000"/>
+            </a:schemeClr>
+          </a:lnRef>
+          <a:fillRef idx="1">
+            <a:schemeClr val="accent6"/>
+          </a:fillRef>
+          <a:effectRef idx="0">
+            <a:schemeClr val="accent6"/>
+          </a:effectRef>
+          <a:fontRef idx="minor">
+            <a:schemeClr val="lt1"/>
+          </a:fontRef>
+        </p:style>
+        <p:txBody>
+          <a:bodyPr rtlCol="0" anchor="ctr"/>
+          <a:lstStyle/>
+          <a:p>
+            <a:pPr algn="ctr"/>
+            <a:r>
+              <a:rPr lang="en-US" sz="1600" dirty="0"/>
+              <a:t>Domain Services</a:t>
+            </a:r>
+          </a:p>
+        </p:txBody>
+      </p:sp>
+      <p:sp>
+        <p:nvSpPr>
+          <p:cNvPr id="8" name="Rectangle 7">
+            <a:extLst>
+              <a:ext uri="{FF2B5EF4-FFF2-40B4-BE49-F238E27FC236}">
+                <a16:creationId xmlns:a16="http://schemas.microsoft.com/office/drawing/2014/main" id="{B75E3AD8-583F-40C3-ADA0-DE8756AC07BE}"/>
+              </a:ext>
+            </a:extLst>
+          </p:cNvPr>
+          <p:cNvSpPr/>
+          <p:nvPr/>
+        </p:nvSpPr>
+        <p:spPr>
+          <a:xfrm>
+            <a:off x="9027724" y="2198790"/>
+            <a:ext cx="1561606" cy="364177"/>
+          </a:xfrm>
+          <a:prstGeom prst="rect">
+            <a:avLst/>
+          </a:prstGeom>
+        </p:spPr>
+        <p:style>
+          <a:lnRef idx="2">
+            <a:schemeClr val="accent6">
+              <a:shade val="50000"/>
+            </a:schemeClr>
+          </a:lnRef>
+          <a:fillRef idx="1">
+            <a:schemeClr val="accent6"/>
+          </a:fillRef>
+          <a:effectRef idx="0">
+            <a:schemeClr val="accent6"/>
+          </a:effectRef>
+          <a:fontRef idx="minor">
+            <a:schemeClr val="lt1"/>
+          </a:fontRef>
+        </p:style>
+        <p:txBody>
+          <a:bodyPr rtlCol="0" anchor="ctr"/>
+          <a:lstStyle/>
+          <a:p>
+            <a:pPr algn="ctr"/>
+            <a:r>
+              <a:rPr lang="en-US" sz="1600" dirty="0"/>
+              <a:t>Entities</a:t>
+            </a:r>
+          </a:p>
+        </p:txBody>
+      </p:sp>
+      <p:sp>
+        <p:nvSpPr>
+          <p:cNvPr id="9" name="Rectangle 8">
+            <a:extLst>
+              <a:ext uri="{FF2B5EF4-FFF2-40B4-BE49-F238E27FC236}">
+                <a16:creationId xmlns:a16="http://schemas.microsoft.com/office/drawing/2014/main" id="{8A47A9AA-9C10-4339-9A46-5B9870898C64}"/>
+              </a:ext>
+            </a:extLst>
+          </p:cNvPr>
+          <p:cNvSpPr/>
+          <p:nvPr/>
+        </p:nvSpPr>
+        <p:spPr>
+          <a:xfrm>
+            <a:off x="9027724" y="3208192"/>
+            <a:ext cx="1561606" cy="509227"/>
+          </a:xfrm>
+          <a:prstGeom prst="rect">
+            <a:avLst/>
+          </a:prstGeom>
+        </p:spPr>
+        <p:style>
+          <a:lnRef idx="2">
+            <a:schemeClr val="accent6">
+              <a:shade val="50000"/>
+            </a:schemeClr>
+          </a:lnRef>
+          <a:fillRef idx="1">
+            <a:schemeClr val="accent6"/>
+          </a:fillRef>
+          <a:effectRef idx="0">
+            <a:schemeClr val="accent6"/>
+          </a:effectRef>
+          <a:fontRef idx="minor">
+            <a:schemeClr val="lt1"/>
+          </a:fontRef>
+        </p:style>
+        <p:txBody>
+          <a:bodyPr rtlCol="0" anchor="ctr"/>
+          <a:lstStyle/>
+          <a:p>
+            <a:pPr algn="ctr"/>
+            <a:r>
+              <a:rPr lang="en-US" sz="1600" dirty="0"/>
+              <a:t>Repositories (interface)</a:t>
+            </a:r>
+          </a:p>
+        </p:txBody>
+      </p:sp>
+      <p:sp>
+        <p:nvSpPr>
+          <p:cNvPr id="10" name="Rectangle 9">
+            <a:extLst>
+              <a:ext uri="{FF2B5EF4-FFF2-40B4-BE49-F238E27FC236}">
+                <a16:creationId xmlns:a16="http://schemas.microsoft.com/office/drawing/2014/main" id="{694514E2-FBF0-4259-9096-F158D0F1F76F}"/>
+              </a:ext>
+            </a:extLst>
+          </p:cNvPr>
+          <p:cNvSpPr/>
+          <p:nvPr/>
+        </p:nvSpPr>
+        <p:spPr>
+          <a:xfrm>
+            <a:off x="4048704" y="3130397"/>
+            <a:ext cx="1372590" cy="364177"/>
+          </a:xfrm>
+          <a:prstGeom prst="rect">
+            <a:avLst/>
+          </a:prstGeom>
+        </p:spPr>
+        <p:style>
+          <a:lnRef idx="2">
+            <a:schemeClr val="accent3">
+              <a:shade val="50000"/>
+            </a:schemeClr>
+          </a:lnRef>
+          <a:fillRef idx="1">
+            <a:schemeClr val="accent3"/>
+          </a:fillRef>
+          <a:effectRef idx="0">
+            <a:schemeClr val="accent3"/>
+          </a:effectRef>
+          <a:fontRef idx="minor">
+            <a:schemeClr val="lt1"/>
+          </a:fontRef>
+        </p:style>
+        <p:txBody>
+          <a:bodyPr rtlCol="0" anchor="ctr"/>
+          <a:lstStyle/>
+          <a:p>
+            <a:pPr algn="ctr"/>
+            <a:r>
+              <a:rPr lang="en-US" sz="1600" b="1" dirty="0"/>
+              <a:t>HTTP API</a:t>
+            </a:r>
+          </a:p>
+        </p:txBody>
+      </p:sp>
+      <p:sp>
+        <p:nvSpPr>
+          <p:cNvPr id="11" name="Rectangle 10">
+            <a:extLst>
+              <a:ext uri="{FF2B5EF4-FFF2-40B4-BE49-F238E27FC236}">
+                <a16:creationId xmlns:a16="http://schemas.microsoft.com/office/drawing/2014/main" id="{4E08259F-764D-44EB-AF13-70029F736C54}"/>
+              </a:ext>
+            </a:extLst>
+          </p:cNvPr>
+          <p:cNvSpPr/>
+          <p:nvPr/>
+        </p:nvSpPr>
+        <p:spPr>
+          <a:xfrm>
+            <a:off x="4024745" y="2233399"/>
+            <a:ext cx="1372590" cy="364177"/>
+          </a:xfrm>
+          <a:prstGeom prst="rect">
+            <a:avLst/>
+          </a:prstGeom>
+        </p:spPr>
+        <p:style>
+          <a:lnRef idx="2">
+            <a:schemeClr val="accent2">
+              <a:shade val="50000"/>
+            </a:schemeClr>
+          </a:lnRef>
+          <a:fillRef idx="1">
+            <a:schemeClr val="accent2"/>
+          </a:fillRef>
+          <a:effectRef idx="0">
+            <a:schemeClr val="accent2"/>
+          </a:effectRef>
+          <a:fontRef idx="minor">
+            <a:schemeClr val="lt1"/>
+          </a:fontRef>
+        </p:style>
+        <p:txBody>
+          <a:bodyPr rtlCol="0" anchor="ctr"/>
+          <a:lstStyle/>
+          <a:p>
+            <a:pPr algn="ctr"/>
+            <a:r>
+              <a:rPr lang="en-US" sz="1600" b="1" dirty="0"/>
+              <a:t>MVC UI</a:t>
+            </a:r>
+          </a:p>
+        </p:txBody>
+      </p:sp>
+      <p:pic>
+        <p:nvPicPr>
+          <p:cNvPr id="13" name="Picture 12">
+            <a:extLst>
+              <a:ext uri="{FF2B5EF4-FFF2-40B4-BE49-F238E27FC236}">
+                <a16:creationId xmlns:a16="http://schemas.microsoft.com/office/drawing/2014/main" id="{D985AFCC-4B49-44C0-A18F-512FEFE35B7A}"/>
+              </a:ext>
+            </a:extLst>
+          </p:cNvPr>
+          <p:cNvPicPr>
+            <a:picLocks noChangeAspect="1"/>
+          </p:cNvPicPr>
+          <p:nvPr/>
+        </p:nvPicPr>
+        <p:blipFill>
+          <a:blip r:embed="rId2">
+            <a:extLst>
+              <a:ext uri="{28A0092B-C50C-407E-A947-70E740481C1C}">
+                <a14:useLocalDpi xmlns:a14="http://schemas.microsoft.com/office/drawing/2010/main" val="0"/>
+              </a:ext>
+            </a:extLst>
+          </a:blip>
+          <a:stretch>
+            <a:fillRect/>
+          </a:stretch>
+        </p:blipFill>
+        <p:spPr>
+          <a:xfrm>
+            <a:off x="1816606" y="2068628"/>
+            <a:ext cx="693717" cy="693717"/>
+          </a:xfrm>
+          <a:prstGeom prst="rect">
+            <a:avLst/>
+          </a:prstGeom>
+        </p:spPr>
+      </p:pic>
+      <p:sp>
+        <p:nvSpPr>
+          <p:cNvPr id="14" name="TextBox 13">
+            <a:extLst>
+              <a:ext uri="{FF2B5EF4-FFF2-40B4-BE49-F238E27FC236}">
+                <a16:creationId xmlns:a16="http://schemas.microsoft.com/office/drawing/2014/main" id="{2B4CC042-B18A-4ECD-A5A5-D0CD32A3D879}"/>
+              </a:ext>
+            </a:extLst>
+          </p:cNvPr>
+          <p:cNvSpPr txBox="1"/>
+          <p:nvPr/>
+        </p:nvSpPr>
+        <p:spPr>
+          <a:xfrm>
+            <a:off x="838200" y="2201730"/>
+            <a:ext cx="1041247" cy="369332"/>
+          </a:xfrm>
+          <a:prstGeom prst="rect">
+            <a:avLst/>
+          </a:prstGeom>
+          <a:noFill/>
+        </p:spPr>
+        <p:txBody>
+          <a:bodyPr wrap="none" rtlCol="0">
+            <a:spAutoFit/>
           </a:bodyPr>
           <a:lstStyle/>
           <a:p>
             <a:r>
               <a:rPr lang="en-US" dirty="0"/>
-              <a:t>Implementing Domain Driven Design (DDD)</a:t>
+              <a:t>Browsers</a:t>
+            </a:r>
+          </a:p>
+        </p:txBody>
+      </p:sp>
+      <p:sp>
+        <p:nvSpPr>
+          <p:cNvPr id="15" name="Rectangle 14">
+            <a:extLst>
+              <a:ext uri="{FF2B5EF4-FFF2-40B4-BE49-F238E27FC236}">
+                <a16:creationId xmlns:a16="http://schemas.microsoft.com/office/drawing/2014/main" id="{A139008B-BC19-4FDC-928A-BE0D482B61E4}"/>
+              </a:ext>
+            </a:extLst>
+          </p:cNvPr>
+          <p:cNvSpPr/>
+          <p:nvPr/>
+        </p:nvSpPr>
+        <p:spPr>
+          <a:xfrm>
+            <a:off x="862158" y="3130396"/>
+            <a:ext cx="1672124" cy="364177"/>
+          </a:xfrm>
+          <a:prstGeom prst="rect">
+            <a:avLst/>
+          </a:prstGeom>
+        </p:spPr>
+        <p:style>
+          <a:lnRef idx="2">
+            <a:schemeClr val="dk1">
+              <a:shade val="50000"/>
+            </a:schemeClr>
+          </a:lnRef>
+          <a:fillRef idx="1">
+            <a:schemeClr val="dk1"/>
+          </a:fillRef>
+          <a:effectRef idx="0">
+            <a:schemeClr val="dk1"/>
+          </a:effectRef>
+          <a:fontRef idx="minor">
+            <a:schemeClr val="lt1"/>
+          </a:fontRef>
+        </p:style>
+        <p:txBody>
+          <a:bodyPr rtlCol="0" anchor="ctr"/>
+          <a:lstStyle/>
+          <a:p>
+            <a:pPr algn="ctr"/>
+            <a:r>
+              <a:rPr lang="en-US" sz="1600" dirty="0"/>
+              <a:t>Remote clients</a:t>
+            </a:r>
+          </a:p>
+        </p:txBody>
+      </p:sp>
+      <p:cxnSp>
+        <p:nvCxnSpPr>
+          <p:cNvPr id="17" name="Straight Arrow Connector 16">
+            <a:extLst>
+              <a:ext uri="{FF2B5EF4-FFF2-40B4-BE49-F238E27FC236}">
+                <a16:creationId xmlns:a16="http://schemas.microsoft.com/office/drawing/2014/main" id="{46187671-75E4-4471-A14C-E44FD3652AF0}"/>
+              </a:ext>
+            </a:extLst>
+          </p:cNvPr>
+          <p:cNvCxnSpPr>
+            <a:cxnSpLocks/>
+            <a:stCxn id="11" idx="3"/>
+          </p:cNvCxnSpPr>
+          <p:nvPr/>
+        </p:nvCxnSpPr>
+        <p:spPr>
+          <a:xfrm>
+            <a:off x="5397335" y="2415488"/>
+            <a:ext cx="1307261" cy="246896"/>
+          </a:xfrm>
+          <a:prstGeom prst="straightConnector1">
+            <a:avLst/>
+          </a:prstGeom>
+          <a:ln>
+            <a:tailEnd type="triangle"/>
+          </a:ln>
+        </p:spPr>
+        <p:style>
+          <a:lnRef idx="1">
+            <a:schemeClr val="accent1"/>
+          </a:lnRef>
+          <a:fillRef idx="0">
+            <a:schemeClr val="accent1"/>
+          </a:fillRef>
+          <a:effectRef idx="0">
+            <a:schemeClr val="accent1"/>
+          </a:effectRef>
+          <a:fontRef idx="minor">
+            <a:schemeClr val="tx1"/>
+          </a:fontRef>
+        </p:style>
+      </p:cxnSp>
+      <p:cxnSp>
+        <p:nvCxnSpPr>
+          <p:cNvPr id="19" name="Straight Arrow Connector 18">
+            <a:extLst>
+              <a:ext uri="{FF2B5EF4-FFF2-40B4-BE49-F238E27FC236}">
+                <a16:creationId xmlns:a16="http://schemas.microsoft.com/office/drawing/2014/main" id="{703CFAF7-8811-47CF-866E-317B5AF5861F}"/>
+              </a:ext>
+            </a:extLst>
+          </p:cNvPr>
+          <p:cNvCxnSpPr>
+            <a:cxnSpLocks/>
+            <a:stCxn id="10" idx="3"/>
+          </p:cNvCxnSpPr>
+          <p:nvPr/>
+        </p:nvCxnSpPr>
+        <p:spPr>
+          <a:xfrm flipV="1">
+            <a:off x="5421294" y="3152184"/>
+            <a:ext cx="1283302" cy="160302"/>
+          </a:xfrm>
+          <a:prstGeom prst="straightConnector1">
+            <a:avLst/>
+          </a:prstGeom>
+          <a:ln>
+            <a:tailEnd type="triangle"/>
+          </a:ln>
+        </p:spPr>
+        <p:style>
+          <a:lnRef idx="1">
+            <a:schemeClr val="accent1"/>
+          </a:lnRef>
+          <a:fillRef idx="0">
+            <a:schemeClr val="accent1"/>
+          </a:fillRef>
+          <a:effectRef idx="0">
+            <a:schemeClr val="accent1"/>
+          </a:effectRef>
+          <a:fontRef idx="minor">
+            <a:schemeClr val="tx1"/>
+          </a:fontRef>
+        </p:style>
+      </p:cxnSp>
+      <p:sp>
+        <p:nvSpPr>
+          <p:cNvPr id="21" name="TextBox 20">
+            <a:extLst>
+              <a:ext uri="{FF2B5EF4-FFF2-40B4-BE49-F238E27FC236}">
+                <a16:creationId xmlns:a16="http://schemas.microsoft.com/office/drawing/2014/main" id="{344B6B87-1104-4D7C-9873-8A0052C091D7}"/>
+              </a:ext>
+            </a:extLst>
+          </p:cNvPr>
+          <p:cNvSpPr txBox="1"/>
+          <p:nvPr/>
+        </p:nvSpPr>
+        <p:spPr>
+          <a:xfrm>
+            <a:off x="5982206" y="3164996"/>
+            <a:ext cx="538802" cy="338554"/>
+          </a:xfrm>
+          <a:prstGeom prst="rect">
+            <a:avLst/>
+          </a:prstGeom>
+          <a:noFill/>
+        </p:spPr>
+        <p:txBody>
+          <a:bodyPr wrap="none" rtlCol="0">
+            <a:spAutoFit/>
+          </a:bodyPr>
+          <a:lstStyle/>
+          <a:p>
+            <a:r>
+              <a:rPr lang="en-US" sz="1600" dirty="0"/>
+              <a:t>DTO</a:t>
+            </a:r>
+          </a:p>
+        </p:txBody>
+      </p:sp>
+      <p:sp>
+        <p:nvSpPr>
+          <p:cNvPr id="22" name="TextBox 21">
+            <a:extLst>
+              <a:ext uri="{FF2B5EF4-FFF2-40B4-BE49-F238E27FC236}">
+                <a16:creationId xmlns:a16="http://schemas.microsoft.com/office/drawing/2014/main" id="{564261B9-9D47-40D4-9E2A-E705208136ED}"/>
+              </a:ext>
+            </a:extLst>
+          </p:cNvPr>
+          <p:cNvSpPr txBox="1"/>
+          <p:nvPr/>
+        </p:nvSpPr>
+        <p:spPr>
+          <a:xfrm>
+            <a:off x="6000328" y="2262565"/>
+            <a:ext cx="538802" cy="338554"/>
+          </a:xfrm>
+          <a:prstGeom prst="rect">
+            <a:avLst/>
+          </a:prstGeom>
+          <a:noFill/>
+        </p:spPr>
+        <p:txBody>
+          <a:bodyPr wrap="none" rtlCol="0">
+            <a:spAutoFit/>
+          </a:bodyPr>
+          <a:lstStyle/>
+          <a:p>
+            <a:r>
+              <a:rPr lang="en-US" sz="1600" dirty="0"/>
+              <a:t>DTO</a:t>
+            </a:r>
+          </a:p>
+        </p:txBody>
+      </p:sp>
+      <p:cxnSp>
+        <p:nvCxnSpPr>
+          <p:cNvPr id="24" name="Straight Arrow Connector 23">
+            <a:extLst>
+              <a:ext uri="{FF2B5EF4-FFF2-40B4-BE49-F238E27FC236}">
+                <a16:creationId xmlns:a16="http://schemas.microsoft.com/office/drawing/2014/main" id="{A8D93060-6B1F-4599-BB90-39C6E2C80A14}"/>
+              </a:ext>
+            </a:extLst>
+          </p:cNvPr>
+          <p:cNvCxnSpPr>
+            <a:stCxn id="5" idx="3"/>
+            <a:endCxn id="8" idx="1"/>
+          </p:cNvCxnSpPr>
+          <p:nvPr/>
+        </p:nvCxnSpPr>
+        <p:spPr>
+          <a:xfrm flipV="1">
+            <a:off x="8144834" y="2380879"/>
+            <a:ext cx="882890" cy="539487"/>
+          </a:xfrm>
+          <a:prstGeom prst="straightConnector1">
+            <a:avLst/>
+          </a:prstGeom>
+          <a:ln>
+            <a:tailEnd type="triangle"/>
+          </a:ln>
+        </p:spPr>
+        <p:style>
+          <a:lnRef idx="1">
+            <a:schemeClr val="accent1"/>
+          </a:lnRef>
+          <a:fillRef idx="0">
+            <a:schemeClr val="accent1"/>
+          </a:fillRef>
+          <a:effectRef idx="0">
+            <a:schemeClr val="accent1"/>
+          </a:effectRef>
+          <a:fontRef idx="minor">
+            <a:schemeClr val="tx1"/>
+          </a:fontRef>
+        </p:style>
+      </p:cxnSp>
+      <p:cxnSp>
+        <p:nvCxnSpPr>
+          <p:cNvPr id="26" name="Straight Arrow Connector 25">
+            <a:extLst>
+              <a:ext uri="{FF2B5EF4-FFF2-40B4-BE49-F238E27FC236}">
+                <a16:creationId xmlns:a16="http://schemas.microsoft.com/office/drawing/2014/main" id="{F7A81B11-F5C6-43D4-B428-4D3DF6734396}"/>
+              </a:ext>
+            </a:extLst>
+          </p:cNvPr>
+          <p:cNvCxnSpPr>
+            <a:stCxn id="5" idx="3"/>
+            <a:endCxn id="6" idx="1"/>
+          </p:cNvCxnSpPr>
+          <p:nvPr/>
+        </p:nvCxnSpPr>
+        <p:spPr>
+          <a:xfrm flipV="1">
+            <a:off x="8144834" y="2885580"/>
+            <a:ext cx="882890" cy="34786"/>
+          </a:xfrm>
+          <a:prstGeom prst="straightConnector1">
+            <a:avLst/>
+          </a:prstGeom>
+          <a:ln>
+            <a:tailEnd type="triangle"/>
+          </a:ln>
+        </p:spPr>
+        <p:style>
+          <a:lnRef idx="1">
+            <a:schemeClr val="accent1"/>
+          </a:lnRef>
+          <a:fillRef idx="0">
+            <a:schemeClr val="accent1"/>
+          </a:fillRef>
+          <a:effectRef idx="0">
+            <a:schemeClr val="accent1"/>
+          </a:effectRef>
+          <a:fontRef idx="minor">
+            <a:schemeClr val="tx1"/>
+          </a:fontRef>
+        </p:style>
+      </p:cxnSp>
+      <p:cxnSp>
+        <p:nvCxnSpPr>
+          <p:cNvPr id="28" name="Straight Arrow Connector 27">
+            <a:extLst>
+              <a:ext uri="{FF2B5EF4-FFF2-40B4-BE49-F238E27FC236}">
+                <a16:creationId xmlns:a16="http://schemas.microsoft.com/office/drawing/2014/main" id="{A0FBEE9C-13FB-42D0-A14E-85D4B56807C4}"/>
+              </a:ext>
+            </a:extLst>
+          </p:cNvPr>
+          <p:cNvCxnSpPr>
+            <a:cxnSpLocks/>
+            <a:stCxn id="5" idx="3"/>
+            <a:endCxn id="9" idx="1"/>
+          </p:cNvCxnSpPr>
+          <p:nvPr/>
+        </p:nvCxnSpPr>
+        <p:spPr>
+          <a:xfrm>
+            <a:off x="8144834" y="2920366"/>
+            <a:ext cx="882890" cy="542440"/>
+          </a:xfrm>
+          <a:prstGeom prst="straightConnector1">
+            <a:avLst/>
+          </a:prstGeom>
+          <a:ln>
+            <a:tailEnd type="triangle"/>
+          </a:ln>
+        </p:spPr>
+        <p:style>
+          <a:lnRef idx="1">
+            <a:schemeClr val="accent1"/>
+          </a:lnRef>
+          <a:fillRef idx="0">
+            <a:schemeClr val="accent1"/>
+          </a:fillRef>
+          <a:effectRef idx="0">
+            <a:schemeClr val="accent1"/>
+          </a:effectRef>
+          <a:fontRef idx="minor">
+            <a:schemeClr val="tx1"/>
+          </a:fontRef>
+        </p:style>
+      </p:cxnSp>
+      <p:cxnSp>
+        <p:nvCxnSpPr>
+          <p:cNvPr id="30" name="Straight Arrow Connector 29">
+            <a:extLst>
+              <a:ext uri="{FF2B5EF4-FFF2-40B4-BE49-F238E27FC236}">
+                <a16:creationId xmlns:a16="http://schemas.microsoft.com/office/drawing/2014/main" id="{85895C88-83F2-4A88-9CCB-3258D46A9421}"/>
+              </a:ext>
+            </a:extLst>
+          </p:cNvPr>
+          <p:cNvCxnSpPr>
+            <a:stCxn id="13" idx="3"/>
+            <a:endCxn id="11" idx="1"/>
+          </p:cNvCxnSpPr>
+          <p:nvPr/>
+        </p:nvCxnSpPr>
+        <p:spPr>
+          <a:xfrm>
+            <a:off x="2510323" y="2415487"/>
+            <a:ext cx="1514422" cy="1"/>
+          </a:xfrm>
+          <a:prstGeom prst="straightConnector1">
+            <a:avLst/>
+          </a:prstGeom>
+          <a:ln>
+            <a:headEnd type="triangle"/>
+            <a:tailEnd type="triangle"/>
+          </a:ln>
+        </p:spPr>
+        <p:style>
+          <a:lnRef idx="1">
+            <a:schemeClr val="accent1"/>
+          </a:lnRef>
+          <a:fillRef idx="0">
+            <a:schemeClr val="accent1"/>
+          </a:fillRef>
+          <a:effectRef idx="0">
+            <a:schemeClr val="accent1"/>
+          </a:effectRef>
+          <a:fontRef idx="minor">
+            <a:schemeClr val="tx1"/>
+          </a:fontRef>
+        </p:style>
+      </p:cxnSp>
+      <p:cxnSp>
+        <p:nvCxnSpPr>
+          <p:cNvPr id="32" name="Straight Arrow Connector 31">
+            <a:extLst>
+              <a:ext uri="{FF2B5EF4-FFF2-40B4-BE49-F238E27FC236}">
+                <a16:creationId xmlns:a16="http://schemas.microsoft.com/office/drawing/2014/main" id="{95618091-943D-4DF8-8D77-F6AD9E479DD7}"/>
+              </a:ext>
+            </a:extLst>
+          </p:cNvPr>
+          <p:cNvCxnSpPr>
+            <a:stCxn id="15" idx="3"/>
+            <a:endCxn id="10" idx="1"/>
+          </p:cNvCxnSpPr>
+          <p:nvPr/>
+        </p:nvCxnSpPr>
+        <p:spPr>
+          <a:xfrm>
+            <a:off x="2534282" y="3312485"/>
+            <a:ext cx="1514422" cy="1"/>
+          </a:xfrm>
+          <a:prstGeom prst="straightConnector1">
+            <a:avLst/>
+          </a:prstGeom>
+          <a:ln>
+            <a:headEnd type="triangle"/>
+            <a:tailEnd type="triangle"/>
+          </a:ln>
+        </p:spPr>
+        <p:style>
+          <a:lnRef idx="1">
+            <a:schemeClr val="accent1"/>
+          </a:lnRef>
+          <a:fillRef idx="0">
+            <a:schemeClr val="accent1"/>
+          </a:fillRef>
+          <a:effectRef idx="0">
+            <a:schemeClr val="accent1"/>
+          </a:effectRef>
+          <a:fontRef idx="minor">
+            <a:schemeClr val="tx1"/>
+          </a:fontRef>
+        </p:style>
+      </p:cxnSp>
+      <p:sp>
+        <p:nvSpPr>
+          <p:cNvPr id="33" name="TextBox 32">
+            <a:extLst>
+              <a:ext uri="{FF2B5EF4-FFF2-40B4-BE49-F238E27FC236}">
+                <a16:creationId xmlns:a16="http://schemas.microsoft.com/office/drawing/2014/main" id="{A14B7AE9-E6BB-48BB-A7CC-48B8F4A18C09}"/>
+              </a:ext>
+            </a:extLst>
+          </p:cNvPr>
+          <p:cNvSpPr txBox="1"/>
+          <p:nvPr/>
+        </p:nvSpPr>
+        <p:spPr>
+          <a:xfrm>
+            <a:off x="2585925" y="2933321"/>
+            <a:ext cx="1302985" cy="338554"/>
+          </a:xfrm>
+          <a:prstGeom prst="rect">
+            <a:avLst/>
+          </a:prstGeom>
+          <a:noFill/>
+        </p:spPr>
+        <p:txBody>
+          <a:bodyPr wrap="none" rtlCol="0">
+            <a:spAutoFit/>
+          </a:bodyPr>
+          <a:lstStyle/>
+          <a:p>
+            <a:r>
+              <a:rPr lang="en-US" sz="1600" dirty="0"/>
+              <a:t>HTTP request</a:t>
+            </a:r>
+          </a:p>
+        </p:txBody>
+      </p:sp>
+      <p:sp>
+        <p:nvSpPr>
+          <p:cNvPr id="34" name="TextBox 33">
+            <a:extLst>
+              <a:ext uri="{FF2B5EF4-FFF2-40B4-BE49-F238E27FC236}">
+                <a16:creationId xmlns:a16="http://schemas.microsoft.com/office/drawing/2014/main" id="{18DCDBD0-7B5B-4C40-9347-FE4A081953A0}"/>
+              </a:ext>
+            </a:extLst>
+          </p:cNvPr>
+          <p:cNvSpPr txBox="1"/>
+          <p:nvPr/>
+        </p:nvSpPr>
+        <p:spPr>
+          <a:xfrm>
+            <a:off x="2558999" y="2063461"/>
+            <a:ext cx="1302985" cy="338554"/>
+          </a:xfrm>
+          <a:prstGeom prst="rect">
+            <a:avLst/>
+          </a:prstGeom>
+          <a:noFill/>
+        </p:spPr>
+        <p:txBody>
+          <a:bodyPr wrap="none" rtlCol="0">
+            <a:spAutoFit/>
+          </a:bodyPr>
+          <a:lstStyle/>
+          <a:p>
+            <a:r>
+              <a:rPr lang="en-US" sz="1600" dirty="0"/>
+              <a:t>HTTP request</a:t>
+            </a:r>
+          </a:p>
+        </p:txBody>
+      </p:sp>
+      <p:sp>
+        <p:nvSpPr>
+          <p:cNvPr id="36" name="TextBox 35">
+            <a:extLst>
+              <a:ext uri="{FF2B5EF4-FFF2-40B4-BE49-F238E27FC236}">
+                <a16:creationId xmlns:a16="http://schemas.microsoft.com/office/drawing/2014/main" id="{634CE016-990A-48C6-B367-CC0099AC0882}"/>
+              </a:ext>
+            </a:extLst>
+          </p:cNvPr>
+          <p:cNvSpPr txBox="1"/>
+          <p:nvPr/>
+        </p:nvSpPr>
+        <p:spPr>
+          <a:xfrm>
+            <a:off x="2736620" y="2411696"/>
+            <a:ext cx="987643" cy="307777"/>
+          </a:xfrm>
+          <a:prstGeom prst="rect">
+            <a:avLst/>
+          </a:prstGeom>
+          <a:noFill/>
+        </p:spPr>
+        <p:txBody>
+          <a:bodyPr wrap="none" rtlCol="0">
+            <a:spAutoFit/>
+          </a:bodyPr>
+          <a:lstStyle/>
+          <a:p>
+            <a:r>
+              <a:rPr lang="en-US" sz="1400" dirty="0"/>
+              <a:t>html/</a:t>
+            </a:r>
+            <a:r>
+              <a:rPr lang="en-US" sz="1400" dirty="0" err="1"/>
+              <a:t>js</a:t>
+            </a:r>
+            <a:r>
+              <a:rPr lang="en-US" sz="1400" dirty="0"/>
+              <a:t>/</a:t>
+            </a:r>
+            <a:r>
+              <a:rPr lang="en-US" sz="1400" dirty="0" err="1"/>
+              <a:t>css</a:t>
+            </a:r>
+            <a:endParaRPr lang="en-US" sz="1400" dirty="0"/>
+          </a:p>
+        </p:txBody>
+      </p:sp>
+      <p:sp>
+        <p:nvSpPr>
+          <p:cNvPr id="37" name="TextBox 36">
+            <a:extLst>
+              <a:ext uri="{FF2B5EF4-FFF2-40B4-BE49-F238E27FC236}">
+                <a16:creationId xmlns:a16="http://schemas.microsoft.com/office/drawing/2014/main" id="{627DE598-12BD-40EB-9B58-A6CF01FA7CC3}"/>
+              </a:ext>
+            </a:extLst>
+          </p:cNvPr>
+          <p:cNvSpPr txBox="1"/>
+          <p:nvPr/>
+        </p:nvSpPr>
+        <p:spPr>
+          <a:xfrm>
+            <a:off x="2975316" y="3322318"/>
+            <a:ext cx="558166" cy="307777"/>
+          </a:xfrm>
+          <a:prstGeom prst="rect">
+            <a:avLst/>
+          </a:prstGeom>
+          <a:noFill/>
+        </p:spPr>
+        <p:txBody>
+          <a:bodyPr wrap="none" rtlCol="0">
+            <a:spAutoFit/>
+          </a:bodyPr>
+          <a:lstStyle/>
+          <a:p>
+            <a:r>
+              <a:rPr lang="en-US" sz="1400" dirty="0"/>
+              <a:t>JSON</a:t>
+            </a:r>
+          </a:p>
+        </p:txBody>
+      </p:sp>
+      <p:sp>
+        <p:nvSpPr>
+          <p:cNvPr id="40" name="TextBox 39">
+            <a:extLst>
+              <a:ext uri="{FF2B5EF4-FFF2-40B4-BE49-F238E27FC236}">
+                <a16:creationId xmlns:a16="http://schemas.microsoft.com/office/drawing/2014/main" id="{BEB87FC5-0497-4822-907D-3B333F5D7C8E}"/>
+              </a:ext>
+            </a:extLst>
+          </p:cNvPr>
+          <p:cNvSpPr txBox="1"/>
+          <p:nvPr/>
+        </p:nvSpPr>
+        <p:spPr>
+          <a:xfrm>
+            <a:off x="8892736" y="1693784"/>
+            <a:ext cx="1377428" cy="338554"/>
+          </a:xfrm>
+          <a:prstGeom prst="rect">
+            <a:avLst/>
+          </a:prstGeom>
+          <a:noFill/>
+        </p:spPr>
+        <p:txBody>
+          <a:bodyPr wrap="none" rtlCol="0">
+            <a:spAutoFit/>
+          </a:bodyPr>
+          <a:lstStyle/>
+          <a:p>
+            <a:r>
+              <a:rPr lang="en-US" sz="1600" dirty="0">
+                <a:solidFill>
+                  <a:srgbClr val="FF0000"/>
+                </a:solidFill>
+              </a:rPr>
+              <a:t>DOMAIN layer</a:t>
+            </a:r>
+          </a:p>
+        </p:txBody>
+      </p:sp>
+      <p:sp>
+        <p:nvSpPr>
+          <p:cNvPr id="41" name="Rectangle 40">
+            <a:extLst>
+              <a:ext uri="{FF2B5EF4-FFF2-40B4-BE49-F238E27FC236}">
+                <a16:creationId xmlns:a16="http://schemas.microsoft.com/office/drawing/2014/main" id="{3BC142B0-0110-4E41-908C-95DECC75B098}"/>
+              </a:ext>
+            </a:extLst>
+          </p:cNvPr>
+          <p:cNvSpPr/>
+          <p:nvPr/>
+        </p:nvSpPr>
+        <p:spPr>
+          <a:xfrm>
+            <a:off x="5830064" y="2067261"/>
+            <a:ext cx="2596655" cy="1836867"/>
+          </a:xfrm>
+          <a:prstGeom prst="rect">
+            <a:avLst/>
+          </a:prstGeom>
+          <a:noFill/>
+          <a:ln>
+            <a:prstDash val="lgDash"/>
+          </a:ln>
+        </p:spPr>
+        <p:style>
+          <a:lnRef idx="2">
+            <a:schemeClr val="accent1">
+              <a:shade val="50000"/>
+            </a:schemeClr>
+          </a:lnRef>
+          <a:fillRef idx="1">
+            <a:schemeClr val="accent1"/>
+          </a:fillRef>
+          <a:effectRef idx="0">
+            <a:schemeClr val="accent1"/>
+          </a:effectRef>
+          <a:fontRef idx="minor">
+            <a:schemeClr val="lt1"/>
+          </a:fontRef>
+        </p:style>
+        <p:txBody>
+          <a:bodyPr rtlCol="0" anchor="ctr"/>
+          <a:lstStyle/>
+          <a:p>
+            <a:pPr algn="ctr"/>
+            <a:endParaRPr lang="en-US"/>
+          </a:p>
+        </p:txBody>
+      </p:sp>
+      <p:sp>
+        <p:nvSpPr>
+          <p:cNvPr id="42" name="TextBox 41">
+            <a:extLst>
+              <a:ext uri="{FF2B5EF4-FFF2-40B4-BE49-F238E27FC236}">
+                <a16:creationId xmlns:a16="http://schemas.microsoft.com/office/drawing/2014/main" id="{02C27DB1-71D6-4D29-AD2A-01EC24DCA1F2}"/>
+              </a:ext>
+            </a:extLst>
+          </p:cNvPr>
+          <p:cNvSpPr txBox="1"/>
+          <p:nvPr/>
+        </p:nvSpPr>
+        <p:spPr>
+          <a:xfrm>
+            <a:off x="6164631" y="1690688"/>
+            <a:ext cx="1736501" cy="338554"/>
+          </a:xfrm>
+          <a:prstGeom prst="rect">
+            <a:avLst/>
+          </a:prstGeom>
+          <a:noFill/>
+        </p:spPr>
+        <p:txBody>
+          <a:bodyPr wrap="none" rtlCol="0">
+            <a:spAutoFit/>
+          </a:bodyPr>
+          <a:lstStyle/>
+          <a:p>
+            <a:r>
+              <a:rPr lang="en-US" sz="1600" dirty="0">
+                <a:solidFill>
+                  <a:srgbClr val="FF0000"/>
+                </a:solidFill>
+              </a:rPr>
+              <a:t>APPLICATION layer</a:t>
+            </a:r>
+          </a:p>
+        </p:txBody>
+      </p:sp>
+      <p:sp>
+        <p:nvSpPr>
+          <p:cNvPr id="48" name="Rectangle 47">
+            <a:extLst>
+              <a:ext uri="{FF2B5EF4-FFF2-40B4-BE49-F238E27FC236}">
+                <a16:creationId xmlns:a16="http://schemas.microsoft.com/office/drawing/2014/main" id="{FCB1B6C2-10A7-43A3-ADF8-5533D45FC55A}"/>
+              </a:ext>
+            </a:extLst>
+          </p:cNvPr>
+          <p:cNvSpPr/>
+          <p:nvPr/>
+        </p:nvSpPr>
+        <p:spPr>
+          <a:xfrm>
+            <a:off x="3868428" y="2081894"/>
+            <a:ext cx="1736152" cy="693717"/>
+          </a:xfrm>
+          <a:prstGeom prst="rect">
+            <a:avLst/>
+          </a:prstGeom>
+          <a:noFill/>
+          <a:ln>
+            <a:prstDash val="lgDash"/>
+          </a:ln>
+        </p:spPr>
+        <p:style>
+          <a:lnRef idx="2">
+            <a:schemeClr val="accent1">
+              <a:shade val="50000"/>
+            </a:schemeClr>
+          </a:lnRef>
+          <a:fillRef idx="1">
+            <a:schemeClr val="accent1"/>
+          </a:fillRef>
+          <a:effectRef idx="0">
+            <a:schemeClr val="accent1"/>
+          </a:effectRef>
+          <a:fontRef idx="minor">
+            <a:schemeClr val="lt1"/>
+          </a:fontRef>
+        </p:style>
+        <p:txBody>
+          <a:bodyPr rtlCol="0" anchor="ctr"/>
+          <a:lstStyle/>
+          <a:p>
+            <a:pPr algn="ctr"/>
+            <a:endParaRPr lang="en-US"/>
+          </a:p>
+        </p:txBody>
+      </p:sp>
+      <p:sp>
+        <p:nvSpPr>
+          <p:cNvPr id="49" name="Rectangle 48">
+            <a:extLst>
+              <a:ext uri="{FF2B5EF4-FFF2-40B4-BE49-F238E27FC236}">
+                <a16:creationId xmlns:a16="http://schemas.microsoft.com/office/drawing/2014/main" id="{5861E1B8-6B42-4FCD-A8AE-F405AA9BC5A6}"/>
+              </a:ext>
+            </a:extLst>
+          </p:cNvPr>
+          <p:cNvSpPr/>
+          <p:nvPr/>
+        </p:nvSpPr>
+        <p:spPr>
+          <a:xfrm>
+            <a:off x="3859689" y="2981030"/>
+            <a:ext cx="1736152" cy="649064"/>
+          </a:xfrm>
+          <a:prstGeom prst="rect">
+            <a:avLst/>
+          </a:prstGeom>
+          <a:noFill/>
+          <a:ln>
+            <a:prstDash val="lgDash"/>
+          </a:ln>
+        </p:spPr>
+        <p:style>
+          <a:lnRef idx="2">
+            <a:schemeClr val="accent1">
+              <a:shade val="50000"/>
+            </a:schemeClr>
+          </a:lnRef>
+          <a:fillRef idx="1">
+            <a:schemeClr val="accent1"/>
+          </a:fillRef>
+          <a:effectRef idx="0">
+            <a:schemeClr val="accent1"/>
+          </a:effectRef>
+          <a:fontRef idx="minor">
+            <a:schemeClr val="lt1"/>
+          </a:fontRef>
+        </p:style>
+        <p:txBody>
+          <a:bodyPr rtlCol="0" anchor="ctr"/>
+          <a:lstStyle/>
+          <a:p>
+            <a:pPr algn="ctr"/>
+            <a:endParaRPr lang="en-US"/>
+          </a:p>
+        </p:txBody>
+      </p:sp>
+      <p:sp>
+        <p:nvSpPr>
+          <p:cNvPr id="50" name="TextBox 49">
+            <a:extLst>
+              <a:ext uri="{FF2B5EF4-FFF2-40B4-BE49-F238E27FC236}">
+                <a16:creationId xmlns:a16="http://schemas.microsoft.com/office/drawing/2014/main" id="{7A10E910-E0DC-4D5D-A856-B8CB3E5115D1}"/>
+              </a:ext>
+            </a:extLst>
+          </p:cNvPr>
+          <p:cNvSpPr txBox="1"/>
+          <p:nvPr/>
+        </p:nvSpPr>
+        <p:spPr>
+          <a:xfrm>
+            <a:off x="3809030" y="1693479"/>
+            <a:ext cx="1888402" cy="338554"/>
+          </a:xfrm>
+          <a:prstGeom prst="rect">
+            <a:avLst/>
+          </a:prstGeom>
+          <a:noFill/>
+        </p:spPr>
+        <p:txBody>
+          <a:bodyPr wrap="none" rtlCol="0">
+            <a:spAutoFit/>
+          </a:bodyPr>
+          <a:lstStyle/>
+          <a:p>
+            <a:r>
+              <a:rPr lang="en-US" sz="1600" dirty="0">
+                <a:solidFill>
+                  <a:srgbClr val="FF0000"/>
+                </a:solidFill>
+              </a:rPr>
+              <a:t>PRESENTATION layer</a:t>
+            </a:r>
+          </a:p>
+        </p:txBody>
+      </p:sp>
+      <p:sp>
+        <p:nvSpPr>
+          <p:cNvPr id="51" name="TextBox 50">
+            <a:extLst>
+              <a:ext uri="{FF2B5EF4-FFF2-40B4-BE49-F238E27FC236}">
+                <a16:creationId xmlns:a16="http://schemas.microsoft.com/office/drawing/2014/main" id="{227B2629-C23D-459B-8F87-8F444865CCAF}"/>
+              </a:ext>
+            </a:extLst>
+          </p:cNvPr>
+          <p:cNvSpPr txBox="1"/>
+          <p:nvPr/>
+        </p:nvSpPr>
+        <p:spPr>
+          <a:xfrm>
+            <a:off x="3814394" y="3665718"/>
+            <a:ext cx="1841210" cy="584775"/>
+          </a:xfrm>
+          <a:prstGeom prst="rect">
+            <a:avLst/>
+          </a:prstGeom>
+          <a:noFill/>
+        </p:spPr>
+        <p:txBody>
+          <a:bodyPr wrap="none" rtlCol="0">
+            <a:spAutoFit/>
+          </a:bodyPr>
+          <a:lstStyle/>
+          <a:p>
+            <a:r>
+              <a:rPr lang="en-US" sz="1600" dirty="0">
+                <a:solidFill>
+                  <a:srgbClr val="FF0000"/>
+                </a:solidFill>
+              </a:rPr>
+              <a:t>Distributed Services</a:t>
+            </a:r>
+          </a:p>
+          <a:p>
+            <a:pPr algn="ctr"/>
+            <a:r>
+              <a:rPr lang="en-US" sz="1600" dirty="0">
+                <a:solidFill>
+                  <a:srgbClr val="FF0000"/>
+                </a:solidFill>
+              </a:rPr>
+              <a:t>Layer</a:t>
+            </a:r>
+          </a:p>
+        </p:txBody>
+      </p:sp>
+      <p:sp>
+        <p:nvSpPr>
+          <p:cNvPr id="58" name="TextBox 57">
+            <a:extLst>
+              <a:ext uri="{FF2B5EF4-FFF2-40B4-BE49-F238E27FC236}">
+                <a16:creationId xmlns:a16="http://schemas.microsoft.com/office/drawing/2014/main" id="{67EE6DD2-B4F5-4E8D-96ED-22BF7D4678BB}"/>
+              </a:ext>
+            </a:extLst>
+          </p:cNvPr>
+          <p:cNvSpPr txBox="1"/>
+          <p:nvPr/>
+        </p:nvSpPr>
+        <p:spPr>
+          <a:xfrm>
+            <a:off x="3888910" y="4662608"/>
+            <a:ext cx="1684757" cy="1246495"/>
+          </a:xfrm>
+          <a:prstGeom prst="rect">
+            <a:avLst/>
+          </a:prstGeom>
+          <a:noFill/>
+        </p:spPr>
+        <p:txBody>
+          <a:bodyPr wrap="none" rtlCol="0">
+            <a:spAutoFit/>
+          </a:bodyPr>
+          <a:lstStyle/>
+          <a:p>
+            <a:r>
+              <a:rPr lang="en-US" sz="1500" dirty="0">
+                <a:solidFill>
+                  <a:schemeClr val="bg1">
+                    <a:lumMod val="50000"/>
+                  </a:schemeClr>
+                </a:solidFill>
+              </a:rPr>
+              <a:t>Exception Handling</a:t>
+            </a:r>
+          </a:p>
+          <a:p>
+            <a:r>
+              <a:rPr lang="en-US" sz="1500" dirty="0">
+                <a:solidFill>
+                  <a:schemeClr val="bg1">
+                    <a:lumMod val="50000"/>
+                  </a:schemeClr>
+                </a:solidFill>
+              </a:rPr>
+              <a:t>Audit Logging</a:t>
+            </a:r>
+          </a:p>
+          <a:p>
+            <a:r>
+              <a:rPr lang="en-US" sz="1500" dirty="0">
+                <a:solidFill>
+                  <a:schemeClr val="bg1">
+                    <a:lumMod val="50000"/>
+                  </a:schemeClr>
+                </a:solidFill>
+              </a:rPr>
+              <a:t>Caching</a:t>
+            </a:r>
+          </a:p>
+          <a:p>
+            <a:r>
+              <a:rPr lang="en-US" sz="1500" dirty="0">
+                <a:solidFill>
+                  <a:schemeClr val="bg1">
+                    <a:lumMod val="50000"/>
+                  </a:schemeClr>
+                </a:solidFill>
+              </a:rPr>
+              <a:t>Authorization</a:t>
+            </a:r>
+          </a:p>
+          <a:p>
+            <a:r>
+              <a:rPr lang="en-US" sz="1500" dirty="0">
+                <a:solidFill>
+                  <a:schemeClr val="bg1">
+                    <a:lumMod val="50000"/>
+                  </a:schemeClr>
+                </a:solidFill>
+              </a:rPr>
+              <a:t>Validation</a:t>
+            </a:r>
+          </a:p>
+        </p:txBody>
+      </p:sp>
+      <p:sp>
+        <p:nvSpPr>
+          <p:cNvPr id="59" name="TextBox 58">
+            <a:extLst>
+              <a:ext uri="{FF2B5EF4-FFF2-40B4-BE49-F238E27FC236}">
+                <a16:creationId xmlns:a16="http://schemas.microsoft.com/office/drawing/2014/main" id="{FD700EFE-DBA8-4713-96F9-CF94FE4C2475}"/>
+              </a:ext>
+            </a:extLst>
+          </p:cNvPr>
+          <p:cNvSpPr txBox="1"/>
+          <p:nvPr/>
+        </p:nvSpPr>
+        <p:spPr>
+          <a:xfrm>
+            <a:off x="5830064" y="4669020"/>
+            <a:ext cx="2507481" cy="784830"/>
+          </a:xfrm>
+          <a:prstGeom prst="rect">
+            <a:avLst/>
+          </a:prstGeom>
+          <a:noFill/>
+        </p:spPr>
+        <p:txBody>
+          <a:bodyPr wrap="none" rtlCol="0">
+            <a:spAutoFit/>
+          </a:bodyPr>
+          <a:lstStyle/>
+          <a:p>
+            <a:r>
+              <a:rPr lang="en-US" sz="1500" dirty="0">
+                <a:solidFill>
+                  <a:schemeClr val="bg1">
+                    <a:lumMod val="50000"/>
+                  </a:schemeClr>
+                </a:solidFill>
+              </a:rPr>
+              <a:t>Authorization</a:t>
+            </a:r>
+          </a:p>
+          <a:p>
+            <a:r>
+              <a:rPr lang="en-US" sz="1500" dirty="0">
+                <a:solidFill>
+                  <a:schemeClr val="bg1">
+                    <a:lumMod val="50000"/>
+                  </a:schemeClr>
+                </a:solidFill>
+              </a:rPr>
+              <a:t>Validation</a:t>
+            </a:r>
+          </a:p>
+          <a:p>
+            <a:r>
+              <a:rPr lang="en-US" sz="1500" dirty="0">
+                <a:solidFill>
+                  <a:schemeClr val="bg1">
+                    <a:lumMod val="50000"/>
+                  </a:schemeClr>
+                </a:solidFill>
+              </a:rPr>
+              <a:t>Unit of Work / DB Transaction</a:t>
+            </a:r>
+          </a:p>
+        </p:txBody>
+      </p:sp>
+      <p:cxnSp>
+        <p:nvCxnSpPr>
+          <p:cNvPr id="61" name="Straight Connector 60">
+            <a:extLst>
+              <a:ext uri="{FF2B5EF4-FFF2-40B4-BE49-F238E27FC236}">
+                <a16:creationId xmlns:a16="http://schemas.microsoft.com/office/drawing/2014/main" id="{31182465-3B3F-44C6-80FA-786019F4A479}"/>
+              </a:ext>
+            </a:extLst>
+          </p:cNvPr>
+          <p:cNvCxnSpPr>
+            <a:cxnSpLocks/>
+          </p:cNvCxnSpPr>
+          <p:nvPr/>
+        </p:nvCxnSpPr>
+        <p:spPr>
+          <a:xfrm>
+            <a:off x="5697432" y="4594194"/>
+            <a:ext cx="0" cy="1412160"/>
+          </a:xfrm>
+          <a:prstGeom prst="line">
+            <a:avLst/>
+          </a:prstGeom>
+        </p:spPr>
+        <p:style>
+          <a:lnRef idx="1">
+            <a:schemeClr val="accent1"/>
+          </a:lnRef>
+          <a:fillRef idx="0">
+            <a:schemeClr val="accent1"/>
+          </a:fillRef>
+          <a:effectRef idx="0">
+            <a:schemeClr val="accent1"/>
+          </a:effectRef>
+          <a:fontRef idx="minor">
+            <a:schemeClr val="tx1"/>
+          </a:fontRef>
+        </p:style>
+      </p:cxnSp>
+      <p:sp>
+        <p:nvSpPr>
+          <p:cNvPr id="62" name="Rectangle 61">
+            <a:extLst>
+              <a:ext uri="{FF2B5EF4-FFF2-40B4-BE49-F238E27FC236}">
+                <a16:creationId xmlns:a16="http://schemas.microsoft.com/office/drawing/2014/main" id="{AC068357-7B30-41B2-AB3E-B5E8874D7000}"/>
+              </a:ext>
+            </a:extLst>
+          </p:cNvPr>
+          <p:cNvSpPr/>
+          <p:nvPr/>
+        </p:nvSpPr>
+        <p:spPr>
+          <a:xfrm>
+            <a:off x="3859689" y="4494926"/>
+            <a:ext cx="4567030" cy="1601075"/>
+          </a:xfrm>
+          <a:prstGeom prst="rect">
+            <a:avLst/>
+          </a:prstGeom>
+          <a:noFill/>
+          <a:ln>
+            <a:solidFill>
+              <a:srgbClr val="C00000"/>
+            </a:solidFill>
+            <a:prstDash val="lgDash"/>
+          </a:ln>
+        </p:spPr>
+        <p:style>
+          <a:lnRef idx="2">
+            <a:schemeClr val="accent1">
+              <a:shade val="50000"/>
+            </a:schemeClr>
+          </a:lnRef>
+          <a:fillRef idx="1">
+            <a:schemeClr val="accent1"/>
+          </a:fillRef>
+          <a:effectRef idx="0">
+            <a:schemeClr val="accent1"/>
+          </a:effectRef>
+          <a:fontRef idx="minor">
+            <a:schemeClr val="lt1"/>
+          </a:fontRef>
+        </p:style>
+        <p:txBody>
+          <a:bodyPr rtlCol="0" anchor="ctr"/>
+          <a:lstStyle/>
+          <a:p>
+            <a:pPr algn="ctr"/>
+            <a:endParaRPr lang="en-US"/>
+          </a:p>
+        </p:txBody>
+      </p:sp>
+      <p:sp>
+        <p:nvSpPr>
+          <p:cNvPr id="65" name="TextBox 64">
+            <a:extLst>
+              <a:ext uri="{FF2B5EF4-FFF2-40B4-BE49-F238E27FC236}">
+                <a16:creationId xmlns:a16="http://schemas.microsoft.com/office/drawing/2014/main" id="{A9158D61-C40E-4FAF-99FB-C04AB145D9CB}"/>
+              </a:ext>
+            </a:extLst>
+          </p:cNvPr>
+          <p:cNvSpPr txBox="1"/>
+          <p:nvPr/>
+        </p:nvSpPr>
+        <p:spPr>
+          <a:xfrm>
+            <a:off x="4530209" y="6115441"/>
+            <a:ext cx="3268844" cy="338554"/>
+          </a:xfrm>
+          <a:prstGeom prst="rect">
+            <a:avLst/>
+          </a:prstGeom>
+          <a:noFill/>
+        </p:spPr>
+        <p:txBody>
+          <a:bodyPr wrap="none" rtlCol="0">
+            <a:spAutoFit/>
+          </a:bodyPr>
+          <a:lstStyle/>
+          <a:p>
+            <a:r>
+              <a:rPr lang="en-US" sz="1600" dirty="0">
+                <a:solidFill>
+                  <a:srgbClr val="C00000"/>
+                </a:solidFill>
+              </a:rPr>
+              <a:t>C r o s </a:t>
+            </a:r>
+            <a:r>
+              <a:rPr lang="en-US" sz="1600" dirty="0" err="1">
+                <a:solidFill>
+                  <a:srgbClr val="C00000"/>
+                </a:solidFill>
+              </a:rPr>
+              <a:t>s</a:t>
+            </a:r>
+            <a:r>
+              <a:rPr lang="en-US" sz="1600" dirty="0">
+                <a:solidFill>
+                  <a:srgbClr val="C00000"/>
+                </a:solidFill>
+              </a:rPr>
+              <a:t>     C u t </a:t>
+            </a:r>
+            <a:r>
+              <a:rPr lang="en-US" sz="1600" dirty="0" err="1">
+                <a:solidFill>
+                  <a:srgbClr val="C00000"/>
+                </a:solidFill>
+              </a:rPr>
+              <a:t>t</a:t>
+            </a:r>
+            <a:r>
+              <a:rPr lang="en-US" sz="1600" dirty="0">
+                <a:solidFill>
+                  <a:srgbClr val="C00000"/>
+                </a:solidFill>
+              </a:rPr>
+              <a:t> </a:t>
+            </a:r>
+            <a:r>
+              <a:rPr lang="en-US" sz="1600" dirty="0" err="1">
+                <a:solidFill>
+                  <a:srgbClr val="C00000"/>
+                </a:solidFill>
+              </a:rPr>
+              <a:t>i</a:t>
+            </a:r>
+            <a:r>
+              <a:rPr lang="en-US" sz="1600" dirty="0">
+                <a:solidFill>
+                  <a:srgbClr val="C00000"/>
+                </a:solidFill>
+              </a:rPr>
+              <a:t> n g     C o n c e r n s</a:t>
             </a:r>
           </a:p>
         </p:txBody>
@@ -10211,7 +12046,7 @@
     </p:spTree>
     <p:extLst>
       <p:ext uri="{BB962C8B-B14F-4D97-AF65-F5344CB8AC3E}">
-        <p14:creationId xmlns:p14="http://schemas.microsoft.com/office/powerpoint/2010/main" val="1905821084"/>
+        <p14:creationId xmlns:p14="http://schemas.microsoft.com/office/powerpoint/2010/main" val="602094571"/>
       </p:ext>
     </p:extLst>
   </p:cSld>
@@ -10243,15 +12078,15 @@
           <p:cNvPr id="2" name="Title 1">
             <a:extLst>
               <a:ext uri="{FF2B5EF4-FFF2-40B4-BE49-F238E27FC236}">
-                <a16:creationId xmlns:a16="http://schemas.microsoft.com/office/drawing/2014/main" id="{A52ED505-C8F9-4775-94A9-F492F8BA910F}"/>
-              </a:ext>
-            </a:extLst>
-          </p:cNvPr>
-          <p:cNvSpPr>
-            <a:spLocks noGrp="1"/>
-          </p:cNvSpPr>
-          <p:nvPr>
-            <p:ph type="title"/>
+                <a16:creationId xmlns:a16="http://schemas.microsoft.com/office/drawing/2014/main" id="{E70A9256-B94E-4906-AE3B-2C8B8A84F779}"/>
+              </a:ext>
+            </a:extLst>
+          </p:cNvPr>
+          <p:cNvSpPr>
+            <a:spLocks noGrp="1"/>
+          </p:cNvSpPr>
+          <p:nvPr>
+            <p:ph type="ctrTitle"/>
           </p:nvPr>
         </p:nvSpPr>
         <p:spPr/>
@@ -10261,55 +12096,37 @@
           <a:p>
             <a:r>
               <a:rPr lang="en-US" dirty="0"/>
-              <a:t>Aggregate Roots</a:t>
-            </a:r>
-            <a:br>
-              <a:rPr lang="en-US" dirty="0"/>
-            </a:br>
-            <a:r>
-              <a:rPr lang="en-US" sz="3600" dirty="0"/>
-              <a:t>Principles</a:t>
-            </a:r>
-            <a:endParaRPr lang="en-US" dirty="0"/>
-          </a:p>
-        </p:txBody>
-      </p:sp>
-      <p:sp>
-        <p:nvSpPr>
-          <p:cNvPr id="3" name="Content Placeholder 2">
-            <a:extLst>
-              <a:ext uri="{FF2B5EF4-FFF2-40B4-BE49-F238E27FC236}">
-                <a16:creationId xmlns:a16="http://schemas.microsoft.com/office/drawing/2014/main" id="{8BD29895-6FF8-4EDC-B65C-A27B01E4AF2B}"/>
-              </a:ext>
-            </a:extLst>
-          </p:cNvPr>
-          <p:cNvSpPr>
-            <a:spLocks noGrp="1"/>
-          </p:cNvSpPr>
-          <p:nvPr>
-            <p:ph idx="1"/>
+              <a:t>Part-III: Implementation</a:t>
+            </a:r>
+          </a:p>
+        </p:txBody>
+      </p:sp>
+      <p:sp>
+        <p:nvSpPr>
+          <p:cNvPr id="3" name="Subtitle 2">
+            <a:extLst>
+              <a:ext uri="{FF2B5EF4-FFF2-40B4-BE49-F238E27FC236}">
+                <a16:creationId xmlns:a16="http://schemas.microsoft.com/office/drawing/2014/main" id="{2061AEC8-B482-412B-B2D2-93BAC5BC5F88}"/>
+              </a:ext>
+            </a:extLst>
+          </p:cNvPr>
+          <p:cNvSpPr>
+            <a:spLocks noGrp="1"/>
+          </p:cNvSpPr>
+          <p:nvPr>
+            <p:ph type="subTitle" idx="1"/>
           </p:nvPr>
         </p:nvSpPr>
         <p:spPr/>
         <p:txBody>
-          <a:bodyPr/>
-          <a:lstStyle/>
-          <a:p>
-            <a:r>
-              <a:rPr lang="en-US" dirty="0"/>
-              <a:t>Should maintain self integrity &amp; validity</a:t>
-            </a:r>
-          </a:p>
-          <a:p>
-            <a:r>
-              <a:rPr lang="en-US" dirty="0"/>
-              <a:t>Implements domain rules</a:t>
-            </a:r>
-          </a:p>
-          <a:p>
-            <a:r>
-              <a:rPr lang="en-US" dirty="0"/>
-              <a:t>Saved &amp; retrieved as a single unit (with sub-collections)</a:t>
+          <a:bodyPr>
+            <a:normAutofit/>
+          </a:bodyPr>
+          <a:lstStyle/>
+          <a:p>
+            <a:r>
+              <a:rPr lang="en-US" dirty="0"/>
+              <a:t>Implementing Domain Driven Design (DDD)</a:t>
             </a:r>
           </a:p>
         </p:txBody>
@@ -10317,7 +12134,7 @@
     </p:spTree>
     <p:extLst>
       <p:ext uri="{BB962C8B-B14F-4D97-AF65-F5344CB8AC3E}">
-        <p14:creationId xmlns:p14="http://schemas.microsoft.com/office/powerpoint/2010/main" val="874947053"/>
+        <p14:creationId xmlns:p14="http://schemas.microsoft.com/office/powerpoint/2010/main" val="1905821084"/>
       </p:ext>
     </p:extLst>
   </p:cSld>
@@ -10349,7 +12166,7 @@
           <p:cNvPr id="2" name="Title 1">
             <a:extLst>
               <a:ext uri="{FF2B5EF4-FFF2-40B4-BE49-F238E27FC236}">
-                <a16:creationId xmlns:a16="http://schemas.microsoft.com/office/drawing/2014/main" id="{5D043CA4-5202-43A4-8E1E-B96502DBA9C9}"/>
+                <a16:creationId xmlns:a16="http://schemas.microsoft.com/office/drawing/2014/main" id="{A52ED505-C8F9-4775-94A9-F492F8BA910F}"/>
               </a:ext>
             </a:extLst>
           </p:cNvPr>
@@ -10374,156 +12191,56 @@
             </a:br>
             <a:r>
               <a:rPr lang="en-US" sz="3600" dirty="0"/>
-              <a:t>Rule: Reference other aggregates by Id</a:t>
+              <a:t>Principles</a:t>
             </a:r>
             <a:endParaRPr lang="en-US" dirty="0"/>
           </a:p>
         </p:txBody>
       </p:sp>
-      <p:pic>
-        <p:nvPicPr>
-          <p:cNvPr id="10" name="Content Placeholder 9">
-            <a:extLst>
-              <a:ext uri="{FF2B5EF4-FFF2-40B4-BE49-F238E27FC236}">
-                <a16:creationId xmlns:a16="http://schemas.microsoft.com/office/drawing/2014/main" id="{67818B3E-181D-4203-B032-C3465E6E0A6D}"/>
-              </a:ext>
-            </a:extLst>
-          </p:cNvPr>
-          <p:cNvPicPr>
-            <a:picLocks noGrp="1" noChangeAspect="1"/>
-          </p:cNvPicPr>
+      <p:sp>
+        <p:nvSpPr>
+          <p:cNvPr id="3" name="Content Placeholder 2">
+            <a:extLst>
+              <a:ext uri="{FF2B5EF4-FFF2-40B4-BE49-F238E27FC236}">
+                <a16:creationId xmlns:a16="http://schemas.microsoft.com/office/drawing/2014/main" id="{8BD29895-6FF8-4EDC-B65C-A27B01E4AF2B}"/>
+              </a:ext>
+            </a:extLst>
+          </p:cNvPr>
+          <p:cNvSpPr>
+            <a:spLocks noGrp="1"/>
+          </p:cNvSpPr>
           <p:nvPr>
             <p:ph idx="1"/>
           </p:nvPr>
-        </p:nvPicPr>
-        <p:blipFill>
-          <a:blip r:embed="rId2"/>
-          <a:stretch>
-            <a:fillRect/>
-          </a:stretch>
-        </p:blipFill>
-        <p:spPr>
-          <a:xfrm>
-            <a:off x="838200" y="1809792"/>
-            <a:ext cx="5312630" cy="4351338"/>
-          </a:xfrm>
-          <a:prstGeom prst="rect">
-            <a:avLst/>
-          </a:prstGeom>
-        </p:spPr>
-      </p:pic>
-      <p:pic>
-        <p:nvPicPr>
-          <p:cNvPr id="14" name="Picture 13">
-            <a:extLst>
-              <a:ext uri="{FF2B5EF4-FFF2-40B4-BE49-F238E27FC236}">
-                <a16:creationId xmlns:a16="http://schemas.microsoft.com/office/drawing/2014/main" id="{775D6DCD-CF5F-4CFB-A024-8AEC370A3F7D}"/>
-              </a:ext>
-            </a:extLst>
-          </p:cNvPr>
-          <p:cNvPicPr>
-            <a:picLocks noChangeAspect="1"/>
-          </p:cNvPicPr>
-          <p:nvPr/>
-        </p:nvPicPr>
-        <p:blipFill>
-          <a:blip r:embed="rId3">
-            <a:extLst>
-              <a:ext uri="{28A0092B-C50C-407E-A947-70E740481C1C}">
-                <a14:useLocalDpi xmlns:a14="http://schemas.microsoft.com/office/drawing/2010/main" val="0"/>
-              </a:ext>
-            </a:extLst>
-          </a:blip>
-          <a:stretch>
-            <a:fillRect/>
-          </a:stretch>
-        </p:blipFill>
-        <p:spPr>
-          <a:xfrm>
-            <a:off x="5431266" y="5423065"/>
-            <a:ext cx="372404" cy="422481"/>
-          </a:xfrm>
-          <a:prstGeom prst="rect">
-            <a:avLst/>
-          </a:prstGeom>
-        </p:spPr>
-      </p:pic>
-      <p:pic>
-        <p:nvPicPr>
-          <p:cNvPr id="16" name="Picture 15">
-            <a:extLst>
-              <a:ext uri="{FF2B5EF4-FFF2-40B4-BE49-F238E27FC236}">
-                <a16:creationId xmlns:a16="http://schemas.microsoft.com/office/drawing/2014/main" id="{75C99782-FBD4-4B6D-A1BC-56319A4FF5FB}"/>
-              </a:ext>
-            </a:extLst>
-          </p:cNvPr>
-          <p:cNvPicPr>
-            <a:picLocks noChangeAspect="1"/>
-          </p:cNvPicPr>
-          <p:nvPr/>
-        </p:nvPicPr>
-        <p:blipFill>
-          <a:blip r:embed="rId4">
-            <a:extLst>
-              <a:ext uri="{28A0092B-C50C-407E-A947-70E740481C1C}">
-                <a14:useLocalDpi xmlns:a14="http://schemas.microsoft.com/office/drawing/2010/main" val="0"/>
-              </a:ext>
-            </a:extLst>
-          </a:blip>
-          <a:stretch>
-            <a:fillRect/>
-          </a:stretch>
-        </p:blipFill>
-        <p:spPr>
-          <a:xfrm>
-            <a:off x="6096000" y="3222025"/>
-            <a:ext cx="479560" cy="413950"/>
-          </a:xfrm>
-          <a:prstGeom prst="rect">
-            <a:avLst/>
-          </a:prstGeom>
-        </p:spPr>
-      </p:pic>
-      <p:pic>
-        <p:nvPicPr>
-          <p:cNvPr id="19" name="Picture 18">
-            <a:extLst>
-              <a:ext uri="{FF2B5EF4-FFF2-40B4-BE49-F238E27FC236}">
-                <a16:creationId xmlns:a16="http://schemas.microsoft.com/office/drawing/2014/main" id="{AF96E891-52D1-403B-8AD4-1141F7A23E21}"/>
-              </a:ext>
-            </a:extLst>
-          </p:cNvPr>
-          <p:cNvPicPr>
-            <a:picLocks noChangeAspect="1"/>
-          </p:cNvPicPr>
-          <p:nvPr/>
-        </p:nvPicPr>
-        <p:blipFill>
-          <a:blip r:embed="rId4">
-            <a:extLst>
-              <a:ext uri="{28A0092B-C50C-407E-A947-70E740481C1C}">
-                <a14:useLocalDpi xmlns:a14="http://schemas.microsoft.com/office/drawing/2010/main" val="0"/>
-              </a:ext>
-            </a:extLst>
-          </a:blip>
-          <a:stretch>
-            <a:fillRect/>
-          </a:stretch>
-        </p:blipFill>
-        <p:spPr>
-          <a:xfrm>
-            <a:off x="6093135" y="4960337"/>
-            <a:ext cx="479560" cy="413950"/>
-          </a:xfrm>
-          <a:prstGeom prst="rect">
-            <a:avLst/>
-          </a:prstGeom>
-        </p:spPr>
-      </p:pic>
+        </p:nvSpPr>
+        <p:spPr/>
+        <p:txBody>
+          <a:bodyPr/>
+          <a:lstStyle/>
+          <a:p>
+            <a:r>
+              <a:rPr lang="en-US" dirty="0"/>
+              <a:t>Should maintain self integrity &amp; validity</a:t>
+            </a:r>
+          </a:p>
+          <a:p>
+            <a:r>
+              <a:rPr lang="en-US" dirty="0"/>
+              <a:t>Implements domain rules</a:t>
+            </a:r>
+          </a:p>
+          <a:p>
+            <a:r>
+              <a:rPr lang="en-US" dirty="0"/>
+              <a:t>Saved &amp; retrieved as a single unit (with sub-collections)</a:t>
+            </a:r>
+          </a:p>
+        </p:txBody>
+      </p:sp>
     </p:spTree>
     <p:extLst>
       <p:ext uri="{BB962C8B-B14F-4D97-AF65-F5344CB8AC3E}">
-        <p14:creationId xmlns:p14="http://schemas.microsoft.com/office/powerpoint/2010/main" val="1983736725"/>
+        <p14:creationId xmlns:p14="http://schemas.microsoft.com/office/powerpoint/2010/main" val="874947053"/>
       </p:ext>
     </p:extLst>
   </p:cSld>

--- a/2019-XX-XX Implementing DDD/Presentation.pptx
+++ b/2019-XX-XX Implementing DDD/Presentation.pptx
@@ -12,45 +12,46 @@
     <p:sldId id="269" r:id="rId6"/>
     <p:sldId id="306" r:id="rId7"/>
     <p:sldId id="271" r:id="rId8"/>
-    <p:sldId id="270" r:id="rId9"/>
-    <p:sldId id="258" r:id="rId10"/>
-    <p:sldId id="260" r:id="rId11"/>
-    <p:sldId id="264" r:id="rId12"/>
-    <p:sldId id="261" r:id="rId13"/>
-    <p:sldId id="266" r:id="rId14"/>
-    <p:sldId id="267" r:id="rId15"/>
-    <p:sldId id="268" r:id="rId16"/>
-    <p:sldId id="273" r:id="rId17"/>
-    <p:sldId id="274" r:id="rId18"/>
-    <p:sldId id="275" r:id="rId19"/>
-    <p:sldId id="276" r:id="rId20"/>
-    <p:sldId id="277" r:id="rId21"/>
-    <p:sldId id="279" r:id="rId22"/>
-    <p:sldId id="284" r:id="rId23"/>
-    <p:sldId id="285" r:id="rId24"/>
-    <p:sldId id="286" r:id="rId25"/>
-    <p:sldId id="287" r:id="rId26"/>
-    <p:sldId id="288" r:id="rId27"/>
-    <p:sldId id="289" r:id="rId28"/>
-    <p:sldId id="280" r:id="rId29"/>
-    <p:sldId id="282" r:id="rId30"/>
-    <p:sldId id="291" r:id="rId31"/>
-    <p:sldId id="278" r:id="rId32"/>
-    <p:sldId id="290" r:id="rId33"/>
-    <p:sldId id="292" r:id="rId34"/>
-    <p:sldId id="293" r:id="rId35"/>
-    <p:sldId id="294" r:id="rId36"/>
-    <p:sldId id="295" r:id="rId37"/>
-    <p:sldId id="297" r:id="rId38"/>
-    <p:sldId id="298" r:id="rId39"/>
-    <p:sldId id="299" r:id="rId40"/>
-    <p:sldId id="300" r:id="rId41"/>
-    <p:sldId id="301" r:id="rId42"/>
-    <p:sldId id="304" r:id="rId43"/>
-    <p:sldId id="302" r:id="rId44"/>
-    <p:sldId id="303" r:id="rId45"/>
-    <p:sldId id="305" r:id="rId46"/>
-    <p:sldId id="296" r:id="rId47"/>
+    <p:sldId id="307" r:id="rId9"/>
+    <p:sldId id="308" r:id="rId10"/>
+    <p:sldId id="270" r:id="rId11"/>
+    <p:sldId id="258" r:id="rId12"/>
+    <p:sldId id="260" r:id="rId13"/>
+    <p:sldId id="264" r:id="rId14"/>
+    <p:sldId id="261" r:id="rId15"/>
+    <p:sldId id="266" r:id="rId16"/>
+    <p:sldId id="267" r:id="rId17"/>
+    <p:sldId id="268" r:id="rId18"/>
+    <p:sldId id="273" r:id="rId19"/>
+    <p:sldId id="274" r:id="rId20"/>
+    <p:sldId id="275" r:id="rId21"/>
+    <p:sldId id="276" r:id="rId22"/>
+    <p:sldId id="277" r:id="rId23"/>
+    <p:sldId id="279" r:id="rId24"/>
+    <p:sldId id="284" r:id="rId25"/>
+    <p:sldId id="285" r:id="rId26"/>
+    <p:sldId id="286" r:id="rId27"/>
+    <p:sldId id="287" r:id="rId28"/>
+    <p:sldId id="288" r:id="rId29"/>
+    <p:sldId id="289" r:id="rId30"/>
+    <p:sldId id="280" r:id="rId31"/>
+    <p:sldId id="282" r:id="rId32"/>
+    <p:sldId id="291" r:id="rId33"/>
+    <p:sldId id="278" r:id="rId34"/>
+    <p:sldId id="290" r:id="rId35"/>
+    <p:sldId id="292" r:id="rId36"/>
+    <p:sldId id="293" r:id="rId37"/>
+    <p:sldId id="294" r:id="rId38"/>
+    <p:sldId id="295" r:id="rId39"/>
+    <p:sldId id="297" r:id="rId40"/>
+    <p:sldId id="298" r:id="rId41"/>
+    <p:sldId id="299" r:id="rId42"/>
+    <p:sldId id="300" r:id="rId43"/>
+    <p:sldId id="301" r:id="rId44"/>
+    <p:sldId id="304" r:id="rId45"/>
+    <p:sldId id="302" r:id="rId46"/>
+    <p:sldId id="303" r:id="rId47"/>
+    <p:sldId id="305" r:id="rId48"/>
   </p:sldIdLst>
   <p:sldSz cx="12192000" cy="6858000"/>
   <p:notesSz cx="6858000" cy="9144000"/>
@@ -3469,15 +3470,15 @@
           <p:cNvPr id="2" name="Title 1">
             <a:extLst>
               <a:ext uri="{FF2B5EF4-FFF2-40B4-BE49-F238E27FC236}">
-                <a16:creationId xmlns:a16="http://schemas.microsoft.com/office/drawing/2014/main" id="{5D043CA4-5202-43A4-8E1E-B96502DBA9C9}"/>
-              </a:ext>
-            </a:extLst>
-          </p:cNvPr>
-          <p:cNvSpPr>
-            <a:spLocks noGrp="1"/>
-          </p:cNvSpPr>
-          <p:nvPr>
-            <p:ph type="title"/>
+                <a16:creationId xmlns:a16="http://schemas.microsoft.com/office/drawing/2014/main" id="{E70A9256-B94E-4906-AE3B-2C8B8A84F779}"/>
+              </a:ext>
+            </a:extLst>
+          </p:cNvPr>
+          <p:cNvSpPr>
+            <a:spLocks noGrp="1"/>
+          </p:cNvSpPr>
+          <p:nvPr>
+            <p:ph type="ctrTitle"/>
           </p:nvPr>
         </p:nvSpPr>
         <p:spPr/>
@@ -3487,163 +3488,45 @@
           <a:p>
             <a:r>
               <a:rPr lang="en-US" dirty="0"/>
-              <a:t>Aggregate Roots</a:t>
-            </a:r>
-            <a:br>
-              <a:rPr lang="en-US" dirty="0"/>
-            </a:br>
-            <a:r>
-              <a:rPr lang="en-US" sz="3600" dirty="0"/>
-              <a:t>Rule: Reference other aggregates by Id</a:t>
-            </a:r>
-            <a:endParaRPr lang="en-US" dirty="0"/>
-          </a:p>
-        </p:txBody>
-      </p:sp>
-      <p:pic>
-        <p:nvPicPr>
-          <p:cNvPr id="10" name="Content Placeholder 9">
-            <a:extLst>
-              <a:ext uri="{FF2B5EF4-FFF2-40B4-BE49-F238E27FC236}">
-                <a16:creationId xmlns:a16="http://schemas.microsoft.com/office/drawing/2014/main" id="{67818B3E-181D-4203-B032-C3465E6E0A6D}"/>
-              </a:ext>
-            </a:extLst>
-          </p:cNvPr>
-          <p:cNvPicPr>
-            <a:picLocks noGrp="1" noChangeAspect="1"/>
-          </p:cNvPicPr>
-          <p:nvPr>
-            <p:ph idx="1"/>
-          </p:nvPr>
-        </p:nvPicPr>
-        <p:blipFill>
-          <a:blip r:embed="rId2"/>
-          <a:stretch>
-            <a:fillRect/>
-          </a:stretch>
-        </p:blipFill>
-        <p:spPr>
-          <a:xfrm>
-            <a:off x="838200" y="1809792"/>
-            <a:ext cx="5312630" cy="4351338"/>
-          </a:xfrm>
-          <a:prstGeom prst="rect">
-            <a:avLst/>
-          </a:prstGeom>
-        </p:spPr>
-      </p:pic>
-      <p:pic>
-        <p:nvPicPr>
-          <p:cNvPr id="14" name="Picture 13">
-            <a:extLst>
-              <a:ext uri="{FF2B5EF4-FFF2-40B4-BE49-F238E27FC236}">
-                <a16:creationId xmlns:a16="http://schemas.microsoft.com/office/drawing/2014/main" id="{775D6DCD-CF5F-4CFB-A024-8AEC370A3F7D}"/>
-              </a:ext>
-            </a:extLst>
-          </p:cNvPr>
-          <p:cNvPicPr>
-            <a:picLocks noChangeAspect="1"/>
-          </p:cNvPicPr>
-          <p:nvPr/>
-        </p:nvPicPr>
-        <p:blipFill>
-          <a:blip r:embed="rId3">
-            <a:extLst>
-              <a:ext uri="{28A0092B-C50C-407E-A947-70E740481C1C}">
-                <a14:useLocalDpi xmlns:a14="http://schemas.microsoft.com/office/drawing/2010/main" val="0"/>
-              </a:ext>
-            </a:extLst>
-          </a:blip>
-          <a:stretch>
-            <a:fillRect/>
-          </a:stretch>
-        </p:blipFill>
-        <p:spPr>
-          <a:xfrm>
-            <a:off x="5431266" y="5423065"/>
-            <a:ext cx="372404" cy="422481"/>
-          </a:xfrm>
-          <a:prstGeom prst="rect">
-            <a:avLst/>
-          </a:prstGeom>
-        </p:spPr>
-      </p:pic>
-      <p:pic>
-        <p:nvPicPr>
-          <p:cNvPr id="16" name="Picture 15">
-            <a:extLst>
-              <a:ext uri="{FF2B5EF4-FFF2-40B4-BE49-F238E27FC236}">
-                <a16:creationId xmlns:a16="http://schemas.microsoft.com/office/drawing/2014/main" id="{75C99782-FBD4-4B6D-A1BC-56319A4FF5FB}"/>
-              </a:ext>
-            </a:extLst>
-          </p:cNvPr>
-          <p:cNvPicPr>
-            <a:picLocks noChangeAspect="1"/>
-          </p:cNvPicPr>
-          <p:nvPr/>
-        </p:nvPicPr>
-        <p:blipFill>
-          <a:blip r:embed="rId4">
-            <a:extLst>
-              <a:ext uri="{28A0092B-C50C-407E-A947-70E740481C1C}">
-                <a14:useLocalDpi xmlns:a14="http://schemas.microsoft.com/office/drawing/2010/main" val="0"/>
-              </a:ext>
-            </a:extLst>
-          </a:blip>
-          <a:stretch>
-            <a:fillRect/>
-          </a:stretch>
-        </p:blipFill>
-        <p:spPr>
-          <a:xfrm>
-            <a:off x="6096000" y="3222025"/>
-            <a:ext cx="479560" cy="413950"/>
-          </a:xfrm>
-          <a:prstGeom prst="rect">
-            <a:avLst/>
-          </a:prstGeom>
-        </p:spPr>
-      </p:pic>
-      <p:pic>
-        <p:nvPicPr>
-          <p:cNvPr id="19" name="Picture 18">
-            <a:extLst>
-              <a:ext uri="{FF2B5EF4-FFF2-40B4-BE49-F238E27FC236}">
-                <a16:creationId xmlns:a16="http://schemas.microsoft.com/office/drawing/2014/main" id="{AF96E891-52D1-403B-8AD4-1141F7A23E21}"/>
-              </a:ext>
-            </a:extLst>
-          </p:cNvPr>
-          <p:cNvPicPr>
-            <a:picLocks noChangeAspect="1"/>
-          </p:cNvPicPr>
-          <p:nvPr/>
-        </p:nvPicPr>
-        <p:blipFill>
-          <a:blip r:embed="rId4">
-            <a:extLst>
-              <a:ext uri="{28A0092B-C50C-407E-A947-70E740481C1C}">
-                <a14:useLocalDpi xmlns:a14="http://schemas.microsoft.com/office/drawing/2010/main" val="0"/>
-              </a:ext>
-            </a:extLst>
-          </a:blip>
-          <a:stretch>
-            <a:fillRect/>
-          </a:stretch>
-        </p:blipFill>
-        <p:spPr>
-          <a:xfrm>
-            <a:off x="6093135" y="4960337"/>
-            <a:ext cx="479560" cy="413950"/>
-          </a:xfrm>
-          <a:prstGeom prst="rect">
-            <a:avLst/>
-          </a:prstGeom>
-        </p:spPr>
-      </p:pic>
+              <a:t>Part-III: Implementation</a:t>
+            </a:r>
+          </a:p>
+        </p:txBody>
+      </p:sp>
+      <p:sp>
+        <p:nvSpPr>
+          <p:cNvPr id="3" name="Subtitle 2">
+            <a:extLst>
+              <a:ext uri="{FF2B5EF4-FFF2-40B4-BE49-F238E27FC236}">
+                <a16:creationId xmlns:a16="http://schemas.microsoft.com/office/drawing/2014/main" id="{2061AEC8-B482-412B-B2D2-93BAC5BC5F88}"/>
+              </a:ext>
+            </a:extLst>
+          </p:cNvPr>
+          <p:cNvSpPr>
+            <a:spLocks noGrp="1"/>
+          </p:cNvSpPr>
+          <p:nvPr>
+            <p:ph type="subTitle" idx="1"/>
+          </p:nvPr>
+        </p:nvSpPr>
+        <p:spPr/>
+        <p:txBody>
+          <a:bodyPr>
+            <a:normAutofit/>
+          </a:bodyPr>
+          <a:lstStyle/>
+          <a:p>
+            <a:r>
+              <a:rPr lang="en-US" dirty="0"/>
+              <a:t>Implementing Domain Driven Design (DDD)</a:t>
+            </a:r>
+          </a:p>
+        </p:txBody>
+      </p:sp>
     </p:spTree>
     <p:extLst>
       <p:ext uri="{BB962C8B-B14F-4D97-AF65-F5344CB8AC3E}">
-        <p14:creationId xmlns:p14="http://schemas.microsoft.com/office/powerpoint/2010/main" val="1983736725"/>
+        <p14:creationId xmlns:p14="http://schemas.microsoft.com/office/powerpoint/2010/main" val="1905821084"/>
       </p:ext>
     </p:extLst>
   </p:cSld>
@@ -3675,6 +3558,324 @@
           <p:cNvPr id="2" name="Title 1">
             <a:extLst>
               <a:ext uri="{FF2B5EF4-FFF2-40B4-BE49-F238E27FC236}">
+                <a16:creationId xmlns:a16="http://schemas.microsoft.com/office/drawing/2014/main" id="{A52ED505-C8F9-4775-94A9-F492F8BA910F}"/>
+              </a:ext>
+            </a:extLst>
+          </p:cNvPr>
+          <p:cNvSpPr>
+            <a:spLocks noGrp="1"/>
+          </p:cNvSpPr>
+          <p:nvPr>
+            <p:ph type="title"/>
+          </p:nvPr>
+        </p:nvSpPr>
+        <p:spPr/>
+        <p:txBody>
+          <a:bodyPr/>
+          <a:lstStyle/>
+          <a:p>
+            <a:r>
+              <a:rPr lang="en-US" dirty="0"/>
+              <a:t>Aggregate Roots</a:t>
+            </a:r>
+            <a:br>
+              <a:rPr lang="en-US" dirty="0"/>
+            </a:br>
+            <a:r>
+              <a:rPr lang="en-US" sz="3600" dirty="0"/>
+              <a:t>Principles</a:t>
+            </a:r>
+            <a:endParaRPr lang="en-US" dirty="0"/>
+          </a:p>
+        </p:txBody>
+      </p:sp>
+      <p:sp>
+        <p:nvSpPr>
+          <p:cNvPr id="3" name="Content Placeholder 2">
+            <a:extLst>
+              <a:ext uri="{FF2B5EF4-FFF2-40B4-BE49-F238E27FC236}">
+                <a16:creationId xmlns:a16="http://schemas.microsoft.com/office/drawing/2014/main" id="{8BD29895-6FF8-4EDC-B65C-A27B01E4AF2B}"/>
+              </a:ext>
+            </a:extLst>
+          </p:cNvPr>
+          <p:cNvSpPr>
+            <a:spLocks noGrp="1"/>
+          </p:cNvSpPr>
+          <p:nvPr>
+            <p:ph idx="1"/>
+          </p:nvPr>
+        </p:nvSpPr>
+        <p:spPr/>
+        <p:txBody>
+          <a:bodyPr/>
+          <a:lstStyle/>
+          <a:p>
+            <a:r>
+              <a:rPr lang="en-US" dirty="0"/>
+              <a:t>Should maintain self integrity &amp; validity</a:t>
+            </a:r>
+          </a:p>
+          <a:p>
+            <a:r>
+              <a:rPr lang="en-US" dirty="0"/>
+              <a:t>Implements domain rules</a:t>
+            </a:r>
+          </a:p>
+          <a:p>
+            <a:r>
+              <a:rPr lang="en-US" dirty="0"/>
+              <a:t>Saved &amp; retrieved as a single unit (with sub-collections)</a:t>
+            </a:r>
+          </a:p>
+          <a:p>
+            <a:r>
+              <a:rPr lang="en-US" i="1" dirty="0"/>
+              <a:t>TODO: Show a picture of an aggregate with a root &amp; collections</a:t>
+            </a:r>
+          </a:p>
+        </p:txBody>
+      </p:sp>
+    </p:spTree>
+    <p:extLst>
+      <p:ext uri="{BB962C8B-B14F-4D97-AF65-F5344CB8AC3E}">
+        <p14:creationId xmlns:p14="http://schemas.microsoft.com/office/powerpoint/2010/main" val="874947053"/>
+      </p:ext>
+    </p:extLst>
+  </p:cSld>
+  <p:clrMapOvr>
+    <a:masterClrMapping/>
+  </p:clrMapOvr>
+</p:sld>
+</file>
+
+<file path=ppt/slides/slide12.xml><?xml version="1.0" encoding="utf-8"?>
+<p:sld xmlns:a="http://schemas.openxmlformats.org/drawingml/2006/main" xmlns:r="http://schemas.openxmlformats.org/officeDocument/2006/relationships" xmlns:p="http://schemas.openxmlformats.org/presentationml/2006/main">
+  <p:cSld>
+    <p:spTree>
+      <p:nvGrpSpPr>
+        <p:cNvPr id="1" name=""/>
+        <p:cNvGrpSpPr/>
+        <p:nvPr/>
+      </p:nvGrpSpPr>
+      <p:grpSpPr>
+        <a:xfrm>
+          <a:off x="0" y="0"/>
+          <a:ext cx="0" cy="0"/>
+          <a:chOff x="0" y="0"/>
+          <a:chExt cx="0" cy="0"/>
+        </a:xfrm>
+      </p:grpSpPr>
+      <p:sp>
+        <p:nvSpPr>
+          <p:cNvPr id="2" name="Title 1">
+            <a:extLst>
+              <a:ext uri="{FF2B5EF4-FFF2-40B4-BE49-F238E27FC236}">
+                <a16:creationId xmlns:a16="http://schemas.microsoft.com/office/drawing/2014/main" id="{5D043CA4-5202-43A4-8E1E-B96502DBA9C9}"/>
+              </a:ext>
+            </a:extLst>
+          </p:cNvPr>
+          <p:cNvSpPr>
+            <a:spLocks noGrp="1"/>
+          </p:cNvSpPr>
+          <p:nvPr>
+            <p:ph type="title"/>
+          </p:nvPr>
+        </p:nvSpPr>
+        <p:spPr/>
+        <p:txBody>
+          <a:bodyPr/>
+          <a:lstStyle/>
+          <a:p>
+            <a:r>
+              <a:rPr lang="en-US" dirty="0"/>
+              <a:t>Aggregate Roots</a:t>
+            </a:r>
+            <a:br>
+              <a:rPr lang="en-US" dirty="0"/>
+            </a:br>
+            <a:r>
+              <a:rPr lang="en-US" sz="3600" dirty="0"/>
+              <a:t>Rule: Reference other aggregates by Id</a:t>
+            </a:r>
+            <a:endParaRPr lang="en-US" dirty="0"/>
+          </a:p>
+        </p:txBody>
+      </p:sp>
+      <p:pic>
+        <p:nvPicPr>
+          <p:cNvPr id="10" name="Content Placeholder 9">
+            <a:extLst>
+              <a:ext uri="{FF2B5EF4-FFF2-40B4-BE49-F238E27FC236}">
+                <a16:creationId xmlns:a16="http://schemas.microsoft.com/office/drawing/2014/main" id="{67818B3E-181D-4203-B032-C3465E6E0A6D}"/>
+              </a:ext>
+            </a:extLst>
+          </p:cNvPr>
+          <p:cNvPicPr>
+            <a:picLocks noGrp="1" noChangeAspect="1"/>
+          </p:cNvPicPr>
+          <p:nvPr>
+            <p:ph idx="1"/>
+          </p:nvPr>
+        </p:nvPicPr>
+        <p:blipFill>
+          <a:blip r:embed="rId2"/>
+          <a:stretch>
+            <a:fillRect/>
+          </a:stretch>
+        </p:blipFill>
+        <p:spPr>
+          <a:xfrm>
+            <a:off x="838200" y="1809792"/>
+            <a:ext cx="5312630" cy="4351338"/>
+          </a:xfrm>
+          <a:prstGeom prst="rect">
+            <a:avLst/>
+          </a:prstGeom>
+        </p:spPr>
+      </p:pic>
+      <p:pic>
+        <p:nvPicPr>
+          <p:cNvPr id="14" name="Picture 13">
+            <a:extLst>
+              <a:ext uri="{FF2B5EF4-FFF2-40B4-BE49-F238E27FC236}">
+                <a16:creationId xmlns:a16="http://schemas.microsoft.com/office/drawing/2014/main" id="{775D6DCD-CF5F-4CFB-A024-8AEC370A3F7D}"/>
+              </a:ext>
+            </a:extLst>
+          </p:cNvPr>
+          <p:cNvPicPr>
+            <a:picLocks noChangeAspect="1"/>
+          </p:cNvPicPr>
+          <p:nvPr/>
+        </p:nvPicPr>
+        <p:blipFill>
+          <a:blip r:embed="rId3">
+            <a:extLst>
+              <a:ext uri="{28A0092B-C50C-407E-A947-70E740481C1C}">
+                <a14:useLocalDpi xmlns:a14="http://schemas.microsoft.com/office/drawing/2010/main" val="0"/>
+              </a:ext>
+            </a:extLst>
+          </a:blip>
+          <a:stretch>
+            <a:fillRect/>
+          </a:stretch>
+        </p:blipFill>
+        <p:spPr>
+          <a:xfrm>
+            <a:off x="5431266" y="5423065"/>
+            <a:ext cx="372404" cy="422481"/>
+          </a:xfrm>
+          <a:prstGeom prst="rect">
+            <a:avLst/>
+          </a:prstGeom>
+        </p:spPr>
+      </p:pic>
+      <p:pic>
+        <p:nvPicPr>
+          <p:cNvPr id="16" name="Picture 15">
+            <a:extLst>
+              <a:ext uri="{FF2B5EF4-FFF2-40B4-BE49-F238E27FC236}">
+                <a16:creationId xmlns:a16="http://schemas.microsoft.com/office/drawing/2014/main" id="{75C99782-FBD4-4B6D-A1BC-56319A4FF5FB}"/>
+              </a:ext>
+            </a:extLst>
+          </p:cNvPr>
+          <p:cNvPicPr>
+            <a:picLocks noChangeAspect="1"/>
+          </p:cNvPicPr>
+          <p:nvPr/>
+        </p:nvPicPr>
+        <p:blipFill>
+          <a:blip r:embed="rId4">
+            <a:extLst>
+              <a:ext uri="{28A0092B-C50C-407E-A947-70E740481C1C}">
+                <a14:useLocalDpi xmlns:a14="http://schemas.microsoft.com/office/drawing/2010/main" val="0"/>
+              </a:ext>
+            </a:extLst>
+          </a:blip>
+          <a:stretch>
+            <a:fillRect/>
+          </a:stretch>
+        </p:blipFill>
+        <p:spPr>
+          <a:xfrm>
+            <a:off x="6096000" y="3222025"/>
+            <a:ext cx="479560" cy="413950"/>
+          </a:xfrm>
+          <a:prstGeom prst="rect">
+            <a:avLst/>
+          </a:prstGeom>
+        </p:spPr>
+      </p:pic>
+      <p:pic>
+        <p:nvPicPr>
+          <p:cNvPr id="19" name="Picture 18">
+            <a:extLst>
+              <a:ext uri="{FF2B5EF4-FFF2-40B4-BE49-F238E27FC236}">
+                <a16:creationId xmlns:a16="http://schemas.microsoft.com/office/drawing/2014/main" id="{AF96E891-52D1-403B-8AD4-1141F7A23E21}"/>
+              </a:ext>
+            </a:extLst>
+          </p:cNvPr>
+          <p:cNvPicPr>
+            <a:picLocks noChangeAspect="1"/>
+          </p:cNvPicPr>
+          <p:nvPr/>
+        </p:nvPicPr>
+        <p:blipFill>
+          <a:blip r:embed="rId4">
+            <a:extLst>
+              <a:ext uri="{28A0092B-C50C-407E-A947-70E740481C1C}">
+                <a14:useLocalDpi xmlns:a14="http://schemas.microsoft.com/office/drawing/2010/main" val="0"/>
+              </a:ext>
+            </a:extLst>
+          </a:blip>
+          <a:stretch>
+            <a:fillRect/>
+          </a:stretch>
+        </p:blipFill>
+        <p:spPr>
+          <a:xfrm>
+            <a:off x="6093135" y="4960337"/>
+            <a:ext cx="479560" cy="413950"/>
+          </a:xfrm>
+          <a:prstGeom prst="rect">
+            <a:avLst/>
+          </a:prstGeom>
+        </p:spPr>
+      </p:pic>
+    </p:spTree>
+    <p:extLst>
+      <p:ext uri="{BB962C8B-B14F-4D97-AF65-F5344CB8AC3E}">
+        <p14:creationId xmlns:p14="http://schemas.microsoft.com/office/powerpoint/2010/main" val="1983736725"/>
+      </p:ext>
+    </p:extLst>
+  </p:cSld>
+  <p:clrMapOvr>
+    <a:masterClrMapping/>
+  </p:clrMapOvr>
+</p:sld>
+</file>
+
+<file path=ppt/slides/slide13.xml><?xml version="1.0" encoding="utf-8"?>
+<p:sld xmlns:a="http://schemas.openxmlformats.org/drawingml/2006/main" xmlns:r="http://schemas.openxmlformats.org/officeDocument/2006/relationships" xmlns:p="http://schemas.openxmlformats.org/presentationml/2006/main">
+  <p:cSld>
+    <p:spTree>
+      <p:nvGrpSpPr>
+        <p:cNvPr id="1" name=""/>
+        <p:cNvGrpSpPr/>
+        <p:nvPr/>
+      </p:nvGrpSpPr>
+      <p:grpSpPr>
+        <a:xfrm>
+          <a:off x="0" y="0"/>
+          <a:ext cx="0" cy="0"/>
+          <a:chOff x="0" y="0"/>
+          <a:chExt cx="0" cy="0"/>
+        </a:xfrm>
+      </p:grpSpPr>
+      <p:sp>
+        <p:nvSpPr>
+          <p:cNvPr id="2" name="Title 1">
+            <a:extLst>
+              <a:ext uri="{FF2B5EF4-FFF2-40B4-BE49-F238E27FC236}">
                 <a16:creationId xmlns:a16="http://schemas.microsoft.com/office/drawing/2014/main" id="{5D043CA4-5202-43A4-8E1E-B96502DBA9C9}"/>
               </a:ext>
             </a:extLst>
@@ -3916,7 +4117,7 @@
 </p:sld>
 </file>
 
-<file path=ppt/slides/slide12.xml><?xml version="1.0" encoding="utf-8"?>
+<file path=ppt/slides/slide14.xml><?xml version="1.0" encoding="utf-8"?>
 <p:sld xmlns:a="http://schemas.openxmlformats.org/drawingml/2006/main" xmlns:r="http://schemas.openxmlformats.org/officeDocument/2006/relationships" xmlns:p="http://schemas.openxmlformats.org/presentationml/2006/main">
   <p:cSld>
     <p:spTree>
@@ -4410,364 +4611,6 @@
 </p:sld>
 </file>
 
-<file path=ppt/slides/slide13.xml><?xml version="1.0" encoding="utf-8"?>
-<p:sld xmlns:a="http://schemas.openxmlformats.org/drawingml/2006/main" xmlns:r="http://schemas.openxmlformats.org/officeDocument/2006/relationships" xmlns:p="http://schemas.openxmlformats.org/presentationml/2006/main">
-  <p:cSld>
-    <p:spTree>
-      <p:nvGrpSpPr>
-        <p:cNvPr id="1" name=""/>
-        <p:cNvGrpSpPr/>
-        <p:nvPr/>
-      </p:nvGrpSpPr>
-      <p:grpSpPr>
-        <a:xfrm>
-          <a:off x="0" y="0"/>
-          <a:ext cx="0" cy="0"/>
-          <a:chOff x="0" y="0"/>
-          <a:chExt cx="0" cy="0"/>
-        </a:xfrm>
-      </p:grpSpPr>
-      <p:sp>
-        <p:nvSpPr>
-          <p:cNvPr id="2" name="Title 1">
-            <a:extLst>
-              <a:ext uri="{FF2B5EF4-FFF2-40B4-BE49-F238E27FC236}">
-                <a16:creationId xmlns:a16="http://schemas.microsoft.com/office/drawing/2014/main" id="{03C80C10-AC64-410F-A1DF-5A3C34774B29}"/>
-              </a:ext>
-            </a:extLst>
-          </p:cNvPr>
-          <p:cNvSpPr>
-            <a:spLocks noGrp="1"/>
-          </p:cNvSpPr>
-          <p:nvPr>
-            <p:ph type="title"/>
-          </p:nvPr>
-        </p:nvSpPr>
-        <p:spPr/>
-        <p:txBody>
-          <a:bodyPr/>
-          <a:lstStyle/>
-          <a:p>
-            <a:r>
-              <a:rPr lang="en-US" dirty="0"/>
-              <a:t>Aggregate Roots / Entities</a:t>
-            </a:r>
-            <a:br>
-              <a:rPr lang="en-US" dirty="0"/>
-            </a:br>
-            <a:r>
-              <a:rPr lang="en-US" sz="3600" dirty="0"/>
-              <a:t>Constructor</a:t>
-            </a:r>
-            <a:endParaRPr lang="en-US" dirty="0"/>
-          </a:p>
-        </p:txBody>
-      </p:sp>
-      <p:sp>
-        <p:nvSpPr>
-          <p:cNvPr id="3" name="Content Placeholder 2">
-            <a:extLst>
-              <a:ext uri="{FF2B5EF4-FFF2-40B4-BE49-F238E27FC236}">
-                <a16:creationId xmlns:a16="http://schemas.microsoft.com/office/drawing/2014/main" id="{339F6957-1E87-41A7-B6F1-6CD0CA00E173}"/>
-              </a:ext>
-            </a:extLst>
-          </p:cNvPr>
-          <p:cNvSpPr>
-            <a:spLocks noGrp="1"/>
-          </p:cNvSpPr>
-          <p:nvPr>
-            <p:ph idx="1"/>
-          </p:nvPr>
-        </p:nvSpPr>
-        <p:spPr>
-          <a:xfrm>
-            <a:off x="6246421" y="1825625"/>
-            <a:ext cx="5107379" cy="4351338"/>
-          </a:xfrm>
-        </p:spPr>
-        <p:txBody>
-          <a:bodyPr>
-            <a:normAutofit/>
-          </a:bodyPr>
-          <a:lstStyle/>
-          <a:p>
-            <a:r>
-              <a:rPr lang="en-US" sz="2000" dirty="0"/>
-              <a:t>Force to create a </a:t>
-            </a:r>
-            <a:r>
-              <a:rPr lang="en-US" sz="2000" b="1" dirty="0"/>
-              <a:t>VALID</a:t>
-            </a:r>
-            <a:r>
-              <a:rPr lang="en-US" sz="2000" dirty="0"/>
-              <a:t> entity</a:t>
-            </a:r>
-          </a:p>
-          <a:p>
-            <a:r>
-              <a:rPr lang="en-US" sz="2000" dirty="0"/>
-              <a:t>Get </a:t>
-            </a:r>
-            <a:r>
-              <a:rPr lang="en-US" sz="2000" b="1" dirty="0"/>
-              <a:t>minimum </a:t>
-            </a:r>
-            <a:r>
-              <a:rPr lang="en-US" sz="2000" dirty="0"/>
-              <a:t>required arguments</a:t>
-            </a:r>
-          </a:p>
-          <a:p>
-            <a:r>
-              <a:rPr lang="en-US" sz="2000" dirty="0"/>
-              <a:t>Initialize </a:t>
-            </a:r>
-            <a:r>
-              <a:rPr lang="en-US" sz="2000" b="1" dirty="0"/>
-              <a:t>sub collections</a:t>
-            </a:r>
-          </a:p>
-          <a:p>
-            <a:r>
-              <a:rPr lang="en-US" sz="2000" dirty="0"/>
-              <a:t>Get id as an </a:t>
-            </a:r>
-            <a:r>
-              <a:rPr lang="en-US" sz="2000" b="1" dirty="0"/>
-              <a:t>argument</a:t>
-            </a:r>
-            <a:r>
-              <a:rPr lang="en-US" sz="2000" dirty="0"/>
-              <a:t> (don’t use </a:t>
-            </a:r>
-            <a:r>
-              <a:rPr lang="en-US" sz="2000" dirty="0" err="1"/>
-              <a:t>Guid.NewGuid</a:t>
-            </a:r>
-            <a:r>
-              <a:rPr lang="en-US" sz="2000" dirty="0"/>
-              <a:t>())</a:t>
-            </a:r>
-          </a:p>
-          <a:p>
-            <a:pPr lvl="1"/>
-            <a:r>
-              <a:rPr lang="en-US" sz="1600" dirty="0"/>
-              <a:t>Use a service to create GUIDs, like </a:t>
-            </a:r>
-            <a:r>
-              <a:rPr lang="en-US" sz="1600" b="1" dirty="0" err="1"/>
-              <a:t>IGuidGenerator</a:t>
-            </a:r>
-            <a:endParaRPr lang="en-US" sz="1600" b="1" dirty="0"/>
-          </a:p>
-          <a:p>
-            <a:r>
-              <a:rPr lang="en-US" sz="2000" dirty="0"/>
-              <a:t>Create a </a:t>
-            </a:r>
-            <a:r>
-              <a:rPr lang="en-US" sz="2000" b="1" dirty="0"/>
-              <a:t>private default constructor</a:t>
-            </a:r>
-            <a:r>
-              <a:rPr lang="en-US" sz="2000" dirty="0"/>
-              <a:t> for ORMs &amp; deserialization</a:t>
-            </a:r>
-          </a:p>
-        </p:txBody>
-      </p:sp>
-      <p:pic>
-        <p:nvPicPr>
-          <p:cNvPr id="10" name="Picture 9">
-            <a:extLst>
-              <a:ext uri="{FF2B5EF4-FFF2-40B4-BE49-F238E27FC236}">
-                <a16:creationId xmlns:a16="http://schemas.microsoft.com/office/drawing/2014/main" id="{BDF2FB63-5EE2-4406-B0B5-3EF4FF59C85A}"/>
-              </a:ext>
-            </a:extLst>
-          </p:cNvPr>
-          <p:cNvPicPr>
-            <a:picLocks noChangeAspect="1"/>
-          </p:cNvPicPr>
-          <p:nvPr/>
-        </p:nvPicPr>
-        <p:blipFill>
-          <a:blip r:embed="rId2"/>
-          <a:stretch>
-            <a:fillRect/>
-          </a:stretch>
-        </p:blipFill>
-        <p:spPr>
-          <a:xfrm>
-            <a:off x="870959" y="1544733"/>
-            <a:ext cx="5225041" cy="5214660"/>
-          </a:xfrm>
-          <a:prstGeom prst="rect">
-            <a:avLst/>
-          </a:prstGeom>
-        </p:spPr>
-      </p:pic>
-    </p:spTree>
-    <p:extLst>
-      <p:ext uri="{BB962C8B-B14F-4D97-AF65-F5344CB8AC3E}">
-        <p14:creationId xmlns:p14="http://schemas.microsoft.com/office/powerpoint/2010/main" val="385655344"/>
-      </p:ext>
-    </p:extLst>
-  </p:cSld>
-  <p:clrMapOvr>
-    <a:masterClrMapping/>
-  </p:clrMapOvr>
-</p:sld>
-</file>
-
-<file path=ppt/slides/slide14.xml><?xml version="1.0" encoding="utf-8"?>
-<p:sld xmlns:a="http://schemas.openxmlformats.org/drawingml/2006/main" xmlns:r="http://schemas.openxmlformats.org/officeDocument/2006/relationships" xmlns:p="http://schemas.openxmlformats.org/presentationml/2006/main">
-  <p:cSld>
-    <p:spTree>
-      <p:nvGrpSpPr>
-        <p:cNvPr id="1" name=""/>
-        <p:cNvGrpSpPr/>
-        <p:nvPr/>
-      </p:nvGrpSpPr>
-      <p:grpSpPr>
-        <a:xfrm>
-          <a:off x="0" y="0"/>
-          <a:ext cx="0" cy="0"/>
-          <a:chOff x="0" y="0"/>
-          <a:chExt cx="0" cy="0"/>
-        </a:xfrm>
-      </p:grpSpPr>
-      <p:sp>
-        <p:nvSpPr>
-          <p:cNvPr id="2" name="Title 1">
-            <a:extLst>
-              <a:ext uri="{FF2B5EF4-FFF2-40B4-BE49-F238E27FC236}">
-                <a16:creationId xmlns:a16="http://schemas.microsoft.com/office/drawing/2014/main" id="{03C80C10-AC64-410F-A1DF-5A3C34774B29}"/>
-              </a:ext>
-            </a:extLst>
-          </p:cNvPr>
-          <p:cNvSpPr>
-            <a:spLocks noGrp="1"/>
-          </p:cNvSpPr>
-          <p:nvPr>
-            <p:ph type="title"/>
-          </p:nvPr>
-        </p:nvSpPr>
-        <p:spPr/>
-        <p:txBody>
-          <a:bodyPr/>
-          <a:lstStyle/>
-          <a:p>
-            <a:r>
-              <a:rPr lang="en-US" dirty="0"/>
-              <a:t>Aggregate Roots / Entities</a:t>
-            </a:r>
-            <a:br>
-              <a:rPr lang="en-US" dirty="0"/>
-            </a:br>
-            <a:r>
-              <a:rPr lang="en-US" sz="3600" dirty="0"/>
-              <a:t>Property Accessors / Methods</a:t>
-            </a:r>
-            <a:endParaRPr lang="en-US" dirty="0"/>
-          </a:p>
-        </p:txBody>
-      </p:sp>
-      <p:sp>
-        <p:nvSpPr>
-          <p:cNvPr id="3" name="Content Placeholder 2">
-            <a:extLst>
-              <a:ext uri="{FF2B5EF4-FFF2-40B4-BE49-F238E27FC236}">
-                <a16:creationId xmlns:a16="http://schemas.microsoft.com/office/drawing/2014/main" id="{339F6957-1E87-41A7-B6F1-6CD0CA00E173}"/>
-              </a:ext>
-            </a:extLst>
-          </p:cNvPr>
-          <p:cNvSpPr>
-            <a:spLocks noGrp="1"/>
-          </p:cNvSpPr>
-          <p:nvPr>
-            <p:ph idx="1"/>
-          </p:nvPr>
-        </p:nvSpPr>
-        <p:spPr>
-          <a:xfrm>
-            <a:off x="6871855" y="1825625"/>
-            <a:ext cx="4481945" cy="4351338"/>
-          </a:xfrm>
-        </p:spPr>
-        <p:txBody>
-          <a:bodyPr>
-            <a:normAutofit/>
-          </a:bodyPr>
-          <a:lstStyle/>
-          <a:p>
-            <a:r>
-              <a:rPr lang="en-US" sz="2000" dirty="0"/>
-              <a:t>Maintain object </a:t>
-            </a:r>
-            <a:r>
-              <a:rPr lang="en-US" sz="2000" b="1" dirty="0"/>
-              <a:t>VALIDITY</a:t>
-            </a:r>
-          </a:p>
-          <a:p>
-            <a:r>
-              <a:rPr lang="en-US" sz="2000" dirty="0"/>
-              <a:t>Use private setters</a:t>
-            </a:r>
-          </a:p>
-          <a:p>
-            <a:r>
-              <a:rPr lang="en-US" sz="2000" dirty="0"/>
-              <a:t>Change properties via methods</a:t>
-            </a:r>
-          </a:p>
-        </p:txBody>
-      </p:sp>
-      <p:pic>
-        <p:nvPicPr>
-          <p:cNvPr id="4" name="Picture 3">
-            <a:extLst>
-              <a:ext uri="{FF2B5EF4-FFF2-40B4-BE49-F238E27FC236}">
-                <a16:creationId xmlns:a16="http://schemas.microsoft.com/office/drawing/2014/main" id="{CC7F8559-3CB7-4BD7-8CED-74B614685A77}"/>
-              </a:ext>
-            </a:extLst>
-          </p:cNvPr>
-          <p:cNvPicPr>
-            <a:picLocks noChangeAspect="1"/>
-          </p:cNvPicPr>
-          <p:nvPr/>
-        </p:nvPicPr>
-        <p:blipFill>
-          <a:blip r:embed="rId2"/>
-          <a:stretch>
-            <a:fillRect/>
-          </a:stretch>
-        </p:blipFill>
-        <p:spPr>
-          <a:xfrm>
-            <a:off x="878354" y="1647145"/>
-            <a:ext cx="5720423" cy="5101998"/>
-          </a:xfrm>
-          <a:prstGeom prst="rect">
-            <a:avLst/>
-          </a:prstGeom>
-        </p:spPr>
-      </p:pic>
-    </p:spTree>
-    <p:extLst>
-      <p:ext uri="{BB962C8B-B14F-4D97-AF65-F5344CB8AC3E}">
-        <p14:creationId xmlns:p14="http://schemas.microsoft.com/office/powerpoint/2010/main" val="408162362"/>
-      </p:ext>
-    </p:extLst>
-  </p:cSld>
-  <p:clrMapOvr>
-    <a:masterClrMapping/>
-  </p:clrMapOvr>
-</p:sld>
-</file>
-
 <file path=ppt/slides/slide15.xml><?xml version="1.0" encoding="utf-8"?>
 <p:sld xmlns:a="http://schemas.openxmlformats.org/drawingml/2006/main" xmlns:r="http://schemas.openxmlformats.org/officeDocument/2006/relationships" xmlns:p="http://schemas.openxmlformats.org/presentationml/2006/main">
   <p:cSld>
@@ -4815,7 +4658,7 @@
             </a:br>
             <a:r>
               <a:rPr lang="en-US" sz="3600" dirty="0"/>
-              <a:t>Business Logic &amp; Exceptions</a:t>
+              <a:t>Constructor</a:t>
             </a:r>
             <a:endParaRPr lang="en-US" dirty="0"/>
           </a:p>
@@ -4839,53 +4682,109 @@
         </p:nvSpPr>
         <p:spPr>
           <a:xfrm>
-            <a:off x="6776853" y="1426151"/>
-            <a:ext cx="4481945" cy="1135289"/>
+            <a:off x="6246421" y="1825625"/>
+            <a:ext cx="5107379" cy="4351338"/>
           </a:xfrm>
         </p:spPr>
         <p:txBody>
           <a:bodyPr>
-            <a:normAutofit fontScale="85000" lnSpcReduction="20000"/>
+            <a:normAutofit/>
           </a:bodyPr>
           <a:lstStyle/>
           <a:p>
             <a:r>
               <a:rPr lang="en-US" sz="2000" dirty="0"/>
-              <a:t>Implement </a:t>
+              <a:t>Force to create a </a:t>
             </a:r>
             <a:r>
               <a:rPr lang="en-US" sz="2000" b="1" dirty="0"/>
-              <a:t>Business Rules</a:t>
-            </a:r>
-          </a:p>
-          <a:p>
+              <a:t>VALID</a:t>
+            </a:r>
             <a:r>
               <a:rPr lang="en-US" sz="2000" dirty="0"/>
-              <a:t>Define a good method name matches to the </a:t>
+              <a:t> entity</a:t>
+            </a:r>
+          </a:p>
+          <a:p>
+            <a:r>
+              <a:rPr lang="en-US" sz="2000" dirty="0"/>
+              <a:t>Get </a:t>
             </a:r>
             <a:r>
               <a:rPr lang="en-US" sz="2000" b="1" dirty="0"/>
-              <a:t>domain action</a:t>
-            </a:r>
-          </a:p>
-          <a:p>
+              <a:t>minimum </a:t>
+            </a:r>
             <a:r>
               <a:rPr lang="en-US" sz="2000" dirty="0"/>
-              <a:t>Define and throw specialized </a:t>
+              <a:t>required arguments</a:t>
+            </a:r>
+          </a:p>
+          <a:p>
+            <a:r>
+              <a:rPr lang="en-US" sz="2000" dirty="0"/>
+              <a:t>Initialize </a:t>
             </a:r>
             <a:r>
               <a:rPr lang="en-US" sz="2000" b="1" dirty="0"/>
-              <a:t>exceptions</a:t>
+              <a:t>sub collections</a:t>
+            </a:r>
+          </a:p>
+          <a:p>
+            <a:r>
+              <a:rPr lang="en-US" sz="2000" dirty="0"/>
+              <a:t>Get id as an </a:t>
+            </a:r>
+            <a:r>
+              <a:rPr lang="en-US" sz="2000" b="1" dirty="0"/>
+              <a:t>argument</a:t>
+            </a:r>
+            <a:r>
+              <a:rPr lang="en-US" sz="2000" dirty="0"/>
+              <a:t> (don’t use </a:t>
+            </a:r>
+            <a:r>
+              <a:rPr lang="en-US" sz="2000" dirty="0" err="1"/>
+              <a:t>Guid.NewGuid</a:t>
+            </a:r>
+            <a:r>
+              <a:rPr lang="en-US" sz="2000" dirty="0"/>
+              <a:t>())</a:t>
+            </a:r>
+          </a:p>
+          <a:p>
+            <a:pPr lvl="1"/>
+            <a:r>
+              <a:rPr lang="en-US" sz="1600" dirty="0"/>
+              <a:t>Use a service to create GUIDs, like </a:t>
+            </a:r>
+            <a:r>
+              <a:rPr lang="en-US" sz="1600" b="1" dirty="0" err="1"/>
+              <a:t>IGuidGenerator</a:t>
+            </a:r>
+            <a:endParaRPr lang="en-US" sz="1600" b="1" dirty="0"/>
+          </a:p>
+          <a:p>
+            <a:r>
+              <a:rPr lang="en-US" sz="2000" dirty="0"/>
+              <a:t>Create a </a:t>
+            </a:r>
+            <a:r>
+              <a:rPr lang="en-US" sz="2000" b="1" dirty="0"/>
+              <a:t>private default constructor</a:t>
+            </a:r>
+            <a:r>
+              <a:rPr lang="en-US" sz="2000" dirty="0"/>
+              <a:t> for ORMs &amp; deserialization</a:t>
             </a:r>
           </a:p>
         </p:txBody>
       </p:sp>
       <p:pic>
         <p:nvPicPr>
-          <p:cNvPr id="5" name="Picture 4">
-            <a:extLst>
-              <a:ext uri="{FF2B5EF4-FFF2-40B4-BE49-F238E27FC236}">
-                <a16:creationId xmlns:a16="http://schemas.microsoft.com/office/drawing/2014/main" id="{C5A13D0F-87F2-42B8-B41F-465F65882058}"/>
+          <p:cNvPr id="10" name="Picture 9">
+            <a:extLst>
+              <a:ext uri="{FF2B5EF4-FFF2-40B4-BE49-F238E27FC236}">
+                <a16:creationId xmlns:a16="http://schemas.microsoft.com/office/drawing/2014/main" id="{BDF2FB63-5EE2-4406-B0B5-3EF4FF59C85A}"/>
               </a:ext>
             </a:extLst>
           </p:cNvPr>
@@ -4902,94 +4801,18 @@
         </p:blipFill>
         <p:spPr>
           <a:xfrm>
-            <a:off x="838200" y="1690688"/>
-            <a:ext cx="5396345" cy="1376735"/>
+            <a:off x="870959" y="1544733"/>
+            <a:ext cx="5225041" cy="5214660"/>
           </a:xfrm>
           <a:prstGeom prst="rect">
             <a:avLst/>
           </a:prstGeom>
-        </p:spPr>
-      </p:pic>
-      <p:pic>
-        <p:nvPicPr>
-          <p:cNvPr id="6" name="Picture 5">
-            <a:extLst>
-              <a:ext uri="{FF2B5EF4-FFF2-40B4-BE49-F238E27FC236}">
-                <a16:creationId xmlns:a16="http://schemas.microsoft.com/office/drawing/2014/main" id="{96A2F173-0BFD-49BB-88D6-90DFD3F7C2BA}"/>
-              </a:ext>
-            </a:extLst>
-          </p:cNvPr>
-          <p:cNvPicPr>
-            <a:picLocks noChangeAspect="1"/>
-          </p:cNvPicPr>
-          <p:nvPr/>
-        </p:nvPicPr>
-        <p:blipFill>
-          <a:blip r:embed="rId3"/>
-          <a:stretch>
-            <a:fillRect/>
-          </a:stretch>
-        </p:blipFill>
-        <p:spPr>
-          <a:xfrm>
-            <a:off x="387394" y="3190745"/>
-            <a:ext cx="5708606" cy="3355708"/>
-          </a:xfrm>
-          <a:prstGeom prst="rect">
-            <a:avLst/>
-          </a:prstGeom>
-          <a:ln w="12700">
-            <a:solidFill>
-              <a:schemeClr val="tx1">
-                <a:lumMod val="75000"/>
-                <a:lumOff val="25000"/>
-              </a:schemeClr>
-            </a:solidFill>
-          </a:ln>
-        </p:spPr>
-      </p:pic>
-      <p:pic>
-        <p:nvPicPr>
-          <p:cNvPr id="7" name="Picture 6">
-            <a:extLst>
-              <a:ext uri="{FF2B5EF4-FFF2-40B4-BE49-F238E27FC236}">
-                <a16:creationId xmlns:a16="http://schemas.microsoft.com/office/drawing/2014/main" id="{5C877230-E716-488A-9433-EC63C689E692}"/>
-              </a:ext>
-            </a:extLst>
-          </p:cNvPr>
-          <p:cNvPicPr>
-            <a:picLocks noChangeAspect="1"/>
-          </p:cNvPicPr>
-          <p:nvPr/>
-        </p:nvPicPr>
-        <p:blipFill>
-          <a:blip r:embed="rId4"/>
-          <a:stretch>
-            <a:fillRect/>
-          </a:stretch>
-        </p:blipFill>
-        <p:spPr>
-          <a:xfrm>
-            <a:off x="6318472" y="3190745"/>
-            <a:ext cx="5202381" cy="3355708"/>
-          </a:xfrm>
-          <a:prstGeom prst="rect">
-            <a:avLst/>
-          </a:prstGeom>
-          <a:ln w="12700">
-            <a:solidFill>
-              <a:schemeClr val="tx1">
-                <a:lumMod val="75000"/>
-                <a:lumOff val="25000"/>
-              </a:schemeClr>
-            </a:solidFill>
-          </a:ln>
         </p:spPr>
       </p:pic>
     </p:spTree>
     <p:extLst>
       <p:ext uri="{BB962C8B-B14F-4D97-AF65-F5344CB8AC3E}">
-        <p14:creationId xmlns:p14="http://schemas.microsoft.com/office/powerpoint/2010/main" val="3822252625"/>
+        <p14:creationId xmlns:p14="http://schemas.microsoft.com/office/powerpoint/2010/main" val="385655344"/>
       </p:ext>
     </p:extLst>
   </p:cSld>
@@ -5021,7 +4844,7 @@
           <p:cNvPr id="2" name="Title 1">
             <a:extLst>
               <a:ext uri="{FF2B5EF4-FFF2-40B4-BE49-F238E27FC236}">
-                <a16:creationId xmlns:a16="http://schemas.microsoft.com/office/drawing/2014/main" id="{CAC3118C-A7CE-422C-BAEF-3632E4A90809}"/>
+                <a16:creationId xmlns:a16="http://schemas.microsoft.com/office/drawing/2014/main" id="{03C80C10-AC64-410F-A1DF-5A3C34774B29}"/>
               </a:ext>
             </a:extLst>
           </p:cNvPr>
@@ -5046,7 +4869,7 @@
             </a:br>
             <a:r>
               <a:rPr lang="en-US" sz="3600" dirty="0"/>
-              <a:t>Business Logic</a:t>
+              <a:t>Property Accessors / Methods</a:t>
             </a:r>
             <a:endParaRPr lang="en-US" dirty="0"/>
           </a:p>
@@ -5057,7 +4880,7 @@
           <p:cNvPr id="3" name="Content Placeholder 2">
             <a:extLst>
               <a:ext uri="{FF2B5EF4-FFF2-40B4-BE49-F238E27FC236}">
-                <a16:creationId xmlns:a16="http://schemas.microsoft.com/office/drawing/2014/main" id="{141EE3D6-643A-4473-A479-F8B2C14C9D76}"/>
+                <a16:creationId xmlns:a16="http://schemas.microsoft.com/office/drawing/2014/main" id="{339F6957-1E87-41A7-B6F1-6CD0CA00E173}"/>
               </a:ext>
             </a:extLst>
           </p:cNvPr>
@@ -5068,31 +4891,47 @@
             <p:ph idx="1"/>
           </p:nvPr>
         </p:nvSpPr>
-        <p:spPr/>
-        <p:txBody>
-          <a:bodyPr/>
-          <a:lstStyle/>
-          <a:p>
-            <a:r>
-              <a:rPr lang="en-US" dirty="0"/>
-              <a:t>How to implement when you need external services?</a:t>
-            </a:r>
-          </a:p>
-          <a:p>
-            <a:pPr lvl="1"/>
-            <a:r>
-              <a:rPr lang="en-US" dirty="0"/>
-              <a:t>Business Rule: Can not assign more than 3 issues to a user!</a:t>
+        <p:spPr>
+          <a:xfrm>
+            <a:off x="6871855" y="1825625"/>
+            <a:ext cx="4481945" cy="4351338"/>
+          </a:xfrm>
+        </p:spPr>
+        <p:txBody>
+          <a:bodyPr>
+            <a:normAutofit/>
+          </a:bodyPr>
+          <a:lstStyle/>
+          <a:p>
+            <a:r>
+              <a:rPr lang="en-US" sz="2000" dirty="0"/>
+              <a:t>Maintain object </a:t>
+            </a:r>
+            <a:r>
+              <a:rPr lang="en-US" sz="2000" b="1" dirty="0"/>
+              <a:t>VALIDITY</a:t>
+            </a:r>
+          </a:p>
+          <a:p>
+            <a:r>
+              <a:rPr lang="en-US" sz="2000" dirty="0"/>
+              <a:t>Use private setters</a:t>
+            </a:r>
+          </a:p>
+          <a:p>
+            <a:r>
+              <a:rPr lang="en-US" sz="2000" dirty="0"/>
+              <a:t>Change properties via methods</a:t>
             </a:r>
           </a:p>
         </p:txBody>
       </p:sp>
       <p:pic>
         <p:nvPicPr>
-          <p:cNvPr id="5" name="Picture 4">
-            <a:extLst>
-              <a:ext uri="{FF2B5EF4-FFF2-40B4-BE49-F238E27FC236}">
-                <a16:creationId xmlns:a16="http://schemas.microsoft.com/office/drawing/2014/main" id="{62E158DF-9FAB-400A-9EE0-123D4865975C}"/>
+          <p:cNvPr id="4" name="Picture 3">
+            <a:extLst>
+              <a:ext uri="{FF2B5EF4-FFF2-40B4-BE49-F238E27FC236}">
+                <a16:creationId xmlns:a16="http://schemas.microsoft.com/office/drawing/2014/main" id="{CC7F8559-3CB7-4BD7-8CED-74B614685A77}"/>
               </a:ext>
             </a:extLst>
           </p:cNvPr>
@@ -5109,8 +4948,8 @@
         </p:blipFill>
         <p:spPr>
           <a:xfrm>
-            <a:off x="838200" y="2843408"/>
-            <a:ext cx="6957651" cy="3786982"/>
+            <a:off x="878354" y="1647145"/>
+            <a:ext cx="5720423" cy="5101998"/>
           </a:xfrm>
           <a:prstGeom prst="rect">
             <a:avLst/>
@@ -5120,7 +4959,7 @@
     </p:spTree>
     <p:extLst>
       <p:ext uri="{BB962C8B-B14F-4D97-AF65-F5344CB8AC3E}">
-        <p14:creationId xmlns:p14="http://schemas.microsoft.com/office/powerpoint/2010/main" val="756053795"/>
+        <p14:creationId xmlns:p14="http://schemas.microsoft.com/office/powerpoint/2010/main" val="408162362"/>
       </p:ext>
     </p:extLst>
   </p:cSld>
@@ -5152,7 +4991,7 @@
           <p:cNvPr id="2" name="Title 1">
             <a:extLst>
               <a:ext uri="{FF2B5EF4-FFF2-40B4-BE49-F238E27FC236}">
-                <a16:creationId xmlns:a16="http://schemas.microsoft.com/office/drawing/2014/main" id="{CAC3118C-A7CE-422C-BAEF-3632E4A90809}"/>
+                <a16:creationId xmlns:a16="http://schemas.microsoft.com/office/drawing/2014/main" id="{03C80C10-AC64-410F-A1DF-5A3C34774B29}"/>
               </a:ext>
             </a:extLst>
           </p:cNvPr>
@@ -5177,7 +5016,7 @@
             </a:br>
             <a:r>
               <a:rPr lang="en-US" sz="3600" dirty="0"/>
-              <a:t>Business Logic</a:t>
+              <a:t>Business Logic &amp; Exceptions</a:t>
             </a:r>
             <a:endParaRPr lang="en-US" dirty="0"/>
           </a:p>
@@ -5188,7 +5027,7 @@
           <p:cNvPr id="3" name="Content Placeholder 2">
             <a:extLst>
               <a:ext uri="{FF2B5EF4-FFF2-40B4-BE49-F238E27FC236}">
-                <a16:creationId xmlns:a16="http://schemas.microsoft.com/office/drawing/2014/main" id="{141EE3D6-643A-4473-A479-F8B2C14C9D76}"/>
+                <a16:creationId xmlns:a16="http://schemas.microsoft.com/office/drawing/2014/main" id="{339F6957-1E87-41A7-B6F1-6CD0CA00E173}"/>
               </a:ext>
             </a:extLst>
           </p:cNvPr>
@@ -5199,59 +5038,159 @@
             <p:ph idx="1"/>
           </p:nvPr>
         </p:nvSpPr>
-        <p:spPr/>
-        <p:txBody>
-          <a:bodyPr/>
-          <a:lstStyle/>
-          <a:p>
-            <a:r>
-              <a:rPr lang="en-US" dirty="0"/>
-              <a:t>How to implement when you need external services?</a:t>
-            </a:r>
-          </a:p>
-          <a:p>
-            <a:pPr lvl="1"/>
-            <a:r>
-              <a:rPr lang="en-US" dirty="0"/>
-              <a:t>Business Rule: Can not assign more than 3 issues to a user!</a:t>
-            </a:r>
-          </a:p>
-          <a:p>
-            <a:pPr lvl="1"/>
-            <a:endParaRPr lang="en-US" sz="4400" dirty="0"/>
-          </a:p>
-          <a:p>
-            <a:pPr marL="457200" lvl="1" indent="0" algn="ctr">
-              <a:buNone/>
-            </a:pPr>
-            <a:r>
-              <a:rPr lang="en-US" sz="4400" dirty="0"/>
-              <a:t>ALTERNATIVE..?</a:t>
-            </a:r>
-          </a:p>
-          <a:p>
-            <a:pPr marL="457200" lvl="1" indent="0" algn="ctr">
-              <a:buNone/>
-            </a:pPr>
-            <a:r>
-              <a:rPr lang="en-US" sz="4000" dirty="0"/>
-              <a:t>Create a </a:t>
-            </a:r>
-            <a:r>
-              <a:rPr lang="en-US" sz="4000" b="1" dirty="0"/>
-              <a:t>Domain Service</a:t>
-            </a:r>
-            <a:r>
-              <a:rPr lang="en-US" sz="4000" dirty="0"/>
-              <a:t>!</a:t>
-            </a:r>
-          </a:p>
-        </p:txBody>
-      </p:sp>
+        <p:spPr>
+          <a:xfrm>
+            <a:off x="6776853" y="1426151"/>
+            <a:ext cx="4481945" cy="1135289"/>
+          </a:xfrm>
+        </p:spPr>
+        <p:txBody>
+          <a:bodyPr>
+            <a:normAutofit fontScale="85000" lnSpcReduction="20000"/>
+          </a:bodyPr>
+          <a:lstStyle/>
+          <a:p>
+            <a:r>
+              <a:rPr lang="en-US" sz="2000" dirty="0"/>
+              <a:t>Implement </a:t>
+            </a:r>
+            <a:r>
+              <a:rPr lang="en-US" sz="2000" b="1" dirty="0"/>
+              <a:t>Business Rules</a:t>
+            </a:r>
+          </a:p>
+          <a:p>
+            <a:r>
+              <a:rPr lang="en-US" sz="2000" dirty="0"/>
+              <a:t>Define a good method name matches to the </a:t>
+            </a:r>
+            <a:r>
+              <a:rPr lang="en-US" sz="2000" b="1" dirty="0"/>
+              <a:t>domain action</a:t>
+            </a:r>
+          </a:p>
+          <a:p>
+            <a:r>
+              <a:rPr lang="en-US" sz="2000" dirty="0"/>
+              <a:t>Define and throw specialized </a:t>
+            </a:r>
+            <a:r>
+              <a:rPr lang="en-US" sz="2000" b="1" dirty="0"/>
+              <a:t>exceptions</a:t>
+            </a:r>
+          </a:p>
+        </p:txBody>
+      </p:sp>
+      <p:pic>
+        <p:nvPicPr>
+          <p:cNvPr id="5" name="Picture 4">
+            <a:extLst>
+              <a:ext uri="{FF2B5EF4-FFF2-40B4-BE49-F238E27FC236}">
+                <a16:creationId xmlns:a16="http://schemas.microsoft.com/office/drawing/2014/main" id="{C5A13D0F-87F2-42B8-B41F-465F65882058}"/>
+              </a:ext>
+            </a:extLst>
+          </p:cNvPr>
+          <p:cNvPicPr>
+            <a:picLocks noChangeAspect="1"/>
+          </p:cNvPicPr>
+          <p:nvPr/>
+        </p:nvPicPr>
+        <p:blipFill>
+          <a:blip r:embed="rId2"/>
+          <a:stretch>
+            <a:fillRect/>
+          </a:stretch>
+        </p:blipFill>
+        <p:spPr>
+          <a:xfrm>
+            <a:off x="838200" y="1690688"/>
+            <a:ext cx="5396345" cy="1376735"/>
+          </a:xfrm>
+          <a:prstGeom prst="rect">
+            <a:avLst/>
+          </a:prstGeom>
+        </p:spPr>
+      </p:pic>
+      <p:pic>
+        <p:nvPicPr>
+          <p:cNvPr id="6" name="Picture 5">
+            <a:extLst>
+              <a:ext uri="{FF2B5EF4-FFF2-40B4-BE49-F238E27FC236}">
+                <a16:creationId xmlns:a16="http://schemas.microsoft.com/office/drawing/2014/main" id="{96A2F173-0BFD-49BB-88D6-90DFD3F7C2BA}"/>
+              </a:ext>
+            </a:extLst>
+          </p:cNvPr>
+          <p:cNvPicPr>
+            <a:picLocks noChangeAspect="1"/>
+          </p:cNvPicPr>
+          <p:nvPr/>
+        </p:nvPicPr>
+        <p:blipFill>
+          <a:blip r:embed="rId3"/>
+          <a:stretch>
+            <a:fillRect/>
+          </a:stretch>
+        </p:blipFill>
+        <p:spPr>
+          <a:xfrm>
+            <a:off x="387394" y="3190745"/>
+            <a:ext cx="5708606" cy="3355708"/>
+          </a:xfrm>
+          <a:prstGeom prst="rect">
+            <a:avLst/>
+          </a:prstGeom>
+          <a:ln w="12700">
+            <a:solidFill>
+              <a:schemeClr val="tx1">
+                <a:lumMod val="75000"/>
+                <a:lumOff val="25000"/>
+              </a:schemeClr>
+            </a:solidFill>
+          </a:ln>
+        </p:spPr>
+      </p:pic>
+      <p:pic>
+        <p:nvPicPr>
+          <p:cNvPr id="7" name="Picture 6">
+            <a:extLst>
+              <a:ext uri="{FF2B5EF4-FFF2-40B4-BE49-F238E27FC236}">
+                <a16:creationId xmlns:a16="http://schemas.microsoft.com/office/drawing/2014/main" id="{5C877230-E716-488A-9433-EC63C689E692}"/>
+              </a:ext>
+            </a:extLst>
+          </p:cNvPr>
+          <p:cNvPicPr>
+            <a:picLocks noChangeAspect="1"/>
+          </p:cNvPicPr>
+          <p:nvPr/>
+        </p:nvPicPr>
+        <p:blipFill>
+          <a:blip r:embed="rId4"/>
+          <a:stretch>
+            <a:fillRect/>
+          </a:stretch>
+        </p:blipFill>
+        <p:spPr>
+          <a:xfrm>
+            <a:off x="6318472" y="3190745"/>
+            <a:ext cx="5202381" cy="3355708"/>
+          </a:xfrm>
+          <a:prstGeom prst="rect">
+            <a:avLst/>
+          </a:prstGeom>
+          <a:ln w="12700">
+            <a:solidFill>
+              <a:schemeClr val="tx1">
+                <a:lumMod val="75000"/>
+                <a:lumOff val="25000"/>
+              </a:schemeClr>
+            </a:solidFill>
+          </a:ln>
+        </p:spPr>
+      </p:pic>
     </p:spTree>
     <p:extLst>
       <p:ext uri="{BB962C8B-B14F-4D97-AF65-F5344CB8AC3E}">
-        <p14:creationId xmlns:p14="http://schemas.microsoft.com/office/powerpoint/2010/main" val="2185339698"/>
+        <p14:creationId xmlns:p14="http://schemas.microsoft.com/office/powerpoint/2010/main" val="3822252625"/>
       </p:ext>
     </p:extLst>
   </p:cSld>
@@ -5283,7 +5222,7 @@
           <p:cNvPr id="2" name="Title 1">
             <a:extLst>
               <a:ext uri="{FF2B5EF4-FFF2-40B4-BE49-F238E27FC236}">
-                <a16:creationId xmlns:a16="http://schemas.microsoft.com/office/drawing/2014/main" id="{BDD446CD-C68E-4B34-9354-E8F68D0EB962}"/>
+                <a16:creationId xmlns:a16="http://schemas.microsoft.com/office/drawing/2014/main" id="{CAC3118C-A7CE-422C-BAEF-3632E4A90809}"/>
               </a:ext>
             </a:extLst>
           </p:cNvPr>
@@ -5301,14 +5240,14 @@
           <a:p>
             <a:r>
               <a:rPr lang="en-US" dirty="0"/>
-              <a:t>Repositories</a:t>
+              <a:t>Aggregate Roots / Entities</a:t>
             </a:r>
             <a:br>
               <a:rPr lang="en-US" dirty="0"/>
             </a:br>
             <a:r>
               <a:rPr lang="en-US" sz="3600" dirty="0"/>
-              <a:t>Principles</a:t>
+              <a:t>Business Logic</a:t>
             </a:r>
             <a:endParaRPr lang="en-US" dirty="0"/>
           </a:p>
@@ -5319,7 +5258,7 @@
           <p:cNvPr id="3" name="Content Placeholder 2">
             <a:extLst>
               <a:ext uri="{FF2B5EF4-FFF2-40B4-BE49-F238E27FC236}">
-                <a16:creationId xmlns:a16="http://schemas.microsoft.com/office/drawing/2014/main" id="{D4177B28-2B93-49AF-A420-DECFC76E329B}"/>
+                <a16:creationId xmlns:a16="http://schemas.microsoft.com/office/drawing/2014/main" id="{141EE3D6-643A-4473-A479-F8B2C14C9D76}"/>
               </a:ext>
             </a:extLst>
           </p:cNvPr>
@@ -5337,41 +5276,52 @@
           <a:p>
             <a:r>
               <a:rPr lang="en-US" dirty="0"/>
-              <a:t>Define interface in the domain layer, implement in the infrastructure</a:t>
-            </a:r>
-          </a:p>
-          <a:p>
-            <a:r>
-              <a:rPr lang="en-US" dirty="0"/>
-              <a:t>Do not include domain logic</a:t>
-            </a:r>
-          </a:p>
-          <a:p>
-            <a:r>
-              <a:rPr lang="en-US" dirty="0"/>
-              <a:t>Repository interface should be database provider / ORM independent</a:t>
-            </a:r>
-          </a:p>
-          <a:p>
-            <a:r>
-              <a:rPr lang="en-US" dirty="0"/>
-              <a:t>Create repositories for </a:t>
-            </a:r>
-            <a:r>
-              <a:rPr lang="en-US" b="1" dirty="0"/>
-              <a:t>aggregate roots</a:t>
-            </a:r>
-            <a:r>
-              <a:rPr lang="en-US" dirty="0"/>
-              <a:t>, not entities</a:t>
-            </a:r>
-          </a:p>
-        </p:txBody>
-      </p:sp>
+              <a:t>How to implement when you need external services?</a:t>
+            </a:r>
+          </a:p>
+          <a:p>
+            <a:pPr lvl="1"/>
+            <a:r>
+              <a:rPr lang="en-US" dirty="0"/>
+              <a:t>Business Rule: Can not assign more than 3 issues to a user!</a:t>
+            </a:r>
+          </a:p>
+        </p:txBody>
+      </p:sp>
+      <p:pic>
+        <p:nvPicPr>
+          <p:cNvPr id="5" name="Picture 4">
+            <a:extLst>
+              <a:ext uri="{FF2B5EF4-FFF2-40B4-BE49-F238E27FC236}">
+                <a16:creationId xmlns:a16="http://schemas.microsoft.com/office/drawing/2014/main" id="{62E158DF-9FAB-400A-9EE0-123D4865975C}"/>
+              </a:ext>
+            </a:extLst>
+          </p:cNvPr>
+          <p:cNvPicPr>
+            <a:picLocks noChangeAspect="1"/>
+          </p:cNvPicPr>
+          <p:nvPr/>
+        </p:nvPicPr>
+        <p:blipFill>
+          <a:blip r:embed="rId2"/>
+          <a:stretch>
+            <a:fillRect/>
+          </a:stretch>
+        </p:blipFill>
+        <p:spPr>
+          <a:xfrm>
+            <a:off x="838200" y="2843408"/>
+            <a:ext cx="6957651" cy="3786982"/>
+          </a:xfrm>
+          <a:prstGeom prst="rect">
+            <a:avLst/>
+          </a:prstGeom>
+        </p:spPr>
+      </p:pic>
     </p:spTree>
     <p:extLst>
       <p:ext uri="{BB962C8B-B14F-4D97-AF65-F5344CB8AC3E}">
-        <p14:creationId xmlns:p14="http://schemas.microsoft.com/office/powerpoint/2010/main" val="2102858930"/>
+        <p14:creationId xmlns:p14="http://schemas.microsoft.com/office/powerpoint/2010/main" val="756053795"/>
       </p:ext>
     </p:extLst>
   </p:cSld>
@@ -5403,7 +5353,7 @@
           <p:cNvPr id="2" name="Title 1">
             <a:extLst>
               <a:ext uri="{FF2B5EF4-FFF2-40B4-BE49-F238E27FC236}">
-                <a16:creationId xmlns:a16="http://schemas.microsoft.com/office/drawing/2014/main" id="{BDD446CD-C68E-4B34-9354-E8F68D0EB962}"/>
+                <a16:creationId xmlns:a16="http://schemas.microsoft.com/office/drawing/2014/main" id="{CAC3118C-A7CE-422C-BAEF-3632E4A90809}"/>
               </a:ext>
             </a:extLst>
           </p:cNvPr>
@@ -5421,14 +5371,14 @@
           <a:p>
             <a:r>
               <a:rPr lang="en-US" dirty="0"/>
-              <a:t>Repositories</a:t>
+              <a:t>Aggregate Roots / Entities</a:t>
             </a:r>
             <a:br>
               <a:rPr lang="en-US" dirty="0"/>
             </a:br>
             <a:r>
               <a:rPr lang="en-US" sz="3600" dirty="0"/>
-              <a:t>Do not include domain logic</a:t>
+              <a:t>Business Logic</a:t>
             </a:r>
             <a:endParaRPr lang="en-US" dirty="0"/>
           </a:p>
@@ -5436,73 +5386,73 @@
       </p:sp>
       <p:sp>
         <p:nvSpPr>
-          <p:cNvPr id="7" name="TextBox 6">
-            <a:extLst>
-              <a:ext uri="{FF2B5EF4-FFF2-40B4-BE49-F238E27FC236}">
-                <a16:creationId xmlns:a16="http://schemas.microsoft.com/office/drawing/2014/main" id="{E383A81E-E4B8-4201-98E7-BD4F90DC9FB2}"/>
-              </a:ext>
-            </a:extLst>
-          </p:cNvPr>
-          <p:cNvSpPr txBox="1"/>
-          <p:nvPr/>
-        </p:nvSpPr>
-        <p:spPr>
-          <a:xfrm>
-            <a:off x="7460360" y="5031180"/>
-            <a:ext cx="3893440" cy="461665"/>
-          </a:xfrm>
-          <a:prstGeom prst="rect">
-            <a:avLst/>
-          </a:prstGeom>
-          <a:noFill/>
-        </p:spPr>
-        <p:txBody>
-          <a:bodyPr wrap="square" rtlCol="0">
-            <a:spAutoFit/>
-          </a:bodyPr>
-          <a:lstStyle/>
-          <a:p>
-            <a:r>
-              <a:rPr lang="en-US" sz="2400" dirty="0"/>
-              <a:t>What is an In-Active issue?</a:t>
-            </a:r>
-          </a:p>
-        </p:txBody>
-      </p:sp>
-      <p:pic>
-        <p:nvPicPr>
-          <p:cNvPr id="8" name="Picture 7">
-            <a:extLst>
-              <a:ext uri="{FF2B5EF4-FFF2-40B4-BE49-F238E27FC236}">
-                <a16:creationId xmlns:a16="http://schemas.microsoft.com/office/drawing/2014/main" id="{A4C21B06-1F38-4FC5-97D1-BDC008905D74}"/>
-              </a:ext>
-            </a:extLst>
-          </p:cNvPr>
-          <p:cNvPicPr>
-            <a:picLocks noChangeAspect="1"/>
-          </p:cNvPicPr>
-          <p:nvPr/>
-        </p:nvPicPr>
-        <p:blipFill>
-          <a:blip r:embed="rId2"/>
-          <a:stretch>
-            <a:fillRect/>
-          </a:stretch>
-        </p:blipFill>
-        <p:spPr>
-          <a:xfrm>
-            <a:off x="838201" y="1690688"/>
-            <a:ext cx="6583878" cy="4075483"/>
-          </a:xfrm>
-          <a:prstGeom prst="rect">
-            <a:avLst/>
-          </a:prstGeom>
-        </p:spPr>
-      </p:pic>
+          <p:cNvPr id="3" name="Content Placeholder 2">
+            <a:extLst>
+              <a:ext uri="{FF2B5EF4-FFF2-40B4-BE49-F238E27FC236}">
+                <a16:creationId xmlns:a16="http://schemas.microsoft.com/office/drawing/2014/main" id="{141EE3D6-643A-4473-A479-F8B2C14C9D76}"/>
+              </a:ext>
+            </a:extLst>
+          </p:cNvPr>
+          <p:cNvSpPr>
+            <a:spLocks noGrp="1"/>
+          </p:cNvSpPr>
+          <p:nvPr>
+            <p:ph idx="1"/>
+          </p:nvPr>
+        </p:nvSpPr>
+        <p:spPr/>
+        <p:txBody>
+          <a:bodyPr/>
+          <a:lstStyle/>
+          <a:p>
+            <a:r>
+              <a:rPr lang="en-US" dirty="0"/>
+              <a:t>How to implement when you need external services?</a:t>
+            </a:r>
+          </a:p>
+          <a:p>
+            <a:pPr lvl="1"/>
+            <a:r>
+              <a:rPr lang="en-US" dirty="0"/>
+              <a:t>Business Rule: Can not assign more than 3 issues to a user!</a:t>
+            </a:r>
+          </a:p>
+          <a:p>
+            <a:pPr lvl="1"/>
+            <a:endParaRPr lang="en-US" sz="4400" dirty="0"/>
+          </a:p>
+          <a:p>
+            <a:pPr marL="457200" lvl="1" indent="0" algn="ctr">
+              <a:buNone/>
+            </a:pPr>
+            <a:r>
+              <a:rPr lang="en-US" sz="4400" dirty="0"/>
+              <a:t>ALTERNATIVE..?</a:t>
+            </a:r>
+          </a:p>
+          <a:p>
+            <a:pPr marL="457200" lvl="1" indent="0" algn="ctr">
+              <a:buNone/>
+            </a:pPr>
+            <a:r>
+              <a:rPr lang="en-US" sz="4000" dirty="0"/>
+              <a:t>Create a </a:t>
+            </a:r>
+            <a:r>
+              <a:rPr lang="en-US" sz="4000" b="1" dirty="0"/>
+              <a:t>Domain Service</a:t>
+            </a:r>
+            <a:r>
+              <a:rPr lang="en-US" sz="4000" dirty="0"/>
+              <a:t>!</a:t>
+            </a:r>
+          </a:p>
+        </p:txBody>
+      </p:sp>
     </p:spTree>
     <p:extLst>
       <p:ext uri="{BB962C8B-B14F-4D97-AF65-F5344CB8AC3E}">
-        <p14:creationId xmlns:p14="http://schemas.microsoft.com/office/powerpoint/2010/main" val="694472099"/>
+        <p14:creationId xmlns:p14="http://schemas.microsoft.com/office/powerpoint/2010/main" val="2185339698"/>
       </p:ext>
     </p:extLst>
   </p:cSld>
@@ -5552,7 +5502,7 @@
           <a:p>
             <a:r>
               <a:rPr lang="en-US" dirty="0"/>
-              <a:t>Overview</a:t>
+              <a:t>Agenda</a:t>
             </a:r>
           </a:p>
         </p:txBody>
@@ -5699,87 +5649,62 @@
             </a:br>
             <a:r>
               <a:rPr lang="en-US" sz="3600" dirty="0"/>
+              <a:t>Principles</a:t>
+            </a:r>
+            <a:endParaRPr lang="en-US" dirty="0"/>
+          </a:p>
+        </p:txBody>
+      </p:sp>
+      <p:sp>
+        <p:nvSpPr>
+          <p:cNvPr id="3" name="Content Placeholder 2">
+            <a:extLst>
+              <a:ext uri="{FF2B5EF4-FFF2-40B4-BE49-F238E27FC236}">
+                <a16:creationId xmlns:a16="http://schemas.microsoft.com/office/drawing/2014/main" id="{D4177B28-2B93-49AF-A420-DECFC76E329B}"/>
+              </a:ext>
+            </a:extLst>
+          </p:cNvPr>
+          <p:cNvSpPr>
+            <a:spLocks noGrp="1"/>
+          </p:cNvSpPr>
+          <p:nvPr>
+            <p:ph idx="1"/>
+          </p:nvPr>
+        </p:nvSpPr>
+        <p:spPr/>
+        <p:txBody>
+          <a:bodyPr/>
+          <a:lstStyle/>
+          <a:p>
+            <a:r>
+              <a:rPr lang="en-US" dirty="0"/>
+              <a:t>Define interface in the domain layer, implement in the infrastructure</a:t>
+            </a:r>
+          </a:p>
+          <a:p>
+            <a:r>
+              <a:rPr lang="en-US" dirty="0"/>
               <a:t>Do not include domain logic</a:t>
             </a:r>
-            <a:endParaRPr lang="en-US" dirty="0"/>
-          </a:p>
-        </p:txBody>
-      </p:sp>
-      <p:pic>
-        <p:nvPicPr>
-          <p:cNvPr id="3" name="Picture 2">
-            <a:extLst>
-              <a:ext uri="{FF2B5EF4-FFF2-40B4-BE49-F238E27FC236}">
-                <a16:creationId xmlns:a16="http://schemas.microsoft.com/office/drawing/2014/main" id="{0FA1AF23-83C7-4B33-A3A0-ADFC4E0962B1}"/>
-              </a:ext>
-            </a:extLst>
-          </p:cNvPr>
-          <p:cNvPicPr>
-            <a:picLocks noChangeAspect="1"/>
-          </p:cNvPicPr>
-          <p:nvPr/>
-        </p:nvPicPr>
-        <p:blipFill>
-          <a:blip r:embed="rId2"/>
-          <a:stretch>
-            <a:fillRect/>
-          </a:stretch>
-        </p:blipFill>
-        <p:spPr>
-          <a:xfrm>
-            <a:off x="525485" y="1656906"/>
-            <a:ext cx="7193476" cy="5048693"/>
-          </a:xfrm>
-          <a:prstGeom prst="rect">
-            <a:avLst/>
-          </a:prstGeom>
-        </p:spPr>
-      </p:pic>
-      <p:sp>
-        <p:nvSpPr>
-          <p:cNvPr id="8" name="TextBox 7">
-            <a:extLst>
-              <a:ext uri="{FF2B5EF4-FFF2-40B4-BE49-F238E27FC236}">
-                <a16:creationId xmlns:a16="http://schemas.microsoft.com/office/drawing/2014/main" id="{13635787-1E5D-4323-839C-BC7F7CCD3CF1}"/>
-              </a:ext>
-            </a:extLst>
-          </p:cNvPr>
-          <p:cNvSpPr txBox="1"/>
-          <p:nvPr/>
-        </p:nvSpPr>
-        <p:spPr>
-          <a:xfrm>
-            <a:off x="8031676" y="1571503"/>
-            <a:ext cx="3893440" cy="1569660"/>
-          </a:xfrm>
-          <a:prstGeom prst="rect">
-            <a:avLst/>
-          </a:prstGeom>
-          <a:noFill/>
-        </p:spPr>
-        <p:txBody>
-          <a:bodyPr wrap="square" rtlCol="0">
-            <a:spAutoFit/>
-          </a:bodyPr>
-          <a:lstStyle/>
-          <a:p>
-            <a:pPr marL="342900" indent="-342900">
-              <a:buFont typeface="Arial" panose="020B0604020202020204" pitchFamily="34" charset="0"/>
-              <a:buChar char="•"/>
-            </a:pPr>
-            <a:r>
-              <a:rPr lang="en-US" sz="2400" dirty="0"/>
-              <a:t>Implicit definition of a domain rule!</a:t>
-            </a:r>
-          </a:p>
-          <a:p>
-            <a:pPr marL="342900" indent="-342900">
-              <a:buFont typeface="Arial" panose="020B0604020202020204" pitchFamily="34" charset="0"/>
-              <a:buChar char="•"/>
-            </a:pPr>
-            <a:r>
-              <a:rPr lang="en-US" sz="2400" dirty="0"/>
-              <a:t>How to re-use this expression? Copy/paste?</a:t>
+          </a:p>
+          <a:p>
+            <a:r>
+              <a:rPr lang="en-US" dirty="0"/>
+              <a:t>Repository interface should be database provider / ORM independent</a:t>
+            </a:r>
+          </a:p>
+          <a:p>
+            <a:r>
+              <a:rPr lang="en-US" dirty="0"/>
+              <a:t>Create repositories for </a:t>
+            </a:r>
+            <a:r>
+              <a:rPr lang="en-US" b="1" dirty="0"/>
+              <a:t>aggregate roots</a:t>
+            </a:r>
+            <a:r>
+              <a:rPr lang="en-US" dirty="0"/>
+              <a:t>, not entities</a:t>
             </a:r>
           </a:p>
         </p:txBody>
@@ -5787,7 +5712,7 @@
     </p:spTree>
     <p:extLst>
       <p:ext uri="{BB962C8B-B14F-4D97-AF65-F5344CB8AC3E}">
-        <p14:creationId xmlns:p14="http://schemas.microsoft.com/office/powerpoint/2010/main" val="907533263"/>
+        <p14:creationId xmlns:p14="http://schemas.microsoft.com/office/powerpoint/2010/main" val="2102858930"/>
       </p:ext>
     </p:extLst>
   </p:cSld>
@@ -5852,10 +5777,10 @@
       </p:sp>
       <p:sp>
         <p:nvSpPr>
-          <p:cNvPr id="8" name="TextBox 7">
-            <a:extLst>
-              <a:ext uri="{FF2B5EF4-FFF2-40B4-BE49-F238E27FC236}">
-                <a16:creationId xmlns:a16="http://schemas.microsoft.com/office/drawing/2014/main" id="{13635787-1E5D-4323-839C-BC7F7CCD3CF1}"/>
+          <p:cNvPr id="7" name="TextBox 6">
+            <a:extLst>
+              <a:ext uri="{FF2B5EF4-FFF2-40B4-BE49-F238E27FC236}">
+                <a16:creationId xmlns:a16="http://schemas.microsoft.com/office/drawing/2014/main" id="{E383A81E-E4B8-4201-98E7-BD4F90DC9FB2}"/>
               </a:ext>
             </a:extLst>
           </p:cNvPr>
@@ -5864,8 +5789,8 @@
         </p:nvSpPr>
         <p:spPr>
           <a:xfrm>
-            <a:off x="8031676" y="1571503"/>
-            <a:ext cx="3893440" cy="2308324"/>
+            <a:off x="7460360" y="5031180"/>
+            <a:ext cx="3893440" cy="461665"/>
           </a:xfrm>
           <a:prstGeom prst="rect">
             <a:avLst/>
@@ -5878,43 +5803,19 @@
           </a:bodyPr>
           <a:lstStyle/>
           <a:p>
-            <a:pPr marL="342900" indent="-342900">
-              <a:buFont typeface="Arial" panose="020B0604020202020204" pitchFamily="34" charset="0"/>
-              <a:buChar char="•"/>
-            </a:pPr>
             <a:r>
               <a:rPr lang="en-US" sz="2400" dirty="0"/>
-              <a:t>Implicit definition of a domain rule!</a:t>
-            </a:r>
-          </a:p>
-          <a:p>
-            <a:pPr marL="342900" indent="-342900">
-              <a:buFont typeface="Arial" panose="020B0604020202020204" pitchFamily="34" charset="0"/>
-              <a:buChar char="•"/>
-            </a:pPr>
-            <a:r>
-              <a:rPr lang="en-US" sz="2400" dirty="0"/>
-              <a:t>How to re-use this expression? Copy/paste?</a:t>
-            </a:r>
-          </a:p>
-          <a:p>
-            <a:pPr marL="342900" indent="-342900">
-              <a:buFont typeface="Arial" panose="020B0604020202020204" pitchFamily="34" charset="0"/>
-              <a:buChar char="•"/>
-            </a:pPr>
-            <a:r>
-              <a:rPr lang="en-US" sz="2400" b="1" dirty="0"/>
-              <a:t>Solution: The Specification Pattern!</a:t>
+              <a:t>What is an In-Active issue?</a:t>
             </a:r>
           </a:p>
         </p:txBody>
       </p:sp>
       <p:pic>
         <p:nvPicPr>
-          <p:cNvPr id="5" name="Picture 4">
-            <a:extLst>
-              <a:ext uri="{FF2B5EF4-FFF2-40B4-BE49-F238E27FC236}">
-                <a16:creationId xmlns:a16="http://schemas.microsoft.com/office/drawing/2014/main" id="{42664024-8FF5-4BD0-8B85-25CFB0BFFA21}"/>
+          <p:cNvPr id="8" name="Picture 7">
+            <a:extLst>
+              <a:ext uri="{FF2B5EF4-FFF2-40B4-BE49-F238E27FC236}">
+                <a16:creationId xmlns:a16="http://schemas.microsoft.com/office/drawing/2014/main" id="{A4C21B06-1F38-4FC5-97D1-BDC008905D74}"/>
               </a:ext>
             </a:extLst>
           </p:cNvPr>
@@ -5931,8 +5832,8 @@
         </p:blipFill>
         <p:spPr>
           <a:xfrm>
-            <a:off x="948020" y="1634836"/>
-            <a:ext cx="5944337" cy="5080660"/>
+            <a:off x="838201" y="1690688"/>
+            <a:ext cx="6583878" cy="4075483"/>
           </a:xfrm>
           <a:prstGeom prst="rect">
             <a:avLst/>
@@ -5942,7 +5843,7 @@
     </p:spTree>
     <p:extLst>
       <p:ext uri="{BB962C8B-B14F-4D97-AF65-F5344CB8AC3E}">
-        <p14:creationId xmlns:p14="http://schemas.microsoft.com/office/powerpoint/2010/main" val="1942012890"/>
+        <p14:creationId xmlns:p14="http://schemas.microsoft.com/office/powerpoint/2010/main" val="694472099"/>
       </p:ext>
     </p:extLst>
   </p:cSld>
@@ -5974,7 +5875,7 @@
           <p:cNvPr id="2" name="Title 1">
             <a:extLst>
               <a:ext uri="{FF2B5EF4-FFF2-40B4-BE49-F238E27FC236}">
-                <a16:creationId xmlns:a16="http://schemas.microsoft.com/office/drawing/2014/main" id="{482B7F89-5A86-44F9-AC3C-A60EB709F976}"/>
+                <a16:creationId xmlns:a16="http://schemas.microsoft.com/office/drawing/2014/main" id="{BDD446CD-C68E-4B34-9354-E8F68D0EB962}"/>
               </a:ext>
             </a:extLst>
           </p:cNvPr>
@@ -5992,89 +5893,25 @@
           <a:p>
             <a:r>
               <a:rPr lang="en-US" dirty="0"/>
-              <a:t>Specifications</a:t>
-            </a:r>
-          </a:p>
-        </p:txBody>
-      </p:sp>
-      <p:sp>
-        <p:nvSpPr>
-          <p:cNvPr id="3" name="Content Placeholder 2">
-            <a:extLst>
-              <a:ext uri="{FF2B5EF4-FFF2-40B4-BE49-F238E27FC236}">
-                <a16:creationId xmlns:a16="http://schemas.microsoft.com/office/drawing/2014/main" id="{D0003822-2CD9-480D-9F87-FECECEDB978C}"/>
-              </a:ext>
-            </a:extLst>
-          </p:cNvPr>
-          <p:cNvSpPr>
-            <a:spLocks noGrp="1"/>
-          </p:cNvSpPr>
-          <p:nvPr>
-            <p:ph idx="1"/>
-          </p:nvPr>
-        </p:nvSpPr>
-        <p:spPr/>
-        <p:txBody>
-          <a:bodyPr/>
-          <a:lstStyle/>
-          <a:p>
-            <a:r>
-              <a:rPr lang="en-US" dirty="0"/>
-              <a:t>A </a:t>
-            </a:r>
-            <a:r>
-              <a:rPr lang="en-US" b="1" dirty="0">
-                <a:solidFill>
-                  <a:srgbClr val="FF0000"/>
-                </a:solidFill>
-              </a:rPr>
-              <a:t>named</a:t>
-            </a:r>
-            <a:r>
-              <a:rPr lang="en-US" dirty="0"/>
-              <a:t>, </a:t>
-            </a:r>
-            <a:r>
-              <a:rPr lang="en-US" b="1" dirty="0">
-                <a:solidFill>
-                  <a:srgbClr val="FF0000"/>
-                </a:solidFill>
-              </a:rPr>
-              <a:t>reusable </a:t>
-            </a:r>
-            <a:r>
-              <a:rPr lang="en-US" dirty="0"/>
-              <a:t>&amp; </a:t>
-            </a:r>
-            <a:r>
-              <a:rPr lang="en-US" b="1" dirty="0">
-                <a:solidFill>
-                  <a:srgbClr val="FF0000"/>
-                </a:solidFill>
-              </a:rPr>
-              <a:t>combinable</a:t>
-            </a:r>
-            <a:r>
-              <a:rPr lang="en-US" dirty="0"/>
-              <a:t> </a:t>
-            </a:r>
-            <a:r>
-              <a:rPr lang="en-US" b="1" dirty="0"/>
-              <a:t>class</a:t>
-            </a:r>
-            <a:r>
-              <a:rPr lang="en-US" dirty="0"/>
-              <a:t> to filter objects.</a:t>
-            </a:r>
+              <a:t>Repositories</a:t>
+            </a:r>
+            <a:br>
+              <a:rPr lang="en-US" dirty="0"/>
+            </a:br>
+            <a:r>
+              <a:rPr lang="en-US" sz="3600" dirty="0"/>
+              <a:t>Do not include domain logic</a:t>
+            </a:r>
+            <a:endParaRPr lang="en-US" dirty="0"/>
           </a:p>
         </p:txBody>
       </p:sp>
       <p:pic>
         <p:nvPicPr>
-          <p:cNvPr id="5" name="Picture 4">
-            <a:extLst>
-              <a:ext uri="{FF2B5EF4-FFF2-40B4-BE49-F238E27FC236}">
-                <a16:creationId xmlns:a16="http://schemas.microsoft.com/office/drawing/2014/main" id="{0FEC85E9-7997-4976-BA41-35FE6116DEB6}"/>
+          <p:cNvPr id="3" name="Picture 2">
+            <a:extLst>
+              <a:ext uri="{FF2B5EF4-FFF2-40B4-BE49-F238E27FC236}">
+                <a16:creationId xmlns:a16="http://schemas.microsoft.com/office/drawing/2014/main" id="{0FA1AF23-83C7-4B33-A3A0-ADFC4E0962B1}"/>
               </a:ext>
             </a:extLst>
           </p:cNvPr>
@@ -6091,18 +5928,67 @@
         </p:blipFill>
         <p:spPr>
           <a:xfrm>
-            <a:off x="974024" y="2442792"/>
-            <a:ext cx="6642018" cy="2141640"/>
+            <a:off x="525485" y="1656906"/>
+            <a:ext cx="7193476" cy="5048693"/>
           </a:xfrm>
           <a:prstGeom prst="rect">
             <a:avLst/>
           </a:prstGeom>
         </p:spPr>
       </p:pic>
+      <p:sp>
+        <p:nvSpPr>
+          <p:cNvPr id="8" name="TextBox 7">
+            <a:extLst>
+              <a:ext uri="{FF2B5EF4-FFF2-40B4-BE49-F238E27FC236}">
+                <a16:creationId xmlns:a16="http://schemas.microsoft.com/office/drawing/2014/main" id="{13635787-1E5D-4323-839C-BC7F7CCD3CF1}"/>
+              </a:ext>
+            </a:extLst>
+          </p:cNvPr>
+          <p:cNvSpPr txBox="1"/>
+          <p:nvPr/>
+        </p:nvSpPr>
+        <p:spPr>
+          <a:xfrm>
+            <a:off x="8031676" y="1571503"/>
+            <a:ext cx="3893440" cy="1569660"/>
+          </a:xfrm>
+          <a:prstGeom prst="rect">
+            <a:avLst/>
+          </a:prstGeom>
+          <a:noFill/>
+        </p:spPr>
+        <p:txBody>
+          <a:bodyPr wrap="square" rtlCol="0">
+            <a:spAutoFit/>
+          </a:bodyPr>
+          <a:lstStyle/>
+          <a:p>
+            <a:pPr marL="342900" indent="-342900">
+              <a:buFont typeface="Arial" panose="020B0604020202020204" pitchFamily="34" charset="0"/>
+              <a:buChar char="•"/>
+            </a:pPr>
+            <a:r>
+              <a:rPr lang="en-US" sz="2400" dirty="0"/>
+              <a:t>Implicit definition of a domain rule!</a:t>
+            </a:r>
+          </a:p>
+          <a:p>
+            <a:pPr marL="342900" indent="-342900">
+              <a:buFont typeface="Arial" panose="020B0604020202020204" pitchFamily="34" charset="0"/>
+              <a:buChar char="•"/>
+            </a:pPr>
+            <a:r>
+              <a:rPr lang="en-US" sz="2400" dirty="0"/>
+              <a:t>How to re-use this expression? Copy/paste?</a:t>
+            </a:r>
+          </a:p>
+        </p:txBody>
+      </p:sp>
     </p:spTree>
     <p:extLst>
       <p:ext uri="{BB962C8B-B14F-4D97-AF65-F5344CB8AC3E}">
-        <p14:creationId xmlns:p14="http://schemas.microsoft.com/office/powerpoint/2010/main" val="121476374"/>
+        <p14:creationId xmlns:p14="http://schemas.microsoft.com/office/powerpoint/2010/main" val="907533263"/>
       </p:ext>
     </p:extLst>
   </p:cSld>
@@ -6134,7 +6020,7 @@
           <p:cNvPr id="2" name="Title 1">
             <a:extLst>
               <a:ext uri="{FF2B5EF4-FFF2-40B4-BE49-F238E27FC236}">
-                <a16:creationId xmlns:a16="http://schemas.microsoft.com/office/drawing/2014/main" id="{482B7F89-5A86-44F9-AC3C-A60EB709F976}"/>
+                <a16:creationId xmlns:a16="http://schemas.microsoft.com/office/drawing/2014/main" id="{BDD446CD-C68E-4B34-9354-E8F68D0EB962}"/>
               </a:ext>
             </a:extLst>
           </p:cNvPr>
@@ -6152,89 +6038,84 @@
           <a:p>
             <a:r>
               <a:rPr lang="en-US" dirty="0"/>
-              <a:t>Specifications</a:t>
-            </a:r>
-          </a:p>
-        </p:txBody>
-      </p:sp>
-      <p:sp>
-        <p:nvSpPr>
-          <p:cNvPr id="3" name="Content Placeholder 2">
-            <a:extLst>
-              <a:ext uri="{FF2B5EF4-FFF2-40B4-BE49-F238E27FC236}">
-                <a16:creationId xmlns:a16="http://schemas.microsoft.com/office/drawing/2014/main" id="{D0003822-2CD9-480D-9F87-FECECEDB978C}"/>
-              </a:ext>
-            </a:extLst>
-          </p:cNvPr>
-          <p:cNvSpPr>
-            <a:spLocks noGrp="1"/>
-          </p:cNvSpPr>
-          <p:nvPr>
-            <p:ph idx="1"/>
-          </p:nvPr>
-        </p:nvSpPr>
-        <p:spPr/>
-        <p:txBody>
-          <a:bodyPr/>
-          <a:lstStyle/>
-          <a:p>
-            <a:r>
-              <a:rPr lang="en-US" dirty="0"/>
-              <a:t>A </a:t>
-            </a:r>
-            <a:r>
-              <a:rPr lang="en-US" b="1" dirty="0">
-                <a:solidFill>
-                  <a:srgbClr val="FF0000"/>
-                </a:solidFill>
-              </a:rPr>
-              <a:t>named</a:t>
-            </a:r>
-            <a:r>
-              <a:rPr lang="en-US" dirty="0"/>
-              <a:t>, </a:t>
-            </a:r>
-            <a:r>
-              <a:rPr lang="en-US" b="1" dirty="0">
-                <a:solidFill>
-                  <a:srgbClr val="FF0000"/>
-                </a:solidFill>
-              </a:rPr>
-              <a:t>reusable </a:t>
-            </a:r>
-            <a:r>
-              <a:rPr lang="en-US" dirty="0"/>
-              <a:t>&amp; </a:t>
-            </a:r>
-            <a:r>
-              <a:rPr lang="en-US" b="1" dirty="0">
-                <a:solidFill>
-                  <a:srgbClr val="FF0000"/>
-                </a:solidFill>
-              </a:rPr>
-              <a:t>combinable</a:t>
-            </a:r>
-            <a:r>
-              <a:rPr lang="en-US" dirty="0"/>
-              <a:t> </a:t>
-            </a:r>
-            <a:r>
-              <a:rPr lang="en-US" b="1" dirty="0"/>
-              <a:t>class</a:t>
-            </a:r>
-            <a:r>
-              <a:rPr lang="en-US" dirty="0"/>
-              <a:t> to filter objects.</a:t>
+              <a:t>Repositories</a:t>
+            </a:r>
+            <a:br>
+              <a:rPr lang="en-US" dirty="0"/>
+            </a:br>
+            <a:r>
+              <a:rPr lang="en-US" sz="3600" dirty="0"/>
+              <a:t>Do not include domain logic</a:t>
+            </a:r>
+            <a:endParaRPr lang="en-US" dirty="0"/>
+          </a:p>
+        </p:txBody>
+      </p:sp>
+      <p:sp>
+        <p:nvSpPr>
+          <p:cNvPr id="8" name="TextBox 7">
+            <a:extLst>
+              <a:ext uri="{FF2B5EF4-FFF2-40B4-BE49-F238E27FC236}">
+                <a16:creationId xmlns:a16="http://schemas.microsoft.com/office/drawing/2014/main" id="{13635787-1E5D-4323-839C-BC7F7CCD3CF1}"/>
+              </a:ext>
+            </a:extLst>
+          </p:cNvPr>
+          <p:cNvSpPr txBox="1"/>
+          <p:nvPr/>
+        </p:nvSpPr>
+        <p:spPr>
+          <a:xfrm>
+            <a:off x="8031676" y="1571503"/>
+            <a:ext cx="3893440" cy="2308324"/>
+          </a:xfrm>
+          <a:prstGeom prst="rect">
+            <a:avLst/>
+          </a:prstGeom>
+          <a:noFill/>
+        </p:spPr>
+        <p:txBody>
+          <a:bodyPr wrap="square" rtlCol="0">
+            <a:spAutoFit/>
+          </a:bodyPr>
+          <a:lstStyle/>
+          <a:p>
+            <a:pPr marL="342900" indent="-342900">
+              <a:buFont typeface="Arial" panose="020B0604020202020204" pitchFamily="34" charset="0"/>
+              <a:buChar char="•"/>
+            </a:pPr>
+            <a:r>
+              <a:rPr lang="en-US" sz="2400" dirty="0"/>
+              <a:t>Implicit definition of a domain rule!</a:t>
+            </a:r>
+          </a:p>
+          <a:p>
+            <a:pPr marL="342900" indent="-342900">
+              <a:buFont typeface="Arial" panose="020B0604020202020204" pitchFamily="34" charset="0"/>
+              <a:buChar char="•"/>
+            </a:pPr>
+            <a:r>
+              <a:rPr lang="en-US" sz="2400" dirty="0"/>
+              <a:t>How to re-use this expression? Copy/paste?</a:t>
+            </a:r>
+          </a:p>
+          <a:p>
+            <a:pPr marL="342900" indent="-342900">
+              <a:buFont typeface="Arial" panose="020B0604020202020204" pitchFamily="34" charset="0"/>
+              <a:buChar char="•"/>
+            </a:pPr>
+            <a:r>
+              <a:rPr lang="en-US" sz="2400" b="1" dirty="0"/>
+              <a:t>Solution: The Specification Pattern!</a:t>
             </a:r>
           </a:p>
         </p:txBody>
       </p:sp>
       <p:pic>
         <p:nvPicPr>
-          <p:cNvPr id="4" name="Picture 3">
-            <a:extLst>
-              <a:ext uri="{FF2B5EF4-FFF2-40B4-BE49-F238E27FC236}">
-                <a16:creationId xmlns:a16="http://schemas.microsoft.com/office/drawing/2014/main" id="{257E6FB4-FEA1-4DEF-9298-D30447388E27}"/>
+          <p:cNvPr id="5" name="Picture 4">
+            <a:extLst>
+              <a:ext uri="{FF2B5EF4-FFF2-40B4-BE49-F238E27FC236}">
+                <a16:creationId xmlns:a16="http://schemas.microsoft.com/office/drawing/2014/main" id="{42664024-8FF5-4BD0-8B85-25CFB0BFFA21}"/>
               </a:ext>
             </a:extLst>
           </p:cNvPr>
@@ -6251,8 +6132,8 @@
         </p:blipFill>
         <p:spPr>
           <a:xfrm>
-            <a:off x="1060862" y="2327358"/>
-            <a:ext cx="10656125" cy="3883965"/>
+            <a:off x="948020" y="1634836"/>
+            <a:ext cx="5944337" cy="5080660"/>
           </a:xfrm>
           <a:prstGeom prst="rect">
             <a:avLst/>
@@ -6262,7 +6143,7 @@
     </p:spTree>
     <p:extLst>
       <p:ext uri="{BB962C8B-B14F-4D97-AF65-F5344CB8AC3E}">
-        <p14:creationId xmlns:p14="http://schemas.microsoft.com/office/powerpoint/2010/main" val="3507093508"/>
+        <p14:creationId xmlns:p14="http://schemas.microsoft.com/office/powerpoint/2010/main" val="1942012890"/>
       </p:ext>
     </p:extLst>
   </p:cSld>
@@ -6294,7 +6175,7 @@
           <p:cNvPr id="2" name="Title 1">
             <a:extLst>
               <a:ext uri="{FF2B5EF4-FFF2-40B4-BE49-F238E27FC236}">
-                <a16:creationId xmlns:a16="http://schemas.microsoft.com/office/drawing/2014/main" id="{3B24E74A-4EDA-4F58-9D20-DA47DE6A64C0}"/>
+                <a16:creationId xmlns:a16="http://schemas.microsoft.com/office/drawing/2014/main" id="{482B7F89-5A86-44F9-AC3C-A60EB709F976}"/>
               </a:ext>
             </a:extLst>
           </p:cNvPr>
@@ -6314,32 +6195,94 @@
               <a:rPr lang="en-US" dirty="0"/>
               <a:t>Specifications</a:t>
             </a:r>
-            <a:br>
-              <a:rPr lang="en-US" dirty="0"/>
-            </a:br>
-            <a:r>
-              <a:rPr lang="en-US" sz="3600" dirty="0"/>
-              <a:t>Define a specification</a:t>
-            </a:r>
-            <a:endParaRPr lang="en-US" dirty="0"/>
+          </a:p>
+        </p:txBody>
+      </p:sp>
+      <p:sp>
+        <p:nvSpPr>
+          <p:cNvPr id="3" name="Content Placeholder 2">
+            <a:extLst>
+              <a:ext uri="{FF2B5EF4-FFF2-40B4-BE49-F238E27FC236}">
+                <a16:creationId xmlns:a16="http://schemas.microsoft.com/office/drawing/2014/main" id="{D0003822-2CD9-480D-9F87-FECECEDB978C}"/>
+              </a:ext>
+            </a:extLst>
+          </p:cNvPr>
+          <p:cNvSpPr>
+            <a:spLocks noGrp="1"/>
+          </p:cNvSpPr>
+          <p:nvPr>
+            <p:ph idx="1"/>
+          </p:nvPr>
+        </p:nvSpPr>
+        <p:spPr/>
+        <p:txBody>
+          <a:bodyPr/>
+          <a:lstStyle/>
+          <a:p>
+            <a:r>
+              <a:rPr lang="en-US" dirty="0"/>
+              <a:t>A </a:t>
+            </a:r>
+            <a:r>
+              <a:rPr lang="en-US" b="1" dirty="0">
+                <a:solidFill>
+                  <a:srgbClr val="FF0000"/>
+                </a:solidFill>
+              </a:rPr>
+              <a:t>named</a:t>
+            </a:r>
+            <a:r>
+              <a:rPr lang="en-US" dirty="0"/>
+              <a:t>, </a:t>
+            </a:r>
+            <a:r>
+              <a:rPr lang="en-US" b="1" dirty="0">
+                <a:solidFill>
+                  <a:srgbClr val="FF0000"/>
+                </a:solidFill>
+              </a:rPr>
+              <a:t>reusable </a:t>
+            </a:r>
+            <a:r>
+              <a:rPr lang="en-US" dirty="0"/>
+              <a:t>&amp; </a:t>
+            </a:r>
+            <a:r>
+              <a:rPr lang="en-US" b="1" dirty="0">
+                <a:solidFill>
+                  <a:srgbClr val="FF0000"/>
+                </a:solidFill>
+              </a:rPr>
+              <a:t>combinable</a:t>
+            </a:r>
+            <a:r>
+              <a:rPr lang="en-US" dirty="0"/>
+              <a:t> </a:t>
+            </a:r>
+            <a:r>
+              <a:rPr lang="en-US" b="1" dirty="0"/>
+              <a:t>class</a:t>
+            </a:r>
+            <a:r>
+              <a:rPr lang="en-US" dirty="0"/>
+              <a:t> to filter objects.</a:t>
+            </a:r>
           </a:p>
         </p:txBody>
       </p:sp>
       <p:pic>
         <p:nvPicPr>
-          <p:cNvPr id="4" name="Content Placeholder 3">
-            <a:extLst>
-              <a:ext uri="{FF2B5EF4-FFF2-40B4-BE49-F238E27FC236}">
-                <a16:creationId xmlns:a16="http://schemas.microsoft.com/office/drawing/2014/main" id="{04C81BE2-318B-4B17-8F44-D0B05CADE0A5}"/>
+          <p:cNvPr id="5" name="Picture 4">
+            <a:extLst>
+              <a:ext uri="{FF2B5EF4-FFF2-40B4-BE49-F238E27FC236}">
+                <a16:creationId xmlns:a16="http://schemas.microsoft.com/office/drawing/2014/main" id="{0FEC85E9-7997-4976-BA41-35FE6116DEB6}"/>
               </a:ext>
             </a:extLst>
           </p:cNvPr>
           <p:cNvPicPr>
-            <a:picLocks noGrp="1" noChangeAspect="1"/>
+            <a:picLocks noChangeAspect="1"/>
           </p:cNvPicPr>
-          <p:nvPr>
-            <p:ph idx="1"/>
-          </p:nvPr>
+          <p:nvPr/>
         </p:nvPicPr>
         <p:blipFill>
           <a:blip r:embed="rId2"/>
@@ -6349,8 +6292,8 @@
         </p:blipFill>
         <p:spPr>
           <a:xfrm>
-            <a:off x="838200" y="1770207"/>
-            <a:ext cx="7837129" cy="4351338"/>
+            <a:off x="974024" y="2442792"/>
+            <a:ext cx="6642018" cy="2141640"/>
           </a:xfrm>
           <a:prstGeom prst="rect">
             <a:avLst/>
@@ -6360,7 +6303,7 @@
     </p:spTree>
     <p:extLst>
       <p:ext uri="{BB962C8B-B14F-4D97-AF65-F5344CB8AC3E}">
-        <p14:creationId xmlns:p14="http://schemas.microsoft.com/office/powerpoint/2010/main" val="1947867654"/>
+        <p14:creationId xmlns:p14="http://schemas.microsoft.com/office/powerpoint/2010/main" val="121476374"/>
       </p:ext>
     </p:extLst>
   </p:cSld>
@@ -6392,7 +6335,7 @@
           <p:cNvPr id="2" name="Title 1">
             <a:extLst>
               <a:ext uri="{FF2B5EF4-FFF2-40B4-BE49-F238E27FC236}">
-                <a16:creationId xmlns:a16="http://schemas.microsoft.com/office/drawing/2014/main" id="{3B24E74A-4EDA-4F58-9D20-DA47DE6A64C0}"/>
+                <a16:creationId xmlns:a16="http://schemas.microsoft.com/office/drawing/2014/main" id="{482B7F89-5A86-44F9-AC3C-A60EB709F976}"/>
               </a:ext>
             </a:extLst>
           </p:cNvPr>
@@ -6412,23 +6355,87 @@
               <a:rPr lang="en-US" dirty="0"/>
               <a:t>Specifications</a:t>
             </a:r>
-            <a:br>
-              <a:rPr lang="en-US" dirty="0"/>
-            </a:br>
-            <a:r>
-              <a:rPr lang="en-US" sz="3600" dirty="0"/>
-              <a:t>Use the specification</a:t>
-            </a:r>
-            <a:endParaRPr lang="en-US" dirty="0"/>
+          </a:p>
+        </p:txBody>
+      </p:sp>
+      <p:sp>
+        <p:nvSpPr>
+          <p:cNvPr id="3" name="Content Placeholder 2">
+            <a:extLst>
+              <a:ext uri="{FF2B5EF4-FFF2-40B4-BE49-F238E27FC236}">
+                <a16:creationId xmlns:a16="http://schemas.microsoft.com/office/drawing/2014/main" id="{D0003822-2CD9-480D-9F87-FECECEDB978C}"/>
+              </a:ext>
+            </a:extLst>
+          </p:cNvPr>
+          <p:cNvSpPr>
+            <a:spLocks noGrp="1"/>
+          </p:cNvSpPr>
+          <p:nvPr>
+            <p:ph idx="1"/>
+          </p:nvPr>
+        </p:nvSpPr>
+        <p:spPr/>
+        <p:txBody>
+          <a:bodyPr/>
+          <a:lstStyle/>
+          <a:p>
+            <a:r>
+              <a:rPr lang="en-US" dirty="0"/>
+              <a:t>A </a:t>
+            </a:r>
+            <a:r>
+              <a:rPr lang="en-US" b="1" dirty="0">
+                <a:solidFill>
+                  <a:srgbClr val="FF0000"/>
+                </a:solidFill>
+              </a:rPr>
+              <a:t>named</a:t>
+            </a:r>
+            <a:r>
+              <a:rPr lang="en-US" dirty="0"/>
+              <a:t>, </a:t>
+            </a:r>
+            <a:r>
+              <a:rPr lang="en-US" b="1" dirty="0">
+                <a:solidFill>
+                  <a:srgbClr val="FF0000"/>
+                </a:solidFill>
+              </a:rPr>
+              <a:t>reusable </a:t>
+            </a:r>
+            <a:r>
+              <a:rPr lang="en-US" dirty="0"/>
+              <a:t>&amp; </a:t>
+            </a:r>
+            <a:r>
+              <a:rPr lang="en-US" b="1" dirty="0">
+                <a:solidFill>
+                  <a:srgbClr val="FF0000"/>
+                </a:solidFill>
+              </a:rPr>
+              <a:t>combinable</a:t>
+            </a:r>
+            <a:r>
+              <a:rPr lang="en-US" dirty="0"/>
+              <a:t> </a:t>
+            </a:r>
+            <a:r>
+              <a:rPr lang="en-US" b="1" dirty="0"/>
+              <a:t>class</a:t>
+            </a:r>
+            <a:r>
+              <a:rPr lang="en-US" dirty="0"/>
+              <a:t> to filter objects.</a:t>
+            </a:r>
           </a:p>
         </p:txBody>
       </p:sp>
       <p:pic>
         <p:nvPicPr>
-          <p:cNvPr id="6" name="Picture 5">
-            <a:extLst>
-              <a:ext uri="{FF2B5EF4-FFF2-40B4-BE49-F238E27FC236}">
-                <a16:creationId xmlns:a16="http://schemas.microsoft.com/office/drawing/2014/main" id="{0FE0AC01-C084-42C9-9001-DD9BB9A5EE47}"/>
+          <p:cNvPr id="4" name="Picture 3">
+            <a:extLst>
+              <a:ext uri="{FF2B5EF4-FFF2-40B4-BE49-F238E27FC236}">
+                <a16:creationId xmlns:a16="http://schemas.microsoft.com/office/drawing/2014/main" id="{257E6FB4-FEA1-4DEF-9298-D30447388E27}"/>
               </a:ext>
             </a:extLst>
           </p:cNvPr>
@@ -6445,102 +6452,18 @@
         </p:blipFill>
         <p:spPr>
           <a:xfrm>
-            <a:off x="877765" y="1758156"/>
-            <a:ext cx="5257800" cy="969271"/>
+            <a:off x="1060862" y="2327358"/>
+            <a:ext cx="10656125" cy="3883965"/>
           </a:xfrm>
           <a:prstGeom prst="rect">
             <a:avLst/>
           </a:prstGeom>
-          <a:ln w="12700">
-            <a:solidFill>
-              <a:schemeClr val="tx1">
-                <a:lumMod val="75000"/>
-                <a:lumOff val="25000"/>
-              </a:schemeClr>
-            </a:solidFill>
-          </a:ln>
-        </p:spPr>
-      </p:pic>
-      <p:pic>
-        <p:nvPicPr>
-          <p:cNvPr id="7" name="Picture 6">
-            <a:extLst>
-              <a:ext uri="{FF2B5EF4-FFF2-40B4-BE49-F238E27FC236}">
-                <a16:creationId xmlns:a16="http://schemas.microsoft.com/office/drawing/2014/main" id="{D886A22A-483B-4831-A628-B510B746FACC}"/>
-              </a:ext>
-            </a:extLst>
-          </p:cNvPr>
-          <p:cNvPicPr>
-            <a:picLocks noChangeAspect="1"/>
-          </p:cNvPicPr>
-          <p:nvPr/>
-        </p:nvPicPr>
-        <p:blipFill>
-          <a:blip r:embed="rId3"/>
-          <a:stretch>
-            <a:fillRect/>
-          </a:stretch>
-        </p:blipFill>
-        <p:spPr>
-          <a:xfrm>
-            <a:off x="877765" y="2844387"/>
-            <a:ext cx="7727868" cy="2572374"/>
-          </a:xfrm>
-          <a:prstGeom prst="rect">
-            <a:avLst/>
-          </a:prstGeom>
-          <a:ln w="12700">
-            <a:solidFill>
-              <a:schemeClr val="tx1">
-                <a:lumMod val="75000"/>
-                <a:lumOff val="25000"/>
-              </a:schemeClr>
-            </a:solidFill>
-          </a:ln>
-        </p:spPr>
-      </p:pic>
-      <p:pic>
-        <p:nvPicPr>
-          <p:cNvPr id="8" name="Picture 7">
-            <a:extLst>
-              <a:ext uri="{FF2B5EF4-FFF2-40B4-BE49-F238E27FC236}">
-                <a16:creationId xmlns:a16="http://schemas.microsoft.com/office/drawing/2014/main" id="{C9FD1C11-869D-4780-9CFC-D3AE1539E6BB}"/>
-              </a:ext>
-            </a:extLst>
-          </p:cNvPr>
-          <p:cNvPicPr>
-            <a:picLocks noChangeAspect="1"/>
-          </p:cNvPicPr>
-          <p:nvPr/>
-        </p:nvPicPr>
-        <p:blipFill>
-          <a:blip r:embed="rId4"/>
-          <a:stretch>
-            <a:fillRect/>
-          </a:stretch>
-        </p:blipFill>
-        <p:spPr>
-          <a:xfrm>
-            <a:off x="877765" y="5533721"/>
-            <a:ext cx="5642882" cy="1001919"/>
-          </a:xfrm>
-          <a:prstGeom prst="rect">
-            <a:avLst/>
-          </a:prstGeom>
-          <a:ln w="12700">
-            <a:solidFill>
-              <a:schemeClr val="tx1">
-                <a:lumMod val="75000"/>
-                <a:lumOff val="25000"/>
-              </a:schemeClr>
-            </a:solidFill>
-          </a:ln>
         </p:spPr>
       </p:pic>
     </p:spTree>
     <p:extLst>
       <p:ext uri="{BB962C8B-B14F-4D97-AF65-F5344CB8AC3E}">
-        <p14:creationId xmlns:p14="http://schemas.microsoft.com/office/powerpoint/2010/main" val="2980318803"/>
+        <p14:creationId xmlns:p14="http://schemas.microsoft.com/office/powerpoint/2010/main" val="3507093508"/>
       </p:ext>
     </p:extLst>
   </p:cSld>
@@ -6597,7 +6520,7 @@
             </a:br>
             <a:r>
               <a:rPr lang="en-US" sz="3600" dirty="0"/>
-              <a:t>Use the specification</a:t>
+              <a:t>Define a specification</a:t>
             </a:r>
             <a:endParaRPr lang="en-US" dirty="0"/>
           </a:p>
@@ -6605,17 +6528,19 @@
       </p:sp>
       <p:pic>
         <p:nvPicPr>
-          <p:cNvPr id="5" name="Picture 4">
-            <a:extLst>
-              <a:ext uri="{FF2B5EF4-FFF2-40B4-BE49-F238E27FC236}">
-                <a16:creationId xmlns:a16="http://schemas.microsoft.com/office/drawing/2014/main" id="{BE13C0D9-5BC9-4043-A357-B1CA1A9F2D01}"/>
+          <p:cNvPr id="4" name="Content Placeholder 3">
+            <a:extLst>
+              <a:ext uri="{FF2B5EF4-FFF2-40B4-BE49-F238E27FC236}">
+                <a16:creationId xmlns:a16="http://schemas.microsoft.com/office/drawing/2014/main" id="{04C81BE2-318B-4B17-8F44-D0B05CADE0A5}"/>
               </a:ext>
             </a:extLst>
           </p:cNvPr>
           <p:cNvPicPr>
-            <a:picLocks noChangeAspect="1"/>
+            <a:picLocks noGrp="1" noChangeAspect="1"/>
           </p:cNvPicPr>
-          <p:nvPr/>
+          <p:nvPr>
+            <p:ph idx="1"/>
+          </p:nvPr>
         </p:nvPicPr>
         <p:blipFill>
           <a:blip r:embed="rId2"/>
@@ -6625,94 +6550,18 @@
         </p:blipFill>
         <p:spPr>
           <a:xfrm>
-            <a:off x="247376" y="1832758"/>
-            <a:ext cx="4659138" cy="3982193"/>
+            <a:off x="838200" y="1770207"/>
+            <a:ext cx="7837129" cy="4351338"/>
           </a:xfrm>
           <a:prstGeom prst="rect">
             <a:avLst/>
           </a:prstGeom>
         </p:spPr>
       </p:pic>
-      <p:pic>
-        <p:nvPicPr>
-          <p:cNvPr id="3" name="Picture 2">
-            <a:extLst>
-              <a:ext uri="{FF2B5EF4-FFF2-40B4-BE49-F238E27FC236}">
-                <a16:creationId xmlns:a16="http://schemas.microsoft.com/office/drawing/2014/main" id="{CC988AFE-84D3-4FE8-A964-05B07B9F3D7F}"/>
-              </a:ext>
-            </a:extLst>
-          </p:cNvPr>
-          <p:cNvPicPr>
-            <a:picLocks noChangeAspect="1"/>
-          </p:cNvPicPr>
-          <p:nvPr/>
-        </p:nvPicPr>
-        <p:blipFill>
-          <a:blip r:embed="rId3"/>
-          <a:stretch>
-            <a:fillRect/>
-          </a:stretch>
-        </p:blipFill>
-        <p:spPr>
-          <a:xfrm>
-            <a:off x="5680165" y="1648831"/>
-            <a:ext cx="6264459" cy="4204842"/>
-          </a:xfrm>
-          <a:prstGeom prst="rect">
-            <a:avLst/>
-          </a:prstGeom>
-        </p:spPr>
-      </p:pic>
-      <p:sp>
-        <p:nvSpPr>
-          <p:cNvPr id="4" name="Arrow: Right 3">
-            <a:extLst>
-              <a:ext uri="{FF2B5EF4-FFF2-40B4-BE49-F238E27FC236}">
-                <a16:creationId xmlns:a16="http://schemas.microsoft.com/office/drawing/2014/main" id="{65E0A82D-CFB7-4801-BC0A-7BBD01CDE9F3}"/>
-              </a:ext>
-            </a:extLst>
-          </p:cNvPr>
-          <p:cNvSpPr/>
-          <p:nvPr/>
-        </p:nvSpPr>
-        <p:spPr>
-          <a:xfrm>
-            <a:off x="4526504" y="4627419"/>
-            <a:ext cx="999481" cy="344384"/>
-          </a:xfrm>
-          <a:prstGeom prst="rightArrow">
-            <a:avLst/>
-          </a:prstGeom>
-        </p:spPr>
-        <p:style>
-          <a:lnRef idx="2">
-            <a:schemeClr val="accent2">
-              <a:shade val="50000"/>
-            </a:schemeClr>
-          </a:lnRef>
-          <a:fillRef idx="1">
-            <a:schemeClr val="accent2"/>
-          </a:fillRef>
-          <a:effectRef idx="0">
-            <a:schemeClr val="accent2"/>
-          </a:effectRef>
-          <a:fontRef idx="minor">
-            <a:schemeClr val="lt1"/>
-          </a:fontRef>
-        </p:style>
-        <p:txBody>
-          <a:bodyPr rtlCol="0" anchor="ctr"/>
-          <a:lstStyle/>
-          <a:p>
-            <a:pPr algn="ctr"/>
-            <a:endParaRPr lang="en-US"/>
-          </a:p>
-        </p:txBody>
-      </p:sp>
     </p:spTree>
     <p:extLst>
       <p:ext uri="{BB962C8B-B14F-4D97-AF65-F5344CB8AC3E}">
-        <p14:creationId xmlns:p14="http://schemas.microsoft.com/office/powerpoint/2010/main" val="2282954860"/>
+        <p14:creationId xmlns:p14="http://schemas.microsoft.com/office/powerpoint/2010/main" val="1947867654"/>
       </p:ext>
     </p:extLst>
   </p:cSld>
@@ -6744,7 +6593,7 @@
           <p:cNvPr id="2" name="Title 1">
             <a:extLst>
               <a:ext uri="{FF2B5EF4-FFF2-40B4-BE49-F238E27FC236}">
-                <a16:creationId xmlns:a16="http://schemas.microsoft.com/office/drawing/2014/main" id="{8F8B9203-A237-4817-9C8C-856833CB6AC7}"/>
+                <a16:creationId xmlns:a16="http://schemas.microsoft.com/office/drawing/2014/main" id="{3B24E74A-4EDA-4F58-9D20-DA47DE6A64C0}"/>
               </a:ext>
             </a:extLst>
           </p:cNvPr>
@@ -6769,17 +6618,18 @@
             </a:br>
             <a:r>
               <a:rPr lang="en-US" sz="3600" dirty="0"/>
-              <a:t>Combining Specifications</a:t>
-            </a:r>
+              <a:t>Use the specification</a:t>
+            </a:r>
+            <a:endParaRPr lang="en-US" dirty="0"/>
           </a:p>
         </p:txBody>
       </p:sp>
       <p:pic>
         <p:nvPicPr>
-          <p:cNvPr id="4" name="Picture 3">
-            <a:extLst>
-              <a:ext uri="{FF2B5EF4-FFF2-40B4-BE49-F238E27FC236}">
-                <a16:creationId xmlns:a16="http://schemas.microsoft.com/office/drawing/2014/main" id="{F41A24F7-F0FF-4E0E-97AC-BB8766EBBD2C}"/>
+          <p:cNvPr id="6" name="Picture 5">
+            <a:extLst>
+              <a:ext uri="{FF2B5EF4-FFF2-40B4-BE49-F238E27FC236}">
+                <a16:creationId xmlns:a16="http://schemas.microsoft.com/office/drawing/2014/main" id="{0FE0AC01-C084-42C9-9001-DD9BB9A5EE47}"/>
               </a:ext>
             </a:extLst>
           </p:cNvPr>
@@ -6796,8 +6646,8 @@
         </p:blipFill>
         <p:spPr>
           <a:xfrm>
-            <a:off x="838200" y="1690688"/>
-            <a:ext cx="5340927" cy="2808533"/>
+            <a:off x="877765" y="1758156"/>
+            <a:ext cx="5257800" cy="969271"/>
           </a:xfrm>
           <a:prstGeom prst="rect">
             <a:avLst/>
@@ -6814,10 +6664,10 @@
       </p:pic>
       <p:pic>
         <p:nvPicPr>
-          <p:cNvPr id="5" name="Picture 4">
-            <a:extLst>
-              <a:ext uri="{FF2B5EF4-FFF2-40B4-BE49-F238E27FC236}">
-                <a16:creationId xmlns:a16="http://schemas.microsoft.com/office/drawing/2014/main" id="{CD4C95D5-C36D-4E74-92F3-B6E562CE7D2D}"/>
+          <p:cNvPr id="7" name="Picture 6">
+            <a:extLst>
+              <a:ext uri="{FF2B5EF4-FFF2-40B4-BE49-F238E27FC236}">
+                <a16:creationId xmlns:a16="http://schemas.microsoft.com/office/drawing/2014/main" id="{D886A22A-483B-4831-A628-B510B746FACC}"/>
               </a:ext>
             </a:extLst>
           </p:cNvPr>
@@ -6834,8 +6684,8 @@
         </p:blipFill>
         <p:spPr>
           <a:xfrm>
-            <a:off x="838200" y="4617349"/>
-            <a:ext cx="6227467" cy="1811159"/>
+            <a:off x="877765" y="2844387"/>
+            <a:ext cx="7727868" cy="2572374"/>
           </a:xfrm>
           <a:prstGeom prst="rect">
             <a:avLst/>
@@ -6850,10 +6700,48 @@
           </a:ln>
         </p:spPr>
       </p:pic>
+      <p:pic>
+        <p:nvPicPr>
+          <p:cNvPr id="8" name="Picture 7">
+            <a:extLst>
+              <a:ext uri="{FF2B5EF4-FFF2-40B4-BE49-F238E27FC236}">
+                <a16:creationId xmlns:a16="http://schemas.microsoft.com/office/drawing/2014/main" id="{C9FD1C11-869D-4780-9CFC-D3AE1539E6BB}"/>
+              </a:ext>
+            </a:extLst>
+          </p:cNvPr>
+          <p:cNvPicPr>
+            <a:picLocks noChangeAspect="1"/>
+          </p:cNvPicPr>
+          <p:nvPr/>
+        </p:nvPicPr>
+        <p:blipFill>
+          <a:blip r:embed="rId4"/>
+          <a:stretch>
+            <a:fillRect/>
+          </a:stretch>
+        </p:blipFill>
+        <p:spPr>
+          <a:xfrm>
+            <a:off x="877765" y="5533721"/>
+            <a:ext cx="5642882" cy="1001919"/>
+          </a:xfrm>
+          <a:prstGeom prst="rect">
+            <a:avLst/>
+          </a:prstGeom>
+          <a:ln w="12700">
+            <a:solidFill>
+              <a:schemeClr val="tx1">
+                <a:lumMod val="75000"/>
+                <a:lumOff val="25000"/>
+              </a:schemeClr>
+            </a:solidFill>
+          </a:ln>
+        </p:spPr>
+      </p:pic>
     </p:spTree>
     <p:extLst>
       <p:ext uri="{BB962C8B-B14F-4D97-AF65-F5344CB8AC3E}">
-        <p14:creationId xmlns:p14="http://schemas.microsoft.com/office/powerpoint/2010/main" val="3524833557"/>
+        <p14:creationId xmlns:p14="http://schemas.microsoft.com/office/powerpoint/2010/main" val="2980318803"/>
       </p:ext>
     </p:extLst>
   </p:cSld>
@@ -6885,7 +6773,7 @@
           <p:cNvPr id="2" name="Title 1">
             <a:extLst>
               <a:ext uri="{FF2B5EF4-FFF2-40B4-BE49-F238E27FC236}">
-                <a16:creationId xmlns:a16="http://schemas.microsoft.com/office/drawing/2014/main" id="{BDD446CD-C68E-4B34-9354-E8F68D0EB962}"/>
+                <a16:creationId xmlns:a16="http://schemas.microsoft.com/office/drawing/2014/main" id="{3B24E74A-4EDA-4F58-9D20-DA47DE6A64C0}"/>
               </a:ext>
             </a:extLst>
           </p:cNvPr>
@@ -6903,14 +6791,14 @@
           <a:p>
             <a:r>
               <a:rPr lang="en-US" dirty="0"/>
-              <a:t>Repositories</a:t>
+              <a:t>Specifications</a:t>
             </a:r>
             <a:br>
               <a:rPr lang="en-US" dirty="0"/>
             </a:br>
             <a:r>
               <a:rPr lang="en-US" sz="3600" dirty="0"/>
-              <a:t>Querying</a:t>
+              <a:t>Use the specification</a:t>
             </a:r>
             <a:endParaRPr lang="en-US" dirty="0"/>
           </a:p>
@@ -6918,10 +6806,10 @@
       </p:sp>
       <p:pic>
         <p:nvPicPr>
-          <p:cNvPr id="3" name="Picture 2">
-            <a:extLst>
-              <a:ext uri="{FF2B5EF4-FFF2-40B4-BE49-F238E27FC236}">
-                <a16:creationId xmlns:a16="http://schemas.microsoft.com/office/drawing/2014/main" id="{6EC51A68-EA70-4F50-9A9F-4D510AE7E3C2}"/>
+          <p:cNvPr id="5" name="Picture 4">
+            <a:extLst>
+              <a:ext uri="{FF2B5EF4-FFF2-40B4-BE49-F238E27FC236}">
+                <a16:creationId xmlns:a16="http://schemas.microsoft.com/office/drawing/2014/main" id="{BE13C0D9-5BC9-4043-A357-B1CA1A9F2D01}"/>
               </a:ext>
             </a:extLst>
           </p:cNvPr>
@@ -6938,8 +6826,8 @@
         </p:blipFill>
         <p:spPr>
           <a:xfrm>
-            <a:off x="838200" y="1659905"/>
-            <a:ext cx="4233925" cy="3022931"/>
+            <a:off x="247376" y="1832758"/>
+            <a:ext cx="4659138" cy="3982193"/>
           </a:xfrm>
           <a:prstGeom prst="rect">
             <a:avLst/>
@@ -6948,10 +6836,10 @@
       </p:pic>
       <p:pic>
         <p:nvPicPr>
-          <p:cNvPr id="4" name="Picture 3">
-            <a:extLst>
-              <a:ext uri="{FF2B5EF4-FFF2-40B4-BE49-F238E27FC236}">
-                <a16:creationId xmlns:a16="http://schemas.microsoft.com/office/drawing/2014/main" id="{BC4F21F5-B569-4D96-BBEE-735F40DDD2CA}"/>
+          <p:cNvPr id="3" name="Picture 2">
+            <a:extLst>
+              <a:ext uri="{FF2B5EF4-FFF2-40B4-BE49-F238E27FC236}">
+                <a16:creationId xmlns:a16="http://schemas.microsoft.com/office/drawing/2014/main" id="{CC988AFE-84D3-4FE8-A964-05B07B9F3D7F}"/>
               </a:ext>
             </a:extLst>
           </p:cNvPr>
@@ -6968,8 +6856,8 @@
         </p:blipFill>
         <p:spPr>
           <a:xfrm>
-            <a:off x="6834311" y="2167244"/>
-            <a:ext cx="4931167" cy="1728450"/>
+            <a:off x="5680165" y="1648831"/>
+            <a:ext cx="6264459" cy="4204842"/>
           </a:xfrm>
           <a:prstGeom prst="rect">
             <a:avLst/>
@@ -6978,10 +6866,10 @@
       </p:pic>
       <p:sp>
         <p:nvSpPr>
-          <p:cNvPr id="6" name="Arrow: Right 5">
-            <a:extLst>
-              <a:ext uri="{FF2B5EF4-FFF2-40B4-BE49-F238E27FC236}">
-                <a16:creationId xmlns:a16="http://schemas.microsoft.com/office/drawing/2014/main" id="{E10BC940-1850-4062-951A-6FA5B17106C4}"/>
+          <p:cNvPr id="4" name="Arrow: Right 3">
+            <a:extLst>
+              <a:ext uri="{FF2B5EF4-FFF2-40B4-BE49-F238E27FC236}">
+                <a16:creationId xmlns:a16="http://schemas.microsoft.com/office/drawing/2014/main" id="{65E0A82D-CFB7-4801-BC0A-7BBD01CDE9F3}"/>
               </a:ext>
             </a:extLst>
           </p:cNvPr>
@@ -6990,8 +6878,8 @@
         </p:nvSpPr>
         <p:spPr>
           <a:xfrm>
-            <a:off x="5288478" y="2825683"/>
-            <a:ext cx="1041070" cy="411572"/>
+            <a:off x="4526504" y="4627419"/>
+            <a:ext cx="999481" cy="344384"/>
           </a:xfrm>
           <a:prstGeom prst="rightArrow">
             <a:avLst/>
@@ -7025,7 +6913,7 @@
     </p:spTree>
     <p:extLst>
       <p:ext uri="{BB962C8B-B14F-4D97-AF65-F5344CB8AC3E}">
-        <p14:creationId xmlns:p14="http://schemas.microsoft.com/office/powerpoint/2010/main" val="539640982"/>
+        <p14:creationId xmlns:p14="http://schemas.microsoft.com/office/powerpoint/2010/main" val="2282954860"/>
       </p:ext>
     </p:extLst>
   </p:cSld>
@@ -7057,7 +6945,7 @@
           <p:cNvPr id="2" name="Title 1">
             <a:extLst>
               <a:ext uri="{FF2B5EF4-FFF2-40B4-BE49-F238E27FC236}">
-                <a16:creationId xmlns:a16="http://schemas.microsoft.com/office/drawing/2014/main" id="{BB5A459E-6CBC-44E2-99B0-6203402BE72F}"/>
+                <a16:creationId xmlns:a16="http://schemas.microsoft.com/office/drawing/2014/main" id="{8F8B9203-A237-4817-9C8C-856833CB6AC7}"/>
               </a:ext>
             </a:extLst>
           </p:cNvPr>
@@ -7075,107 +6963,98 @@
           <a:p>
             <a:r>
               <a:rPr lang="en-US" dirty="0"/>
-              <a:t>Repositories</a:t>
+              <a:t>Specifications</a:t>
             </a:r>
             <a:br>
               <a:rPr lang="en-US" dirty="0"/>
             </a:br>
             <a:r>
               <a:rPr lang="en-US" sz="3600" dirty="0"/>
-              <a:t>Querying / Read Models</a:t>
-            </a:r>
-            <a:endParaRPr lang="en-US" dirty="0"/>
-          </a:p>
-        </p:txBody>
-      </p:sp>
-      <p:sp>
-        <p:nvSpPr>
-          <p:cNvPr id="3" name="Content Placeholder 2">
-            <a:extLst>
-              <a:ext uri="{FF2B5EF4-FFF2-40B4-BE49-F238E27FC236}">
-                <a16:creationId xmlns:a16="http://schemas.microsoft.com/office/drawing/2014/main" id="{DA537E21-1A01-4199-BD9E-3FF6FD74277B}"/>
-              </a:ext>
-            </a:extLst>
-          </p:cNvPr>
-          <p:cNvSpPr>
-            <a:spLocks noGrp="1"/>
-          </p:cNvSpPr>
-          <p:nvPr>
-            <p:ph idx="1"/>
-          </p:nvPr>
-        </p:nvSpPr>
-        <p:spPr/>
-        <p:txBody>
-          <a:bodyPr/>
-          <a:lstStyle/>
-          <a:p>
-            <a:r>
-              <a:rPr lang="en-US" dirty="0"/>
-              <a:t>Read model: A special entity-like class to read data from the database.</a:t>
-            </a:r>
-          </a:p>
-          <a:p>
-            <a:r>
-              <a:rPr lang="en-US" dirty="0"/>
-              <a:t>Minimize read models, do not use for single-entity operations</a:t>
-            </a:r>
-          </a:p>
-          <a:p>
-            <a:r>
-              <a:rPr lang="en-US" dirty="0"/>
-              <a:t>Define &amp; use read models only in performance critical parts</a:t>
-            </a:r>
-          </a:p>
-          <a:p>
-            <a:pPr lvl="1"/>
-            <a:r>
-              <a:rPr lang="en-US" dirty="0"/>
-              <a:t>TODO: Example</a:t>
-            </a:r>
-          </a:p>
-          <a:p>
-            <a:r>
-              <a:rPr lang="en-US" dirty="0"/>
-              <a:t>Do not reuse aggregate roots or entities inside read models</a:t>
-            </a:r>
-          </a:p>
-          <a:p>
-            <a:pPr lvl="1"/>
-            <a:r>
-              <a:rPr lang="en-US" dirty="0"/>
-              <a:t>TODO: Example (</a:t>
-            </a:r>
-            <a:r>
-              <a:rPr lang="en-US" dirty="0" err="1"/>
-              <a:t>UserWithRole</a:t>
-            </a:r>
-            <a:r>
-              <a:rPr lang="en-US" dirty="0"/>
-              <a:t>, </a:t>
-            </a:r>
-            <a:r>
-              <a:rPr lang="en-US" dirty="0" err="1"/>
-              <a:t>SimpleUser</a:t>
-            </a:r>
-            <a:r>
-              <a:rPr lang="en-US" dirty="0"/>
-              <a:t>, </a:t>
-            </a:r>
-            <a:r>
-              <a:rPr lang="en-US" dirty="0" err="1"/>
-              <a:t>DetailedUser</a:t>
-            </a:r>
-            <a:r>
-              <a:rPr lang="en-US" dirty="0"/>
-              <a:t>… etc.)</a:t>
-            </a:r>
-          </a:p>
-        </p:txBody>
-      </p:sp>
+              <a:t>Combining Specifications</a:t>
+            </a:r>
+          </a:p>
+        </p:txBody>
+      </p:sp>
+      <p:pic>
+        <p:nvPicPr>
+          <p:cNvPr id="4" name="Picture 3">
+            <a:extLst>
+              <a:ext uri="{FF2B5EF4-FFF2-40B4-BE49-F238E27FC236}">
+                <a16:creationId xmlns:a16="http://schemas.microsoft.com/office/drawing/2014/main" id="{F41A24F7-F0FF-4E0E-97AC-BB8766EBBD2C}"/>
+              </a:ext>
+            </a:extLst>
+          </p:cNvPr>
+          <p:cNvPicPr>
+            <a:picLocks noChangeAspect="1"/>
+          </p:cNvPicPr>
+          <p:nvPr/>
+        </p:nvPicPr>
+        <p:blipFill>
+          <a:blip r:embed="rId2"/>
+          <a:stretch>
+            <a:fillRect/>
+          </a:stretch>
+        </p:blipFill>
+        <p:spPr>
+          <a:xfrm>
+            <a:off x="838200" y="1690688"/>
+            <a:ext cx="5340927" cy="2808533"/>
+          </a:xfrm>
+          <a:prstGeom prst="rect">
+            <a:avLst/>
+          </a:prstGeom>
+          <a:ln w="12700">
+            <a:solidFill>
+              <a:schemeClr val="tx1">
+                <a:lumMod val="75000"/>
+                <a:lumOff val="25000"/>
+              </a:schemeClr>
+            </a:solidFill>
+          </a:ln>
+        </p:spPr>
+      </p:pic>
+      <p:pic>
+        <p:nvPicPr>
+          <p:cNvPr id="5" name="Picture 4">
+            <a:extLst>
+              <a:ext uri="{FF2B5EF4-FFF2-40B4-BE49-F238E27FC236}">
+                <a16:creationId xmlns:a16="http://schemas.microsoft.com/office/drawing/2014/main" id="{CD4C95D5-C36D-4E74-92F3-B6E562CE7D2D}"/>
+              </a:ext>
+            </a:extLst>
+          </p:cNvPr>
+          <p:cNvPicPr>
+            <a:picLocks noChangeAspect="1"/>
+          </p:cNvPicPr>
+          <p:nvPr/>
+        </p:nvPicPr>
+        <p:blipFill>
+          <a:blip r:embed="rId3"/>
+          <a:stretch>
+            <a:fillRect/>
+          </a:stretch>
+        </p:blipFill>
+        <p:spPr>
+          <a:xfrm>
+            <a:off x="838200" y="4617349"/>
+            <a:ext cx="6227467" cy="1811159"/>
+          </a:xfrm>
+          <a:prstGeom prst="rect">
+            <a:avLst/>
+          </a:prstGeom>
+          <a:ln w="12700">
+            <a:solidFill>
+              <a:schemeClr val="tx1">
+                <a:lumMod val="75000"/>
+                <a:lumOff val="25000"/>
+              </a:schemeClr>
+            </a:solidFill>
+          </a:ln>
+        </p:spPr>
+      </p:pic>
     </p:spTree>
     <p:extLst>
       <p:ext uri="{BB962C8B-B14F-4D97-AF65-F5344CB8AC3E}">
-        <p14:creationId xmlns:p14="http://schemas.microsoft.com/office/powerpoint/2010/main" val="171990646"/>
+        <p14:creationId xmlns:p14="http://schemas.microsoft.com/office/powerpoint/2010/main" val="3524833557"/>
       </p:ext>
     </p:extLst>
   </p:cSld>
@@ -7295,7 +7174,7 @@
           <p:cNvPr id="2" name="Title 1">
             <a:extLst>
               <a:ext uri="{FF2B5EF4-FFF2-40B4-BE49-F238E27FC236}">
-                <a16:creationId xmlns:a16="http://schemas.microsoft.com/office/drawing/2014/main" id="{341AFAB9-487D-494A-B454-B40FBBEF2BBA}"/>
+                <a16:creationId xmlns:a16="http://schemas.microsoft.com/office/drawing/2014/main" id="{BDD446CD-C68E-4B34-9354-E8F68D0EB962}"/>
               </a:ext>
             </a:extLst>
           </p:cNvPr>
@@ -7320,44 +7199,122 @@
             </a:br>
             <a:r>
               <a:rPr lang="en-US" sz="3600" dirty="0"/>
-              <a:t>Querying / Read Models</a:t>
+              <a:t>Querying</a:t>
             </a:r>
             <a:endParaRPr lang="en-US" dirty="0"/>
           </a:p>
         </p:txBody>
       </p:sp>
-      <p:sp>
-        <p:nvSpPr>
-          <p:cNvPr id="3" name="Content Placeholder 2">
-            <a:extLst>
-              <a:ext uri="{FF2B5EF4-FFF2-40B4-BE49-F238E27FC236}">
-                <a16:creationId xmlns:a16="http://schemas.microsoft.com/office/drawing/2014/main" id="{B3AAAD6C-7AEA-4B69-925F-9A8C3132967A}"/>
-              </a:ext>
-            </a:extLst>
-          </p:cNvPr>
-          <p:cNvSpPr>
-            <a:spLocks noGrp="1"/>
-          </p:cNvSpPr>
-          <p:nvPr>
-            <p:ph idx="1"/>
-          </p:nvPr>
-        </p:nvSpPr>
-        <p:spPr/>
-        <p:txBody>
-          <a:bodyPr/>
-          <a:lstStyle/>
-          <a:p>
-            <a:r>
-              <a:rPr lang="en-US" dirty="0"/>
-              <a:t>TODO…</a:t>
-            </a:r>
+      <p:pic>
+        <p:nvPicPr>
+          <p:cNvPr id="3" name="Picture 2">
+            <a:extLst>
+              <a:ext uri="{FF2B5EF4-FFF2-40B4-BE49-F238E27FC236}">
+                <a16:creationId xmlns:a16="http://schemas.microsoft.com/office/drawing/2014/main" id="{6EC51A68-EA70-4F50-9A9F-4D510AE7E3C2}"/>
+              </a:ext>
+            </a:extLst>
+          </p:cNvPr>
+          <p:cNvPicPr>
+            <a:picLocks noChangeAspect="1"/>
+          </p:cNvPicPr>
+          <p:nvPr/>
+        </p:nvPicPr>
+        <p:blipFill>
+          <a:blip r:embed="rId2"/>
+          <a:stretch>
+            <a:fillRect/>
+          </a:stretch>
+        </p:blipFill>
+        <p:spPr>
+          <a:xfrm>
+            <a:off x="838200" y="1659905"/>
+            <a:ext cx="4233925" cy="3022931"/>
+          </a:xfrm>
+          <a:prstGeom prst="rect">
+            <a:avLst/>
+          </a:prstGeom>
+        </p:spPr>
+      </p:pic>
+      <p:pic>
+        <p:nvPicPr>
+          <p:cNvPr id="4" name="Picture 3">
+            <a:extLst>
+              <a:ext uri="{FF2B5EF4-FFF2-40B4-BE49-F238E27FC236}">
+                <a16:creationId xmlns:a16="http://schemas.microsoft.com/office/drawing/2014/main" id="{BC4F21F5-B569-4D96-BBEE-735F40DDD2CA}"/>
+              </a:ext>
+            </a:extLst>
+          </p:cNvPr>
+          <p:cNvPicPr>
+            <a:picLocks noChangeAspect="1"/>
+          </p:cNvPicPr>
+          <p:nvPr/>
+        </p:nvPicPr>
+        <p:blipFill>
+          <a:blip r:embed="rId3"/>
+          <a:stretch>
+            <a:fillRect/>
+          </a:stretch>
+        </p:blipFill>
+        <p:spPr>
+          <a:xfrm>
+            <a:off x="6834311" y="2167244"/>
+            <a:ext cx="4931167" cy="1728450"/>
+          </a:xfrm>
+          <a:prstGeom prst="rect">
+            <a:avLst/>
+          </a:prstGeom>
+        </p:spPr>
+      </p:pic>
+      <p:sp>
+        <p:nvSpPr>
+          <p:cNvPr id="6" name="Arrow: Right 5">
+            <a:extLst>
+              <a:ext uri="{FF2B5EF4-FFF2-40B4-BE49-F238E27FC236}">
+                <a16:creationId xmlns:a16="http://schemas.microsoft.com/office/drawing/2014/main" id="{E10BC940-1850-4062-951A-6FA5B17106C4}"/>
+              </a:ext>
+            </a:extLst>
+          </p:cNvPr>
+          <p:cNvSpPr/>
+          <p:nvPr/>
+        </p:nvSpPr>
+        <p:spPr>
+          <a:xfrm>
+            <a:off x="5288478" y="2825683"/>
+            <a:ext cx="1041070" cy="411572"/>
+          </a:xfrm>
+          <a:prstGeom prst="rightArrow">
+            <a:avLst/>
+          </a:prstGeom>
+        </p:spPr>
+        <p:style>
+          <a:lnRef idx="2">
+            <a:schemeClr val="accent2">
+              <a:shade val="50000"/>
+            </a:schemeClr>
+          </a:lnRef>
+          <a:fillRef idx="1">
+            <a:schemeClr val="accent2"/>
+          </a:fillRef>
+          <a:effectRef idx="0">
+            <a:schemeClr val="accent2"/>
+          </a:effectRef>
+          <a:fontRef idx="minor">
+            <a:schemeClr val="lt1"/>
+          </a:fontRef>
+        </p:style>
+        <p:txBody>
+          <a:bodyPr rtlCol="0" anchor="ctr"/>
+          <a:lstStyle/>
+          <a:p>
+            <a:pPr algn="ctr"/>
+            <a:endParaRPr lang="en-US"/>
           </a:p>
         </p:txBody>
       </p:sp>
     </p:spTree>
     <p:extLst>
       <p:ext uri="{BB962C8B-B14F-4D97-AF65-F5344CB8AC3E}">
-        <p14:creationId xmlns:p14="http://schemas.microsoft.com/office/powerpoint/2010/main" val="2211448094"/>
+        <p14:creationId xmlns:p14="http://schemas.microsoft.com/office/powerpoint/2010/main" val="539640982"/>
       </p:ext>
     </p:extLst>
   </p:cSld>
@@ -7389,7 +7346,7 @@
           <p:cNvPr id="2" name="Title 1">
             <a:extLst>
               <a:ext uri="{FF2B5EF4-FFF2-40B4-BE49-F238E27FC236}">
-                <a16:creationId xmlns:a16="http://schemas.microsoft.com/office/drawing/2014/main" id="{DCD406CE-839F-4199-B466-22AF20DC69E4}"/>
+                <a16:creationId xmlns:a16="http://schemas.microsoft.com/office/drawing/2014/main" id="{BB5A459E-6CBC-44E2-99B0-6203402BE72F}"/>
               </a:ext>
             </a:extLst>
           </p:cNvPr>
@@ -7407,14 +7364,14 @@
           <a:p>
             <a:r>
               <a:rPr lang="en-US" dirty="0"/>
-              <a:t>Domain Services</a:t>
+              <a:t>Repositories</a:t>
             </a:r>
             <a:br>
               <a:rPr lang="en-US" dirty="0"/>
             </a:br>
             <a:r>
               <a:rPr lang="en-US" sz="3600" dirty="0"/>
-              <a:t>Principles</a:t>
+              <a:t>Querying / Read Models</a:t>
             </a:r>
             <a:endParaRPr lang="en-US" dirty="0"/>
           </a:p>
@@ -7425,7 +7382,7 @@
           <p:cNvPr id="3" name="Content Placeholder 2">
             <a:extLst>
               <a:ext uri="{FF2B5EF4-FFF2-40B4-BE49-F238E27FC236}">
-                <a16:creationId xmlns:a16="http://schemas.microsoft.com/office/drawing/2014/main" id="{4594C836-7ABE-4497-B60B-67B7615CB160}"/>
+                <a16:creationId xmlns:a16="http://schemas.microsoft.com/office/drawing/2014/main" id="{DA537E21-1A01-4199-BD9E-3FF6FD74277B}"/>
               </a:ext>
             </a:extLst>
           </p:cNvPr>
@@ -7443,61 +7400,63 @@
           <a:p>
             <a:r>
               <a:rPr lang="en-US" dirty="0"/>
-              <a:t>Implements domain logic;</a:t>
+              <a:t>Read model: A special entity-like class to read data from the database.</a:t>
+            </a:r>
+          </a:p>
+          <a:p>
+            <a:r>
+              <a:rPr lang="en-US" dirty="0"/>
+              <a:t>Minimize read models, do not use for single-entity operations</a:t>
+            </a:r>
+          </a:p>
+          <a:p>
+            <a:r>
+              <a:rPr lang="en-US" dirty="0"/>
+              <a:t>Define &amp; use read models only in performance critical parts</a:t>
             </a:r>
           </a:p>
           <a:p>
             <a:pPr lvl="1"/>
             <a:r>
               <a:rPr lang="en-US" dirty="0"/>
-              <a:t>Depends on </a:t>
-            </a:r>
-            <a:r>
-              <a:rPr lang="en-US" b="1" dirty="0"/>
-              <a:t>services/repositories</a:t>
+              <a:t>TODO: Example</a:t>
+            </a:r>
+          </a:p>
+          <a:p>
+            <a:r>
+              <a:rPr lang="en-US" dirty="0"/>
+              <a:t>Do not reuse aggregate roots or entities inside read models</a:t>
             </a:r>
           </a:p>
           <a:p>
             <a:pPr lvl="1"/>
             <a:r>
               <a:rPr lang="en-US" dirty="0"/>
-              <a:t>Needs to work with </a:t>
-            </a:r>
-            <a:r>
-              <a:rPr lang="en-US" b="1" dirty="0"/>
-              <a:t>multiple entities</a:t>
-            </a:r>
-            <a:r>
-              <a:rPr lang="en-US" dirty="0"/>
-              <a:t> / entity types</a:t>
-            </a:r>
-          </a:p>
-          <a:p>
-            <a:r>
-              <a:rPr lang="en-US" dirty="0"/>
-              <a:t>Create for </a:t>
-            </a:r>
-            <a:r>
-              <a:rPr lang="en-US" b="1" dirty="0"/>
-              <a:t>aggregate roots</a:t>
-            </a:r>
-            <a:r>
-              <a:rPr lang="en-US" dirty="0"/>
-              <a:t>, not for entities</a:t>
-            </a:r>
-          </a:p>
-          <a:p>
-            <a:r>
-              <a:rPr lang="en-US" dirty="0"/>
-              <a:t>Work with </a:t>
-            </a:r>
-            <a:r>
-              <a:rPr lang="en-US" b="1" dirty="0"/>
-              <a:t>domain objects</a:t>
-            </a:r>
-            <a:r>
-              <a:rPr lang="en-US" dirty="0"/>
-              <a:t>, not DTOs</a:t>
+              <a:t>TODO: Example (</a:t>
+            </a:r>
+            <a:r>
+              <a:rPr lang="en-US" dirty="0" err="1"/>
+              <a:t>UserWithRole</a:t>
+            </a:r>
+            <a:r>
+              <a:rPr lang="en-US" dirty="0"/>
+              <a:t>, </a:t>
+            </a:r>
+            <a:r>
+              <a:rPr lang="en-US" dirty="0" err="1"/>
+              <a:t>SimpleUser</a:t>
+            </a:r>
+            <a:r>
+              <a:rPr lang="en-US" dirty="0"/>
+              <a:t>, </a:t>
+            </a:r>
+            <a:r>
+              <a:rPr lang="en-US" dirty="0" err="1"/>
+              <a:t>DetailedUser</a:t>
+            </a:r>
+            <a:r>
+              <a:rPr lang="en-US" dirty="0"/>
+              <a:t>… etc.)</a:t>
             </a:r>
           </a:p>
         </p:txBody>
@@ -7505,7 +7464,7 @@
     </p:spTree>
     <p:extLst>
       <p:ext uri="{BB962C8B-B14F-4D97-AF65-F5344CB8AC3E}">
-        <p14:creationId xmlns:p14="http://schemas.microsoft.com/office/powerpoint/2010/main" val="2340709840"/>
+        <p14:creationId xmlns:p14="http://schemas.microsoft.com/office/powerpoint/2010/main" val="171990646"/>
       </p:ext>
     </p:extLst>
   </p:cSld>
@@ -7537,7 +7496,7 @@
           <p:cNvPr id="2" name="Title 1">
             <a:extLst>
               <a:ext uri="{FF2B5EF4-FFF2-40B4-BE49-F238E27FC236}">
-                <a16:creationId xmlns:a16="http://schemas.microsoft.com/office/drawing/2014/main" id="{BF966061-C025-4862-BB7A-13EE62604BE4}"/>
+                <a16:creationId xmlns:a16="http://schemas.microsoft.com/office/drawing/2014/main" id="{341AFAB9-487D-494A-B454-B40FBBEF2BBA}"/>
               </a:ext>
             </a:extLst>
           </p:cNvPr>
@@ -7555,83 +7514,51 @@
           <a:p>
             <a:r>
               <a:rPr lang="en-US" dirty="0"/>
-              <a:t>Domain Services</a:t>
+              <a:t>Repositories</a:t>
             </a:r>
             <a:br>
               <a:rPr lang="en-US" dirty="0"/>
             </a:br>
             <a:r>
               <a:rPr lang="en-US" sz="3600" dirty="0"/>
-              <a:t>Example</a:t>
+              <a:t>Querying / Read Models</a:t>
             </a:r>
             <a:endParaRPr lang="en-US" dirty="0"/>
           </a:p>
         </p:txBody>
       </p:sp>
-      <p:pic>
-        <p:nvPicPr>
-          <p:cNvPr id="4" name="Picture 3">
-            <a:extLst>
-              <a:ext uri="{FF2B5EF4-FFF2-40B4-BE49-F238E27FC236}">
-                <a16:creationId xmlns:a16="http://schemas.microsoft.com/office/drawing/2014/main" id="{29BE0215-8F7B-4D4B-87D0-903BC11A55F4}"/>
-              </a:ext>
-            </a:extLst>
-          </p:cNvPr>
-          <p:cNvPicPr>
-            <a:picLocks noChangeAspect="1"/>
-          </p:cNvPicPr>
-          <p:nvPr/>
-        </p:nvPicPr>
-        <p:blipFill>
-          <a:blip r:embed="rId2"/>
-          <a:stretch>
-            <a:fillRect/>
-          </a:stretch>
-        </p:blipFill>
-        <p:spPr>
-          <a:xfrm>
-            <a:off x="316112" y="1637448"/>
-            <a:ext cx="6068748" cy="5127529"/>
-          </a:xfrm>
-          <a:prstGeom prst="rect">
-            <a:avLst/>
-          </a:prstGeom>
-        </p:spPr>
-      </p:pic>
-      <p:pic>
-        <p:nvPicPr>
-          <p:cNvPr id="5" name="Picture 4">
-            <a:extLst>
-              <a:ext uri="{FF2B5EF4-FFF2-40B4-BE49-F238E27FC236}">
-                <a16:creationId xmlns:a16="http://schemas.microsoft.com/office/drawing/2014/main" id="{A292BBA2-7CC5-49FC-AFB8-6E663B11AD25}"/>
-              </a:ext>
-            </a:extLst>
-          </p:cNvPr>
-          <p:cNvPicPr>
-            <a:picLocks noChangeAspect="1"/>
-          </p:cNvPicPr>
-          <p:nvPr/>
-        </p:nvPicPr>
-        <p:blipFill>
-          <a:blip r:embed="rId3"/>
-          <a:stretch>
-            <a:fillRect/>
-          </a:stretch>
-        </p:blipFill>
-        <p:spPr>
-          <a:xfrm>
-            <a:off x="6717477" y="2529171"/>
-            <a:ext cx="5158411" cy="2379297"/>
-          </a:xfrm>
-          <a:prstGeom prst="rect">
-            <a:avLst/>
-          </a:prstGeom>
-        </p:spPr>
-      </p:pic>
+      <p:sp>
+        <p:nvSpPr>
+          <p:cNvPr id="3" name="Content Placeholder 2">
+            <a:extLst>
+              <a:ext uri="{FF2B5EF4-FFF2-40B4-BE49-F238E27FC236}">
+                <a16:creationId xmlns:a16="http://schemas.microsoft.com/office/drawing/2014/main" id="{B3AAAD6C-7AEA-4B69-925F-9A8C3132967A}"/>
+              </a:ext>
+            </a:extLst>
+          </p:cNvPr>
+          <p:cNvSpPr>
+            <a:spLocks noGrp="1"/>
+          </p:cNvSpPr>
+          <p:nvPr>
+            <p:ph idx="1"/>
+          </p:nvPr>
+        </p:nvSpPr>
+        <p:spPr/>
+        <p:txBody>
+          <a:bodyPr/>
+          <a:lstStyle/>
+          <a:p>
+            <a:r>
+              <a:rPr lang="en-US" dirty="0"/>
+              <a:t>TODO…</a:t>
+            </a:r>
+          </a:p>
+        </p:txBody>
+      </p:sp>
     </p:spTree>
     <p:extLst>
       <p:ext uri="{BB962C8B-B14F-4D97-AF65-F5344CB8AC3E}">
-        <p14:creationId xmlns:p14="http://schemas.microsoft.com/office/powerpoint/2010/main" val="2205829508"/>
+        <p14:creationId xmlns:p14="http://schemas.microsoft.com/office/powerpoint/2010/main" val="2211448094"/>
       </p:ext>
     </p:extLst>
   </p:cSld>
@@ -7663,7 +7590,7 @@
           <p:cNvPr id="2" name="Title 1">
             <a:extLst>
               <a:ext uri="{FF2B5EF4-FFF2-40B4-BE49-F238E27FC236}">
-                <a16:creationId xmlns:a16="http://schemas.microsoft.com/office/drawing/2014/main" id="{A18F611F-109C-47D3-B70A-8E71B10710CF}"/>
+                <a16:creationId xmlns:a16="http://schemas.microsoft.com/office/drawing/2014/main" id="{DCD406CE-839F-4199-B466-22AF20DC69E4}"/>
               </a:ext>
             </a:extLst>
           </p:cNvPr>
@@ -7688,7 +7615,7 @@
             </a:br>
             <a:r>
               <a:rPr lang="en-US" sz="3600" dirty="0"/>
-              <a:t>More…</a:t>
+              <a:t>Principles</a:t>
             </a:r>
             <a:endParaRPr lang="en-US" dirty="0"/>
           </a:p>
@@ -7699,7 +7626,7 @@
           <p:cNvPr id="3" name="Content Placeholder 2">
             <a:extLst>
               <a:ext uri="{FF2B5EF4-FFF2-40B4-BE49-F238E27FC236}">
-                <a16:creationId xmlns:a16="http://schemas.microsoft.com/office/drawing/2014/main" id="{5B572A71-B250-4E7B-97F2-FCB252B677D7}"/>
+                <a16:creationId xmlns:a16="http://schemas.microsoft.com/office/drawing/2014/main" id="{4594C836-7ABE-4497-B60B-67B7615CB160}"/>
               </a:ext>
             </a:extLst>
           </p:cNvPr>
@@ -7717,7 +7644,61 @@
           <a:p>
             <a:r>
               <a:rPr lang="en-US" dirty="0"/>
-              <a:t>TODO</a:t>
+              <a:t>Implements domain logic;</a:t>
+            </a:r>
+          </a:p>
+          <a:p>
+            <a:pPr lvl="1"/>
+            <a:r>
+              <a:rPr lang="en-US" dirty="0"/>
+              <a:t>Depends on </a:t>
+            </a:r>
+            <a:r>
+              <a:rPr lang="en-US" b="1" dirty="0"/>
+              <a:t>services/repositories</a:t>
+            </a:r>
+          </a:p>
+          <a:p>
+            <a:pPr lvl="1"/>
+            <a:r>
+              <a:rPr lang="en-US" dirty="0"/>
+              <a:t>Needs to work with </a:t>
+            </a:r>
+            <a:r>
+              <a:rPr lang="en-US" b="1" dirty="0"/>
+              <a:t>multiple entities</a:t>
+            </a:r>
+            <a:r>
+              <a:rPr lang="en-US" dirty="0"/>
+              <a:t> / entity types</a:t>
+            </a:r>
+          </a:p>
+          <a:p>
+            <a:r>
+              <a:rPr lang="en-US" dirty="0"/>
+              <a:t>Create for </a:t>
+            </a:r>
+            <a:r>
+              <a:rPr lang="en-US" b="1" dirty="0"/>
+              <a:t>aggregate roots</a:t>
+            </a:r>
+            <a:r>
+              <a:rPr lang="en-US" dirty="0"/>
+              <a:t>, not for entities</a:t>
+            </a:r>
+          </a:p>
+          <a:p>
+            <a:r>
+              <a:rPr lang="en-US" dirty="0"/>
+              <a:t>Work with </a:t>
+            </a:r>
+            <a:r>
+              <a:rPr lang="en-US" b="1" dirty="0"/>
+              <a:t>domain objects</a:t>
+            </a:r>
+            <a:r>
+              <a:rPr lang="en-US" dirty="0"/>
+              <a:t>, not DTOs</a:t>
             </a:r>
           </a:p>
         </p:txBody>
@@ -7725,7 +7706,7 @@
     </p:spTree>
     <p:extLst>
       <p:ext uri="{BB962C8B-B14F-4D97-AF65-F5344CB8AC3E}">
-        <p14:creationId xmlns:p14="http://schemas.microsoft.com/office/powerpoint/2010/main" val="1148542737"/>
+        <p14:creationId xmlns:p14="http://schemas.microsoft.com/office/powerpoint/2010/main" val="2340709840"/>
       </p:ext>
     </p:extLst>
   </p:cSld>
@@ -7757,7 +7738,7 @@
           <p:cNvPr id="2" name="Title 1">
             <a:extLst>
               <a:ext uri="{FF2B5EF4-FFF2-40B4-BE49-F238E27FC236}">
-                <a16:creationId xmlns:a16="http://schemas.microsoft.com/office/drawing/2014/main" id="{9E00AFCC-9F14-4DE2-B25D-DBEC34754496}"/>
+                <a16:creationId xmlns:a16="http://schemas.microsoft.com/office/drawing/2014/main" id="{BF966061-C025-4862-BB7A-13EE62604BE4}"/>
               </a:ext>
             </a:extLst>
           </p:cNvPr>
@@ -7775,79 +7756,83 @@
           <a:p>
             <a:r>
               <a:rPr lang="en-US" dirty="0"/>
-              <a:t>Application Services</a:t>
+              <a:t>Domain Services</a:t>
             </a:r>
             <a:br>
               <a:rPr lang="en-US" dirty="0"/>
             </a:br>
             <a:r>
               <a:rPr lang="en-US" sz="3600" dirty="0"/>
-              <a:t>Principles</a:t>
+              <a:t>Example</a:t>
             </a:r>
             <a:endParaRPr lang="en-US" dirty="0"/>
           </a:p>
         </p:txBody>
       </p:sp>
-      <p:sp>
-        <p:nvSpPr>
-          <p:cNvPr id="3" name="Content Placeholder 2">
-            <a:extLst>
-              <a:ext uri="{FF2B5EF4-FFF2-40B4-BE49-F238E27FC236}">
-                <a16:creationId xmlns:a16="http://schemas.microsoft.com/office/drawing/2014/main" id="{0EF0AC2E-582F-490A-8D51-741AA1B21A00}"/>
-              </a:ext>
-            </a:extLst>
-          </p:cNvPr>
-          <p:cNvSpPr>
-            <a:spLocks noGrp="1"/>
-          </p:cNvSpPr>
-          <p:nvPr>
-            <p:ph idx="1"/>
-          </p:nvPr>
-        </p:nvSpPr>
-        <p:spPr/>
-        <p:txBody>
-          <a:bodyPr/>
-          <a:lstStyle/>
-          <a:p>
-            <a:r>
-              <a:rPr lang="en-US" dirty="0"/>
-              <a:t>Implement </a:t>
-            </a:r>
-            <a:r>
-              <a:rPr lang="en-US" b="1" dirty="0"/>
-              <a:t>use cases</a:t>
-            </a:r>
-            <a:r>
-              <a:rPr lang="en-US" dirty="0"/>
-              <a:t> of the application (application logic), not domain logic!</a:t>
-            </a:r>
-          </a:p>
-          <a:p>
-            <a:r>
-              <a:rPr lang="en-US" dirty="0"/>
-              <a:t>Get &amp; return </a:t>
-            </a:r>
-            <a:r>
-              <a:rPr lang="en-US" b="1" dirty="0"/>
-              <a:t>Data Transfer Objects</a:t>
-            </a:r>
-            <a:r>
-              <a:rPr lang="en-US" dirty="0"/>
-              <a:t>, not entities!</a:t>
-            </a:r>
-          </a:p>
-          <a:p>
-            <a:r>
-              <a:rPr lang="en-US" dirty="0"/>
-              <a:t>Use entities, repositories and other domain objects inside</a:t>
-            </a:r>
-          </a:p>
-        </p:txBody>
-      </p:sp>
+      <p:pic>
+        <p:nvPicPr>
+          <p:cNvPr id="4" name="Picture 3">
+            <a:extLst>
+              <a:ext uri="{FF2B5EF4-FFF2-40B4-BE49-F238E27FC236}">
+                <a16:creationId xmlns:a16="http://schemas.microsoft.com/office/drawing/2014/main" id="{29BE0215-8F7B-4D4B-87D0-903BC11A55F4}"/>
+              </a:ext>
+            </a:extLst>
+          </p:cNvPr>
+          <p:cNvPicPr>
+            <a:picLocks noChangeAspect="1"/>
+          </p:cNvPicPr>
+          <p:nvPr/>
+        </p:nvPicPr>
+        <p:blipFill>
+          <a:blip r:embed="rId2"/>
+          <a:stretch>
+            <a:fillRect/>
+          </a:stretch>
+        </p:blipFill>
+        <p:spPr>
+          <a:xfrm>
+            <a:off x="316112" y="1637448"/>
+            <a:ext cx="6068748" cy="5127529"/>
+          </a:xfrm>
+          <a:prstGeom prst="rect">
+            <a:avLst/>
+          </a:prstGeom>
+        </p:spPr>
+      </p:pic>
+      <p:pic>
+        <p:nvPicPr>
+          <p:cNvPr id="5" name="Picture 4">
+            <a:extLst>
+              <a:ext uri="{FF2B5EF4-FFF2-40B4-BE49-F238E27FC236}">
+                <a16:creationId xmlns:a16="http://schemas.microsoft.com/office/drawing/2014/main" id="{A292BBA2-7CC5-49FC-AFB8-6E663B11AD25}"/>
+              </a:ext>
+            </a:extLst>
+          </p:cNvPr>
+          <p:cNvPicPr>
+            <a:picLocks noChangeAspect="1"/>
+          </p:cNvPicPr>
+          <p:nvPr/>
+        </p:nvPicPr>
+        <p:blipFill>
+          <a:blip r:embed="rId3"/>
+          <a:stretch>
+            <a:fillRect/>
+          </a:stretch>
+        </p:blipFill>
+        <p:spPr>
+          <a:xfrm>
+            <a:off x="6717477" y="2529171"/>
+            <a:ext cx="5158411" cy="2379297"/>
+          </a:xfrm>
+          <a:prstGeom prst="rect">
+            <a:avLst/>
+          </a:prstGeom>
+        </p:spPr>
+      </p:pic>
     </p:spTree>
     <p:extLst>
       <p:ext uri="{BB962C8B-B14F-4D97-AF65-F5344CB8AC3E}">
-        <p14:creationId xmlns:p14="http://schemas.microsoft.com/office/powerpoint/2010/main" val="2222563176"/>
+        <p14:creationId xmlns:p14="http://schemas.microsoft.com/office/powerpoint/2010/main" val="2205829508"/>
       </p:ext>
     </p:extLst>
   </p:cSld>
@@ -7879,7 +7864,7 @@
           <p:cNvPr id="2" name="Title 1">
             <a:extLst>
               <a:ext uri="{FF2B5EF4-FFF2-40B4-BE49-F238E27FC236}">
-                <a16:creationId xmlns:a16="http://schemas.microsoft.com/office/drawing/2014/main" id="{29F85CF8-884F-45A6-90A4-69F90F82C910}"/>
+                <a16:creationId xmlns:a16="http://schemas.microsoft.com/office/drawing/2014/main" id="{A18F611F-109C-47D3-B70A-8E71B10710CF}"/>
               </a:ext>
             </a:extLst>
           </p:cNvPr>
@@ -7897,14 +7882,14 @@
           <a:p>
             <a:r>
               <a:rPr lang="en-US" dirty="0"/>
-              <a:t>Application Services</a:t>
+              <a:t>Domain Services</a:t>
             </a:r>
             <a:br>
               <a:rPr lang="en-US" dirty="0"/>
             </a:br>
             <a:r>
               <a:rPr lang="en-US" sz="3600" dirty="0"/>
-              <a:t>Example</a:t>
+              <a:t>More…</a:t>
             </a:r>
             <a:endParaRPr lang="en-US" dirty="0"/>
           </a:p>
@@ -7912,10 +7897,10 @@
       </p:sp>
       <p:sp>
         <p:nvSpPr>
-          <p:cNvPr id="6" name="Content Placeholder 5">
-            <a:extLst>
-              <a:ext uri="{FF2B5EF4-FFF2-40B4-BE49-F238E27FC236}">
-                <a16:creationId xmlns:a16="http://schemas.microsoft.com/office/drawing/2014/main" id="{84560618-1B9B-4090-BCC5-B982A3C0BA40}"/>
+          <p:cNvPr id="3" name="Content Placeholder 2">
+            <a:extLst>
+              <a:ext uri="{FF2B5EF4-FFF2-40B4-BE49-F238E27FC236}">
+                <a16:creationId xmlns:a16="http://schemas.microsoft.com/office/drawing/2014/main" id="{5B572A71-B250-4E7B-97F2-FCB252B677D7}"/>
               </a:ext>
             </a:extLst>
           </p:cNvPr>
@@ -7926,113 +7911,22 @@
             <p:ph idx="1"/>
           </p:nvPr>
         </p:nvSpPr>
-        <p:spPr>
-          <a:xfrm>
-            <a:off x="6096000" y="3079668"/>
-            <a:ext cx="5506191" cy="3097295"/>
-          </a:xfrm>
-        </p:spPr>
-        <p:txBody>
-          <a:bodyPr>
-            <a:normAutofit fontScale="92500"/>
-          </a:bodyPr>
-          <a:lstStyle/>
-          <a:p>
-            <a:r>
-              <a:rPr lang="en-US" dirty="0"/>
-              <a:t>Inject domain services &amp; repositories</a:t>
-            </a:r>
-          </a:p>
-          <a:p>
-            <a:r>
-              <a:rPr lang="en-US" dirty="0"/>
-              <a:t>Get DTO as argument</a:t>
-            </a:r>
-          </a:p>
-          <a:p>
-            <a:r>
-              <a:rPr lang="en-US" dirty="0"/>
-              <a:t>Get aggregate roots from repositories</a:t>
-            </a:r>
-          </a:p>
-          <a:p>
-            <a:r>
-              <a:rPr lang="en-US" dirty="0"/>
-              <a:t>Use domain service to perform the domain logic</a:t>
-            </a:r>
-          </a:p>
-          <a:p>
-            <a:r>
-              <a:rPr lang="en-US" dirty="0"/>
-              <a:t>Always update the entity explicitly (don’t assume the change tracking)</a:t>
-            </a:r>
-          </a:p>
-        </p:txBody>
-      </p:sp>
-      <p:pic>
-        <p:nvPicPr>
-          <p:cNvPr id="8" name="Picture 7">
-            <a:extLst>
-              <a:ext uri="{FF2B5EF4-FFF2-40B4-BE49-F238E27FC236}">
-                <a16:creationId xmlns:a16="http://schemas.microsoft.com/office/drawing/2014/main" id="{FC52CA0A-AB3A-48BF-A6C0-C7D6EB02CC3A}"/>
-              </a:ext>
-            </a:extLst>
-          </p:cNvPr>
-          <p:cNvPicPr>
-            <a:picLocks noChangeAspect="1"/>
-          </p:cNvPicPr>
-          <p:nvPr/>
-        </p:nvPicPr>
-        <p:blipFill>
-          <a:blip r:embed="rId2"/>
-          <a:stretch>
-            <a:fillRect/>
-          </a:stretch>
-        </p:blipFill>
-        <p:spPr>
-          <a:xfrm>
-            <a:off x="328503" y="1598006"/>
-            <a:ext cx="5680412" cy="5212492"/>
-          </a:xfrm>
-          <a:prstGeom prst="rect">
-            <a:avLst/>
-          </a:prstGeom>
-        </p:spPr>
-      </p:pic>
-      <p:pic>
-        <p:nvPicPr>
-          <p:cNvPr id="10" name="Picture 9">
-            <a:extLst>
-              <a:ext uri="{FF2B5EF4-FFF2-40B4-BE49-F238E27FC236}">
-                <a16:creationId xmlns:a16="http://schemas.microsoft.com/office/drawing/2014/main" id="{4CD54B2A-5509-432C-9977-26A4EEB7C0B1}"/>
-              </a:ext>
-            </a:extLst>
-          </p:cNvPr>
-          <p:cNvPicPr>
-            <a:picLocks noChangeAspect="1"/>
-          </p:cNvPicPr>
-          <p:nvPr/>
-        </p:nvPicPr>
-        <p:blipFill>
-          <a:blip r:embed="rId3"/>
-          <a:stretch>
-            <a:fillRect/>
-          </a:stretch>
-        </p:blipFill>
-        <p:spPr>
-          <a:xfrm>
-            <a:off x="6139543" y="1491838"/>
-            <a:ext cx="3750561" cy="1527856"/>
-          </a:xfrm>
-          <a:prstGeom prst="rect">
-            <a:avLst/>
-          </a:prstGeom>
-        </p:spPr>
-      </p:pic>
+        <p:spPr/>
+        <p:txBody>
+          <a:bodyPr/>
+          <a:lstStyle/>
+          <a:p>
+            <a:r>
+              <a:rPr lang="en-US" dirty="0"/>
+              <a:t>TODO</a:t>
+            </a:r>
+          </a:p>
+        </p:txBody>
+      </p:sp>
     </p:spTree>
     <p:extLst>
       <p:ext uri="{BB962C8B-B14F-4D97-AF65-F5344CB8AC3E}">
-        <p14:creationId xmlns:p14="http://schemas.microsoft.com/office/powerpoint/2010/main" val="1823342036"/>
+        <p14:creationId xmlns:p14="http://schemas.microsoft.com/office/powerpoint/2010/main" val="1148542737"/>
       </p:ext>
     </p:extLst>
   </p:cSld>
@@ -8064,6 +7958,313 @@
           <p:cNvPr id="2" name="Title 1">
             <a:extLst>
               <a:ext uri="{FF2B5EF4-FFF2-40B4-BE49-F238E27FC236}">
+                <a16:creationId xmlns:a16="http://schemas.microsoft.com/office/drawing/2014/main" id="{9E00AFCC-9F14-4DE2-B25D-DBEC34754496}"/>
+              </a:ext>
+            </a:extLst>
+          </p:cNvPr>
+          <p:cNvSpPr>
+            <a:spLocks noGrp="1"/>
+          </p:cNvSpPr>
+          <p:nvPr>
+            <p:ph type="title"/>
+          </p:nvPr>
+        </p:nvSpPr>
+        <p:spPr/>
+        <p:txBody>
+          <a:bodyPr/>
+          <a:lstStyle/>
+          <a:p>
+            <a:r>
+              <a:rPr lang="en-US" dirty="0"/>
+              <a:t>Application Services</a:t>
+            </a:r>
+            <a:br>
+              <a:rPr lang="en-US" dirty="0"/>
+            </a:br>
+            <a:r>
+              <a:rPr lang="en-US" sz="3600" dirty="0"/>
+              <a:t>Principles</a:t>
+            </a:r>
+            <a:endParaRPr lang="en-US" dirty="0"/>
+          </a:p>
+        </p:txBody>
+      </p:sp>
+      <p:sp>
+        <p:nvSpPr>
+          <p:cNvPr id="3" name="Content Placeholder 2">
+            <a:extLst>
+              <a:ext uri="{FF2B5EF4-FFF2-40B4-BE49-F238E27FC236}">
+                <a16:creationId xmlns:a16="http://schemas.microsoft.com/office/drawing/2014/main" id="{0EF0AC2E-582F-490A-8D51-741AA1B21A00}"/>
+              </a:ext>
+            </a:extLst>
+          </p:cNvPr>
+          <p:cNvSpPr>
+            <a:spLocks noGrp="1"/>
+          </p:cNvSpPr>
+          <p:nvPr>
+            <p:ph idx="1"/>
+          </p:nvPr>
+        </p:nvSpPr>
+        <p:spPr/>
+        <p:txBody>
+          <a:bodyPr/>
+          <a:lstStyle/>
+          <a:p>
+            <a:r>
+              <a:rPr lang="en-US" dirty="0"/>
+              <a:t>Implement </a:t>
+            </a:r>
+            <a:r>
+              <a:rPr lang="en-US" b="1" dirty="0"/>
+              <a:t>use cases</a:t>
+            </a:r>
+            <a:r>
+              <a:rPr lang="en-US" dirty="0"/>
+              <a:t> of the application (application logic), not domain logic!</a:t>
+            </a:r>
+          </a:p>
+          <a:p>
+            <a:r>
+              <a:rPr lang="en-US" dirty="0"/>
+              <a:t>Get &amp; return </a:t>
+            </a:r>
+            <a:r>
+              <a:rPr lang="en-US" b="1" dirty="0"/>
+              <a:t>Data Transfer Objects</a:t>
+            </a:r>
+            <a:r>
+              <a:rPr lang="en-US" dirty="0"/>
+              <a:t>, not entities!</a:t>
+            </a:r>
+          </a:p>
+          <a:p>
+            <a:r>
+              <a:rPr lang="en-US" dirty="0"/>
+              <a:t>Use entities, repositories and other domain objects inside</a:t>
+            </a:r>
+          </a:p>
+        </p:txBody>
+      </p:sp>
+    </p:spTree>
+    <p:extLst>
+      <p:ext uri="{BB962C8B-B14F-4D97-AF65-F5344CB8AC3E}">
+        <p14:creationId xmlns:p14="http://schemas.microsoft.com/office/powerpoint/2010/main" val="2222563176"/>
+      </p:ext>
+    </p:extLst>
+  </p:cSld>
+  <p:clrMapOvr>
+    <a:masterClrMapping/>
+  </p:clrMapOvr>
+</p:sld>
+</file>
+
+<file path=ppt/slides/slide37.xml><?xml version="1.0" encoding="utf-8"?>
+<p:sld xmlns:a="http://schemas.openxmlformats.org/drawingml/2006/main" xmlns:r="http://schemas.openxmlformats.org/officeDocument/2006/relationships" xmlns:p="http://schemas.openxmlformats.org/presentationml/2006/main">
+  <p:cSld>
+    <p:spTree>
+      <p:nvGrpSpPr>
+        <p:cNvPr id="1" name=""/>
+        <p:cNvGrpSpPr/>
+        <p:nvPr/>
+      </p:nvGrpSpPr>
+      <p:grpSpPr>
+        <a:xfrm>
+          <a:off x="0" y="0"/>
+          <a:ext cx="0" cy="0"/>
+          <a:chOff x="0" y="0"/>
+          <a:chExt cx="0" cy="0"/>
+        </a:xfrm>
+      </p:grpSpPr>
+      <p:sp>
+        <p:nvSpPr>
+          <p:cNvPr id="2" name="Title 1">
+            <a:extLst>
+              <a:ext uri="{FF2B5EF4-FFF2-40B4-BE49-F238E27FC236}">
+                <a16:creationId xmlns:a16="http://schemas.microsoft.com/office/drawing/2014/main" id="{29F85CF8-884F-45A6-90A4-69F90F82C910}"/>
+              </a:ext>
+            </a:extLst>
+          </p:cNvPr>
+          <p:cNvSpPr>
+            <a:spLocks noGrp="1"/>
+          </p:cNvSpPr>
+          <p:nvPr>
+            <p:ph type="title"/>
+          </p:nvPr>
+        </p:nvSpPr>
+        <p:spPr/>
+        <p:txBody>
+          <a:bodyPr/>
+          <a:lstStyle/>
+          <a:p>
+            <a:r>
+              <a:rPr lang="en-US" dirty="0"/>
+              <a:t>Application Services</a:t>
+            </a:r>
+            <a:br>
+              <a:rPr lang="en-US" dirty="0"/>
+            </a:br>
+            <a:r>
+              <a:rPr lang="en-US" sz="3600" dirty="0"/>
+              <a:t>Example</a:t>
+            </a:r>
+            <a:endParaRPr lang="en-US" dirty="0"/>
+          </a:p>
+        </p:txBody>
+      </p:sp>
+      <p:sp>
+        <p:nvSpPr>
+          <p:cNvPr id="6" name="Content Placeholder 5">
+            <a:extLst>
+              <a:ext uri="{FF2B5EF4-FFF2-40B4-BE49-F238E27FC236}">
+                <a16:creationId xmlns:a16="http://schemas.microsoft.com/office/drawing/2014/main" id="{84560618-1B9B-4090-BCC5-B982A3C0BA40}"/>
+              </a:ext>
+            </a:extLst>
+          </p:cNvPr>
+          <p:cNvSpPr>
+            <a:spLocks noGrp="1"/>
+          </p:cNvSpPr>
+          <p:nvPr>
+            <p:ph idx="1"/>
+          </p:nvPr>
+        </p:nvSpPr>
+        <p:spPr>
+          <a:xfrm>
+            <a:off x="6096000" y="3079668"/>
+            <a:ext cx="5506191" cy="3097295"/>
+          </a:xfrm>
+        </p:spPr>
+        <p:txBody>
+          <a:bodyPr>
+            <a:normAutofit fontScale="92500"/>
+          </a:bodyPr>
+          <a:lstStyle/>
+          <a:p>
+            <a:r>
+              <a:rPr lang="en-US" dirty="0"/>
+              <a:t>Inject domain services &amp; repositories</a:t>
+            </a:r>
+          </a:p>
+          <a:p>
+            <a:r>
+              <a:rPr lang="en-US" dirty="0"/>
+              <a:t>Get DTO as argument</a:t>
+            </a:r>
+          </a:p>
+          <a:p>
+            <a:r>
+              <a:rPr lang="en-US" dirty="0"/>
+              <a:t>Get aggregate roots from repositories</a:t>
+            </a:r>
+          </a:p>
+          <a:p>
+            <a:r>
+              <a:rPr lang="en-US" dirty="0"/>
+              <a:t>Use domain service to perform the domain logic</a:t>
+            </a:r>
+          </a:p>
+          <a:p>
+            <a:r>
+              <a:rPr lang="en-US" dirty="0"/>
+              <a:t>Always update the entity explicitly (don’t assume the change tracking)</a:t>
+            </a:r>
+          </a:p>
+        </p:txBody>
+      </p:sp>
+      <p:pic>
+        <p:nvPicPr>
+          <p:cNvPr id="8" name="Picture 7">
+            <a:extLst>
+              <a:ext uri="{FF2B5EF4-FFF2-40B4-BE49-F238E27FC236}">
+                <a16:creationId xmlns:a16="http://schemas.microsoft.com/office/drawing/2014/main" id="{FC52CA0A-AB3A-48BF-A6C0-C7D6EB02CC3A}"/>
+              </a:ext>
+            </a:extLst>
+          </p:cNvPr>
+          <p:cNvPicPr>
+            <a:picLocks noChangeAspect="1"/>
+          </p:cNvPicPr>
+          <p:nvPr/>
+        </p:nvPicPr>
+        <p:blipFill>
+          <a:blip r:embed="rId2"/>
+          <a:stretch>
+            <a:fillRect/>
+          </a:stretch>
+        </p:blipFill>
+        <p:spPr>
+          <a:xfrm>
+            <a:off x="328503" y="1598006"/>
+            <a:ext cx="5680412" cy="5212492"/>
+          </a:xfrm>
+          <a:prstGeom prst="rect">
+            <a:avLst/>
+          </a:prstGeom>
+        </p:spPr>
+      </p:pic>
+      <p:pic>
+        <p:nvPicPr>
+          <p:cNvPr id="10" name="Picture 9">
+            <a:extLst>
+              <a:ext uri="{FF2B5EF4-FFF2-40B4-BE49-F238E27FC236}">
+                <a16:creationId xmlns:a16="http://schemas.microsoft.com/office/drawing/2014/main" id="{4CD54B2A-5509-432C-9977-26A4EEB7C0B1}"/>
+              </a:ext>
+            </a:extLst>
+          </p:cNvPr>
+          <p:cNvPicPr>
+            <a:picLocks noChangeAspect="1"/>
+          </p:cNvPicPr>
+          <p:nvPr/>
+        </p:nvPicPr>
+        <p:blipFill>
+          <a:blip r:embed="rId3"/>
+          <a:stretch>
+            <a:fillRect/>
+          </a:stretch>
+        </p:blipFill>
+        <p:spPr>
+          <a:xfrm>
+            <a:off x="6139543" y="1491838"/>
+            <a:ext cx="3750561" cy="1527856"/>
+          </a:xfrm>
+          <a:prstGeom prst="rect">
+            <a:avLst/>
+          </a:prstGeom>
+        </p:spPr>
+      </p:pic>
+    </p:spTree>
+    <p:extLst>
+      <p:ext uri="{BB962C8B-B14F-4D97-AF65-F5344CB8AC3E}">
+        <p14:creationId xmlns:p14="http://schemas.microsoft.com/office/powerpoint/2010/main" val="1823342036"/>
+      </p:ext>
+    </p:extLst>
+  </p:cSld>
+  <p:clrMapOvr>
+    <a:masterClrMapping/>
+  </p:clrMapOvr>
+</p:sld>
+</file>
+
+<file path=ppt/slides/slide38.xml><?xml version="1.0" encoding="utf-8"?>
+<p:sld xmlns:a="http://schemas.openxmlformats.org/drawingml/2006/main" xmlns:r="http://schemas.openxmlformats.org/officeDocument/2006/relationships" xmlns:p="http://schemas.openxmlformats.org/presentationml/2006/main">
+  <p:cSld>
+    <p:spTree>
+      <p:nvGrpSpPr>
+        <p:cNvPr id="1" name=""/>
+        <p:cNvGrpSpPr/>
+        <p:nvPr/>
+      </p:nvGrpSpPr>
+      <p:grpSpPr>
+        <a:xfrm>
+          <a:off x="0" y="0"/>
+          <a:ext cx="0" cy="0"/>
+          <a:chOff x="0" y="0"/>
+          <a:chExt cx="0" cy="0"/>
+        </a:xfrm>
+      </p:grpSpPr>
+      <p:sp>
+        <p:nvSpPr>
+          <p:cNvPr id="2" name="Title 1">
+            <a:extLst>
+              <a:ext uri="{FF2B5EF4-FFF2-40B4-BE49-F238E27FC236}">
                 <a16:creationId xmlns:a16="http://schemas.microsoft.com/office/drawing/2014/main" id="{33859EB7-3603-49F7-BB61-6EDF40AB255C}"/>
               </a:ext>
             </a:extLst>
@@ -8209,7 +8410,7 @@
 </p:sld>
 </file>
 
-<file path=ppt/slides/slide37.xml><?xml version="1.0" encoding="utf-8"?>
+<file path=ppt/slides/slide39.xml><?xml version="1.0" encoding="utf-8"?>
 <p:sld xmlns:a="http://schemas.openxmlformats.org/drawingml/2006/main" xmlns:r="http://schemas.openxmlformats.org/officeDocument/2006/relationships" xmlns:p="http://schemas.openxmlformats.org/presentationml/2006/main">
   <p:cSld>
     <p:spTree>
@@ -8608,317 +8809,6 @@
 </p:sld>
 </file>
 
-<file path=ppt/slides/slide38.xml><?xml version="1.0" encoding="utf-8"?>
-<p:sld xmlns:a="http://schemas.openxmlformats.org/drawingml/2006/main" xmlns:r="http://schemas.openxmlformats.org/officeDocument/2006/relationships" xmlns:p="http://schemas.openxmlformats.org/presentationml/2006/main">
-  <p:cSld>
-    <p:spTree>
-      <p:nvGrpSpPr>
-        <p:cNvPr id="1" name=""/>
-        <p:cNvGrpSpPr/>
-        <p:nvPr/>
-      </p:nvGrpSpPr>
-      <p:grpSpPr>
-        <a:xfrm>
-          <a:off x="0" y="0"/>
-          <a:ext cx="0" cy="0"/>
-          <a:chOff x="0" y="0"/>
-          <a:chExt cx="0" cy="0"/>
-        </a:xfrm>
-      </p:grpSpPr>
-      <p:sp>
-        <p:nvSpPr>
-          <p:cNvPr id="2" name="Title 1">
-            <a:extLst>
-              <a:ext uri="{FF2B5EF4-FFF2-40B4-BE49-F238E27FC236}">
-                <a16:creationId xmlns:a16="http://schemas.microsoft.com/office/drawing/2014/main" id="{23A9ADBC-FAC8-48BB-8DD8-EDDD7D822B75}"/>
-              </a:ext>
-            </a:extLst>
-          </p:cNvPr>
-          <p:cNvSpPr>
-            <a:spLocks noGrp="1"/>
-          </p:cNvSpPr>
-          <p:nvPr>
-            <p:ph type="title"/>
-          </p:nvPr>
-        </p:nvSpPr>
-        <p:spPr/>
-        <p:txBody>
-          <a:bodyPr/>
-          <a:lstStyle/>
-          <a:p>
-            <a:r>
-              <a:rPr lang="en-US" dirty="0"/>
-              <a:t>Application Services</a:t>
-            </a:r>
-            <a:br>
-              <a:rPr lang="en-US" dirty="0"/>
-            </a:br>
-            <a:r>
-              <a:rPr lang="en-US" sz="3600" dirty="0"/>
-              <a:t>Input DTO best practices</a:t>
-            </a:r>
-            <a:endParaRPr lang="en-US" dirty="0"/>
-          </a:p>
-        </p:txBody>
-      </p:sp>
-      <p:pic>
-        <p:nvPicPr>
-          <p:cNvPr id="5" name="Picture 4">
-            <a:extLst>
-              <a:ext uri="{FF2B5EF4-FFF2-40B4-BE49-F238E27FC236}">
-                <a16:creationId xmlns:a16="http://schemas.microsoft.com/office/drawing/2014/main" id="{1FA790FD-6C8E-445E-BB91-A39CA922262F}"/>
-              </a:ext>
-            </a:extLst>
-          </p:cNvPr>
-          <p:cNvPicPr>
-            <a:picLocks noChangeAspect="1"/>
-          </p:cNvPicPr>
-          <p:nvPr/>
-        </p:nvPicPr>
-        <p:blipFill>
-          <a:blip r:embed="rId2"/>
-          <a:stretch>
-            <a:fillRect/>
-          </a:stretch>
-        </p:blipFill>
-        <p:spPr>
-          <a:xfrm>
-            <a:off x="452897" y="3338512"/>
-            <a:ext cx="6268408" cy="1375992"/>
-          </a:xfrm>
-          <a:prstGeom prst="rect">
-            <a:avLst/>
-          </a:prstGeom>
-        </p:spPr>
-      </p:pic>
-      <p:pic>
-        <p:nvPicPr>
-          <p:cNvPr id="6" name="Picture 5">
-            <a:extLst>
-              <a:ext uri="{FF2B5EF4-FFF2-40B4-BE49-F238E27FC236}">
-                <a16:creationId xmlns:a16="http://schemas.microsoft.com/office/drawing/2014/main" id="{E43D387B-3378-4287-9DA2-8595944156A1}"/>
-              </a:ext>
-            </a:extLst>
-          </p:cNvPr>
-          <p:cNvPicPr>
-            <a:picLocks noChangeAspect="1"/>
-          </p:cNvPicPr>
-          <p:nvPr/>
-        </p:nvPicPr>
-        <p:blipFill>
-          <a:blip r:embed="rId3"/>
-          <a:stretch>
-            <a:fillRect/>
-          </a:stretch>
-        </p:blipFill>
-        <p:spPr>
-          <a:xfrm>
-            <a:off x="6960274" y="1908765"/>
-            <a:ext cx="4661712" cy="4533933"/>
-          </a:xfrm>
-          <a:prstGeom prst="rect">
-            <a:avLst/>
-          </a:prstGeom>
-        </p:spPr>
-      </p:pic>
-      <p:sp>
-        <p:nvSpPr>
-          <p:cNvPr id="7" name="Content Placeholder 2">
-            <a:extLst>
-              <a:ext uri="{FF2B5EF4-FFF2-40B4-BE49-F238E27FC236}">
-                <a16:creationId xmlns:a16="http://schemas.microsoft.com/office/drawing/2014/main" id="{A108B78A-3B72-48EA-A6AE-275378C222C2}"/>
-              </a:ext>
-            </a:extLst>
-          </p:cNvPr>
-          <p:cNvSpPr>
-            <a:spLocks noGrp="1"/>
-          </p:cNvSpPr>
-          <p:nvPr>
-            <p:ph idx="1"/>
-          </p:nvPr>
-        </p:nvSpPr>
-        <p:spPr>
-          <a:xfrm>
-            <a:off x="838200" y="1825625"/>
-            <a:ext cx="5736771" cy="4351338"/>
-          </a:xfrm>
-        </p:spPr>
-        <p:txBody>
-          <a:bodyPr>
-            <a:normAutofit/>
-          </a:bodyPr>
-          <a:lstStyle/>
-          <a:p>
-            <a:r>
-              <a:rPr lang="en-US" sz="2000" dirty="0"/>
-              <a:t>Define only the </a:t>
-            </a:r>
-            <a:r>
-              <a:rPr lang="en-US" sz="2000" b="1" dirty="0"/>
-              <a:t>properties needed </a:t>
-            </a:r>
-            <a:r>
-              <a:rPr lang="en-US" sz="2000" dirty="0"/>
-              <a:t>for the use case</a:t>
-            </a:r>
-          </a:p>
-          <a:p>
-            <a:r>
-              <a:rPr lang="en-US" sz="2000" b="1" dirty="0"/>
-              <a:t>Do not reuse </a:t>
-            </a:r>
-            <a:r>
-              <a:rPr lang="en-US" sz="2000" dirty="0"/>
-              <a:t>same input DTO for multiple use cases (service methods)</a:t>
-            </a:r>
-          </a:p>
-        </p:txBody>
-      </p:sp>
-    </p:spTree>
-    <p:extLst>
-      <p:ext uri="{BB962C8B-B14F-4D97-AF65-F5344CB8AC3E}">
-        <p14:creationId xmlns:p14="http://schemas.microsoft.com/office/powerpoint/2010/main" val="3050098402"/>
-      </p:ext>
-    </p:extLst>
-  </p:cSld>
-  <p:clrMapOvr>
-    <a:masterClrMapping/>
-  </p:clrMapOvr>
-</p:sld>
-</file>
-
-<file path=ppt/slides/slide39.xml><?xml version="1.0" encoding="utf-8"?>
-<p:sld xmlns:a="http://schemas.openxmlformats.org/drawingml/2006/main" xmlns:r="http://schemas.openxmlformats.org/officeDocument/2006/relationships" xmlns:p="http://schemas.openxmlformats.org/presentationml/2006/main">
-  <p:cSld>
-    <p:spTree>
-      <p:nvGrpSpPr>
-        <p:cNvPr id="1" name=""/>
-        <p:cNvGrpSpPr/>
-        <p:nvPr/>
-      </p:nvGrpSpPr>
-      <p:grpSpPr>
-        <a:xfrm>
-          <a:off x="0" y="0"/>
-          <a:ext cx="0" cy="0"/>
-          <a:chOff x="0" y="0"/>
-          <a:chExt cx="0" cy="0"/>
-        </a:xfrm>
-      </p:grpSpPr>
-      <p:sp>
-        <p:nvSpPr>
-          <p:cNvPr id="2" name="Title 1">
-            <a:extLst>
-              <a:ext uri="{FF2B5EF4-FFF2-40B4-BE49-F238E27FC236}">
-                <a16:creationId xmlns:a16="http://schemas.microsoft.com/office/drawing/2014/main" id="{9FB313FD-548B-4540-B224-09368876E8C7}"/>
-              </a:ext>
-            </a:extLst>
-          </p:cNvPr>
-          <p:cNvSpPr>
-            <a:spLocks noGrp="1"/>
-          </p:cNvSpPr>
-          <p:nvPr>
-            <p:ph type="title"/>
-          </p:nvPr>
-        </p:nvSpPr>
-        <p:spPr/>
-        <p:txBody>
-          <a:bodyPr/>
-          <a:lstStyle/>
-          <a:p>
-            <a:r>
-              <a:rPr lang="en-US" dirty="0"/>
-              <a:t>Application Services</a:t>
-            </a:r>
-            <a:br>
-              <a:rPr lang="en-US" dirty="0"/>
-            </a:br>
-            <a:r>
-              <a:rPr lang="en-US" sz="3600" dirty="0"/>
-              <a:t>Input DTO best practices</a:t>
-            </a:r>
-            <a:endParaRPr lang="en-US" dirty="0"/>
-          </a:p>
-        </p:txBody>
-      </p:sp>
-      <p:sp>
-        <p:nvSpPr>
-          <p:cNvPr id="3" name="Content Placeholder 2">
-            <a:extLst>
-              <a:ext uri="{FF2B5EF4-FFF2-40B4-BE49-F238E27FC236}">
-                <a16:creationId xmlns:a16="http://schemas.microsoft.com/office/drawing/2014/main" id="{E4F3065D-52E2-4E8D-B74F-4FD51CEF1E49}"/>
-              </a:ext>
-            </a:extLst>
-          </p:cNvPr>
-          <p:cNvSpPr>
-            <a:spLocks noGrp="1"/>
-          </p:cNvSpPr>
-          <p:nvPr>
-            <p:ph idx="1"/>
-          </p:nvPr>
-        </p:nvSpPr>
-        <p:spPr/>
-        <p:txBody>
-          <a:bodyPr>
-            <a:normAutofit/>
-          </a:bodyPr>
-          <a:lstStyle/>
-          <a:p>
-            <a:r>
-              <a:rPr lang="en-US" sz="2400" dirty="0"/>
-              <a:t>Implement only the formal validation (can use data annotation attributes)</a:t>
-            </a:r>
-          </a:p>
-          <a:p>
-            <a:r>
-              <a:rPr lang="en-US" sz="2400" dirty="0"/>
-              <a:t>Don’t include domain validation logic (ex: unique user name constraint)</a:t>
-            </a:r>
-          </a:p>
-        </p:txBody>
-      </p:sp>
-      <p:pic>
-        <p:nvPicPr>
-          <p:cNvPr id="4" name="Picture 3">
-            <a:extLst>
-              <a:ext uri="{FF2B5EF4-FFF2-40B4-BE49-F238E27FC236}">
-                <a16:creationId xmlns:a16="http://schemas.microsoft.com/office/drawing/2014/main" id="{E3E2C096-C2C7-491F-882E-19EAAF360179}"/>
-              </a:ext>
-            </a:extLst>
-          </p:cNvPr>
-          <p:cNvPicPr>
-            <a:picLocks noChangeAspect="1"/>
-          </p:cNvPicPr>
-          <p:nvPr/>
-        </p:nvPicPr>
-        <p:blipFill>
-          <a:blip r:embed="rId2"/>
-          <a:stretch>
-            <a:fillRect/>
-          </a:stretch>
-        </p:blipFill>
-        <p:spPr>
-          <a:xfrm>
-            <a:off x="946763" y="2727365"/>
-            <a:ext cx="5074027" cy="3835994"/>
-          </a:xfrm>
-          <a:prstGeom prst="rect">
-            <a:avLst/>
-          </a:prstGeom>
-        </p:spPr>
-      </p:pic>
-    </p:spTree>
-    <p:extLst>
-      <p:ext uri="{BB962C8B-B14F-4D97-AF65-F5344CB8AC3E}">
-        <p14:creationId xmlns:p14="http://schemas.microsoft.com/office/powerpoint/2010/main" val="2419737228"/>
-      </p:ext>
-    </p:extLst>
-  </p:cSld>
-  <p:clrMapOvr>
-    <a:masterClrMapping/>
-  </p:clrMapOvr>
-</p:sld>
-</file>
-
 <file path=ppt/slides/slide4.xml><?xml version="1.0" encoding="utf-8"?>
 <p:sld xmlns:a="http://schemas.openxmlformats.org/drawingml/2006/main" xmlns:r="http://schemas.openxmlformats.org/officeDocument/2006/relationships" xmlns:p="http://schemas.openxmlformats.org/presentationml/2006/main">
   <p:cSld>
@@ -8959,7 +8849,7 @@
           <a:p>
             <a:r>
               <a:rPr lang="en-US" dirty="0"/>
-              <a:t>TODO..!</a:t>
+              <a:t>What is DDD?</a:t>
             </a:r>
           </a:p>
         </p:txBody>
@@ -8985,7 +8875,7 @@
           <a:bodyPr/>
           <a:lstStyle/>
           <a:p>
-            <a:endParaRPr lang="en-US"/>
+            <a:endParaRPr lang="en-US" dirty="0"/>
           </a:p>
         </p:txBody>
       </p:sp>
@@ -9024,7 +8914,7 @@
           <p:cNvPr id="2" name="Title 1">
             <a:extLst>
               <a:ext uri="{FF2B5EF4-FFF2-40B4-BE49-F238E27FC236}">
-                <a16:creationId xmlns:a16="http://schemas.microsoft.com/office/drawing/2014/main" id="{9FB313FD-548B-4540-B224-09368876E8C7}"/>
+                <a16:creationId xmlns:a16="http://schemas.microsoft.com/office/drawing/2014/main" id="{23A9ADBC-FAC8-48BB-8DD8-EDDD7D822B75}"/>
               </a:ext>
             </a:extLst>
           </p:cNvPr>
@@ -9049,115 +8939,18 @@
             </a:br>
             <a:r>
               <a:rPr lang="en-US" sz="3600" dirty="0"/>
-              <a:t>Output DTO suggestions</a:t>
+              <a:t>Input DTO best practices</a:t>
             </a:r>
             <a:endParaRPr lang="en-US" dirty="0"/>
-          </a:p>
-        </p:txBody>
-      </p:sp>
-      <p:sp>
-        <p:nvSpPr>
-          <p:cNvPr id="3" name="Content Placeholder 2">
-            <a:extLst>
-              <a:ext uri="{FF2B5EF4-FFF2-40B4-BE49-F238E27FC236}">
-                <a16:creationId xmlns:a16="http://schemas.microsoft.com/office/drawing/2014/main" id="{E4F3065D-52E2-4E8D-B74F-4FD51CEF1E49}"/>
-              </a:ext>
-            </a:extLst>
-          </p:cNvPr>
-          <p:cNvSpPr>
-            <a:spLocks noGrp="1"/>
-          </p:cNvSpPr>
-          <p:nvPr>
-            <p:ph idx="1"/>
-          </p:nvPr>
-        </p:nvSpPr>
-        <p:spPr>
-          <a:xfrm>
-            <a:off x="838200" y="1825625"/>
-            <a:ext cx="10515600" cy="1474168"/>
-          </a:xfrm>
-        </p:spPr>
-        <p:txBody>
-          <a:bodyPr>
-            <a:normAutofit/>
-          </a:bodyPr>
-          <a:lstStyle/>
-          <a:p>
-            <a:r>
-              <a:rPr lang="en-US" sz="1600" dirty="0"/>
-              <a:t>Keep output </a:t>
-            </a:r>
-            <a:r>
-              <a:rPr lang="en-US" sz="1600" b="1" dirty="0"/>
-              <a:t>DTO count minimum</a:t>
-            </a:r>
-            <a:r>
-              <a:rPr lang="en-US" sz="1600" dirty="0"/>
-              <a:t>. </a:t>
-            </a:r>
-            <a:r>
-              <a:rPr lang="en-US" sz="1600" dirty="0">
-                <a:solidFill>
-                  <a:srgbClr val="FF0000"/>
-                </a:solidFill>
-              </a:rPr>
-              <a:t>Reuse</a:t>
-            </a:r>
-            <a:r>
-              <a:rPr lang="en-US" sz="1600" dirty="0"/>
-              <a:t> where possible (except input DTOs as output DTO).</a:t>
-            </a:r>
-          </a:p>
-          <a:p>
-            <a:r>
-              <a:rPr lang="en-US" sz="1600" dirty="0"/>
-              <a:t>Return the entity DTO from </a:t>
-            </a:r>
-            <a:r>
-              <a:rPr lang="en-US" sz="1600" b="1" dirty="0"/>
-              <a:t>Create &amp; update </a:t>
-            </a:r>
-            <a:r>
-              <a:rPr lang="en-US" sz="1600" dirty="0"/>
-              <a:t>methods.</a:t>
-            </a:r>
-          </a:p>
-          <a:p>
-            <a:r>
-              <a:rPr lang="en-US" sz="1600" dirty="0"/>
-              <a:t>Can contain </a:t>
-            </a:r>
-            <a:r>
-              <a:rPr lang="en-US" sz="1600" b="1" dirty="0"/>
-              <a:t>more data </a:t>
-            </a:r>
-            <a:r>
-              <a:rPr lang="en-US" sz="1600" dirty="0"/>
-              <a:t>than client needs</a:t>
-            </a:r>
-          </a:p>
-          <a:p>
-            <a:r>
-              <a:rPr lang="en-US" sz="1600" dirty="0"/>
-              <a:t>Exception: Where </a:t>
-            </a:r>
-            <a:r>
-              <a:rPr lang="en-US" sz="1600" b="1" dirty="0"/>
-              <a:t>performance</a:t>
-            </a:r>
-            <a:r>
-              <a:rPr lang="en-US" sz="1600" dirty="0"/>
-              <a:t> is critical, especially for large result sets.</a:t>
-            </a:r>
           </a:p>
         </p:txBody>
       </p:sp>
       <p:pic>
         <p:nvPicPr>
-          <p:cNvPr id="8" name="Picture 7">
-            <a:extLst>
-              <a:ext uri="{FF2B5EF4-FFF2-40B4-BE49-F238E27FC236}">
-                <a16:creationId xmlns:a16="http://schemas.microsoft.com/office/drawing/2014/main" id="{6136350B-7541-43DE-AB8C-B78660140A1C}"/>
+          <p:cNvPr id="5" name="Picture 4">
+            <a:extLst>
+              <a:ext uri="{FF2B5EF4-FFF2-40B4-BE49-F238E27FC236}">
+                <a16:creationId xmlns:a16="http://schemas.microsoft.com/office/drawing/2014/main" id="{1FA790FD-6C8E-445E-BB91-A39CA922262F}"/>
               </a:ext>
             </a:extLst>
           </p:cNvPr>
@@ -9174,8 +8967,8 @@
         </p:blipFill>
         <p:spPr>
           <a:xfrm>
-            <a:off x="838200" y="3495301"/>
-            <a:ext cx="6222670" cy="2976457"/>
+            <a:off x="452897" y="3338512"/>
+            <a:ext cx="6268408" cy="1375992"/>
           </a:xfrm>
           <a:prstGeom prst="rect">
             <a:avLst/>
@@ -9184,10 +8977,10 @@
       </p:pic>
       <p:pic>
         <p:nvPicPr>
-          <p:cNvPr id="9" name="Picture 8">
-            <a:extLst>
-              <a:ext uri="{FF2B5EF4-FFF2-40B4-BE49-F238E27FC236}">
-                <a16:creationId xmlns:a16="http://schemas.microsoft.com/office/drawing/2014/main" id="{3BF3626C-6168-4BB7-A176-BBA41ABE61BA}"/>
+          <p:cNvPr id="6" name="Picture 5">
+            <a:extLst>
+              <a:ext uri="{FF2B5EF4-FFF2-40B4-BE49-F238E27FC236}">
+                <a16:creationId xmlns:a16="http://schemas.microsoft.com/office/drawing/2014/main" id="{E43D387B-3378-4287-9DA2-8595944156A1}"/>
               </a:ext>
             </a:extLst>
           </p:cNvPr>
@@ -9197,139 +8990,78 @@
           <p:nvPr/>
         </p:nvPicPr>
         <p:blipFill>
-          <a:blip r:embed="rId3">
-            <a:extLst>
-              <a:ext uri="{28A0092B-C50C-407E-A947-70E740481C1C}">
-                <a14:useLocalDpi xmlns:a14="http://schemas.microsoft.com/office/drawing/2010/main" val="0"/>
-              </a:ext>
-            </a:extLst>
-          </a:blip>
+          <a:blip r:embed="rId3"/>
           <a:stretch>
             <a:fillRect/>
           </a:stretch>
         </p:blipFill>
         <p:spPr>
           <a:xfrm>
-            <a:off x="6788727" y="4298864"/>
-            <a:ext cx="339692" cy="293218"/>
+            <a:off x="6960274" y="1908765"/>
+            <a:ext cx="4661712" cy="4533933"/>
           </a:xfrm>
           <a:prstGeom prst="rect">
             <a:avLst/>
           </a:prstGeom>
         </p:spPr>
       </p:pic>
-      <p:pic>
-        <p:nvPicPr>
-          <p:cNvPr id="10" name="Picture 9">
-            <a:extLst>
-              <a:ext uri="{FF2B5EF4-FFF2-40B4-BE49-F238E27FC236}">
-                <a16:creationId xmlns:a16="http://schemas.microsoft.com/office/drawing/2014/main" id="{AB0295C5-CE29-4E56-B56B-0D0840BAD365}"/>
-              </a:ext>
-            </a:extLst>
-          </p:cNvPr>
-          <p:cNvPicPr>
-            <a:picLocks noChangeAspect="1"/>
-          </p:cNvPicPr>
-          <p:nvPr/>
-        </p:nvPicPr>
-        <p:blipFill>
-          <a:blip r:embed="rId3">
-            <a:extLst>
-              <a:ext uri="{28A0092B-C50C-407E-A947-70E740481C1C}">
-                <a14:useLocalDpi xmlns:a14="http://schemas.microsoft.com/office/drawing/2010/main" val="0"/>
-              </a:ext>
-            </a:extLst>
-          </a:blip>
-          <a:stretch>
-            <a:fillRect/>
-          </a:stretch>
-        </p:blipFill>
+      <p:sp>
+        <p:nvSpPr>
+          <p:cNvPr id="7" name="Content Placeholder 2">
+            <a:extLst>
+              <a:ext uri="{FF2B5EF4-FFF2-40B4-BE49-F238E27FC236}">
+                <a16:creationId xmlns:a16="http://schemas.microsoft.com/office/drawing/2014/main" id="{A108B78A-3B72-48EA-A6AE-275378C222C2}"/>
+              </a:ext>
+            </a:extLst>
+          </p:cNvPr>
+          <p:cNvSpPr>
+            <a:spLocks noGrp="1"/>
+          </p:cNvSpPr>
+          <p:nvPr>
+            <p:ph idx="1"/>
+          </p:nvPr>
+        </p:nvSpPr>
         <p:spPr>
           <a:xfrm>
-            <a:off x="4795652" y="4592082"/>
-            <a:ext cx="339692" cy="293218"/>
-          </a:xfrm>
-          <a:prstGeom prst="rect">
-            <a:avLst/>
-          </a:prstGeom>
-        </p:spPr>
-      </p:pic>
-      <p:pic>
-        <p:nvPicPr>
-          <p:cNvPr id="11" name="Picture 10">
-            <a:extLst>
-              <a:ext uri="{FF2B5EF4-FFF2-40B4-BE49-F238E27FC236}">
-                <a16:creationId xmlns:a16="http://schemas.microsoft.com/office/drawing/2014/main" id="{4071B153-A6C0-42C9-AD01-A3D64A0F700A}"/>
-              </a:ext>
-            </a:extLst>
-          </p:cNvPr>
-          <p:cNvPicPr>
-            <a:picLocks noChangeAspect="1"/>
-          </p:cNvPicPr>
-          <p:nvPr/>
-        </p:nvPicPr>
-        <p:blipFill>
-          <a:blip r:embed="rId3">
-            <a:extLst>
-              <a:ext uri="{28A0092B-C50C-407E-A947-70E740481C1C}">
-                <a14:useLocalDpi xmlns:a14="http://schemas.microsoft.com/office/drawing/2010/main" val="0"/>
-              </a:ext>
-            </a:extLst>
-          </a:blip>
-          <a:stretch>
-            <a:fillRect/>
-          </a:stretch>
-        </p:blipFill>
-        <p:spPr>
-          <a:xfrm>
-            <a:off x="1035133" y="5104406"/>
-            <a:ext cx="339692" cy="293218"/>
-          </a:xfrm>
-          <a:prstGeom prst="rect">
-            <a:avLst/>
-          </a:prstGeom>
-        </p:spPr>
-      </p:pic>
-      <p:pic>
-        <p:nvPicPr>
-          <p:cNvPr id="12" name="Picture 11">
-            <a:extLst>
-              <a:ext uri="{FF2B5EF4-FFF2-40B4-BE49-F238E27FC236}">
-                <a16:creationId xmlns:a16="http://schemas.microsoft.com/office/drawing/2014/main" id="{ACA0E7D8-DC1C-4C94-9130-CB1C1CFFA284}"/>
-              </a:ext>
-            </a:extLst>
-          </p:cNvPr>
-          <p:cNvPicPr>
-            <a:picLocks noChangeAspect="1"/>
-          </p:cNvPicPr>
-          <p:nvPr/>
-        </p:nvPicPr>
-        <p:blipFill>
-          <a:blip r:embed="rId3">
-            <a:extLst>
-              <a:ext uri="{28A0092B-C50C-407E-A947-70E740481C1C}">
-                <a14:useLocalDpi xmlns:a14="http://schemas.microsoft.com/office/drawing/2010/main" val="0"/>
-              </a:ext>
-            </a:extLst>
-          </a:blip>
-          <a:stretch>
-            <a:fillRect/>
-          </a:stretch>
-        </p:blipFill>
-        <p:spPr>
-          <a:xfrm>
-            <a:off x="1018056" y="5733799"/>
-            <a:ext cx="339692" cy="293218"/>
-          </a:xfrm>
-          <a:prstGeom prst="rect">
-            <a:avLst/>
-          </a:prstGeom>
-        </p:spPr>
-      </p:pic>
+            <a:off x="838200" y="1825625"/>
+            <a:ext cx="5736771" cy="4351338"/>
+          </a:xfrm>
+        </p:spPr>
+        <p:txBody>
+          <a:bodyPr>
+            <a:normAutofit/>
+          </a:bodyPr>
+          <a:lstStyle/>
+          <a:p>
+            <a:r>
+              <a:rPr lang="en-US" sz="2000" dirty="0"/>
+              <a:t>Define only the </a:t>
+            </a:r>
+            <a:r>
+              <a:rPr lang="en-US" sz="2000" b="1" dirty="0"/>
+              <a:t>properties needed </a:t>
+            </a:r>
+            <a:r>
+              <a:rPr lang="en-US" sz="2000" dirty="0"/>
+              <a:t>for the use case</a:t>
+            </a:r>
+          </a:p>
+          <a:p>
+            <a:r>
+              <a:rPr lang="en-US" sz="2000" b="1" dirty="0"/>
+              <a:t>Do not reuse </a:t>
+            </a:r>
+            <a:r>
+              <a:rPr lang="en-US" sz="2000" dirty="0"/>
+              <a:t>same input DTO for multiple use cases (service methods)</a:t>
+            </a:r>
+          </a:p>
+        </p:txBody>
+      </p:sp>
     </p:spTree>
     <p:extLst>
       <p:ext uri="{BB962C8B-B14F-4D97-AF65-F5344CB8AC3E}">
-        <p14:creationId xmlns:p14="http://schemas.microsoft.com/office/powerpoint/2010/main" val="683563018"/>
+        <p14:creationId xmlns:p14="http://schemas.microsoft.com/office/powerpoint/2010/main" val="3050098402"/>
       </p:ext>
     </p:extLst>
   </p:cSld>
@@ -9386,7 +9118,7 @@
             </a:br>
             <a:r>
               <a:rPr lang="en-US" sz="3600" dirty="0"/>
-              <a:t>Output DTO suggestions</a:t>
+              <a:t>Input DTO best practices</a:t>
             </a:r>
             <a:endParaRPr lang="en-US" dirty="0"/>
           </a:p>
@@ -9408,83 +9140,22 @@
             <p:ph idx="1"/>
           </p:nvPr>
         </p:nvSpPr>
-        <p:spPr>
-          <a:xfrm>
-            <a:off x="838200" y="1825625"/>
-            <a:ext cx="10515600" cy="1436131"/>
-          </a:xfrm>
-        </p:spPr>
+        <p:spPr/>
         <p:txBody>
           <a:bodyPr>
-            <a:noAutofit/>
+            <a:normAutofit/>
           </a:bodyPr>
           <a:lstStyle/>
           <a:p>
             <a:r>
-              <a:rPr lang="en-US" sz="1600" dirty="0"/>
-              <a:t>Keep output </a:t>
-            </a:r>
-            <a:r>
-              <a:rPr lang="en-US" sz="1600" b="1" dirty="0"/>
-              <a:t>DTO count minimum</a:t>
-            </a:r>
-            <a:r>
-              <a:rPr lang="en-US" sz="1600" dirty="0"/>
-              <a:t>. </a:t>
-            </a:r>
-            <a:r>
-              <a:rPr lang="en-US" sz="1600" dirty="0">
-                <a:solidFill>
-                  <a:srgbClr val="FF0000"/>
-                </a:solidFill>
-              </a:rPr>
-              <a:t>Reuse</a:t>
-            </a:r>
-            <a:r>
-              <a:rPr lang="en-US" sz="1600" dirty="0"/>
-              <a:t> where possible (except input DTOs as output DTO).</a:t>
-            </a:r>
-          </a:p>
-          <a:p>
-            <a:r>
-              <a:rPr lang="en-US" sz="1600" dirty="0"/>
-              <a:t>Return the entity DTO from </a:t>
-            </a:r>
-            <a:r>
-              <a:rPr lang="en-US" sz="1600" b="1" dirty="0"/>
-              <a:t>Create &amp; update </a:t>
-            </a:r>
-            <a:r>
-              <a:rPr lang="en-US" sz="1600" dirty="0"/>
-              <a:t>methods.</a:t>
-            </a:r>
-          </a:p>
-          <a:p>
-            <a:r>
-              <a:rPr lang="en-US" sz="1600" dirty="0"/>
-              <a:t>Can contain </a:t>
-            </a:r>
-            <a:r>
-              <a:rPr lang="en-US" sz="1600" b="1" dirty="0"/>
-              <a:t>more data </a:t>
-            </a:r>
-            <a:r>
-              <a:rPr lang="en-US" sz="1600" dirty="0"/>
-              <a:t>than client needs</a:t>
-            </a:r>
-          </a:p>
-          <a:p>
-            <a:r>
-              <a:rPr lang="en-US" sz="1600" dirty="0"/>
-              <a:t>Exception: Where </a:t>
-            </a:r>
-            <a:r>
-              <a:rPr lang="en-US" sz="1600" b="1" dirty="0"/>
-              <a:t>performance</a:t>
-            </a:r>
-            <a:r>
-              <a:rPr lang="en-US" sz="1600" dirty="0"/>
-              <a:t> is critical, especially for large result sets.</a:t>
+              <a:rPr lang="en-US" sz="2400" dirty="0"/>
+              <a:t>Implement only the formal validation (can use data annotation attributes)</a:t>
+            </a:r>
+          </a:p>
+          <a:p>
+            <a:r>
+              <a:rPr lang="en-US" sz="2400" dirty="0"/>
+              <a:t>Don’t include domain validation logic (ex: unique user name constraint)</a:t>
             </a:r>
           </a:p>
         </p:txBody>
@@ -9494,7 +9165,7 @@
           <p:cNvPr id="4" name="Picture 3">
             <a:extLst>
               <a:ext uri="{FF2B5EF4-FFF2-40B4-BE49-F238E27FC236}">
-                <a16:creationId xmlns:a16="http://schemas.microsoft.com/office/drawing/2014/main" id="{AEB39D52-2EA2-49E1-97DF-9996081FB22D}"/>
+                <a16:creationId xmlns:a16="http://schemas.microsoft.com/office/drawing/2014/main" id="{E3E2C096-C2C7-491F-882E-19EAAF360179}"/>
               </a:ext>
             </a:extLst>
           </p:cNvPr>
@@ -9511,38 +9182,8 @@
         </p:blipFill>
         <p:spPr>
           <a:xfrm>
-            <a:off x="393609" y="3479598"/>
-            <a:ext cx="5844459" cy="2736187"/>
-          </a:xfrm>
-          <a:prstGeom prst="rect">
-            <a:avLst/>
-          </a:prstGeom>
-        </p:spPr>
-      </p:pic>
-      <p:pic>
-        <p:nvPicPr>
-          <p:cNvPr id="5" name="Picture 4">
-            <a:extLst>
-              <a:ext uri="{FF2B5EF4-FFF2-40B4-BE49-F238E27FC236}">
-                <a16:creationId xmlns:a16="http://schemas.microsoft.com/office/drawing/2014/main" id="{C5A860DB-566D-47FD-82E1-C3C15816168E}"/>
-              </a:ext>
-            </a:extLst>
-          </p:cNvPr>
-          <p:cNvPicPr>
-            <a:picLocks noChangeAspect="1"/>
-          </p:cNvPicPr>
-          <p:nvPr/>
-        </p:nvPicPr>
-        <p:blipFill>
-          <a:blip r:embed="rId3"/>
-          <a:stretch>
-            <a:fillRect/>
-          </a:stretch>
-        </p:blipFill>
-        <p:spPr>
-          <a:xfrm>
-            <a:off x="6782417" y="3479598"/>
-            <a:ext cx="5015974" cy="2350965"/>
+            <a:off x="946763" y="2727365"/>
+            <a:ext cx="5074027" cy="3835994"/>
           </a:xfrm>
           <a:prstGeom prst="rect">
             <a:avLst/>
@@ -9552,7 +9193,7 @@
     </p:spTree>
     <p:extLst>
       <p:ext uri="{BB962C8B-B14F-4D97-AF65-F5344CB8AC3E}">
-        <p14:creationId xmlns:p14="http://schemas.microsoft.com/office/powerpoint/2010/main" val="2453795207"/>
+        <p14:creationId xmlns:p14="http://schemas.microsoft.com/office/powerpoint/2010/main" val="2419737228"/>
       </p:ext>
     </p:extLst>
   </p:cSld>
@@ -9609,7 +9250,7 @@
             </a:br>
             <a:r>
               <a:rPr lang="en-US" sz="3600" dirty="0"/>
-              <a:t>Object to Object Mapping</a:t>
+              <a:t>Output DTO suggestions</a:t>
             </a:r>
             <a:endParaRPr lang="en-US" dirty="0"/>
           </a:p>
@@ -9633,53 +9274,263 @@
         </p:nvSpPr>
         <p:spPr>
           <a:xfrm>
-            <a:off x="838200" y="1825626"/>
-            <a:ext cx="10515600" cy="1064036"/>
+            <a:off x="838200" y="1825625"/>
+            <a:ext cx="10515600" cy="1474168"/>
           </a:xfrm>
         </p:spPr>
         <p:txBody>
           <a:bodyPr>
-            <a:noAutofit/>
+            <a:normAutofit/>
           </a:bodyPr>
           <a:lstStyle/>
           <a:p>
             <a:r>
-              <a:rPr lang="en-US" sz="2400" dirty="0"/>
-              <a:t>Use </a:t>
-            </a:r>
-            <a:r>
-              <a:rPr lang="en-US" sz="2400" b="1" dirty="0"/>
-              <a:t>auto object mapping </a:t>
-            </a:r>
-            <a:r>
-              <a:rPr lang="en-US" sz="2400" dirty="0"/>
-              <a:t>libraries (but, carefully – enable configuration validation)</a:t>
-            </a:r>
-          </a:p>
-          <a:p>
-            <a:r>
-              <a:rPr lang="en-US" sz="2400" b="1" dirty="0"/>
-              <a:t>Do not map </a:t>
-            </a:r>
-            <a:r>
-              <a:rPr lang="en-US" sz="2400" dirty="0"/>
-              <a:t>input DTOs to entities. </a:t>
-            </a:r>
-            <a:r>
-              <a:rPr lang="en-US" sz="2400" b="1" dirty="0"/>
-              <a:t>Map</a:t>
-            </a:r>
-            <a:r>
-              <a:rPr lang="en-US" sz="2400" dirty="0"/>
-              <a:t> entities to output DTOs</a:t>
-            </a:r>
-          </a:p>
-        </p:txBody>
-      </p:sp>
+              <a:rPr lang="en-US" sz="1600" dirty="0"/>
+              <a:t>Keep output </a:t>
+            </a:r>
+            <a:r>
+              <a:rPr lang="en-US" sz="1600" b="1" dirty="0"/>
+              <a:t>DTO count minimum</a:t>
+            </a:r>
+            <a:r>
+              <a:rPr lang="en-US" sz="1600" dirty="0"/>
+              <a:t>. </a:t>
+            </a:r>
+            <a:r>
+              <a:rPr lang="en-US" sz="1600" dirty="0">
+                <a:solidFill>
+                  <a:srgbClr val="FF0000"/>
+                </a:solidFill>
+              </a:rPr>
+              <a:t>Reuse</a:t>
+            </a:r>
+            <a:r>
+              <a:rPr lang="en-US" sz="1600" dirty="0"/>
+              <a:t> where possible (except input DTOs as output DTO).</a:t>
+            </a:r>
+          </a:p>
+          <a:p>
+            <a:r>
+              <a:rPr lang="en-US" sz="1600" dirty="0"/>
+              <a:t>Return the entity DTO from </a:t>
+            </a:r>
+            <a:r>
+              <a:rPr lang="en-US" sz="1600" b="1" dirty="0"/>
+              <a:t>Create &amp; update </a:t>
+            </a:r>
+            <a:r>
+              <a:rPr lang="en-US" sz="1600" dirty="0"/>
+              <a:t>methods.</a:t>
+            </a:r>
+          </a:p>
+          <a:p>
+            <a:r>
+              <a:rPr lang="en-US" sz="1600" dirty="0"/>
+              <a:t>Can contain </a:t>
+            </a:r>
+            <a:r>
+              <a:rPr lang="en-US" sz="1600" b="1" dirty="0"/>
+              <a:t>more data </a:t>
+            </a:r>
+            <a:r>
+              <a:rPr lang="en-US" sz="1600" dirty="0"/>
+              <a:t>than client needs</a:t>
+            </a:r>
+          </a:p>
+          <a:p>
+            <a:r>
+              <a:rPr lang="en-US" sz="1600" dirty="0"/>
+              <a:t>Exception: Where </a:t>
+            </a:r>
+            <a:r>
+              <a:rPr lang="en-US" sz="1600" b="1" dirty="0"/>
+              <a:t>performance</a:t>
+            </a:r>
+            <a:r>
+              <a:rPr lang="en-US" sz="1600" dirty="0"/>
+              <a:t> is critical, especially for large result sets.</a:t>
+            </a:r>
+          </a:p>
+        </p:txBody>
+      </p:sp>
+      <p:pic>
+        <p:nvPicPr>
+          <p:cNvPr id="8" name="Picture 7">
+            <a:extLst>
+              <a:ext uri="{FF2B5EF4-FFF2-40B4-BE49-F238E27FC236}">
+                <a16:creationId xmlns:a16="http://schemas.microsoft.com/office/drawing/2014/main" id="{6136350B-7541-43DE-AB8C-B78660140A1C}"/>
+              </a:ext>
+            </a:extLst>
+          </p:cNvPr>
+          <p:cNvPicPr>
+            <a:picLocks noChangeAspect="1"/>
+          </p:cNvPicPr>
+          <p:nvPr/>
+        </p:nvPicPr>
+        <p:blipFill>
+          <a:blip r:embed="rId2"/>
+          <a:stretch>
+            <a:fillRect/>
+          </a:stretch>
+        </p:blipFill>
+        <p:spPr>
+          <a:xfrm>
+            <a:off x="838200" y="3495301"/>
+            <a:ext cx="6222670" cy="2976457"/>
+          </a:xfrm>
+          <a:prstGeom prst="rect">
+            <a:avLst/>
+          </a:prstGeom>
+        </p:spPr>
+      </p:pic>
+      <p:pic>
+        <p:nvPicPr>
+          <p:cNvPr id="9" name="Picture 8">
+            <a:extLst>
+              <a:ext uri="{FF2B5EF4-FFF2-40B4-BE49-F238E27FC236}">
+                <a16:creationId xmlns:a16="http://schemas.microsoft.com/office/drawing/2014/main" id="{3BF3626C-6168-4BB7-A176-BBA41ABE61BA}"/>
+              </a:ext>
+            </a:extLst>
+          </p:cNvPr>
+          <p:cNvPicPr>
+            <a:picLocks noChangeAspect="1"/>
+          </p:cNvPicPr>
+          <p:nvPr/>
+        </p:nvPicPr>
+        <p:blipFill>
+          <a:blip r:embed="rId3">
+            <a:extLst>
+              <a:ext uri="{28A0092B-C50C-407E-A947-70E740481C1C}">
+                <a14:useLocalDpi xmlns:a14="http://schemas.microsoft.com/office/drawing/2010/main" val="0"/>
+              </a:ext>
+            </a:extLst>
+          </a:blip>
+          <a:stretch>
+            <a:fillRect/>
+          </a:stretch>
+        </p:blipFill>
+        <p:spPr>
+          <a:xfrm>
+            <a:off x="6788727" y="4298864"/>
+            <a:ext cx="339692" cy="293218"/>
+          </a:xfrm>
+          <a:prstGeom prst="rect">
+            <a:avLst/>
+          </a:prstGeom>
+        </p:spPr>
+      </p:pic>
+      <p:pic>
+        <p:nvPicPr>
+          <p:cNvPr id="10" name="Picture 9">
+            <a:extLst>
+              <a:ext uri="{FF2B5EF4-FFF2-40B4-BE49-F238E27FC236}">
+                <a16:creationId xmlns:a16="http://schemas.microsoft.com/office/drawing/2014/main" id="{AB0295C5-CE29-4E56-B56B-0D0840BAD365}"/>
+              </a:ext>
+            </a:extLst>
+          </p:cNvPr>
+          <p:cNvPicPr>
+            <a:picLocks noChangeAspect="1"/>
+          </p:cNvPicPr>
+          <p:nvPr/>
+        </p:nvPicPr>
+        <p:blipFill>
+          <a:blip r:embed="rId3">
+            <a:extLst>
+              <a:ext uri="{28A0092B-C50C-407E-A947-70E740481C1C}">
+                <a14:useLocalDpi xmlns:a14="http://schemas.microsoft.com/office/drawing/2010/main" val="0"/>
+              </a:ext>
+            </a:extLst>
+          </a:blip>
+          <a:stretch>
+            <a:fillRect/>
+          </a:stretch>
+        </p:blipFill>
+        <p:spPr>
+          <a:xfrm>
+            <a:off x="4795652" y="4592082"/>
+            <a:ext cx="339692" cy="293218"/>
+          </a:xfrm>
+          <a:prstGeom prst="rect">
+            <a:avLst/>
+          </a:prstGeom>
+        </p:spPr>
+      </p:pic>
+      <p:pic>
+        <p:nvPicPr>
+          <p:cNvPr id="11" name="Picture 10">
+            <a:extLst>
+              <a:ext uri="{FF2B5EF4-FFF2-40B4-BE49-F238E27FC236}">
+                <a16:creationId xmlns:a16="http://schemas.microsoft.com/office/drawing/2014/main" id="{4071B153-A6C0-42C9-AD01-A3D64A0F700A}"/>
+              </a:ext>
+            </a:extLst>
+          </p:cNvPr>
+          <p:cNvPicPr>
+            <a:picLocks noChangeAspect="1"/>
+          </p:cNvPicPr>
+          <p:nvPr/>
+        </p:nvPicPr>
+        <p:blipFill>
+          <a:blip r:embed="rId3">
+            <a:extLst>
+              <a:ext uri="{28A0092B-C50C-407E-A947-70E740481C1C}">
+                <a14:useLocalDpi xmlns:a14="http://schemas.microsoft.com/office/drawing/2010/main" val="0"/>
+              </a:ext>
+            </a:extLst>
+          </a:blip>
+          <a:stretch>
+            <a:fillRect/>
+          </a:stretch>
+        </p:blipFill>
+        <p:spPr>
+          <a:xfrm>
+            <a:off x="1035133" y="5104406"/>
+            <a:ext cx="339692" cy="293218"/>
+          </a:xfrm>
+          <a:prstGeom prst="rect">
+            <a:avLst/>
+          </a:prstGeom>
+        </p:spPr>
+      </p:pic>
+      <p:pic>
+        <p:nvPicPr>
+          <p:cNvPr id="12" name="Picture 11">
+            <a:extLst>
+              <a:ext uri="{FF2B5EF4-FFF2-40B4-BE49-F238E27FC236}">
+                <a16:creationId xmlns:a16="http://schemas.microsoft.com/office/drawing/2014/main" id="{ACA0E7D8-DC1C-4C94-9130-CB1C1CFFA284}"/>
+              </a:ext>
+            </a:extLst>
+          </p:cNvPr>
+          <p:cNvPicPr>
+            <a:picLocks noChangeAspect="1"/>
+          </p:cNvPicPr>
+          <p:nvPr/>
+        </p:nvPicPr>
+        <p:blipFill>
+          <a:blip r:embed="rId3">
+            <a:extLst>
+              <a:ext uri="{28A0092B-C50C-407E-A947-70E740481C1C}">
+                <a14:useLocalDpi xmlns:a14="http://schemas.microsoft.com/office/drawing/2010/main" val="0"/>
+              </a:ext>
+            </a:extLst>
+          </a:blip>
+          <a:stretch>
+            <a:fillRect/>
+          </a:stretch>
+        </p:blipFill>
+        <p:spPr>
+          <a:xfrm>
+            <a:off x="1018056" y="5733799"/>
+            <a:ext cx="339692" cy="293218"/>
+          </a:xfrm>
+          <a:prstGeom prst="rect">
+            <a:avLst/>
+          </a:prstGeom>
+        </p:spPr>
+      </p:pic>
     </p:spTree>
     <p:extLst>
       <p:ext uri="{BB962C8B-B14F-4D97-AF65-F5344CB8AC3E}">
-        <p14:creationId xmlns:p14="http://schemas.microsoft.com/office/powerpoint/2010/main" val="1364963194"/>
+        <p14:creationId xmlns:p14="http://schemas.microsoft.com/office/powerpoint/2010/main" val="683563018"/>
       </p:ext>
     </p:extLst>
   </p:cSld>
@@ -9736,18 +9587,115 @@
             </a:br>
             <a:r>
               <a:rPr lang="en-US" sz="3600" dirty="0"/>
-              <a:t>Example: Entity Creation</a:t>
+              <a:t>Output DTO suggestions</a:t>
             </a:r>
             <a:endParaRPr lang="en-US" dirty="0"/>
+          </a:p>
+        </p:txBody>
+      </p:sp>
+      <p:sp>
+        <p:nvSpPr>
+          <p:cNvPr id="3" name="Content Placeholder 2">
+            <a:extLst>
+              <a:ext uri="{FF2B5EF4-FFF2-40B4-BE49-F238E27FC236}">
+                <a16:creationId xmlns:a16="http://schemas.microsoft.com/office/drawing/2014/main" id="{E4F3065D-52E2-4E8D-B74F-4FD51CEF1E49}"/>
+              </a:ext>
+            </a:extLst>
+          </p:cNvPr>
+          <p:cNvSpPr>
+            <a:spLocks noGrp="1"/>
+          </p:cNvSpPr>
+          <p:nvPr>
+            <p:ph idx="1"/>
+          </p:nvPr>
+        </p:nvSpPr>
+        <p:spPr>
+          <a:xfrm>
+            <a:off x="838200" y="1825625"/>
+            <a:ext cx="10515600" cy="1436131"/>
+          </a:xfrm>
+        </p:spPr>
+        <p:txBody>
+          <a:bodyPr>
+            <a:noAutofit/>
+          </a:bodyPr>
+          <a:lstStyle/>
+          <a:p>
+            <a:r>
+              <a:rPr lang="en-US" sz="1600" dirty="0"/>
+              <a:t>Keep output </a:t>
+            </a:r>
+            <a:r>
+              <a:rPr lang="en-US" sz="1600" b="1" dirty="0"/>
+              <a:t>DTO count minimum</a:t>
+            </a:r>
+            <a:r>
+              <a:rPr lang="en-US" sz="1600" dirty="0"/>
+              <a:t>. </a:t>
+            </a:r>
+            <a:r>
+              <a:rPr lang="en-US" sz="1600" dirty="0">
+                <a:solidFill>
+                  <a:srgbClr val="FF0000"/>
+                </a:solidFill>
+              </a:rPr>
+              <a:t>Reuse</a:t>
+            </a:r>
+            <a:r>
+              <a:rPr lang="en-US" sz="1600" dirty="0"/>
+              <a:t> where possible (except input DTOs as output DTO).</a:t>
+            </a:r>
+          </a:p>
+          <a:p>
+            <a:r>
+              <a:rPr lang="en-US" sz="1600" dirty="0"/>
+              <a:t>Return the entity DTO from </a:t>
+            </a:r>
+            <a:r>
+              <a:rPr lang="en-US" sz="1600" b="1" dirty="0"/>
+              <a:t>Create &amp; update </a:t>
+            </a:r>
+            <a:r>
+              <a:rPr lang="en-US" sz="1600" dirty="0"/>
+              <a:t>methods.</a:t>
+            </a:r>
+          </a:p>
+          <a:p>
+            <a:r>
+              <a:rPr lang="en-US" sz="1600" dirty="0"/>
+              <a:t>Can contain </a:t>
+            </a:r>
+            <a:r>
+              <a:rPr lang="en-US" sz="1600" b="1" dirty="0"/>
+              <a:t>more data </a:t>
+            </a:r>
+            <a:r>
+              <a:rPr lang="en-US" sz="1600" dirty="0"/>
+              <a:t>than client needs</a:t>
+            </a:r>
+          </a:p>
+          <a:p>
+            <a:r>
+              <a:rPr lang="en-US" sz="1600" dirty="0"/>
+              <a:t>Exception: Where </a:t>
+            </a:r>
+            <a:r>
+              <a:rPr lang="en-US" sz="1600" b="1" dirty="0"/>
+              <a:t>performance</a:t>
+            </a:r>
+            <a:r>
+              <a:rPr lang="en-US" sz="1600" dirty="0"/>
+              <a:t> is critical, especially for large result sets.</a:t>
+            </a:r>
           </a:p>
         </p:txBody>
       </p:sp>
       <p:pic>
         <p:nvPicPr>
-          <p:cNvPr id="6" name="Picture 5">
-            <a:extLst>
-              <a:ext uri="{FF2B5EF4-FFF2-40B4-BE49-F238E27FC236}">
-                <a16:creationId xmlns:a16="http://schemas.microsoft.com/office/drawing/2014/main" id="{74522D94-FDA6-417B-ADF8-38E3D027ACCE}"/>
+          <p:cNvPr id="4" name="Picture 3">
+            <a:extLst>
+              <a:ext uri="{FF2B5EF4-FFF2-40B4-BE49-F238E27FC236}">
+                <a16:creationId xmlns:a16="http://schemas.microsoft.com/office/drawing/2014/main" id="{AEB39D52-2EA2-49E1-97DF-9996081FB22D}"/>
               </a:ext>
             </a:extLst>
           </p:cNvPr>
@@ -9764,101 +9712,48 @@
         </p:blipFill>
         <p:spPr>
           <a:xfrm>
-            <a:off x="272142" y="2059562"/>
-            <a:ext cx="7268688" cy="3973650"/>
+            <a:off x="393609" y="3479598"/>
+            <a:ext cx="5844459" cy="2736187"/>
           </a:xfrm>
           <a:prstGeom prst="rect">
             <a:avLst/>
           </a:prstGeom>
         </p:spPr>
       </p:pic>
-      <p:sp>
-        <p:nvSpPr>
-          <p:cNvPr id="8" name="Content Placeholder 7">
-            <a:extLst>
-              <a:ext uri="{FF2B5EF4-FFF2-40B4-BE49-F238E27FC236}">
-                <a16:creationId xmlns:a16="http://schemas.microsoft.com/office/drawing/2014/main" id="{80359589-E408-41CD-B5EA-BB8554A5976C}"/>
-              </a:ext>
-            </a:extLst>
-          </p:cNvPr>
-          <p:cNvSpPr>
-            <a:spLocks noGrp="1"/>
-          </p:cNvSpPr>
-          <p:nvPr>
-            <p:ph idx="1"/>
-          </p:nvPr>
-        </p:nvSpPr>
+      <p:pic>
+        <p:nvPicPr>
+          <p:cNvPr id="5" name="Picture 4">
+            <a:extLst>
+              <a:ext uri="{FF2B5EF4-FFF2-40B4-BE49-F238E27FC236}">
+                <a16:creationId xmlns:a16="http://schemas.microsoft.com/office/drawing/2014/main" id="{C5A860DB-566D-47FD-82E1-C3C15816168E}"/>
+              </a:ext>
+            </a:extLst>
+          </p:cNvPr>
+          <p:cNvPicPr>
+            <a:picLocks noChangeAspect="1"/>
+          </p:cNvPicPr>
+          <p:nvPr/>
+        </p:nvPicPr>
+        <p:blipFill>
+          <a:blip r:embed="rId3"/>
+          <a:stretch>
+            <a:fillRect/>
+          </a:stretch>
+        </p:blipFill>
         <p:spPr>
           <a:xfrm>
-            <a:off x="7635834" y="1825625"/>
-            <a:ext cx="3717966" cy="4351338"/>
-          </a:xfrm>
-        </p:spPr>
-        <p:txBody>
-          <a:bodyPr/>
-          <a:lstStyle/>
-          <a:p>
-            <a:r>
-              <a:rPr lang="en-US" dirty="0"/>
-              <a:t>Don’t use DTO to entity auto-mapping, use entity </a:t>
-            </a:r>
-            <a:r>
-              <a:rPr lang="en-US" b="1" dirty="0"/>
-              <a:t>constructor</a:t>
-            </a:r>
-            <a:r>
-              <a:rPr lang="en-US" dirty="0"/>
-              <a:t>.</a:t>
-            </a:r>
-          </a:p>
-          <a:p>
-            <a:r>
-              <a:rPr lang="en-US" dirty="0"/>
-              <a:t>Perform additional </a:t>
-            </a:r>
-            <a:r>
-              <a:rPr lang="en-US" b="1" dirty="0"/>
-              <a:t>domain actions</a:t>
-            </a:r>
-            <a:r>
-              <a:rPr lang="en-US" dirty="0"/>
-              <a:t>.</a:t>
-            </a:r>
-          </a:p>
-          <a:p>
-            <a:r>
-              <a:rPr lang="en-US" dirty="0"/>
-              <a:t>Use </a:t>
-            </a:r>
-            <a:r>
-              <a:rPr lang="en-US" b="1" dirty="0"/>
-              <a:t>repository</a:t>
-            </a:r>
-            <a:r>
-              <a:rPr lang="en-US" dirty="0"/>
-              <a:t>.</a:t>
-            </a:r>
-          </a:p>
-          <a:p>
-            <a:r>
-              <a:rPr lang="en-US" dirty="0"/>
-              <a:t>Return DTO using </a:t>
-            </a:r>
-            <a:r>
-              <a:rPr lang="en-US" b="1" dirty="0"/>
-              <a:t>auto-mapping</a:t>
-            </a:r>
-            <a:r>
-              <a:rPr lang="en-US" dirty="0"/>
-              <a:t>.</a:t>
-            </a:r>
-          </a:p>
-        </p:txBody>
-      </p:sp>
+            <a:off x="6782417" y="3479598"/>
+            <a:ext cx="5015974" cy="2350965"/>
+          </a:xfrm>
+          <a:prstGeom prst="rect">
+            <a:avLst/>
+          </a:prstGeom>
+        </p:spPr>
+      </p:pic>
     </p:spTree>
     <p:extLst>
       <p:ext uri="{BB962C8B-B14F-4D97-AF65-F5344CB8AC3E}">
-        <p14:creationId xmlns:p14="http://schemas.microsoft.com/office/powerpoint/2010/main" val="2480817299"/>
+        <p14:creationId xmlns:p14="http://schemas.microsoft.com/office/powerpoint/2010/main" val="2453795207"/>
       </p:ext>
     </p:extLst>
   </p:cSld>
@@ -9890,7 +9785,7 @@
           <p:cNvPr id="2" name="Title 1">
             <a:extLst>
               <a:ext uri="{FF2B5EF4-FFF2-40B4-BE49-F238E27FC236}">
-                <a16:creationId xmlns:a16="http://schemas.microsoft.com/office/drawing/2014/main" id="{67E9649C-91D0-437D-A752-E68D2D6A46C4}"/>
+                <a16:creationId xmlns:a16="http://schemas.microsoft.com/office/drawing/2014/main" id="{9FB313FD-548B-4540-B224-09368876E8C7}"/>
               </a:ext>
             </a:extLst>
           </p:cNvPr>
@@ -9908,8 +9803,16 @@
           <a:p>
             <a:r>
               <a:rPr lang="en-US" dirty="0"/>
-              <a:t>Domain/Business Exceptions</a:t>
-            </a:r>
+              <a:t>Application Services</a:t>
+            </a:r>
+            <a:br>
+              <a:rPr lang="en-US" dirty="0"/>
+            </a:br>
+            <a:r>
+              <a:rPr lang="en-US" sz="3600" dirty="0"/>
+              <a:t>Object to Object Mapping</a:t>
+            </a:r>
+            <a:endParaRPr lang="en-US" dirty="0"/>
           </a:p>
         </p:txBody>
       </p:sp>
@@ -9918,7 +9821,7 @@
           <p:cNvPr id="3" name="Content Placeholder 2">
             <a:extLst>
               <a:ext uri="{FF2B5EF4-FFF2-40B4-BE49-F238E27FC236}">
-                <a16:creationId xmlns:a16="http://schemas.microsoft.com/office/drawing/2014/main" id="{FEAA3D58-1152-4768-BFD1-0FC3552ABBA1}"/>
+                <a16:creationId xmlns:a16="http://schemas.microsoft.com/office/drawing/2014/main" id="{E4F3065D-52E2-4E8D-B74F-4FD51CEF1E49}"/>
               </a:ext>
             </a:extLst>
           </p:cNvPr>
@@ -9929,66 +9832,47 @@
             <p:ph idx="1"/>
           </p:nvPr>
         </p:nvSpPr>
-        <p:spPr/>
-        <p:txBody>
-          <a:bodyPr/>
-          <a:lstStyle/>
-          <a:p>
-            <a:r>
-              <a:rPr lang="en-US" dirty="0"/>
-              <a:t>Do not return null or operation result code for exceptional cases, </a:t>
-            </a:r>
-            <a:r>
-              <a:rPr lang="en-US" b="1" dirty="0"/>
-              <a:t>throw exceptions</a:t>
-            </a:r>
-            <a:r>
-              <a:rPr lang="en-US" dirty="0"/>
-              <a:t>!</a:t>
-            </a:r>
-          </a:p>
-          <a:p>
-            <a:r>
-              <a:rPr lang="en-US" b="1" dirty="0"/>
-              <a:t>Define </a:t>
-            </a:r>
-            <a:r>
-              <a:rPr lang="en-US" dirty="0"/>
-              <a:t>exception classes for important business rules</a:t>
-            </a:r>
-          </a:p>
-          <a:p>
-            <a:r>
-              <a:rPr lang="en-US" dirty="0"/>
-              <a:t>Include an </a:t>
-            </a:r>
-            <a:r>
-              <a:rPr lang="en-US" b="1" dirty="0"/>
-              <a:t>error code </a:t>
-            </a:r>
-            <a:r>
-              <a:rPr lang="en-US" dirty="0"/>
-              <a:t>in the exception</a:t>
-            </a:r>
-          </a:p>
-          <a:p>
-            <a:r>
-              <a:rPr lang="en-US" b="1" dirty="0"/>
-              <a:t>Separate localization</a:t>
-            </a:r>
-            <a:r>
-              <a:rPr lang="en-US" dirty="0"/>
-              <a:t> from exception throwing</a:t>
-            </a:r>
-          </a:p>
-          <a:p>
-            <a:r>
-              <a:rPr lang="en-US" dirty="0"/>
-              <a:t>Map exceptions to </a:t>
-            </a:r>
-            <a:r>
-              <a:rPr lang="en-US" b="1" dirty="0"/>
-              <a:t>HTTP status codes</a:t>
+        <p:spPr>
+          <a:xfrm>
+            <a:off x="838200" y="1825626"/>
+            <a:ext cx="10515600" cy="1064036"/>
+          </a:xfrm>
+        </p:spPr>
+        <p:txBody>
+          <a:bodyPr>
+            <a:noAutofit/>
+          </a:bodyPr>
+          <a:lstStyle/>
+          <a:p>
+            <a:r>
+              <a:rPr lang="en-US" sz="2400" dirty="0"/>
+              <a:t>Use </a:t>
+            </a:r>
+            <a:r>
+              <a:rPr lang="en-US" sz="2400" b="1" dirty="0"/>
+              <a:t>auto object mapping </a:t>
+            </a:r>
+            <a:r>
+              <a:rPr lang="en-US" sz="2400" dirty="0"/>
+              <a:t>libraries (but, carefully – enable configuration validation)</a:t>
+            </a:r>
+          </a:p>
+          <a:p>
+            <a:r>
+              <a:rPr lang="en-US" sz="2400" b="1" dirty="0"/>
+              <a:t>Do not map </a:t>
+            </a:r>
+            <a:r>
+              <a:rPr lang="en-US" sz="2400" dirty="0"/>
+              <a:t>input DTOs to entities. </a:t>
+            </a:r>
+            <a:r>
+              <a:rPr lang="en-US" sz="2400" b="1" dirty="0"/>
+              <a:t>Map</a:t>
+            </a:r>
+            <a:r>
+              <a:rPr lang="en-US" sz="2400" dirty="0"/>
+              <a:t> entities to output DTOs</a:t>
             </a:r>
           </a:p>
         </p:txBody>
@@ -9996,7 +9880,7 @@
     </p:spTree>
     <p:extLst>
       <p:ext uri="{BB962C8B-B14F-4D97-AF65-F5344CB8AC3E}">
-        <p14:creationId xmlns:p14="http://schemas.microsoft.com/office/powerpoint/2010/main" val="4290921292"/>
+        <p14:creationId xmlns:p14="http://schemas.microsoft.com/office/powerpoint/2010/main" val="1364963194"/>
       </p:ext>
     </p:extLst>
   </p:cSld>
@@ -10028,7 +9912,7 @@
           <p:cNvPr id="2" name="Title 1">
             <a:extLst>
               <a:ext uri="{FF2B5EF4-FFF2-40B4-BE49-F238E27FC236}">
-                <a16:creationId xmlns:a16="http://schemas.microsoft.com/office/drawing/2014/main" id="{A23F9A3F-F790-4EB1-B32A-CFA7AFB6C421}"/>
+                <a16:creationId xmlns:a16="http://schemas.microsoft.com/office/drawing/2014/main" id="{9FB313FD-548B-4540-B224-09368876E8C7}"/>
               </a:ext>
             </a:extLst>
           </p:cNvPr>
@@ -10046,17 +9930,55 @@
           <a:p>
             <a:r>
               <a:rPr lang="en-US" dirty="0"/>
-              <a:t>Domain/Business Exceptions</a:t>
-            </a:r>
-          </a:p>
-        </p:txBody>
-      </p:sp>
-      <p:sp>
-        <p:nvSpPr>
-          <p:cNvPr id="3" name="Content Placeholder 2">
-            <a:extLst>
-              <a:ext uri="{FF2B5EF4-FFF2-40B4-BE49-F238E27FC236}">
-                <a16:creationId xmlns:a16="http://schemas.microsoft.com/office/drawing/2014/main" id="{DA2134F7-7E72-43B4-97E9-0E7E4046A1B6}"/>
+              <a:t>Application Services</a:t>
+            </a:r>
+            <a:br>
+              <a:rPr lang="en-US" dirty="0"/>
+            </a:br>
+            <a:r>
+              <a:rPr lang="en-US" sz="3600" dirty="0"/>
+              <a:t>Example: Entity Creation</a:t>
+            </a:r>
+            <a:endParaRPr lang="en-US" dirty="0"/>
+          </a:p>
+        </p:txBody>
+      </p:sp>
+      <p:pic>
+        <p:nvPicPr>
+          <p:cNvPr id="6" name="Picture 5">
+            <a:extLst>
+              <a:ext uri="{FF2B5EF4-FFF2-40B4-BE49-F238E27FC236}">
+                <a16:creationId xmlns:a16="http://schemas.microsoft.com/office/drawing/2014/main" id="{74522D94-FDA6-417B-ADF8-38E3D027ACCE}"/>
+              </a:ext>
+            </a:extLst>
+          </p:cNvPr>
+          <p:cNvPicPr>
+            <a:picLocks noChangeAspect="1"/>
+          </p:cNvPicPr>
+          <p:nvPr/>
+        </p:nvPicPr>
+        <p:blipFill>
+          <a:blip r:embed="rId2"/>
+          <a:stretch>
+            <a:fillRect/>
+          </a:stretch>
+        </p:blipFill>
+        <p:spPr>
+          <a:xfrm>
+            <a:off x="272142" y="2059562"/>
+            <a:ext cx="7268688" cy="3973650"/>
+          </a:xfrm>
+          <a:prstGeom prst="rect">
+            <a:avLst/>
+          </a:prstGeom>
+        </p:spPr>
+      </p:pic>
+      <p:sp>
+        <p:nvSpPr>
+          <p:cNvPr id="8" name="Content Placeholder 7">
+            <a:extLst>
+              <a:ext uri="{FF2B5EF4-FFF2-40B4-BE49-F238E27FC236}">
+                <a16:creationId xmlns:a16="http://schemas.microsoft.com/office/drawing/2014/main" id="{80359589-E408-41CD-B5EA-BB8554A5976C}"/>
               </a:ext>
             </a:extLst>
           </p:cNvPr>
@@ -10067,19 +9989,77 @@
             <p:ph idx="1"/>
           </p:nvPr>
         </p:nvSpPr>
-        <p:spPr/>
+        <p:spPr>
+          <a:xfrm>
+            <a:off x="7635834" y="1825625"/>
+            <a:ext cx="3717966" cy="4351338"/>
+          </a:xfrm>
+        </p:spPr>
         <p:txBody>
           <a:bodyPr/>
           <a:lstStyle/>
           <a:p>
-            <a:endParaRPr lang="en-US" dirty="0"/>
+            <a:r>
+              <a:rPr lang="en-US" dirty="0"/>
+              <a:t>Don’t use DTO to entity auto-mapping, use entity </a:t>
+            </a:r>
+            <a:r>
+              <a:rPr lang="en-US" b="1" dirty="0"/>
+              <a:t>constructor</a:t>
+            </a:r>
+            <a:r>
+              <a:rPr lang="en-US" dirty="0"/>
+              <a:t>.</a:t>
+            </a:r>
+          </a:p>
+          <a:p>
+            <a:r>
+              <a:rPr lang="en-US" dirty="0"/>
+              <a:t>Perform additional </a:t>
+            </a:r>
+            <a:r>
+              <a:rPr lang="en-US" b="1" dirty="0"/>
+              <a:t>domain actions</a:t>
+            </a:r>
+            <a:r>
+              <a:rPr lang="en-US" dirty="0"/>
+              <a:t>.</a:t>
+            </a:r>
+          </a:p>
+          <a:p>
+            <a:r>
+              <a:rPr lang="en-US" dirty="0"/>
+              <a:t>Use </a:t>
+            </a:r>
+            <a:r>
+              <a:rPr lang="en-US" b="1" dirty="0"/>
+              <a:t>repository</a:t>
+            </a:r>
+            <a:r>
+              <a:rPr lang="en-US" dirty="0"/>
+              <a:t>.</a:t>
+            </a:r>
+          </a:p>
+          <a:p>
+            <a:r>
+              <a:rPr lang="en-US" dirty="0"/>
+              <a:t>Return DTO using </a:t>
+            </a:r>
+            <a:r>
+              <a:rPr lang="en-US" b="1" dirty="0"/>
+              <a:t>auto-mapping</a:t>
+            </a:r>
+            <a:r>
+              <a:rPr lang="en-US" dirty="0"/>
+              <a:t>.</a:t>
+            </a:r>
           </a:p>
         </p:txBody>
       </p:sp>
     </p:spTree>
     <p:extLst>
       <p:ext uri="{BB962C8B-B14F-4D97-AF65-F5344CB8AC3E}">
-        <p14:creationId xmlns:p14="http://schemas.microsoft.com/office/powerpoint/2010/main" val="893193333"/>
+        <p14:creationId xmlns:p14="http://schemas.microsoft.com/office/powerpoint/2010/main" val="2480817299"/>
       </p:ext>
     </p:extLst>
   </p:cSld>
@@ -10111,7 +10091,7 @@
           <p:cNvPr id="2" name="Title 1">
             <a:extLst>
               <a:ext uri="{FF2B5EF4-FFF2-40B4-BE49-F238E27FC236}">
-                <a16:creationId xmlns:a16="http://schemas.microsoft.com/office/drawing/2014/main" id="{51B01318-D890-40C9-B6DF-6B8706F18FB4}"/>
+                <a16:creationId xmlns:a16="http://schemas.microsoft.com/office/drawing/2014/main" id="{67E9649C-91D0-437D-A752-E68D2D6A46C4}"/>
               </a:ext>
             </a:extLst>
           </p:cNvPr>
@@ -10127,7 +10107,10 @@
           <a:bodyPr/>
           <a:lstStyle/>
           <a:p>
-            <a:endParaRPr lang="en-US"/>
+            <a:r>
+              <a:rPr lang="en-US" dirty="0"/>
+              <a:t>Domain/Business Exceptions</a:t>
+            </a:r>
           </a:p>
         </p:txBody>
       </p:sp>
@@ -10136,7 +10119,7 @@
           <p:cNvPr id="3" name="Content Placeholder 2">
             <a:extLst>
               <a:ext uri="{FF2B5EF4-FFF2-40B4-BE49-F238E27FC236}">
-                <a16:creationId xmlns:a16="http://schemas.microsoft.com/office/drawing/2014/main" id="{7021756C-A6F9-4576-85F5-2560FCD59BE6}"/>
+                <a16:creationId xmlns:a16="http://schemas.microsoft.com/office/drawing/2014/main" id="{FEAA3D58-1152-4768-BFD1-0FC3552ABBA1}"/>
               </a:ext>
             </a:extLst>
           </p:cNvPr>
@@ -10152,14 +10135,152 @@
           <a:bodyPr/>
           <a:lstStyle/>
           <a:p>
-            <a:endParaRPr lang="en-US"/>
+            <a:r>
+              <a:rPr lang="en-US" dirty="0"/>
+              <a:t>Do not return null or operation result code for exceptional cases, </a:t>
+            </a:r>
+            <a:r>
+              <a:rPr lang="en-US" b="1" dirty="0"/>
+              <a:t>throw exceptions</a:t>
+            </a:r>
+            <a:r>
+              <a:rPr lang="en-US" dirty="0"/>
+              <a:t>!</a:t>
+            </a:r>
+          </a:p>
+          <a:p>
+            <a:r>
+              <a:rPr lang="en-US" b="1" dirty="0"/>
+              <a:t>Define </a:t>
+            </a:r>
+            <a:r>
+              <a:rPr lang="en-US" dirty="0"/>
+              <a:t>exception classes for important business rules</a:t>
+            </a:r>
+          </a:p>
+          <a:p>
+            <a:r>
+              <a:rPr lang="en-US" dirty="0"/>
+              <a:t>Include an </a:t>
+            </a:r>
+            <a:r>
+              <a:rPr lang="en-US" b="1" dirty="0"/>
+              <a:t>error code </a:t>
+            </a:r>
+            <a:r>
+              <a:rPr lang="en-US" dirty="0"/>
+              <a:t>in the exception</a:t>
+            </a:r>
+          </a:p>
+          <a:p>
+            <a:r>
+              <a:rPr lang="en-US" b="1" dirty="0"/>
+              <a:t>Separate localization</a:t>
+            </a:r>
+            <a:r>
+              <a:rPr lang="en-US" dirty="0"/>
+              <a:t> from exception throwing</a:t>
+            </a:r>
+          </a:p>
+          <a:p>
+            <a:r>
+              <a:rPr lang="en-US" dirty="0"/>
+              <a:t>Map exceptions to </a:t>
+            </a:r>
+            <a:r>
+              <a:rPr lang="en-US" b="1" dirty="0"/>
+              <a:t>HTTP status codes</a:t>
+            </a:r>
           </a:p>
         </p:txBody>
       </p:sp>
     </p:spTree>
     <p:extLst>
       <p:ext uri="{BB962C8B-B14F-4D97-AF65-F5344CB8AC3E}">
-        <p14:creationId xmlns:p14="http://schemas.microsoft.com/office/powerpoint/2010/main" val="2490287402"/>
+        <p14:creationId xmlns:p14="http://schemas.microsoft.com/office/powerpoint/2010/main" val="4290921292"/>
+      </p:ext>
+    </p:extLst>
+  </p:cSld>
+  <p:clrMapOvr>
+    <a:masterClrMapping/>
+  </p:clrMapOvr>
+</p:sld>
+</file>
+
+<file path=ppt/slides/slide47.xml><?xml version="1.0" encoding="utf-8"?>
+<p:sld xmlns:a="http://schemas.openxmlformats.org/drawingml/2006/main" xmlns:r="http://schemas.openxmlformats.org/officeDocument/2006/relationships" xmlns:p="http://schemas.openxmlformats.org/presentationml/2006/main">
+  <p:cSld>
+    <p:spTree>
+      <p:nvGrpSpPr>
+        <p:cNvPr id="1" name=""/>
+        <p:cNvGrpSpPr/>
+        <p:nvPr/>
+      </p:nvGrpSpPr>
+      <p:grpSpPr>
+        <a:xfrm>
+          <a:off x="0" y="0"/>
+          <a:ext cx="0" cy="0"/>
+          <a:chOff x="0" y="0"/>
+          <a:chExt cx="0" cy="0"/>
+        </a:xfrm>
+      </p:grpSpPr>
+      <p:sp>
+        <p:nvSpPr>
+          <p:cNvPr id="2" name="Title 1">
+            <a:extLst>
+              <a:ext uri="{FF2B5EF4-FFF2-40B4-BE49-F238E27FC236}">
+                <a16:creationId xmlns:a16="http://schemas.microsoft.com/office/drawing/2014/main" id="{A23F9A3F-F790-4EB1-B32A-CFA7AFB6C421}"/>
+              </a:ext>
+            </a:extLst>
+          </p:cNvPr>
+          <p:cNvSpPr>
+            <a:spLocks noGrp="1"/>
+          </p:cNvSpPr>
+          <p:nvPr>
+            <p:ph type="title"/>
+          </p:nvPr>
+        </p:nvSpPr>
+        <p:spPr/>
+        <p:txBody>
+          <a:bodyPr/>
+          <a:lstStyle/>
+          <a:p>
+            <a:r>
+              <a:rPr lang="en-US" dirty="0"/>
+              <a:t>Domain/Business Exceptions</a:t>
+            </a:r>
+          </a:p>
+        </p:txBody>
+      </p:sp>
+      <p:sp>
+        <p:nvSpPr>
+          <p:cNvPr id="3" name="Content Placeholder 2">
+            <a:extLst>
+              <a:ext uri="{FF2B5EF4-FFF2-40B4-BE49-F238E27FC236}">
+                <a16:creationId xmlns:a16="http://schemas.microsoft.com/office/drawing/2014/main" id="{DA2134F7-7E72-43B4-97E9-0E7E4046A1B6}"/>
+              </a:ext>
+            </a:extLst>
+          </p:cNvPr>
+          <p:cNvSpPr>
+            <a:spLocks noGrp="1"/>
+          </p:cNvSpPr>
+          <p:nvPr>
+            <p:ph idx="1"/>
+          </p:nvPr>
+        </p:nvSpPr>
+        <p:spPr/>
+        <p:txBody>
+          <a:bodyPr/>
+          <a:lstStyle/>
+          <a:p>
+            <a:endParaRPr lang="en-US" dirty="0"/>
+          </a:p>
+        </p:txBody>
+      </p:sp>
+    </p:spTree>
+    <p:extLst>
+      <p:ext uri="{BB962C8B-B14F-4D97-AF65-F5344CB8AC3E}">
+        <p14:creationId xmlns:p14="http://schemas.microsoft.com/office/powerpoint/2010/main" val="893193333"/>
       </p:ext>
     </p:extLst>
   </p:cSld>
@@ -10304,7 +10425,7 @@
             </a:br>
             <a:r>
               <a:rPr lang="en-US" sz="3600" dirty="0"/>
-              <a:t>Layers</a:t>
+              <a:t>Layers / Clean Architecture</a:t>
             </a:r>
             <a:endParaRPr lang="en-US" dirty="0"/>
           </a:p>
@@ -10312,32 +10433,470 @@
       </p:sp>
       <p:sp>
         <p:nvSpPr>
-          <p:cNvPr id="3" name="Content Placeholder 2">
-            <a:extLst>
-              <a:ext uri="{FF2B5EF4-FFF2-40B4-BE49-F238E27FC236}">
-                <a16:creationId xmlns:a16="http://schemas.microsoft.com/office/drawing/2014/main" id="{1704AC90-6DF0-479F-A3B7-B313449DB26B}"/>
-              </a:ext>
-            </a:extLst>
-          </p:cNvPr>
-          <p:cNvSpPr>
-            <a:spLocks noGrp="1"/>
-          </p:cNvSpPr>
-          <p:nvPr>
-            <p:ph idx="1"/>
-          </p:nvPr>
-        </p:nvSpPr>
-        <p:spPr/>
-        <p:txBody>
-          <a:bodyPr/>
-          <a:lstStyle/>
-          <a:p>
-            <a:r>
-              <a:rPr lang="en-US" dirty="0"/>
-              <a:t>TODO</a:t>
-            </a:r>
-          </a:p>
-        </p:txBody>
-      </p:sp>
+          <p:cNvPr id="6" name="Rectangle 5">
+            <a:extLst>
+              <a:ext uri="{FF2B5EF4-FFF2-40B4-BE49-F238E27FC236}">
+                <a16:creationId xmlns:a16="http://schemas.microsoft.com/office/drawing/2014/main" id="{456B0CB4-6524-4E31-A492-75A412DFDDCF}"/>
+              </a:ext>
+            </a:extLst>
+          </p:cNvPr>
+          <p:cNvSpPr/>
+          <p:nvPr/>
+        </p:nvSpPr>
+        <p:spPr>
+          <a:xfrm>
+            <a:off x="2219446" y="2378198"/>
+            <a:ext cx="2949246" cy="2311399"/>
+          </a:xfrm>
+          <a:prstGeom prst="rect">
+            <a:avLst/>
+          </a:prstGeom>
+        </p:spPr>
+        <p:style>
+          <a:lnRef idx="2">
+            <a:schemeClr val="accent1">
+              <a:shade val="50000"/>
+            </a:schemeClr>
+          </a:lnRef>
+          <a:fillRef idx="1">
+            <a:schemeClr val="accent1"/>
+          </a:fillRef>
+          <a:effectRef idx="0">
+            <a:schemeClr val="accent1"/>
+          </a:effectRef>
+          <a:fontRef idx="minor">
+            <a:schemeClr val="lt1"/>
+          </a:fontRef>
+        </p:style>
+        <p:txBody>
+          <a:bodyPr rtlCol="0" anchor="ctr"/>
+          <a:lstStyle/>
+          <a:p>
+            <a:pPr algn="r"/>
+            <a:r>
+              <a:rPr lang="en-US" dirty="0"/>
+              <a:t>Infrastructure</a:t>
+            </a:r>
+          </a:p>
+          <a:p>
+            <a:pPr algn="r"/>
+            <a:r>
+              <a:rPr lang="en-US" dirty="0"/>
+              <a:t>Layer</a:t>
+            </a:r>
+          </a:p>
+        </p:txBody>
+      </p:sp>
+      <p:sp>
+        <p:nvSpPr>
+          <p:cNvPr id="7" name="TextBox 6">
+            <a:extLst>
+              <a:ext uri="{FF2B5EF4-FFF2-40B4-BE49-F238E27FC236}">
+                <a16:creationId xmlns:a16="http://schemas.microsoft.com/office/drawing/2014/main" id="{E72C2233-4E64-4516-A4A6-96C8AEA6D1D8}"/>
+              </a:ext>
+            </a:extLst>
+          </p:cNvPr>
+          <p:cNvSpPr txBox="1"/>
+          <p:nvPr/>
+        </p:nvSpPr>
+        <p:spPr>
+          <a:xfrm>
+            <a:off x="1243267" y="2617706"/>
+            <a:ext cx="2353056" cy="371856"/>
+          </a:xfrm>
+          <a:prstGeom prst="rect">
+            <a:avLst/>
+          </a:prstGeom>
+          <a:ln/>
+        </p:spPr>
+        <p:style>
+          <a:lnRef idx="3">
+            <a:schemeClr val="lt1"/>
+          </a:lnRef>
+          <a:fillRef idx="1">
+            <a:schemeClr val="accent4"/>
+          </a:fillRef>
+          <a:effectRef idx="1">
+            <a:schemeClr val="accent4"/>
+          </a:effectRef>
+          <a:fontRef idx="minor">
+            <a:schemeClr val="lt1"/>
+          </a:fontRef>
+        </p:style>
+        <p:txBody>
+          <a:bodyPr wrap="square" rtlCol="0">
+            <a:spAutoFit/>
+          </a:bodyPr>
+          <a:lstStyle/>
+          <a:p>
+            <a:pPr algn="ctr"/>
+            <a:r>
+              <a:rPr lang="en-US" dirty="0"/>
+              <a:t>Presentation Layer</a:t>
+            </a:r>
+          </a:p>
+        </p:txBody>
+      </p:sp>
+      <p:sp>
+        <p:nvSpPr>
+          <p:cNvPr id="8" name="TextBox 7">
+            <a:extLst>
+              <a:ext uri="{FF2B5EF4-FFF2-40B4-BE49-F238E27FC236}">
+                <a16:creationId xmlns:a16="http://schemas.microsoft.com/office/drawing/2014/main" id="{A55C812E-F829-4732-9CCA-DD36DFDB5D01}"/>
+              </a:ext>
+            </a:extLst>
+          </p:cNvPr>
+          <p:cNvSpPr txBox="1"/>
+          <p:nvPr/>
+        </p:nvSpPr>
+        <p:spPr>
+          <a:xfrm>
+            <a:off x="1243267" y="3347655"/>
+            <a:ext cx="2353056" cy="371856"/>
+          </a:xfrm>
+          <a:prstGeom prst="rect">
+            <a:avLst/>
+          </a:prstGeom>
+          <a:ln/>
+        </p:spPr>
+        <p:style>
+          <a:lnRef idx="3">
+            <a:schemeClr val="lt1"/>
+          </a:lnRef>
+          <a:fillRef idx="1">
+            <a:schemeClr val="accent2"/>
+          </a:fillRef>
+          <a:effectRef idx="1">
+            <a:schemeClr val="accent2"/>
+          </a:effectRef>
+          <a:fontRef idx="minor">
+            <a:schemeClr val="lt1"/>
+          </a:fontRef>
+        </p:style>
+        <p:txBody>
+          <a:bodyPr wrap="square" rtlCol="0">
+            <a:spAutoFit/>
+          </a:bodyPr>
+          <a:lstStyle/>
+          <a:p>
+            <a:pPr algn="ctr"/>
+            <a:r>
+              <a:rPr lang="en-US" dirty="0"/>
+              <a:t>Application Layer</a:t>
+            </a:r>
+          </a:p>
+        </p:txBody>
+      </p:sp>
+      <p:sp>
+        <p:nvSpPr>
+          <p:cNvPr id="9" name="TextBox 8">
+            <a:extLst>
+              <a:ext uri="{FF2B5EF4-FFF2-40B4-BE49-F238E27FC236}">
+                <a16:creationId xmlns:a16="http://schemas.microsoft.com/office/drawing/2014/main" id="{37DF232E-C8C7-4DB0-99AD-A1CC33242828}"/>
+              </a:ext>
+            </a:extLst>
+          </p:cNvPr>
+          <p:cNvSpPr txBox="1"/>
+          <p:nvPr/>
+        </p:nvSpPr>
+        <p:spPr>
+          <a:xfrm>
+            <a:off x="1243267" y="4077604"/>
+            <a:ext cx="2353056" cy="371856"/>
+          </a:xfrm>
+          <a:prstGeom prst="rect">
+            <a:avLst/>
+          </a:prstGeom>
+          <a:ln/>
+        </p:spPr>
+        <p:style>
+          <a:lnRef idx="2">
+            <a:schemeClr val="accent6">
+              <a:shade val="50000"/>
+            </a:schemeClr>
+          </a:lnRef>
+          <a:fillRef idx="1">
+            <a:schemeClr val="accent6"/>
+          </a:fillRef>
+          <a:effectRef idx="0">
+            <a:schemeClr val="accent6"/>
+          </a:effectRef>
+          <a:fontRef idx="minor">
+            <a:schemeClr val="lt1"/>
+          </a:fontRef>
+        </p:style>
+        <p:txBody>
+          <a:bodyPr wrap="square" rtlCol="0">
+            <a:spAutoFit/>
+          </a:bodyPr>
+          <a:lstStyle/>
+          <a:p>
+            <a:pPr algn="ctr"/>
+            <a:r>
+              <a:rPr lang="en-US" dirty="0"/>
+              <a:t>Domain Layer</a:t>
+            </a:r>
+          </a:p>
+        </p:txBody>
+      </p:sp>
+      <p:cxnSp>
+        <p:nvCxnSpPr>
+          <p:cNvPr id="10" name="Straight Arrow Connector 9">
+            <a:extLst>
+              <a:ext uri="{FF2B5EF4-FFF2-40B4-BE49-F238E27FC236}">
+                <a16:creationId xmlns:a16="http://schemas.microsoft.com/office/drawing/2014/main" id="{AFAD95D9-A309-4D49-A8CA-4594E1E33D55}"/>
+              </a:ext>
+            </a:extLst>
+          </p:cNvPr>
+          <p:cNvCxnSpPr/>
+          <p:nvPr/>
+        </p:nvCxnSpPr>
+        <p:spPr>
+          <a:xfrm>
+            <a:off x="1647397" y="2989562"/>
+            <a:ext cx="0" cy="358093"/>
+          </a:xfrm>
+          <a:prstGeom prst="straightConnector1">
+            <a:avLst/>
+          </a:prstGeom>
+          <a:ln w="63500">
+            <a:solidFill>
+              <a:schemeClr val="tx1"/>
+            </a:solidFill>
+            <a:tailEnd type="triangle"/>
+          </a:ln>
+        </p:spPr>
+        <p:style>
+          <a:lnRef idx="1">
+            <a:schemeClr val="accent1"/>
+          </a:lnRef>
+          <a:fillRef idx="0">
+            <a:schemeClr val="accent1"/>
+          </a:fillRef>
+          <a:effectRef idx="0">
+            <a:schemeClr val="accent1"/>
+          </a:effectRef>
+          <a:fontRef idx="minor">
+            <a:schemeClr val="tx1"/>
+          </a:fontRef>
+        </p:style>
+      </p:cxnSp>
+      <p:cxnSp>
+        <p:nvCxnSpPr>
+          <p:cNvPr id="11" name="Straight Arrow Connector 10">
+            <a:extLst>
+              <a:ext uri="{FF2B5EF4-FFF2-40B4-BE49-F238E27FC236}">
+                <a16:creationId xmlns:a16="http://schemas.microsoft.com/office/drawing/2014/main" id="{707C5CB8-4CA3-4511-B830-E7B832E89F94}"/>
+              </a:ext>
+            </a:extLst>
+          </p:cNvPr>
+          <p:cNvCxnSpPr/>
+          <p:nvPr/>
+        </p:nvCxnSpPr>
+        <p:spPr>
+          <a:xfrm>
+            <a:off x="1647397" y="3734697"/>
+            <a:ext cx="0" cy="358093"/>
+          </a:xfrm>
+          <a:prstGeom prst="straightConnector1">
+            <a:avLst/>
+          </a:prstGeom>
+          <a:ln w="63500">
+            <a:solidFill>
+              <a:schemeClr val="tx1"/>
+            </a:solidFill>
+            <a:tailEnd type="triangle"/>
+          </a:ln>
+        </p:spPr>
+        <p:style>
+          <a:lnRef idx="1">
+            <a:schemeClr val="accent1"/>
+          </a:lnRef>
+          <a:fillRef idx="0">
+            <a:schemeClr val="accent1"/>
+          </a:fillRef>
+          <a:effectRef idx="0">
+            <a:schemeClr val="accent1"/>
+          </a:effectRef>
+          <a:fontRef idx="minor">
+            <a:schemeClr val="tx1"/>
+          </a:fontRef>
+        </p:style>
+      </p:cxnSp>
+      <p:cxnSp>
+        <p:nvCxnSpPr>
+          <p:cNvPr id="12" name="Connector: Elbow 11">
+            <a:extLst>
+              <a:ext uri="{FF2B5EF4-FFF2-40B4-BE49-F238E27FC236}">
+                <a16:creationId xmlns:a16="http://schemas.microsoft.com/office/drawing/2014/main" id="{CDD3B864-9C99-424D-97CB-6DE795114B8E}"/>
+              </a:ext>
+            </a:extLst>
+          </p:cNvPr>
+          <p:cNvCxnSpPr>
+            <a:cxnSpLocks/>
+          </p:cNvCxnSpPr>
+          <p:nvPr/>
+        </p:nvCxnSpPr>
+        <p:spPr>
+          <a:xfrm rot="10800000">
+            <a:off x="1905548" y="4449461"/>
+            <a:ext cx="313899" cy="176105"/>
+          </a:xfrm>
+          <a:prstGeom prst="bentConnector3">
+            <a:avLst>
+              <a:gd name="adj1" fmla="val 100000"/>
+            </a:avLst>
+          </a:prstGeom>
+          <a:ln>
+            <a:solidFill>
+              <a:schemeClr val="tx1"/>
+            </a:solidFill>
+            <a:tailEnd type="triangle"/>
+          </a:ln>
+        </p:spPr>
+        <p:style>
+          <a:lnRef idx="1">
+            <a:schemeClr val="accent1"/>
+          </a:lnRef>
+          <a:fillRef idx="0">
+            <a:schemeClr val="accent1"/>
+          </a:fillRef>
+          <a:effectRef idx="0">
+            <a:schemeClr val="accent1"/>
+          </a:effectRef>
+          <a:fontRef idx="minor">
+            <a:schemeClr val="tx1"/>
+          </a:fontRef>
+        </p:style>
+      </p:cxnSp>
+      <p:cxnSp>
+        <p:nvCxnSpPr>
+          <p:cNvPr id="13" name="Connector: Elbow 12">
+            <a:extLst>
+              <a:ext uri="{FF2B5EF4-FFF2-40B4-BE49-F238E27FC236}">
+                <a16:creationId xmlns:a16="http://schemas.microsoft.com/office/drawing/2014/main" id="{C95F5409-B210-48D9-8DF0-930EE22E898B}"/>
+              </a:ext>
+            </a:extLst>
+          </p:cNvPr>
+          <p:cNvCxnSpPr>
+            <a:cxnSpLocks/>
+          </p:cNvCxnSpPr>
+          <p:nvPr/>
+        </p:nvCxnSpPr>
+        <p:spPr>
+          <a:xfrm rot="10800000">
+            <a:off x="1905548" y="3719511"/>
+            <a:ext cx="313899" cy="176105"/>
+          </a:xfrm>
+          <a:prstGeom prst="bentConnector3">
+            <a:avLst>
+              <a:gd name="adj1" fmla="val 100000"/>
+            </a:avLst>
+          </a:prstGeom>
+          <a:ln>
+            <a:solidFill>
+              <a:schemeClr val="tx1"/>
+            </a:solidFill>
+            <a:tailEnd type="triangle"/>
+          </a:ln>
+        </p:spPr>
+        <p:style>
+          <a:lnRef idx="1">
+            <a:schemeClr val="accent1"/>
+          </a:lnRef>
+          <a:fillRef idx="0">
+            <a:schemeClr val="accent1"/>
+          </a:fillRef>
+          <a:effectRef idx="0">
+            <a:schemeClr val="accent1"/>
+          </a:effectRef>
+          <a:fontRef idx="minor">
+            <a:schemeClr val="tx1"/>
+          </a:fontRef>
+        </p:style>
+      </p:cxnSp>
+      <p:cxnSp>
+        <p:nvCxnSpPr>
+          <p:cNvPr id="14" name="Connector: Elbow 13">
+            <a:extLst>
+              <a:ext uri="{FF2B5EF4-FFF2-40B4-BE49-F238E27FC236}">
+                <a16:creationId xmlns:a16="http://schemas.microsoft.com/office/drawing/2014/main" id="{F641F70D-F3BD-40D3-9A7A-A00206B931AC}"/>
+              </a:ext>
+            </a:extLst>
+          </p:cNvPr>
+          <p:cNvCxnSpPr>
+            <a:cxnSpLocks/>
+          </p:cNvCxnSpPr>
+          <p:nvPr/>
+        </p:nvCxnSpPr>
+        <p:spPr>
+          <a:xfrm rot="10800000">
+            <a:off x="1905546" y="2985622"/>
+            <a:ext cx="313899" cy="176105"/>
+          </a:xfrm>
+          <a:prstGeom prst="bentConnector3">
+            <a:avLst>
+              <a:gd name="adj1" fmla="val 100000"/>
+            </a:avLst>
+          </a:prstGeom>
+          <a:ln>
+            <a:solidFill>
+              <a:schemeClr val="tx1"/>
+            </a:solidFill>
+            <a:tailEnd type="triangle"/>
+          </a:ln>
+        </p:spPr>
+        <p:style>
+          <a:lnRef idx="1">
+            <a:schemeClr val="accent1"/>
+          </a:lnRef>
+          <a:fillRef idx="0">
+            <a:schemeClr val="accent1"/>
+          </a:fillRef>
+          <a:effectRef idx="0">
+            <a:schemeClr val="accent1"/>
+          </a:effectRef>
+          <a:fontRef idx="minor">
+            <a:schemeClr val="tx1"/>
+          </a:fontRef>
+        </p:style>
+      </p:cxnSp>
+      <p:pic>
+        <p:nvPicPr>
+          <p:cNvPr id="17" name="Picture 16">
+            <a:extLst>
+              <a:ext uri="{FF2B5EF4-FFF2-40B4-BE49-F238E27FC236}">
+                <a16:creationId xmlns:a16="http://schemas.microsoft.com/office/drawing/2014/main" id="{BA43F43F-CAB8-4450-8156-062A8328D12B}"/>
+              </a:ext>
+            </a:extLst>
+          </p:cNvPr>
+          <p:cNvPicPr>
+            <a:picLocks noChangeAspect="1"/>
+          </p:cNvPicPr>
+          <p:nvPr/>
+        </p:nvPicPr>
+        <p:blipFill>
+          <a:blip r:embed="rId2">
+            <a:extLst>
+              <a:ext uri="{28A0092B-C50C-407E-A947-70E740481C1C}">
+                <a14:useLocalDpi xmlns:a14="http://schemas.microsoft.com/office/drawing/2010/main" val="0"/>
+              </a:ext>
+            </a:extLst>
+          </a:blip>
+          <a:stretch>
+            <a:fillRect/>
+          </a:stretch>
+        </p:blipFill>
+        <p:spPr>
+          <a:xfrm>
+            <a:off x="6478228" y="1869539"/>
+            <a:ext cx="3730315" cy="3730315"/>
+          </a:xfrm>
+          <a:prstGeom prst="rect">
+            <a:avLst/>
+          </a:prstGeom>
+        </p:spPr>
+      </p:pic>
     </p:spTree>
     <p:extLst>
       <p:ext uri="{BB962C8B-B14F-4D97-AF65-F5344CB8AC3E}">
@@ -12078,15 +12637,15 @@
           <p:cNvPr id="2" name="Title 1">
             <a:extLst>
               <a:ext uri="{FF2B5EF4-FFF2-40B4-BE49-F238E27FC236}">
-                <a16:creationId xmlns:a16="http://schemas.microsoft.com/office/drawing/2014/main" id="{E70A9256-B94E-4906-AE3B-2C8B8A84F779}"/>
-              </a:ext>
-            </a:extLst>
-          </p:cNvPr>
-          <p:cNvSpPr>
-            <a:spLocks noGrp="1"/>
-          </p:cNvSpPr>
-          <p:nvPr>
-            <p:ph type="ctrTitle"/>
+                <a16:creationId xmlns:a16="http://schemas.microsoft.com/office/drawing/2014/main" id="{889DDB1C-0E2B-4746-AE97-9A3050BA3AE7}"/>
+              </a:ext>
+            </a:extLst>
+          </p:cNvPr>
+          <p:cNvSpPr>
+            <a:spLocks noGrp="1"/>
+          </p:cNvSpPr>
+          <p:nvPr>
+            <p:ph type="title"/>
           </p:nvPr>
         </p:nvSpPr>
         <p:spPr/>
@@ -12096,37 +12655,315 @@
           <a:p>
             <a:r>
               <a:rPr lang="en-US" dirty="0"/>
-              <a:t>Part-III: Implementation</a:t>
-            </a:r>
-          </a:p>
-        </p:txBody>
-      </p:sp>
-      <p:sp>
-        <p:nvSpPr>
-          <p:cNvPr id="3" name="Subtitle 2">
-            <a:extLst>
-              <a:ext uri="{FF2B5EF4-FFF2-40B4-BE49-F238E27FC236}">
-                <a16:creationId xmlns:a16="http://schemas.microsoft.com/office/drawing/2014/main" id="{2061AEC8-B482-412B-B2D2-93BAC5BC5F88}"/>
-              </a:ext>
-            </a:extLst>
-          </p:cNvPr>
-          <p:cNvSpPr>
-            <a:spLocks noGrp="1"/>
-          </p:cNvSpPr>
-          <p:nvPr>
-            <p:ph type="subTitle" idx="1"/>
-          </p:nvPr>
-        </p:nvSpPr>
-        <p:spPr/>
+              <a:t>Domain Driven Design</a:t>
+            </a:r>
+            <a:br>
+              <a:rPr lang="en-US" dirty="0"/>
+            </a:br>
+            <a:r>
+              <a:rPr lang="en-US" sz="3600" dirty="0"/>
+              <a:t>Core building Blocks</a:t>
+            </a:r>
+            <a:endParaRPr lang="en-US" dirty="0"/>
+          </a:p>
+        </p:txBody>
+      </p:sp>
+      <p:sp>
+        <p:nvSpPr>
+          <p:cNvPr id="3" name="Content Placeholder 2">
+            <a:extLst>
+              <a:ext uri="{FF2B5EF4-FFF2-40B4-BE49-F238E27FC236}">
+                <a16:creationId xmlns:a16="http://schemas.microsoft.com/office/drawing/2014/main" id="{C4F6817E-1144-4AB5-9037-3E6E7C86E45B}"/>
+              </a:ext>
+            </a:extLst>
+          </p:cNvPr>
+          <p:cNvSpPr>
+            <a:spLocks noGrp="1"/>
+          </p:cNvSpPr>
+          <p:nvPr>
+            <p:ph idx="1"/>
+          </p:nvPr>
+        </p:nvSpPr>
+        <p:spPr>
+          <a:xfrm>
+            <a:off x="838200" y="1825625"/>
+            <a:ext cx="4298576" cy="4351338"/>
+          </a:xfrm>
+        </p:spPr>
         <p:txBody>
           <a:bodyPr>
             <a:normAutofit/>
           </a:bodyPr>
           <a:lstStyle/>
           <a:p>
-            <a:r>
-              <a:rPr lang="en-US" dirty="0"/>
-              <a:t>Implementing Domain Driven Design (DDD)</a:t>
+            <a:pPr marL="0" indent="0">
+              <a:buNone/>
+            </a:pPr>
+            <a:r>
+              <a:rPr lang="en-US" b="1" u="sng" dirty="0"/>
+              <a:t>Domain Layer</a:t>
+            </a:r>
+          </a:p>
+          <a:p>
+            <a:r>
+              <a:rPr lang="en-US" dirty="0"/>
+              <a:t>Entity</a:t>
+            </a:r>
+          </a:p>
+          <a:p>
+            <a:r>
+              <a:rPr lang="en-US" dirty="0"/>
+              <a:t>Aggregate Root</a:t>
+            </a:r>
+          </a:p>
+          <a:p>
+            <a:r>
+              <a:rPr lang="en-US" dirty="0"/>
+              <a:t>Value Object</a:t>
+            </a:r>
+          </a:p>
+          <a:p>
+            <a:r>
+              <a:rPr lang="en-US" dirty="0"/>
+              <a:t>Repository</a:t>
+            </a:r>
+          </a:p>
+          <a:p>
+            <a:r>
+              <a:rPr lang="en-US" dirty="0"/>
+              <a:t>Domain Service</a:t>
+            </a:r>
+          </a:p>
+          <a:p>
+            <a:r>
+              <a:rPr lang="en-US" dirty="0"/>
+              <a:t>Specification</a:t>
+            </a:r>
+          </a:p>
+          <a:p>
+            <a:r>
+              <a:rPr lang="en-US" dirty="0"/>
+              <a:t>Domain Events</a:t>
+            </a:r>
+          </a:p>
+        </p:txBody>
+      </p:sp>
+      <p:sp>
+        <p:nvSpPr>
+          <p:cNvPr id="4" name="Content Placeholder 2">
+            <a:extLst>
+              <a:ext uri="{FF2B5EF4-FFF2-40B4-BE49-F238E27FC236}">
+                <a16:creationId xmlns:a16="http://schemas.microsoft.com/office/drawing/2014/main" id="{6162CC48-1C63-4890-A754-5BF2054A429F}"/>
+              </a:ext>
+            </a:extLst>
+          </p:cNvPr>
+          <p:cNvSpPr txBox="1">
+            <a:spLocks/>
+          </p:cNvSpPr>
+          <p:nvPr/>
+        </p:nvSpPr>
+        <p:spPr>
+          <a:xfrm>
+            <a:off x="5966012" y="1825625"/>
+            <a:ext cx="4356847" cy="4351338"/>
+          </a:xfrm>
+          <a:prstGeom prst="rect">
+            <a:avLst/>
+          </a:prstGeom>
+        </p:spPr>
+        <p:txBody>
+          <a:bodyPr vert="horz" lIns="91440" tIns="45720" rIns="91440" bIns="45720" rtlCol="0">
+            <a:normAutofit/>
+          </a:bodyPr>
+          <a:lstStyle>
+            <a:lvl1pPr marL="228600" indent="-228600" algn="l" defTabSz="914400" rtl="0" eaLnBrk="1" latinLnBrk="0" hangingPunct="1">
+              <a:lnSpc>
+                <a:spcPct val="90000"/>
+              </a:lnSpc>
+              <a:spcBef>
+                <a:spcPts val="1000"/>
+              </a:spcBef>
+              <a:buFont typeface="Arial" panose="020B0604020202020204" pitchFamily="34" charset="0"/>
+              <a:buChar char="•"/>
+              <a:defRPr sz="2800" kern="1200">
+                <a:solidFill>
+                  <a:schemeClr val="tx1"/>
+                </a:solidFill>
+                <a:latin typeface="+mn-lt"/>
+                <a:ea typeface="+mn-ea"/>
+                <a:cs typeface="+mn-cs"/>
+              </a:defRPr>
+            </a:lvl1pPr>
+            <a:lvl2pPr marL="685800" indent="-228600" algn="l" defTabSz="914400" rtl="0" eaLnBrk="1" latinLnBrk="0" hangingPunct="1">
+              <a:lnSpc>
+                <a:spcPct val="90000"/>
+              </a:lnSpc>
+              <a:spcBef>
+                <a:spcPts val="500"/>
+              </a:spcBef>
+              <a:buFont typeface="Arial" panose="020B0604020202020204" pitchFamily="34" charset="0"/>
+              <a:buChar char="•"/>
+              <a:defRPr sz="2400" kern="1200">
+                <a:solidFill>
+                  <a:schemeClr val="tx1"/>
+                </a:solidFill>
+                <a:latin typeface="+mn-lt"/>
+                <a:ea typeface="+mn-ea"/>
+                <a:cs typeface="+mn-cs"/>
+              </a:defRPr>
+            </a:lvl2pPr>
+            <a:lvl3pPr marL="1143000" indent="-228600" algn="l" defTabSz="914400" rtl="0" eaLnBrk="1" latinLnBrk="0" hangingPunct="1">
+              <a:lnSpc>
+                <a:spcPct val="90000"/>
+              </a:lnSpc>
+              <a:spcBef>
+                <a:spcPts val="500"/>
+              </a:spcBef>
+              <a:buFont typeface="Arial" panose="020B0604020202020204" pitchFamily="34" charset="0"/>
+              <a:buChar char="•"/>
+              <a:defRPr sz="2000" kern="1200">
+                <a:solidFill>
+                  <a:schemeClr val="tx1"/>
+                </a:solidFill>
+                <a:latin typeface="+mn-lt"/>
+                <a:ea typeface="+mn-ea"/>
+                <a:cs typeface="+mn-cs"/>
+              </a:defRPr>
+            </a:lvl3pPr>
+            <a:lvl4pPr marL="1600200" indent="-228600" algn="l" defTabSz="914400" rtl="0" eaLnBrk="1" latinLnBrk="0" hangingPunct="1">
+              <a:lnSpc>
+                <a:spcPct val="90000"/>
+              </a:lnSpc>
+              <a:spcBef>
+                <a:spcPts val="500"/>
+              </a:spcBef>
+              <a:buFont typeface="Arial" panose="020B0604020202020204" pitchFamily="34" charset="0"/>
+              <a:buChar char="•"/>
+              <a:defRPr sz="1800" kern="1200">
+                <a:solidFill>
+                  <a:schemeClr val="tx1"/>
+                </a:solidFill>
+                <a:latin typeface="+mn-lt"/>
+                <a:ea typeface="+mn-ea"/>
+                <a:cs typeface="+mn-cs"/>
+              </a:defRPr>
+            </a:lvl4pPr>
+            <a:lvl5pPr marL="2057400" indent="-228600" algn="l" defTabSz="914400" rtl="0" eaLnBrk="1" latinLnBrk="0" hangingPunct="1">
+              <a:lnSpc>
+                <a:spcPct val="90000"/>
+              </a:lnSpc>
+              <a:spcBef>
+                <a:spcPts val="500"/>
+              </a:spcBef>
+              <a:buFont typeface="Arial" panose="020B0604020202020204" pitchFamily="34" charset="0"/>
+              <a:buChar char="•"/>
+              <a:defRPr sz="1800" kern="1200">
+                <a:solidFill>
+                  <a:schemeClr val="tx1"/>
+                </a:solidFill>
+                <a:latin typeface="+mn-lt"/>
+                <a:ea typeface="+mn-ea"/>
+                <a:cs typeface="+mn-cs"/>
+              </a:defRPr>
+            </a:lvl5pPr>
+            <a:lvl6pPr marL="2514600" indent="-228600" algn="l" defTabSz="914400" rtl="0" eaLnBrk="1" latinLnBrk="0" hangingPunct="1">
+              <a:lnSpc>
+                <a:spcPct val="90000"/>
+              </a:lnSpc>
+              <a:spcBef>
+                <a:spcPts val="500"/>
+              </a:spcBef>
+              <a:buFont typeface="Arial" panose="020B0604020202020204" pitchFamily="34" charset="0"/>
+              <a:buChar char="•"/>
+              <a:defRPr sz="1800" kern="1200">
+                <a:solidFill>
+                  <a:schemeClr val="tx1"/>
+                </a:solidFill>
+                <a:latin typeface="+mn-lt"/>
+                <a:ea typeface="+mn-ea"/>
+                <a:cs typeface="+mn-cs"/>
+              </a:defRPr>
+            </a:lvl6pPr>
+            <a:lvl7pPr marL="2971800" indent="-228600" algn="l" defTabSz="914400" rtl="0" eaLnBrk="1" latinLnBrk="0" hangingPunct="1">
+              <a:lnSpc>
+                <a:spcPct val="90000"/>
+              </a:lnSpc>
+              <a:spcBef>
+                <a:spcPts val="500"/>
+              </a:spcBef>
+              <a:buFont typeface="Arial" panose="020B0604020202020204" pitchFamily="34" charset="0"/>
+              <a:buChar char="•"/>
+              <a:defRPr sz="1800" kern="1200">
+                <a:solidFill>
+                  <a:schemeClr val="tx1"/>
+                </a:solidFill>
+                <a:latin typeface="+mn-lt"/>
+                <a:ea typeface="+mn-ea"/>
+                <a:cs typeface="+mn-cs"/>
+              </a:defRPr>
+            </a:lvl7pPr>
+            <a:lvl8pPr marL="3429000" indent="-228600" algn="l" defTabSz="914400" rtl="0" eaLnBrk="1" latinLnBrk="0" hangingPunct="1">
+              <a:lnSpc>
+                <a:spcPct val="90000"/>
+              </a:lnSpc>
+              <a:spcBef>
+                <a:spcPts val="500"/>
+              </a:spcBef>
+              <a:buFont typeface="Arial" panose="020B0604020202020204" pitchFamily="34" charset="0"/>
+              <a:buChar char="•"/>
+              <a:defRPr sz="1800" kern="1200">
+                <a:solidFill>
+                  <a:schemeClr val="tx1"/>
+                </a:solidFill>
+                <a:latin typeface="+mn-lt"/>
+                <a:ea typeface="+mn-ea"/>
+                <a:cs typeface="+mn-cs"/>
+              </a:defRPr>
+            </a:lvl8pPr>
+            <a:lvl9pPr marL="3886200" indent="-228600" algn="l" defTabSz="914400" rtl="0" eaLnBrk="1" latinLnBrk="0" hangingPunct="1">
+              <a:lnSpc>
+                <a:spcPct val="90000"/>
+              </a:lnSpc>
+              <a:spcBef>
+                <a:spcPts val="500"/>
+              </a:spcBef>
+              <a:buFont typeface="Arial" panose="020B0604020202020204" pitchFamily="34" charset="0"/>
+              <a:buChar char="•"/>
+              <a:defRPr sz="1800" kern="1200">
+                <a:solidFill>
+                  <a:schemeClr val="tx1"/>
+                </a:solidFill>
+                <a:latin typeface="+mn-lt"/>
+                <a:ea typeface="+mn-ea"/>
+                <a:cs typeface="+mn-cs"/>
+              </a:defRPr>
+            </a:lvl9pPr>
+          </a:lstStyle>
+          <a:p>
+            <a:pPr marL="0" indent="0">
+              <a:buNone/>
+            </a:pPr>
+            <a:r>
+              <a:rPr lang="en-US" b="1" u="sng" dirty="0"/>
+              <a:t>Application Layer</a:t>
+            </a:r>
+          </a:p>
+          <a:p>
+            <a:r>
+              <a:rPr lang="en-US" dirty="0"/>
+              <a:t>Application Service</a:t>
+            </a:r>
+          </a:p>
+          <a:p>
+            <a:r>
+              <a:rPr lang="en-US" dirty="0"/>
+              <a:t>Data Transfer Object (DTO)</a:t>
+            </a:r>
+          </a:p>
+          <a:p>
+            <a:r>
+              <a:rPr lang="en-US" dirty="0"/>
+              <a:t>Unit of Work</a:t>
             </a:r>
           </a:p>
         </p:txBody>
@@ -12134,7 +12971,7 @@
     </p:spTree>
     <p:extLst>
       <p:ext uri="{BB962C8B-B14F-4D97-AF65-F5344CB8AC3E}">
-        <p14:creationId xmlns:p14="http://schemas.microsoft.com/office/powerpoint/2010/main" val="1905821084"/>
+        <p14:creationId xmlns:p14="http://schemas.microsoft.com/office/powerpoint/2010/main" val="636907774"/>
       </p:ext>
     </p:extLst>
   </p:cSld>
@@ -12166,7 +13003,7 @@
           <p:cNvPr id="2" name="Title 1">
             <a:extLst>
               <a:ext uri="{FF2B5EF4-FFF2-40B4-BE49-F238E27FC236}">
-                <a16:creationId xmlns:a16="http://schemas.microsoft.com/office/drawing/2014/main" id="{A52ED505-C8F9-4775-94A9-F492F8BA910F}"/>
+                <a16:creationId xmlns:a16="http://schemas.microsoft.com/office/drawing/2014/main" id="{EA2EBA57-5717-4DBF-B5E2-E83CA6D63FAD}"/>
               </a:ext>
             </a:extLst>
           </p:cNvPr>
@@ -12184,16 +13021,15 @@
           <a:p>
             <a:r>
               <a:rPr lang="en-US" dirty="0"/>
-              <a:t>Aggregate Roots</a:t>
+              <a:t>Domain Driven Design</a:t>
             </a:r>
             <a:br>
               <a:rPr lang="en-US" dirty="0"/>
             </a:br>
             <a:r>
               <a:rPr lang="en-US" sz="3600" dirty="0"/>
-              <a:t>Principles</a:t>
-            </a:r>
-            <a:endParaRPr lang="en-US" dirty="0"/>
+              <a:t>Common Rules</a:t>
+            </a:r>
           </a:p>
         </p:txBody>
       </p:sp>
@@ -12202,7 +13038,7 @@
           <p:cNvPr id="3" name="Content Placeholder 2">
             <a:extLst>
               <a:ext uri="{FF2B5EF4-FFF2-40B4-BE49-F238E27FC236}">
-                <a16:creationId xmlns:a16="http://schemas.microsoft.com/office/drawing/2014/main" id="{8BD29895-6FF8-4EDC-B65C-A27B01E4AF2B}"/>
+                <a16:creationId xmlns:a16="http://schemas.microsoft.com/office/drawing/2014/main" id="{BC60F036-2AD2-4EFE-8648-A7BD66F6E95C}"/>
               </a:ext>
             </a:extLst>
           </p:cNvPr>
@@ -12220,19 +13056,31 @@
           <a:p>
             <a:r>
               <a:rPr lang="en-US" dirty="0"/>
-              <a:t>Should maintain self integrity &amp; validity</a:t>
-            </a:r>
-          </a:p>
-          <a:p>
-            <a:r>
-              <a:rPr lang="en-US" dirty="0"/>
-              <a:t>Implements domain rules</a:t>
-            </a:r>
-          </a:p>
-          <a:p>
-            <a:r>
-              <a:rPr lang="en-US" dirty="0"/>
-              <a:t>Saved &amp; retrieved as a single unit (with sub-collections)</a:t>
+              <a:t>Database / ORM independence</a:t>
+            </a:r>
+          </a:p>
+          <a:p>
+            <a:r>
+              <a:rPr lang="en-US" dirty="0"/>
+              <a:t>Presentation technology agnostic</a:t>
+            </a:r>
+          </a:p>
+          <a:p>
+            <a:r>
+              <a:rPr lang="en-US" dirty="0"/>
+              <a:t>Doesn’t care about reporting / mass querying</a:t>
+            </a:r>
+          </a:p>
+          <a:p>
+            <a:r>
+              <a:rPr lang="en-US" dirty="0"/>
+              <a:t>Focuses on state changes of domain objects</a:t>
+            </a:r>
+          </a:p>
+          <a:p>
+            <a:r>
+              <a:rPr lang="en-US" dirty="0"/>
+              <a:t>…TODO</a:t>
             </a:r>
           </a:p>
         </p:txBody>
@@ -12240,7 +13088,7 @@
     </p:spTree>
     <p:extLst>
       <p:ext uri="{BB962C8B-B14F-4D97-AF65-F5344CB8AC3E}">
-        <p14:creationId xmlns:p14="http://schemas.microsoft.com/office/powerpoint/2010/main" val="874947053"/>
+        <p14:creationId xmlns:p14="http://schemas.microsoft.com/office/powerpoint/2010/main" val="703653252"/>
       </p:ext>
     </p:extLst>
   </p:cSld>
